--- a/PPT/Class period 17_5.pptx
+++ b/PPT/Class period 17_5.pptx
@@ -8,19 +8,19 @@
     <p:notesMasterId r:id="rId15"/>
   </p:notesMasterIdLst>
   <p:sldIdLst>
-    <p:sldId id="552" r:id="rId2"/>
-    <p:sldId id="553" r:id="rId3"/>
-    <p:sldId id="554" r:id="rId4"/>
-    <p:sldId id="555" r:id="rId5"/>
-    <p:sldId id="556" r:id="rId6"/>
-    <p:sldId id="557" r:id="rId7"/>
-    <p:sldId id="558" r:id="rId8"/>
-    <p:sldId id="559" r:id="rId9"/>
-    <p:sldId id="560" r:id="rId10"/>
-    <p:sldId id="561" r:id="rId11"/>
-    <p:sldId id="562" r:id="rId12"/>
-    <p:sldId id="563" r:id="rId13"/>
-    <p:sldId id="564" r:id="rId14"/>
+    <p:sldId id="572" r:id="rId2"/>
+    <p:sldId id="573" r:id="rId3"/>
+    <p:sldId id="574" r:id="rId4"/>
+    <p:sldId id="575" r:id="rId5"/>
+    <p:sldId id="576" r:id="rId6"/>
+    <p:sldId id="577" r:id="rId7"/>
+    <p:sldId id="578" r:id="rId8"/>
+    <p:sldId id="579" r:id="rId9"/>
+    <p:sldId id="580" r:id="rId10"/>
+    <p:sldId id="581" r:id="rId11"/>
+    <p:sldId id="582" r:id="rId12"/>
+    <p:sldId id="583" r:id="rId13"/>
+    <p:sldId id="584" r:id="rId14"/>
   </p:sldIdLst>
   <p:sldSz cx="12192000" cy="6858000"/>
   <p:notesSz cx="6858000" cy="9144000"/>
@@ -202,9 +202,9 @@
             </a:lvl1pPr>
           </a:lstStyle>
           <a:p>
-            <a:fld id="{4865AEB9-3F69-43CC-84B2-F1072027B1CD}" type="datetimeFigureOut">
+            <a:fld id="{79DCF7BC-BF65-4E6E-887D-D656AD2B2892}" type="datetimeFigureOut">
               <a:rPr lang="en-US" smtClean="0"/>
-              <a:t>3/27/2024</a:t>
+              <a:t>4/20/2024</a:t>
             </a:fld>
             <a:endParaRPr lang="en-US"/>
           </a:p>
@@ -360,7 +360,7 @@
             </a:lvl1pPr>
           </a:lstStyle>
           <a:p>
-            <a:fld id="{B061ECD4-3C82-4360-9EF4-DA2CF641D04D}" type="slidenum">
+            <a:fld id="{0F183B1F-7161-44A0-8E0B-3852301D3826}" type="slidenum">
               <a:rPr lang="en-US" smtClean="0"/>
               <a:t>‹#›</a:t>
             </a:fld>
@@ -371,7 +371,7 @@
     </p:spTree>
     <p:extLst>
       <p:ext uri="{BB962C8B-B14F-4D97-AF65-F5344CB8AC3E}">
-        <p14:creationId xmlns:p14="http://schemas.microsoft.com/office/powerpoint/2010/main" val="1388874137"/>
+        <p14:creationId xmlns:p14="http://schemas.microsoft.com/office/powerpoint/2010/main" val="1878423341"/>
       </p:ext>
     </p:extLst>
   </p:cSld>
@@ -545,7 +545,7 @@
     </p:spTree>
     <p:extLst>
       <p:ext uri="{BB962C8B-B14F-4D97-AF65-F5344CB8AC3E}">
-        <p14:creationId xmlns:p14="http://schemas.microsoft.com/office/powerpoint/2010/main" val="3075708048"/>
+        <p14:creationId xmlns:p14="http://schemas.microsoft.com/office/powerpoint/2010/main" val="392557971"/>
       </p:ext>
     </p:extLst>
   </p:cSld>
@@ -629,7 +629,7 @@
     </p:spTree>
     <p:extLst>
       <p:ext uri="{BB962C8B-B14F-4D97-AF65-F5344CB8AC3E}">
-        <p14:creationId xmlns:p14="http://schemas.microsoft.com/office/powerpoint/2010/main" val="3279566050"/>
+        <p14:creationId xmlns:p14="http://schemas.microsoft.com/office/powerpoint/2010/main" val="1033550541"/>
       </p:ext>
     </p:extLst>
   </p:cSld>
@@ -661,7 +661,7 @@
           <p:cNvPr id="2" name="Title 1">
             <a:extLst>
               <a:ext uri="{FF2B5EF4-FFF2-40B4-BE49-F238E27FC236}">
-                <a16:creationId xmlns:a16="http://schemas.microsoft.com/office/drawing/2014/main" id="{C37D0A77-68D4-21AA-105F-6431C58DE960}"/>
+                <a16:creationId xmlns:a16="http://schemas.microsoft.com/office/drawing/2014/main" id="{986F777C-B413-C075-95FA-0894C1F98C55}"/>
               </a:ext>
             </a:extLst>
           </p:cNvPr>
@@ -698,7 +698,7 @@
           <p:cNvPr id="3" name="Subtitle 2">
             <a:extLst>
               <a:ext uri="{FF2B5EF4-FFF2-40B4-BE49-F238E27FC236}">
-                <a16:creationId xmlns:a16="http://schemas.microsoft.com/office/drawing/2014/main" id="{229F4845-913F-1AD1-179B-4C221A10A59C}"/>
+                <a16:creationId xmlns:a16="http://schemas.microsoft.com/office/drawing/2014/main" id="{208C8321-B48F-B8A4-DD05-5F4A80263D00}"/>
               </a:ext>
             </a:extLst>
           </p:cNvPr>
@@ -768,7 +768,7 @@
           <p:cNvPr id="4" name="Date Placeholder 3">
             <a:extLst>
               <a:ext uri="{FF2B5EF4-FFF2-40B4-BE49-F238E27FC236}">
-                <a16:creationId xmlns:a16="http://schemas.microsoft.com/office/drawing/2014/main" id="{3879A9DA-C328-4A13-C86D-90053E5B75BB}"/>
+                <a16:creationId xmlns:a16="http://schemas.microsoft.com/office/drawing/2014/main" id="{0C50DDEE-0D17-8DCB-5519-EC2A310E1001}"/>
               </a:ext>
             </a:extLst>
           </p:cNvPr>
@@ -784,9 +784,9 @@
           <a:bodyPr/>
           <a:lstStyle/>
           <a:p>
-            <a:fld id="{8D8C8CA4-1845-4965-99F9-DF5824B28919}" type="datetimeFigureOut">
+            <a:fld id="{C4A7D27E-8974-45B6-ADF7-FB47EEAA7017}" type="datetimeFigureOut">
               <a:rPr lang="en-US" smtClean="0"/>
-              <a:t>3/27/2024</a:t>
+              <a:t>4/20/2024</a:t>
             </a:fld>
             <a:endParaRPr lang="en-US"/>
           </a:p>
@@ -797,7 +797,7 @@
           <p:cNvPr id="5" name="Footer Placeholder 4">
             <a:extLst>
               <a:ext uri="{FF2B5EF4-FFF2-40B4-BE49-F238E27FC236}">
-                <a16:creationId xmlns:a16="http://schemas.microsoft.com/office/drawing/2014/main" id="{BB7FD7E3-1AB1-B891-5629-51C393A578AE}"/>
+                <a16:creationId xmlns:a16="http://schemas.microsoft.com/office/drawing/2014/main" id="{7B3FE75D-A6F8-DDCF-96A1-9BB2B32F8653}"/>
               </a:ext>
             </a:extLst>
           </p:cNvPr>
@@ -822,7 +822,7 @@
           <p:cNvPr id="6" name="Slide Number Placeholder 5">
             <a:extLst>
               <a:ext uri="{FF2B5EF4-FFF2-40B4-BE49-F238E27FC236}">
-                <a16:creationId xmlns:a16="http://schemas.microsoft.com/office/drawing/2014/main" id="{2D77D036-C266-CD67-A4B8-8DBD4A4D8717}"/>
+                <a16:creationId xmlns:a16="http://schemas.microsoft.com/office/drawing/2014/main" id="{C206BAA6-A40F-441A-6174-29A8CBD5B461}"/>
               </a:ext>
             </a:extLst>
           </p:cNvPr>
@@ -838,7 +838,7 @@
           <a:bodyPr/>
           <a:lstStyle/>
           <a:p>
-            <a:fld id="{35976131-F69C-4E74-9607-76206E08AC91}" type="slidenum">
+            <a:fld id="{97ADAE06-ECA7-4E00-93BD-83A5244E8572}" type="slidenum">
               <a:rPr lang="en-US" smtClean="0"/>
               <a:t>‹#›</a:t>
             </a:fld>
@@ -849,7 +849,7 @@
     </p:spTree>
     <p:extLst>
       <p:ext uri="{BB962C8B-B14F-4D97-AF65-F5344CB8AC3E}">
-        <p14:creationId xmlns:p14="http://schemas.microsoft.com/office/powerpoint/2010/main" val="2606697562"/>
+        <p14:creationId xmlns:p14="http://schemas.microsoft.com/office/powerpoint/2010/main" val="4212847188"/>
       </p:ext>
     </p:extLst>
   </p:cSld>
@@ -881,7 +881,7 @@
           <p:cNvPr id="2" name="Title 1">
             <a:extLst>
               <a:ext uri="{FF2B5EF4-FFF2-40B4-BE49-F238E27FC236}">
-                <a16:creationId xmlns:a16="http://schemas.microsoft.com/office/drawing/2014/main" id="{216F6110-FFE7-D531-D14F-6F0F14159751}"/>
+                <a16:creationId xmlns:a16="http://schemas.microsoft.com/office/drawing/2014/main" id="{CEB36ED4-E402-8024-9CEB-EE823CF424BD}"/>
               </a:ext>
             </a:extLst>
           </p:cNvPr>
@@ -909,7 +909,7 @@
           <p:cNvPr id="3" name="Vertical Text Placeholder 2">
             <a:extLst>
               <a:ext uri="{FF2B5EF4-FFF2-40B4-BE49-F238E27FC236}">
-                <a16:creationId xmlns:a16="http://schemas.microsoft.com/office/drawing/2014/main" id="{21A0E334-28E0-9D2D-3B30-0489AD4D2DFD}"/>
+                <a16:creationId xmlns:a16="http://schemas.microsoft.com/office/drawing/2014/main" id="{02ABDF7B-C5FA-1B24-F4EF-33C9EB107B25}"/>
               </a:ext>
             </a:extLst>
           </p:cNvPr>
@@ -966,7 +966,7 @@
           <p:cNvPr id="4" name="Date Placeholder 3">
             <a:extLst>
               <a:ext uri="{FF2B5EF4-FFF2-40B4-BE49-F238E27FC236}">
-                <a16:creationId xmlns:a16="http://schemas.microsoft.com/office/drawing/2014/main" id="{A8301EDD-0893-3DAD-0D05-2CD1CC19D349}"/>
+                <a16:creationId xmlns:a16="http://schemas.microsoft.com/office/drawing/2014/main" id="{65728BDE-0E43-EC55-499A-40639D01919D}"/>
               </a:ext>
             </a:extLst>
           </p:cNvPr>
@@ -982,9 +982,9 @@
           <a:bodyPr/>
           <a:lstStyle/>
           <a:p>
-            <a:fld id="{8D8C8CA4-1845-4965-99F9-DF5824B28919}" type="datetimeFigureOut">
+            <a:fld id="{C4A7D27E-8974-45B6-ADF7-FB47EEAA7017}" type="datetimeFigureOut">
               <a:rPr lang="en-US" smtClean="0"/>
-              <a:t>3/27/2024</a:t>
+              <a:t>4/20/2024</a:t>
             </a:fld>
             <a:endParaRPr lang="en-US"/>
           </a:p>
@@ -995,7 +995,7 @@
           <p:cNvPr id="5" name="Footer Placeholder 4">
             <a:extLst>
               <a:ext uri="{FF2B5EF4-FFF2-40B4-BE49-F238E27FC236}">
-                <a16:creationId xmlns:a16="http://schemas.microsoft.com/office/drawing/2014/main" id="{13132DED-3E33-7FDB-3C8C-54910D597A46}"/>
+                <a16:creationId xmlns:a16="http://schemas.microsoft.com/office/drawing/2014/main" id="{7E51F934-E68A-5BC1-E94C-C4471012D46D}"/>
               </a:ext>
             </a:extLst>
           </p:cNvPr>
@@ -1020,7 +1020,7 @@
           <p:cNvPr id="6" name="Slide Number Placeholder 5">
             <a:extLst>
               <a:ext uri="{FF2B5EF4-FFF2-40B4-BE49-F238E27FC236}">
-                <a16:creationId xmlns:a16="http://schemas.microsoft.com/office/drawing/2014/main" id="{80BDEA63-86A2-6A2B-C7C9-28A249418BA0}"/>
+                <a16:creationId xmlns:a16="http://schemas.microsoft.com/office/drawing/2014/main" id="{D677FEDB-E293-7D5B-026F-2785D1188B87}"/>
               </a:ext>
             </a:extLst>
           </p:cNvPr>
@@ -1036,7 +1036,7 @@
           <a:bodyPr/>
           <a:lstStyle/>
           <a:p>
-            <a:fld id="{35976131-F69C-4E74-9607-76206E08AC91}" type="slidenum">
+            <a:fld id="{97ADAE06-ECA7-4E00-93BD-83A5244E8572}" type="slidenum">
               <a:rPr lang="en-US" smtClean="0"/>
               <a:t>‹#›</a:t>
             </a:fld>
@@ -1047,7 +1047,7 @@
     </p:spTree>
     <p:extLst>
       <p:ext uri="{BB962C8B-B14F-4D97-AF65-F5344CB8AC3E}">
-        <p14:creationId xmlns:p14="http://schemas.microsoft.com/office/powerpoint/2010/main" val="3267468635"/>
+        <p14:creationId xmlns:p14="http://schemas.microsoft.com/office/powerpoint/2010/main" val="2669554856"/>
       </p:ext>
     </p:extLst>
   </p:cSld>
@@ -1079,7 +1079,7 @@
           <p:cNvPr id="2" name="Vertical Title 1">
             <a:extLst>
               <a:ext uri="{FF2B5EF4-FFF2-40B4-BE49-F238E27FC236}">
-                <a16:creationId xmlns:a16="http://schemas.microsoft.com/office/drawing/2014/main" id="{6B3C6103-5EE4-CCE4-481F-530992200B5B}"/>
+                <a16:creationId xmlns:a16="http://schemas.microsoft.com/office/drawing/2014/main" id="{05AD1567-E998-807A-AC19-93D434009A90}"/>
               </a:ext>
             </a:extLst>
           </p:cNvPr>
@@ -1112,7 +1112,7 @@
           <p:cNvPr id="3" name="Vertical Text Placeholder 2">
             <a:extLst>
               <a:ext uri="{FF2B5EF4-FFF2-40B4-BE49-F238E27FC236}">
-                <a16:creationId xmlns:a16="http://schemas.microsoft.com/office/drawing/2014/main" id="{ABBFD412-EB39-130E-4622-BF53FEDF540E}"/>
+                <a16:creationId xmlns:a16="http://schemas.microsoft.com/office/drawing/2014/main" id="{0A152755-98CD-5819-F323-E48BD53B2BF0}"/>
               </a:ext>
             </a:extLst>
           </p:cNvPr>
@@ -1174,7 +1174,7 @@
           <p:cNvPr id="4" name="Date Placeholder 3">
             <a:extLst>
               <a:ext uri="{FF2B5EF4-FFF2-40B4-BE49-F238E27FC236}">
-                <a16:creationId xmlns:a16="http://schemas.microsoft.com/office/drawing/2014/main" id="{B84B23CE-1AEA-4A3D-A777-CFAD4FD80B07}"/>
+                <a16:creationId xmlns:a16="http://schemas.microsoft.com/office/drawing/2014/main" id="{67C9C074-3C82-8267-D58B-EDFEC3FBA286}"/>
               </a:ext>
             </a:extLst>
           </p:cNvPr>
@@ -1190,9 +1190,9 @@
           <a:bodyPr/>
           <a:lstStyle/>
           <a:p>
-            <a:fld id="{8D8C8CA4-1845-4965-99F9-DF5824B28919}" type="datetimeFigureOut">
+            <a:fld id="{C4A7D27E-8974-45B6-ADF7-FB47EEAA7017}" type="datetimeFigureOut">
               <a:rPr lang="en-US" smtClean="0"/>
-              <a:t>3/27/2024</a:t>
+              <a:t>4/20/2024</a:t>
             </a:fld>
             <a:endParaRPr lang="en-US"/>
           </a:p>
@@ -1203,7 +1203,7 @@
           <p:cNvPr id="5" name="Footer Placeholder 4">
             <a:extLst>
               <a:ext uri="{FF2B5EF4-FFF2-40B4-BE49-F238E27FC236}">
-                <a16:creationId xmlns:a16="http://schemas.microsoft.com/office/drawing/2014/main" id="{38A9C6CF-B585-2B90-AFC6-91B478595380}"/>
+                <a16:creationId xmlns:a16="http://schemas.microsoft.com/office/drawing/2014/main" id="{BF0C3D38-7B5F-8B09-3335-8269A372445B}"/>
               </a:ext>
             </a:extLst>
           </p:cNvPr>
@@ -1228,7 +1228,7 @@
           <p:cNvPr id="6" name="Slide Number Placeholder 5">
             <a:extLst>
               <a:ext uri="{FF2B5EF4-FFF2-40B4-BE49-F238E27FC236}">
-                <a16:creationId xmlns:a16="http://schemas.microsoft.com/office/drawing/2014/main" id="{4DF06C4E-A30A-0191-3079-CAB7FE4D6A36}"/>
+                <a16:creationId xmlns:a16="http://schemas.microsoft.com/office/drawing/2014/main" id="{B734E5DF-3E2F-5AAC-57E4-4E33F1901B23}"/>
               </a:ext>
             </a:extLst>
           </p:cNvPr>
@@ -1244,7 +1244,7 @@
           <a:bodyPr/>
           <a:lstStyle/>
           <a:p>
-            <a:fld id="{35976131-F69C-4E74-9607-76206E08AC91}" type="slidenum">
+            <a:fld id="{97ADAE06-ECA7-4E00-93BD-83A5244E8572}" type="slidenum">
               <a:rPr lang="en-US" smtClean="0"/>
               <a:t>‹#›</a:t>
             </a:fld>
@@ -1255,7 +1255,7 @@
     </p:spTree>
     <p:extLst>
       <p:ext uri="{BB962C8B-B14F-4D97-AF65-F5344CB8AC3E}">
-        <p14:creationId xmlns:p14="http://schemas.microsoft.com/office/powerpoint/2010/main" val="978587643"/>
+        <p14:creationId xmlns:p14="http://schemas.microsoft.com/office/powerpoint/2010/main" val="2865718465"/>
       </p:ext>
     </p:extLst>
   </p:cSld>
@@ -1287,7 +1287,7 @@
           <p:cNvPr id="2" name="Title 1">
             <a:extLst>
               <a:ext uri="{FF2B5EF4-FFF2-40B4-BE49-F238E27FC236}">
-                <a16:creationId xmlns:a16="http://schemas.microsoft.com/office/drawing/2014/main" id="{03700B68-3FC0-EDB8-EA62-D8E83AB106F0}"/>
+                <a16:creationId xmlns:a16="http://schemas.microsoft.com/office/drawing/2014/main" id="{0BDCAD7E-D4D8-F616-AFAA-7CA327DD7779}"/>
               </a:ext>
             </a:extLst>
           </p:cNvPr>
@@ -1315,7 +1315,7 @@
           <p:cNvPr id="3" name="Content Placeholder 2">
             <a:extLst>
               <a:ext uri="{FF2B5EF4-FFF2-40B4-BE49-F238E27FC236}">
-                <a16:creationId xmlns:a16="http://schemas.microsoft.com/office/drawing/2014/main" id="{E16515AC-D930-FE3D-8777-745F2A700FD9}"/>
+                <a16:creationId xmlns:a16="http://schemas.microsoft.com/office/drawing/2014/main" id="{8E651CDC-DC62-EA43-4E6B-B47713176615}"/>
               </a:ext>
             </a:extLst>
           </p:cNvPr>
@@ -1372,7 +1372,7 @@
           <p:cNvPr id="4" name="Date Placeholder 3">
             <a:extLst>
               <a:ext uri="{FF2B5EF4-FFF2-40B4-BE49-F238E27FC236}">
-                <a16:creationId xmlns:a16="http://schemas.microsoft.com/office/drawing/2014/main" id="{06EDCD06-B44C-3F65-F500-0ABDB3F530E5}"/>
+                <a16:creationId xmlns:a16="http://schemas.microsoft.com/office/drawing/2014/main" id="{AA42223C-0BB8-3485-3CB6-AD02830D066E}"/>
               </a:ext>
             </a:extLst>
           </p:cNvPr>
@@ -1388,9 +1388,9 @@
           <a:bodyPr/>
           <a:lstStyle/>
           <a:p>
-            <a:fld id="{8D8C8CA4-1845-4965-99F9-DF5824B28919}" type="datetimeFigureOut">
+            <a:fld id="{C4A7D27E-8974-45B6-ADF7-FB47EEAA7017}" type="datetimeFigureOut">
               <a:rPr lang="en-US" smtClean="0"/>
-              <a:t>3/27/2024</a:t>
+              <a:t>4/20/2024</a:t>
             </a:fld>
             <a:endParaRPr lang="en-US"/>
           </a:p>
@@ -1401,7 +1401,7 @@
           <p:cNvPr id="5" name="Footer Placeholder 4">
             <a:extLst>
               <a:ext uri="{FF2B5EF4-FFF2-40B4-BE49-F238E27FC236}">
-                <a16:creationId xmlns:a16="http://schemas.microsoft.com/office/drawing/2014/main" id="{DC9BF626-287C-9A72-A8DB-04ABC7A75A9C}"/>
+                <a16:creationId xmlns:a16="http://schemas.microsoft.com/office/drawing/2014/main" id="{704BE390-4917-25B0-984F-6C6BA7232BC4}"/>
               </a:ext>
             </a:extLst>
           </p:cNvPr>
@@ -1426,7 +1426,7 @@
           <p:cNvPr id="6" name="Slide Number Placeholder 5">
             <a:extLst>
               <a:ext uri="{FF2B5EF4-FFF2-40B4-BE49-F238E27FC236}">
-                <a16:creationId xmlns:a16="http://schemas.microsoft.com/office/drawing/2014/main" id="{1B26701D-65B8-2936-D94E-4F84521BC23F}"/>
+                <a16:creationId xmlns:a16="http://schemas.microsoft.com/office/drawing/2014/main" id="{77C55B37-0094-A6D9-9AA6-C44207D31F12}"/>
               </a:ext>
             </a:extLst>
           </p:cNvPr>
@@ -1442,7 +1442,7 @@
           <a:bodyPr/>
           <a:lstStyle/>
           <a:p>
-            <a:fld id="{35976131-F69C-4E74-9607-76206E08AC91}" type="slidenum">
+            <a:fld id="{97ADAE06-ECA7-4E00-93BD-83A5244E8572}" type="slidenum">
               <a:rPr lang="en-US" smtClean="0"/>
               <a:t>‹#›</a:t>
             </a:fld>
@@ -1453,7 +1453,7 @@
     </p:spTree>
     <p:extLst>
       <p:ext uri="{BB962C8B-B14F-4D97-AF65-F5344CB8AC3E}">
-        <p14:creationId xmlns:p14="http://schemas.microsoft.com/office/powerpoint/2010/main" val="1436344519"/>
+        <p14:creationId xmlns:p14="http://schemas.microsoft.com/office/powerpoint/2010/main" val="889873883"/>
       </p:ext>
     </p:extLst>
   </p:cSld>
@@ -1485,7 +1485,7 @@
           <p:cNvPr id="2" name="Title 1">
             <a:extLst>
               <a:ext uri="{FF2B5EF4-FFF2-40B4-BE49-F238E27FC236}">
-                <a16:creationId xmlns:a16="http://schemas.microsoft.com/office/drawing/2014/main" id="{5512D559-4951-8CC3-AA48-EFE59E5CFE07}"/>
+                <a16:creationId xmlns:a16="http://schemas.microsoft.com/office/drawing/2014/main" id="{3FECF5E9-6194-0342-5C1D-460182203AA5}"/>
               </a:ext>
             </a:extLst>
           </p:cNvPr>
@@ -1522,7 +1522,7 @@
           <p:cNvPr id="3" name="Text Placeholder 2">
             <a:extLst>
               <a:ext uri="{FF2B5EF4-FFF2-40B4-BE49-F238E27FC236}">
-                <a16:creationId xmlns:a16="http://schemas.microsoft.com/office/drawing/2014/main" id="{AE7C2C9F-A4F1-B81B-4CEE-02041132E899}"/>
+                <a16:creationId xmlns:a16="http://schemas.microsoft.com/office/drawing/2014/main" id="{E5D1AA8A-DC31-21B3-1389-3DF9760531F7}"/>
               </a:ext>
             </a:extLst>
           </p:cNvPr>
@@ -1647,7 +1647,7 @@
           <p:cNvPr id="4" name="Date Placeholder 3">
             <a:extLst>
               <a:ext uri="{FF2B5EF4-FFF2-40B4-BE49-F238E27FC236}">
-                <a16:creationId xmlns:a16="http://schemas.microsoft.com/office/drawing/2014/main" id="{38A358EA-38B8-88E3-7082-053A9F4F884B}"/>
+                <a16:creationId xmlns:a16="http://schemas.microsoft.com/office/drawing/2014/main" id="{1DF2B283-6773-9BE6-4AC9-6FEE322C3F32}"/>
               </a:ext>
             </a:extLst>
           </p:cNvPr>
@@ -1663,9 +1663,9 @@
           <a:bodyPr/>
           <a:lstStyle/>
           <a:p>
-            <a:fld id="{8D8C8CA4-1845-4965-99F9-DF5824B28919}" type="datetimeFigureOut">
+            <a:fld id="{C4A7D27E-8974-45B6-ADF7-FB47EEAA7017}" type="datetimeFigureOut">
               <a:rPr lang="en-US" smtClean="0"/>
-              <a:t>3/27/2024</a:t>
+              <a:t>4/20/2024</a:t>
             </a:fld>
             <a:endParaRPr lang="en-US"/>
           </a:p>
@@ -1676,7 +1676,7 @@
           <p:cNvPr id="5" name="Footer Placeholder 4">
             <a:extLst>
               <a:ext uri="{FF2B5EF4-FFF2-40B4-BE49-F238E27FC236}">
-                <a16:creationId xmlns:a16="http://schemas.microsoft.com/office/drawing/2014/main" id="{60FFF12E-4640-2EFA-D857-8FA4BD924492}"/>
+                <a16:creationId xmlns:a16="http://schemas.microsoft.com/office/drawing/2014/main" id="{F3A98960-1E2C-8A6C-D727-06D763BFE203}"/>
               </a:ext>
             </a:extLst>
           </p:cNvPr>
@@ -1701,7 +1701,7 @@
           <p:cNvPr id="6" name="Slide Number Placeholder 5">
             <a:extLst>
               <a:ext uri="{FF2B5EF4-FFF2-40B4-BE49-F238E27FC236}">
-                <a16:creationId xmlns:a16="http://schemas.microsoft.com/office/drawing/2014/main" id="{D1E341E4-361D-CD9B-AD6F-9D6ACCCA62B7}"/>
+                <a16:creationId xmlns:a16="http://schemas.microsoft.com/office/drawing/2014/main" id="{9B7936A2-A03F-214A-43E3-8F8E63FA85B1}"/>
               </a:ext>
             </a:extLst>
           </p:cNvPr>
@@ -1717,7 +1717,7 @@
           <a:bodyPr/>
           <a:lstStyle/>
           <a:p>
-            <a:fld id="{35976131-F69C-4E74-9607-76206E08AC91}" type="slidenum">
+            <a:fld id="{97ADAE06-ECA7-4E00-93BD-83A5244E8572}" type="slidenum">
               <a:rPr lang="en-US" smtClean="0"/>
               <a:t>‹#›</a:t>
             </a:fld>
@@ -1728,7 +1728,7 @@
     </p:spTree>
     <p:extLst>
       <p:ext uri="{BB962C8B-B14F-4D97-AF65-F5344CB8AC3E}">
-        <p14:creationId xmlns:p14="http://schemas.microsoft.com/office/powerpoint/2010/main" val="3955837608"/>
+        <p14:creationId xmlns:p14="http://schemas.microsoft.com/office/powerpoint/2010/main" val="3358623838"/>
       </p:ext>
     </p:extLst>
   </p:cSld>
@@ -1760,7 +1760,7 @@
           <p:cNvPr id="2" name="Title 1">
             <a:extLst>
               <a:ext uri="{FF2B5EF4-FFF2-40B4-BE49-F238E27FC236}">
-                <a16:creationId xmlns:a16="http://schemas.microsoft.com/office/drawing/2014/main" id="{C7890D40-6CDE-0C74-9A77-B50D53D854A0}"/>
+                <a16:creationId xmlns:a16="http://schemas.microsoft.com/office/drawing/2014/main" id="{D221C624-5066-27EB-2FD7-EE7A72BBF0B2}"/>
               </a:ext>
             </a:extLst>
           </p:cNvPr>
@@ -1788,7 +1788,7 @@
           <p:cNvPr id="3" name="Content Placeholder 2">
             <a:extLst>
               <a:ext uri="{FF2B5EF4-FFF2-40B4-BE49-F238E27FC236}">
-                <a16:creationId xmlns:a16="http://schemas.microsoft.com/office/drawing/2014/main" id="{D8C3F09C-59E8-58CB-1992-EDDCCADB973A}"/>
+                <a16:creationId xmlns:a16="http://schemas.microsoft.com/office/drawing/2014/main" id="{78F942CE-301C-ACAD-E67E-DA7130D74930}"/>
               </a:ext>
             </a:extLst>
           </p:cNvPr>
@@ -1850,7 +1850,7 @@
           <p:cNvPr id="4" name="Content Placeholder 3">
             <a:extLst>
               <a:ext uri="{FF2B5EF4-FFF2-40B4-BE49-F238E27FC236}">
-                <a16:creationId xmlns:a16="http://schemas.microsoft.com/office/drawing/2014/main" id="{60DDCA3B-858C-CB3B-32C7-F895827DF059}"/>
+                <a16:creationId xmlns:a16="http://schemas.microsoft.com/office/drawing/2014/main" id="{ADE7EEA1-B64D-80CA-2E70-24121D86C04A}"/>
               </a:ext>
             </a:extLst>
           </p:cNvPr>
@@ -1912,7 +1912,7 @@
           <p:cNvPr id="5" name="Date Placeholder 4">
             <a:extLst>
               <a:ext uri="{FF2B5EF4-FFF2-40B4-BE49-F238E27FC236}">
-                <a16:creationId xmlns:a16="http://schemas.microsoft.com/office/drawing/2014/main" id="{371C2B70-477F-DD33-3916-2E89DFBBCF9E}"/>
+                <a16:creationId xmlns:a16="http://schemas.microsoft.com/office/drawing/2014/main" id="{D26C6369-FF8F-F638-39CA-3102249D2C6E}"/>
               </a:ext>
             </a:extLst>
           </p:cNvPr>
@@ -1928,9 +1928,9 @@
           <a:bodyPr/>
           <a:lstStyle/>
           <a:p>
-            <a:fld id="{8D8C8CA4-1845-4965-99F9-DF5824B28919}" type="datetimeFigureOut">
+            <a:fld id="{C4A7D27E-8974-45B6-ADF7-FB47EEAA7017}" type="datetimeFigureOut">
               <a:rPr lang="en-US" smtClean="0"/>
-              <a:t>3/27/2024</a:t>
+              <a:t>4/20/2024</a:t>
             </a:fld>
             <a:endParaRPr lang="en-US"/>
           </a:p>
@@ -1941,7 +1941,7 @@
           <p:cNvPr id="6" name="Footer Placeholder 5">
             <a:extLst>
               <a:ext uri="{FF2B5EF4-FFF2-40B4-BE49-F238E27FC236}">
-                <a16:creationId xmlns:a16="http://schemas.microsoft.com/office/drawing/2014/main" id="{A06F8DB8-C412-E6E3-E94F-F431C01989B2}"/>
+                <a16:creationId xmlns:a16="http://schemas.microsoft.com/office/drawing/2014/main" id="{FF0843F4-E564-5190-45B7-8572BD25D65B}"/>
               </a:ext>
             </a:extLst>
           </p:cNvPr>
@@ -1966,7 +1966,7 @@
           <p:cNvPr id="7" name="Slide Number Placeholder 6">
             <a:extLst>
               <a:ext uri="{FF2B5EF4-FFF2-40B4-BE49-F238E27FC236}">
-                <a16:creationId xmlns:a16="http://schemas.microsoft.com/office/drawing/2014/main" id="{488E2F75-FB91-B47D-07D3-E1E9C31C64AF}"/>
+                <a16:creationId xmlns:a16="http://schemas.microsoft.com/office/drawing/2014/main" id="{AD62F9DA-EF1C-F4F7-57BF-C6A9378950A1}"/>
               </a:ext>
             </a:extLst>
           </p:cNvPr>
@@ -1982,7 +1982,7 @@
           <a:bodyPr/>
           <a:lstStyle/>
           <a:p>
-            <a:fld id="{35976131-F69C-4E74-9607-76206E08AC91}" type="slidenum">
+            <a:fld id="{97ADAE06-ECA7-4E00-93BD-83A5244E8572}" type="slidenum">
               <a:rPr lang="en-US" smtClean="0"/>
               <a:t>‹#›</a:t>
             </a:fld>
@@ -1993,7 +1993,7 @@
     </p:spTree>
     <p:extLst>
       <p:ext uri="{BB962C8B-B14F-4D97-AF65-F5344CB8AC3E}">
-        <p14:creationId xmlns:p14="http://schemas.microsoft.com/office/powerpoint/2010/main" val="3577657645"/>
+        <p14:creationId xmlns:p14="http://schemas.microsoft.com/office/powerpoint/2010/main" val="1994953424"/>
       </p:ext>
     </p:extLst>
   </p:cSld>
@@ -2025,7 +2025,7 @@
           <p:cNvPr id="2" name="Title 1">
             <a:extLst>
               <a:ext uri="{FF2B5EF4-FFF2-40B4-BE49-F238E27FC236}">
-                <a16:creationId xmlns:a16="http://schemas.microsoft.com/office/drawing/2014/main" id="{CFF64600-4506-38FD-A4E3-3566C43A779D}"/>
+                <a16:creationId xmlns:a16="http://schemas.microsoft.com/office/drawing/2014/main" id="{FA8D8AD5-0A6E-5BE3-ACA7-8984CCF5C07C}"/>
               </a:ext>
             </a:extLst>
           </p:cNvPr>
@@ -2058,7 +2058,7 @@
           <p:cNvPr id="3" name="Text Placeholder 2">
             <a:extLst>
               <a:ext uri="{FF2B5EF4-FFF2-40B4-BE49-F238E27FC236}">
-                <a16:creationId xmlns:a16="http://schemas.microsoft.com/office/drawing/2014/main" id="{D69B802B-A5B3-7853-72D4-0950C0300297}"/>
+                <a16:creationId xmlns:a16="http://schemas.microsoft.com/office/drawing/2014/main" id="{201E4DBD-3494-8AF4-6D06-00EE736C5A3E}"/>
               </a:ext>
             </a:extLst>
           </p:cNvPr>
@@ -2129,7 +2129,7 @@
           <p:cNvPr id="4" name="Content Placeholder 3">
             <a:extLst>
               <a:ext uri="{FF2B5EF4-FFF2-40B4-BE49-F238E27FC236}">
-                <a16:creationId xmlns:a16="http://schemas.microsoft.com/office/drawing/2014/main" id="{0FCB7637-5813-1FA8-93A2-33F1812BB379}"/>
+                <a16:creationId xmlns:a16="http://schemas.microsoft.com/office/drawing/2014/main" id="{2A3520C0-13B0-578F-B7E0-EA616C45694B}"/>
               </a:ext>
             </a:extLst>
           </p:cNvPr>
@@ -2191,7 +2191,7 @@
           <p:cNvPr id="5" name="Text Placeholder 4">
             <a:extLst>
               <a:ext uri="{FF2B5EF4-FFF2-40B4-BE49-F238E27FC236}">
-                <a16:creationId xmlns:a16="http://schemas.microsoft.com/office/drawing/2014/main" id="{A7718227-B87B-E726-F296-906F2D35019C}"/>
+                <a16:creationId xmlns:a16="http://schemas.microsoft.com/office/drawing/2014/main" id="{972FBD54-9F73-5FC8-84C8-ACA26C34D951}"/>
               </a:ext>
             </a:extLst>
           </p:cNvPr>
@@ -2262,7 +2262,7 @@
           <p:cNvPr id="6" name="Content Placeholder 5">
             <a:extLst>
               <a:ext uri="{FF2B5EF4-FFF2-40B4-BE49-F238E27FC236}">
-                <a16:creationId xmlns:a16="http://schemas.microsoft.com/office/drawing/2014/main" id="{534D8B86-7B85-62AE-9094-FFBB641C593A}"/>
+                <a16:creationId xmlns:a16="http://schemas.microsoft.com/office/drawing/2014/main" id="{824C2227-BA7F-050B-D739-B42607F9F9E4}"/>
               </a:ext>
             </a:extLst>
           </p:cNvPr>
@@ -2324,7 +2324,7 @@
           <p:cNvPr id="7" name="Date Placeholder 6">
             <a:extLst>
               <a:ext uri="{FF2B5EF4-FFF2-40B4-BE49-F238E27FC236}">
-                <a16:creationId xmlns:a16="http://schemas.microsoft.com/office/drawing/2014/main" id="{F00FC132-5C4E-51FA-BC4C-9850C76BDC93}"/>
+                <a16:creationId xmlns:a16="http://schemas.microsoft.com/office/drawing/2014/main" id="{E700D50F-D990-F54C-E191-EFFEE4E1135B}"/>
               </a:ext>
             </a:extLst>
           </p:cNvPr>
@@ -2340,9 +2340,9 @@
           <a:bodyPr/>
           <a:lstStyle/>
           <a:p>
-            <a:fld id="{8D8C8CA4-1845-4965-99F9-DF5824B28919}" type="datetimeFigureOut">
+            <a:fld id="{C4A7D27E-8974-45B6-ADF7-FB47EEAA7017}" type="datetimeFigureOut">
               <a:rPr lang="en-US" smtClean="0"/>
-              <a:t>3/27/2024</a:t>
+              <a:t>4/20/2024</a:t>
             </a:fld>
             <a:endParaRPr lang="en-US"/>
           </a:p>
@@ -2353,7 +2353,7 @@
           <p:cNvPr id="8" name="Footer Placeholder 7">
             <a:extLst>
               <a:ext uri="{FF2B5EF4-FFF2-40B4-BE49-F238E27FC236}">
-                <a16:creationId xmlns:a16="http://schemas.microsoft.com/office/drawing/2014/main" id="{54271603-8EBF-F902-80D2-C75C47FE4665}"/>
+                <a16:creationId xmlns:a16="http://schemas.microsoft.com/office/drawing/2014/main" id="{EB8C8A97-EB98-8F9D-7AFD-1C3B76244716}"/>
               </a:ext>
             </a:extLst>
           </p:cNvPr>
@@ -2378,7 +2378,7 @@
           <p:cNvPr id="9" name="Slide Number Placeholder 8">
             <a:extLst>
               <a:ext uri="{FF2B5EF4-FFF2-40B4-BE49-F238E27FC236}">
-                <a16:creationId xmlns:a16="http://schemas.microsoft.com/office/drawing/2014/main" id="{EB5C868D-7B85-FDBF-233A-AF7F017F65AA}"/>
+                <a16:creationId xmlns:a16="http://schemas.microsoft.com/office/drawing/2014/main" id="{D1C97181-0DE6-C0B7-E7B0-17487B16C7AC}"/>
               </a:ext>
             </a:extLst>
           </p:cNvPr>
@@ -2394,7 +2394,7 @@
           <a:bodyPr/>
           <a:lstStyle/>
           <a:p>
-            <a:fld id="{35976131-F69C-4E74-9607-76206E08AC91}" type="slidenum">
+            <a:fld id="{97ADAE06-ECA7-4E00-93BD-83A5244E8572}" type="slidenum">
               <a:rPr lang="en-US" smtClean="0"/>
               <a:t>‹#›</a:t>
             </a:fld>
@@ -2405,7 +2405,7 @@
     </p:spTree>
     <p:extLst>
       <p:ext uri="{BB962C8B-B14F-4D97-AF65-F5344CB8AC3E}">
-        <p14:creationId xmlns:p14="http://schemas.microsoft.com/office/powerpoint/2010/main" val="2591172457"/>
+        <p14:creationId xmlns:p14="http://schemas.microsoft.com/office/powerpoint/2010/main" val="2161743114"/>
       </p:ext>
     </p:extLst>
   </p:cSld>
@@ -2437,7 +2437,7 @@
           <p:cNvPr id="2" name="Title 1">
             <a:extLst>
               <a:ext uri="{FF2B5EF4-FFF2-40B4-BE49-F238E27FC236}">
-                <a16:creationId xmlns:a16="http://schemas.microsoft.com/office/drawing/2014/main" id="{3D1B01E0-0E55-26CC-5CE2-048A85F77243}"/>
+                <a16:creationId xmlns:a16="http://schemas.microsoft.com/office/drawing/2014/main" id="{CBCE5322-C0C2-FEF8-338B-D40920294A81}"/>
               </a:ext>
             </a:extLst>
           </p:cNvPr>
@@ -2465,7 +2465,7 @@
           <p:cNvPr id="3" name="Date Placeholder 2">
             <a:extLst>
               <a:ext uri="{FF2B5EF4-FFF2-40B4-BE49-F238E27FC236}">
-                <a16:creationId xmlns:a16="http://schemas.microsoft.com/office/drawing/2014/main" id="{85E4AA6E-4F4B-B311-D993-F77EF9349689}"/>
+                <a16:creationId xmlns:a16="http://schemas.microsoft.com/office/drawing/2014/main" id="{039D8B70-7C00-12F5-4BEF-9201C88D4C4E}"/>
               </a:ext>
             </a:extLst>
           </p:cNvPr>
@@ -2481,9 +2481,9 @@
           <a:bodyPr/>
           <a:lstStyle/>
           <a:p>
-            <a:fld id="{8D8C8CA4-1845-4965-99F9-DF5824B28919}" type="datetimeFigureOut">
+            <a:fld id="{C4A7D27E-8974-45B6-ADF7-FB47EEAA7017}" type="datetimeFigureOut">
               <a:rPr lang="en-US" smtClean="0"/>
-              <a:t>3/27/2024</a:t>
+              <a:t>4/20/2024</a:t>
             </a:fld>
             <a:endParaRPr lang="en-US"/>
           </a:p>
@@ -2494,7 +2494,7 @@
           <p:cNvPr id="4" name="Footer Placeholder 3">
             <a:extLst>
               <a:ext uri="{FF2B5EF4-FFF2-40B4-BE49-F238E27FC236}">
-                <a16:creationId xmlns:a16="http://schemas.microsoft.com/office/drawing/2014/main" id="{BDDB0245-EBFB-4ED4-3B96-541C0AA89227}"/>
+                <a16:creationId xmlns:a16="http://schemas.microsoft.com/office/drawing/2014/main" id="{A545CF5A-0F4F-05C9-395C-E941EB9AE449}"/>
               </a:ext>
             </a:extLst>
           </p:cNvPr>
@@ -2519,7 +2519,7 @@
           <p:cNvPr id="5" name="Slide Number Placeholder 4">
             <a:extLst>
               <a:ext uri="{FF2B5EF4-FFF2-40B4-BE49-F238E27FC236}">
-                <a16:creationId xmlns:a16="http://schemas.microsoft.com/office/drawing/2014/main" id="{6978B101-1A0D-FBFF-6FE0-744281DEC8F0}"/>
+                <a16:creationId xmlns:a16="http://schemas.microsoft.com/office/drawing/2014/main" id="{7DAE74BF-6319-1EAE-0AC0-0647D15FBC6A}"/>
               </a:ext>
             </a:extLst>
           </p:cNvPr>
@@ -2535,7 +2535,7 @@
           <a:bodyPr/>
           <a:lstStyle/>
           <a:p>
-            <a:fld id="{35976131-F69C-4E74-9607-76206E08AC91}" type="slidenum">
+            <a:fld id="{97ADAE06-ECA7-4E00-93BD-83A5244E8572}" type="slidenum">
               <a:rPr lang="en-US" smtClean="0"/>
               <a:t>‹#›</a:t>
             </a:fld>
@@ -2546,7 +2546,7 @@
     </p:spTree>
     <p:extLst>
       <p:ext uri="{BB962C8B-B14F-4D97-AF65-F5344CB8AC3E}">
-        <p14:creationId xmlns:p14="http://schemas.microsoft.com/office/powerpoint/2010/main" val="2819906824"/>
+        <p14:creationId xmlns:p14="http://schemas.microsoft.com/office/powerpoint/2010/main" val="4152499790"/>
       </p:ext>
     </p:extLst>
   </p:cSld>
@@ -2578,7 +2578,7 @@
           <p:cNvPr id="2" name="Date Placeholder 1">
             <a:extLst>
               <a:ext uri="{FF2B5EF4-FFF2-40B4-BE49-F238E27FC236}">
-                <a16:creationId xmlns:a16="http://schemas.microsoft.com/office/drawing/2014/main" id="{2D523FAA-287A-9249-340A-45B15B1637EA}"/>
+                <a16:creationId xmlns:a16="http://schemas.microsoft.com/office/drawing/2014/main" id="{07A4B959-F312-7B29-3EDA-FB44F45E3BBF}"/>
               </a:ext>
             </a:extLst>
           </p:cNvPr>
@@ -2594,9 +2594,9 @@
           <a:bodyPr/>
           <a:lstStyle/>
           <a:p>
-            <a:fld id="{8D8C8CA4-1845-4965-99F9-DF5824B28919}" type="datetimeFigureOut">
+            <a:fld id="{C4A7D27E-8974-45B6-ADF7-FB47EEAA7017}" type="datetimeFigureOut">
               <a:rPr lang="en-US" smtClean="0"/>
-              <a:t>3/27/2024</a:t>
+              <a:t>4/20/2024</a:t>
             </a:fld>
             <a:endParaRPr lang="en-US"/>
           </a:p>
@@ -2607,7 +2607,7 @@
           <p:cNvPr id="3" name="Footer Placeholder 2">
             <a:extLst>
               <a:ext uri="{FF2B5EF4-FFF2-40B4-BE49-F238E27FC236}">
-                <a16:creationId xmlns:a16="http://schemas.microsoft.com/office/drawing/2014/main" id="{548B463E-2591-5D17-3D05-1F385D11DBF9}"/>
+                <a16:creationId xmlns:a16="http://schemas.microsoft.com/office/drawing/2014/main" id="{2D04B0C9-19E4-797A-26AA-C91EDAECBC09}"/>
               </a:ext>
             </a:extLst>
           </p:cNvPr>
@@ -2632,7 +2632,7 @@
           <p:cNvPr id="4" name="Slide Number Placeholder 3">
             <a:extLst>
               <a:ext uri="{FF2B5EF4-FFF2-40B4-BE49-F238E27FC236}">
-                <a16:creationId xmlns:a16="http://schemas.microsoft.com/office/drawing/2014/main" id="{2879BBE4-DB05-4093-B787-81355E259640}"/>
+                <a16:creationId xmlns:a16="http://schemas.microsoft.com/office/drawing/2014/main" id="{A7BF2B7A-AEBD-5323-D36F-86DC4F1999A7}"/>
               </a:ext>
             </a:extLst>
           </p:cNvPr>
@@ -2648,7 +2648,7 @@
           <a:bodyPr/>
           <a:lstStyle/>
           <a:p>
-            <a:fld id="{35976131-F69C-4E74-9607-76206E08AC91}" type="slidenum">
+            <a:fld id="{97ADAE06-ECA7-4E00-93BD-83A5244E8572}" type="slidenum">
               <a:rPr lang="en-US" smtClean="0"/>
               <a:t>‹#›</a:t>
             </a:fld>
@@ -2659,7 +2659,7 @@
     </p:spTree>
     <p:extLst>
       <p:ext uri="{BB962C8B-B14F-4D97-AF65-F5344CB8AC3E}">
-        <p14:creationId xmlns:p14="http://schemas.microsoft.com/office/powerpoint/2010/main" val="2555665003"/>
+        <p14:creationId xmlns:p14="http://schemas.microsoft.com/office/powerpoint/2010/main" val="3022405393"/>
       </p:ext>
     </p:extLst>
   </p:cSld>
@@ -2691,7 +2691,7 @@
           <p:cNvPr id="2" name="Title 1">
             <a:extLst>
               <a:ext uri="{FF2B5EF4-FFF2-40B4-BE49-F238E27FC236}">
-                <a16:creationId xmlns:a16="http://schemas.microsoft.com/office/drawing/2014/main" id="{0242CE1D-8D76-3BDB-DFF9-44703C7061E4}"/>
+                <a16:creationId xmlns:a16="http://schemas.microsoft.com/office/drawing/2014/main" id="{10F892DD-AC7E-2779-76B3-609927487BFD}"/>
               </a:ext>
             </a:extLst>
           </p:cNvPr>
@@ -2728,7 +2728,7 @@
           <p:cNvPr id="3" name="Content Placeholder 2">
             <a:extLst>
               <a:ext uri="{FF2B5EF4-FFF2-40B4-BE49-F238E27FC236}">
-                <a16:creationId xmlns:a16="http://schemas.microsoft.com/office/drawing/2014/main" id="{A242D92F-312E-93AA-4D58-EC873C2F6893}"/>
+                <a16:creationId xmlns:a16="http://schemas.microsoft.com/office/drawing/2014/main" id="{8C2D2DB9-1B0A-517B-4670-7622203188AB}"/>
               </a:ext>
             </a:extLst>
           </p:cNvPr>
@@ -2818,7 +2818,7 @@
           <p:cNvPr id="4" name="Text Placeholder 3">
             <a:extLst>
               <a:ext uri="{FF2B5EF4-FFF2-40B4-BE49-F238E27FC236}">
-                <a16:creationId xmlns:a16="http://schemas.microsoft.com/office/drawing/2014/main" id="{137B60BE-E885-483B-A16C-1813653C25AF}"/>
+                <a16:creationId xmlns:a16="http://schemas.microsoft.com/office/drawing/2014/main" id="{DF8260A9-6E34-87EB-0751-6F90503EC325}"/>
               </a:ext>
             </a:extLst>
           </p:cNvPr>
@@ -2889,7 +2889,7 @@
           <p:cNvPr id="5" name="Date Placeholder 4">
             <a:extLst>
               <a:ext uri="{FF2B5EF4-FFF2-40B4-BE49-F238E27FC236}">
-                <a16:creationId xmlns:a16="http://schemas.microsoft.com/office/drawing/2014/main" id="{9DE27ED0-EF56-5F21-F984-3869CB98B1A6}"/>
+                <a16:creationId xmlns:a16="http://schemas.microsoft.com/office/drawing/2014/main" id="{BB0F28E1-A6EB-5288-5F49-90644F10C23E}"/>
               </a:ext>
             </a:extLst>
           </p:cNvPr>
@@ -2905,9 +2905,9 @@
           <a:bodyPr/>
           <a:lstStyle/>
           <a:p>
-            <a:fld id="{8D8C8CA4-1845-4965-99F9-DF5824B28919}" type="datetimeFigureOut">
+            <a:fld id="{C4A7D27E-8974-45B6-ADF7-FB47EEAA7017}" type="datetimeFigureOut">
               <a:rPr lang="en-US" smtClean="0"/>
-              <a:t>3/27/2024</a:t>
+              <a:t>4/20/2024</a:t>
             </a:fld>
             <a:endParaRPr lang="en-US"/>
           </a:p>
@@ -2918,7 +2918,7 @@
           <p:cNvPr id="6" name="Footer Placeholder 5">
             <a:extLst>
               <a:ext uri="{FF2B5EF4-FFF2-40B4-BE49-F238E27FC236}">
-                <a16:creationId xmlns:a16="http://schemas.microsoft.com/office/drawing/2014/main" id="{DBD52745-F684-BDA3-5671-1CC4BA039C85}"/>
+                <a16:creationId xmlns:a16="http://schemas.microsoft.com/office/drawing/2014/main" id="{4EACDEFF-B109-DEF5-1C12-6D361B6D6F0F}"/>
               </a:ext>
             </a:extLst>
           </p:cNvPr>
@@ -2943,7 +2943,7 @@
           <p:cNvPr id="7" name="Slide Number Placeholder 6">
             <a:extLst>
               <a:ext uri="{FF2B5EF4-FFF2-40B4-BE49-F238E27FC236}">
-                <a16:creationId xmlns:a16="http://schemas.microsoft.com/office/drawing/2014/main" id="{E991BD0B-8F98-FB48-21B0-693DBD2AEA04}"/>
+                <a16:creationId xmlns:a16="http://schemas.microsoft.com/office/drawing/2014/main" id="{670571C5-382A-5B54-2698-B35BF838A317}"/>
               </a:ext>
             </a:extLst>
           </p:cNvPr>
@@ -2959,7 +2959,7 @@
           <a:bodyPr/>
           <a:lstStyle/>
           <a:p>
-            <a:fld id="{35976131-F69C-4E74-9607-76206E08AC91}" type="slidenum">
+            <a:fld id="{97ADAE06-ECA7-4E00-93BD-83A5244E8572}" type="slidenum">
               <a:rPr lang="en-US" smtClean="0"/>
               <a:t>‹#›</a:t>
             </a:fld>
@@ -2970,7 +2970,7 @@
     </p:spTree>
     <p:extLst>
       <p:ext uri="{BB962C8B-B14F-4D97-AF65-F5344CB8AC3E}">
-        <p14:creationId xmlns:p14="http://schemas.microsoft.com/office/powerpoint/2010/main" val="460743667"/>
+        <p14:creationId xmlns:p14="http://schemas.microsoft.com/office/powerpoint/2010/main" val="3936794237"/>
       </p:ext>
     </p:extLst>
   </p:cSld>
@@ -3002,7 +3002,7 @@
           <p:cNvPr id="2" name="Title 1">
             <a:extLst>
               <a:ext uri="{FF2B5EF4-FFF2-40B4-BE49-F238E27FC236}">
-                <a16:creationId xmlns:a16="http://schemas.microsoft.com/office/drawing/2014/main" id="{B93DDA5A-E1A8-8140-205D-508927525FEE}"/>
+                <a16:creationId xmlns:a16="http://schemas.microsoft.com/office/drawing/2014/main" id="{562418D2-A658-2B3E-5D7C-E7DB1D037515}"/>
               </a:ext>
             </a:extLst>
           </p:cNvPr>
@@ -3039,7 +3039,7 @@
           <p:cNvPr id="3" name="Picture Placeholder 2">
             <a:extLst>
               <a:ext uri="{FF2B5EF4-FFF2-40B4-BE49-F238E27FC236}">
-                <a16:creationId xmlns:a16="http://schemas.microsoft.com/office/drawing/2014/main" id="{DA718767-4164-694F-3327-E7C72AAE9C69}"/>
+                <a16:creationId xmlns:a16="http://schemas.microsoft.com/office/drawing/2014/main" id="{2828B0CB-7ECF-2E25-88E6-EF11F9F2A271}"/>
               </a:ext>
             </a:extLst>
           </p:cNvPr>
@@ -3106,7 +3106,7 @@
           <p:cNvPr id="4" name="Text Placeholder 3">
             <a:extLst>
               <a:ext uri="{FF2B5EF4-FFF2-40B4-BE49-F238E27FC236}">
-                <a16:creationId xmlns:a16="http://schemas.microsoft.com/office/drawing/2014/main" id="{576296A9-1C63-3B42-C75F-9B573DCF8CB7}"/>
+                <a16:creationId xmlns:a16="http://schemas.microsoft.com/office/drawing/2014/main" id="{D3E267B8-8497-2E67-BDF5-AFA5C5FF2C6B}"/>
               </a:ext>
             </a:extLst>
           </p:cNvPr>
@@ -3177,7 +3177,7 @@
           <p:cNvPr id="5" name="Date Placeholder 4">
             <a:extLst>
               <a:ext uri="{FF2B5EF4-FFF2-40B4-BE49-F238E27FC236}">
-                <a16:creationId xmlns:a16="http://schemas.microsoft.com/office/drawing/2014/main" id="{89CB18A5-832C-3C20-B4D3-6B0532CDCFB2}"/>
+                <a16:creationId xmlns:a16="http://schemas.microsoft.com/office/drawing/2014/main" id="{6EC2D5AA-1D89-C0E0-56D7-CAC8AD03F9C9}"/>
               </a:ext>
             </a:extLst>
           </p:cNvPr>
@@ -3193,9 +3193,9 @@
           <a:bodyPr/>
           <a:lstStyle/>
           <a:p>
-            <a:fld id="{8D8C8CA4-1845-4965-99F9-DF5824B28919}" type="datetimeFigureOut">
+            <a:fld id="{C4A7D27E-8974-45B6-ADF7-FB47EEAA7017}" type="datetimeFigureOut">
               <a:rPr lang="en-US" smtClean="0"/>
-              <a:t>3/27/2024</a:t>
+              <a:t>4/20/2024</a:t>
             </a:fld>
             <a:endParaRPr lang="en-US"/>
           </a:p>
@@ -3206,7 +3206,7 @@
           <p:cNvPr id="6" name="Footer Placeholder 5">
             <a:extLst>
               <a:ext uri="{FF2B5EF4-FFF2-40B4-BE49-F238E27FC236}">
-                <a16:creationId xmlns:a16="http://schemas.microsoft.com/office/drawing/2014/main" id="{98D91352-377C-85DD-F6C2-E6E16640ABB8}"/>
+                <a16:creationId xmlns:a16="http://schemas.microsoft.com/office/drawing/2014/main" id="{C8CBC330-F044-1C91-D973-177534097A22}"/>
               </a:ext>
             </a:extLst>
           </p:cNvPr>
@@ -3231,7 +3231,7 @@
           <p:cNvPr id="7" name="Slide Number Placeholder 6">
             <a:extLst>
               <a:ext uri="{FF2B5EF4-FFF2-40B4-BE49-F238E27FC236}">
-                <a16:creationId xmlns:a16="http://schemas.microsoft.com/office/drawing/2014/main" id="{AF597619-8200-3989-DCEC-4AC757FE29A6}"/>
+                <a16:creationId xmlns:a16="http://schemas.microsoft.com/office/drawing/2014/main" id="{43297A55-5BC3-785B-775A-BA71A4EC3E6F}"/>
               </a:ext>
             </a:extLst>
           </p:cNvPr>
@@ -3247,7 +3247,7 @@
           <a:bodyPr/>
           <a:lstStyle/>
           <a:p>
-            <a:fld id="{35976131-F69C-4E74-9607-76206E08AC91}" type="slidenum">
+            <a:fld id="{97ADAE06-ECA7-4E00-93BD-83A5244E8572}" type="slidenum">
               <a:rPr lang="en-US" smtClean="0"/>
               <a:t>‹#›</a:t>
             </a:fld>
@@ -3258,7 +3258,7 @@
     </p:spTree>
     <p:extLst>
       <p:ext uri="{BB962C8B-B14F-4D97-AF65-F5344CB8AC3E}">
-        <p14:creationId xmlns:p14="http://schemas.microsoft.com/office/powerpoint/2010/main" val="2148373837"/>
+        <p14:creationId xmlns:p14="http://schemas.microsoft.com/office/powerpoint/2010/main" val="673625305"/>
       </p:ext>
     </p:extLst>
   </p:cSld>
@@ -3295,7 +3295,7 @@
           <p:cNvPr id="2" name="Title Placeholder 1">
             <a:extLst>
               <a:ext uri="{FF2B5EF4-FFF2-40B4-BE49-F238E27FC236}">
-                <a16:creationId xmlns:a16="http://schemas.microsoft.com/office/drawing/2014/main" id="{ECBBDFFB-4694-D0B4-D82A-AFE0B5BA5207}"/>
+                <a16:creationId xmlns:a16="http://schemas.microsoft.com/office/drawing/2014/main" id="{286FDEE5-1104-1128-091F-9E11857BD913}"/>
               </a:ext>
             </a:extLst>
           </p:cNvPr>
@@ -3333,7 +3333,7 @@
           <p:cNvPr id="3" name="Text Placeholder 2">
             <a:extLst>
               <a:ext uri="{FF2B5EF4-FFF2-40B4-BE49-F238E27FC236}">
-                <a16:creationId xmlns:a16="http://schemas.microsoft.com/office/drawing/2014/main" id="{062C15E7-EAF4-3F45-7289-4039814D2BA6}"/>
+                <a16:creationId xmlns:a16="http://schemas.microsoft.com/office/drawing/2014/main" id="{790EB05B-F1F8-BBBF-6181-3807ADD275CE}"/>
               </a:ext>
             </a:extLst>
           </p:cNvPr>
@@ -3400,7 +3400,7 @@
           <p:cNvPr id="4" name="Date Placeholder 3">
             <a:extLst>
               <a:ext uri="{FF2B5EF4-FFF2-40B4-BE49-F238E27FC236}">
-                <a16:creationId xmlns:a16="http://schemas.microsoft.com/office/drawing/2014/main" id="{9C54BCF9-3AF6-AADE-0F26-468F9F8CD7A1}"/>
+                <a16:creationId xmlns:a16="http://schemas.microsoft.com/office/drawing/2014/main" id="{93D72C22-8C2A-A97F-CE90-7175DBF0FF0F}"/>
               </a:ext>
             </a:extLst>
           </p:cNvPr>
@@ -3434,9 +3434,9 @@
             </a:lvl1pPr>
           </a:lstStyle>
           <a:p>
-            <a:fld id="{8D8C8CA4-1845-4965-99F9-DF5824B28919}" type="datetimeFigureOut">
+            <a:fld id="{C4A7D27E-8974-45B6-ADF7-FB47EEAA7017}" type="datetimeFigureOut">
               <a:rPr lang="en-US" smtClean="0"/>
-              <a:t>3/27/2024</a:t>
+              <a:t>4/20/2024</a:t>
             </a:fld>
             <a:endParaRPr lang="en-US"/>
           </a:p>
@@ -3447,7 +3447,7 @@
           <p:cNvPr id="5" name="Footer Placeholder 4">
             <a:extLst>
               <a:ext uri="{FF2B5EF4-FFF2-40B4-BE49-F238E27FC236}">
-                <a16:creationId xmlns:a16="http://schemas.microsoft.com/office/drawing/2014/main" id="{D0486B82-A685-F098-DCDF-53B79C37605D}"/>
+                <a16:creationId xmlns:a16="http://schemas.microsoft.com/office/drawing/2014/main" id="{95093BA5-9B09-24F0-4A02-AE4685210A60}"/>
               </a:ext>
             </a:extLst>
           </p:cNvPr>
@@ -3490,7 +3490,7 @@
           <p:cNvPr id="6" name="Slide Number Placeholder 5">
             <a:extLst>
               <a:ext uri="{FF2B5EF4-FFF2-40B4-BE49-F238E27FC236}">
-                <a16:creationId xmlns:a16="http://schemas.microsoft.com/office/drawing/2014/main" id="{1055041E-12F2-F529-4652-376D17C40467}"/>
+                <a16:creationId xmlns:a16="http://schemas.microsoft.com/office/drawing/2014/main" id="{BF1C78E9-2FB2-E8EB-6603-22BB39980432}"/>
               </a:ext>
             </a:extLst>
           </p:cNvPr>
@@ -3524,7 +3524,7 @@
             </a:lvl1pPr>
           </a:lstStyle>
           <a:p>
-            <a:fld id="{35976131-F69C-4E74-9607-76206E08AC91}" type="slidenum">
+            <a:fld id="{97ADAE06-ECA7-4E00-93BD-83A5244E8572}" type="slidenum">
               <a:rPr lang="en-US" smtClean="0"/>
               <a:t>‹#›</a:t>
             </a:fld>
@@ -3535,7 +3535,7 @@
     </p:spTree>
     <p:extLst>
       <p:ext uri="{BB962C8B-B14F-4D97-AF65-F5344CB8AC3E}">
-        <p14:creationId xmlns:p14="http://schemas.microsoft.com/office/powerpoint/2010/main" val="1997222447"/>
+        <p14:creationId xmlns:p14="http://schemas.microsoft.com/office/powerpoint/2010/main" val="57700620"/>
       </p:ext>
     </p:extLst>
   </p:cSld>
@@ -3855,6 +3855,152 @@
       </p:grpSpPr>
       <p:sp>
         <p:nvSpPr>
+          <p:cNvPr id="4" name="Rectangle 3">
+            <a:extLst>
+              <a:ext uri="{FF2B5EF4-FFF2-40B4-BE49-F238E27FC236}">
+                <a16:creationId xmlns:a16="http://schemas.microsoft.com/office/drawing/2014/main" id="{081FECA1-5CC6-4A4F-C223-05E68C35EEB9}"/>
+              </a:ext>
+            </a:extLst>
+          </p:cNvPr>
+          <p:cNvSpPr/>
+          <p:nvPr/>
+        </p:nvSpPr>
+        <p:spPr>
+          <a:xfrm>
+            <a:off x="0" y="5840991"/>
+            <a:ext cx="12192000" cy="1017009"/>
+          </a:xfrm>
+          <a:prstGeom prst="rect">
+            <a:avLst/>
+          </a:prstGeom>
+          <a:solidFill>
+            <a:srgbClr val="CCCCFF"/>
+          </a:solidFill>
+          <a:ln>
+            <a:solidFill>
+              <a:srgbClr val="CCCCFF"/>
+            </a:solidFill>
+          </a:ln>
+        </p:spPr>
+        <p:style>
+          <a:lnRef idx="2">
+            <a:schemeClr val="accent1">
+              <a:shade val="15000"/>
+            </a:schemeClr>
+          </a:lnRef>
+          <a:fillRef idx="1">
+            <a:schemeClr val="accent1"/>
+          </a:fillRef>
+          <a:effectRef idx="0">
+            <a:schemeClr val="accent1"/>
+          </a:effectRef>
+          <a:fontRef idx="minor">
+            <a:schemeClr val="lt1"/>
+          </a:fontRef>
+        </p:style>
+        <p:txBody>
+          <a:bodyPr rtlCol="0" anchor="ctr"/>
+          <a:lstStyle/>
+          <a:p>
+            <a:pPr algn="ctr"/>
+            <a:endParaRPr lang="en-US"/>
+          </a:p>
+        </p:txBody>
+      </p:sp>
+      <p:sp>
+        <p:nvSpPr>
+          <p:cNvPr id="5" name="Rectangle 4">
+            <a:extLst>
+              <a:ext uri="{FF2B5EF4-FFF2-40B4-BE49-F238E27FC236}">
+                <a16:creationId xmlns:a16="http://schemas.microsoft.com/office/drawing/2014/main" id="{E4B24621-2EF7-3A11-7FB2-FC742A602A72}"/>
+              </a:ext>
+            </a:extLst>
+          </p:cNvPr>
+          <p:cNvSpPr/>
+          <p:nvPr/>
+        </p:nvSpPr>
+        <p:spPr>
+          <a:xfrm>
+            <a:off x="0" y="0"/>
+            <a:ext cx="12192000" cy="1136342"/>
+          </a:xfrm>
+          <a:prstGeom prst="rect">
+            <a:avLst/>
+          </a:prstGeom>
+          <a:solidFill>
+            <a:srgbClr val="CCCCFF"/>
+          </a:solidFill>
+          <a:ln>
+            <a:solidFill>
+              <a:srgbClr val="CCCCFF"/>
+            </a:solidFill>
+          </a:ln>
+        </p:spPr>
+        <p:style>
+          <a:lnRef idx="2">
+            <a:schemeClr val="accent1">
+              <a:shade val="15000"/>
+            </a:schemeClr>
+          </a:lnRef>
+          <a:fillRef idx="1">
+            <a:schemeClr val="accent1"/>
+          </a:fillRef>
+          <a:effectRef idx="0">
+            <a:schemeClr val="accent1"/>
+          </a:effectRef>
+          <a:fontRef idx="minor">
+            <a:schemeClr val="lt1"/>
+          </a:fontRef>
+        </p:style>
+        <p:txBody>
+          <a:bodyPr rtlCol="0" anchor="ctr"/>
+          <a:lstStyle/>
+          <a:p>
+            <a:pPr algn="ctr"/>
+            <a:endParaRPr lang="en-US" dirty="0">
+              <a:noFill/>
+            </a:endParaRPr>
+          </a:p>
+        </p:txBody>
+      </p:sp>
+      <p:pic>
+        <p:nvPicPr>
+          <p:cNvPr id="6" name="Picture 5" descr="A black and white logo&#10;&#10;Description automatically generated">
+            <a:extLst>
+              <a:ext uri="{FF2B5EF4-FFF2-40B4-BE49-F238E27FC236}">
+                <a16:creationId xmlns:a16="http://schemas.microsoft.com/office/drawing/2014/main" id="{B955A888-B606-20B6-F7F4-E5E911031655}"/>
+              </a:ext>
+            </a:extLst>
+          </p:cNvPr>
+          <p:cNvPicPr>
+            <a:picLocks noChangeAspect="1"/>
+          </p:cNvPicPr>
+          <p:nvPr/>
+        </p:nvPicPr>
+        <p:blipFill>
+          <a:blip r:embed="rId2">
+            <a:extLst>
+              <a:ext uri="{28A0092B-C50C-407E-A947-70E740481C1C}">
+                <a14:useLocalDpi xmlns:a14="http://schemas.microsoft.com/office/drawing/2010/main" val="0"/>
+              </a:ext>
+            </a:extLst>
+          </a:blip>
+          <a:stretch>
+            <a:fillRect/>
+          </a:stretch>
+        </p:blipFill>
+        <p:spPr>
+          <a:xfrm>
+            <a:off x="11051882" y="119333"/>
+            <a:ext cx="1093483" cy="1017009"/>
+          </a:xfrm>
+          <a:prstGeom prst="rect">
+            <a:avLst/>
+          </a:prstGeom>
+        </p:spPr>
+      </p:pic>
+      <p:sp>
+        <p:nvSpPr>
           <p:cNvPr id="2" name="Title 1"/>
           <p:cNvSpPr>
             <a:spLocks noGrp="1"/>
@@ -3869,7 +4015,10 @@
           <a:lstStyle/>
           <a:p>
             <a:r>
-              <a:rPr lang="en-US" dirty="0"/>
+              <a:rPr lang="en-US" dirty="0">
+                <a:latin typeface="TH SarabunPSK" panose="020B0500040200020003" pitchFamily="34" charset="-34"/>
+                <a:cs typeface="TH SarabunPSK" panose="020B0500040200020003" pitchFamily="34" charset="-34"/>
+              </a:rPr>
               <a:t>Class period 17.5</a:t>
             </a:r>
           </a:p>
@@ -3897,7 +4046,8 @@
                 <a:solidFill>
                   <a:srgbClr val="000000"/>
                 </a:solidFill>
-                <a:latin typeface="Aptos"/>
+                <a:latin typeface="TH SarabunPSK" panose="020B0500040200020003" pitchFamily="34" charset="-34"/>
+                <a:cs typeface="TH SarabunPSK" panose="020B0500040200020003" pitchFamily="34" charset="-34"/>
               </a:rPr>
               <a:t>Visualize_Data_Distribution</a:t>
             </a:r>
@@ -3906,18 +4056,22 @@
                 <a:solidFill>
                   <a:srgbClr val="000000"/>
                 </a:solidFill>
-                <a:latin typeface="Aptos"/>
+                <a:latin typeface="TH SarabunPSK" panose="020B0500040200020003" pitchFamily="34" charset="-34"/>
+                <a:cs typeface="TH SarabunPSK" panose="020B0500040200020003" pitchFamily="34" charset="-34"/>
               </a:rPr>
               <a:t>_(PCA)</a:t>
             </a:r>
-            <a:endParaRPr lang="en-US" dirty="0"/>
+            <a:endParaRPr lang="en-US" dirty="0">
+              <a:latin typeface="TH SarabunPSK" panose="020B0500040200020003" pitchFamily="34" charset="-34"/>
+              <a:cs typeface="TH SarabunPSK" panose="020B0500040200020003" pitchFamily="34" charset="-34"/>
+            </a:endParaRPr>
           </a:p>
         </p:txBody>
       </p:sp>
     </p:spTree>
     <p:extLst>
       <p:ext uri="{BB962C8B-B14F-4D97-AF65-F5344CB8AC3E}">
-        <p14:creationId xmlns:p14="http://schemas.microsoft.com/office/powerpoint/2010/main" val="355925759"/>
+        <p14:creationId xmlns:p14="http://schemas.microsoft.com/office/powerpoint/2010/main" val="1603786404"/>
       </p:ext>
     </p:extLst>
   </p:cSld>
@@ -3946,6 +4100,377 @@
       </p:grpSpPr>
       <p:sp>
         <p:nvSpPr>
+          <p:cNvPr id="4" name="Rectangle 3">
+            <a:extLst>
+              <a:ext uri="{FF2B5EF4-FFF2-40B4-BE49-F238E27FC236}">
+                <a16:creationId xmlns:a16="http://schemas.microsoft.com/office/drawing/2014/main" id="{E478FF6A-FE25-5FB3-24A5-D05B8AF9C103}"/>
+              </a:ext>
+            </a:extLst>
+          </p:cNvPr>
+          <p:cNvSpPr/>
+          <p:nvPr/>
+        </p:nvSpPr>
+        <p:spPr>
+          <a:xfrm>
+            <a:off x="0" y="5840991"/>
+            <a:ext cx="12192000" cy="1017009"/>
+          </a:xfrm>
+          <a:prstGeom prst="rect">
+            <a:avLst/>
+          </a:prstGeom>
+          <a:solidFill>
+            <a:srgbClr val="CCCCFF"/>
+          </a:solidFill>
+          <a:ln>
+            <a:solidFill>
+              <a:srgbClr val="CCCCFF"/>
+            </a:solidFill>
+          </a:ln>
+        </p:spPr>
+        <p:style>
+          <a:lnRef idx="2">
+            <a:schemeClr val="accent1">
+              <a:shade val="15000"/>
+            </a:schemeClr>
+          </a:lnRef>
+          <a:fillRef idx="1">
+            <a:schemeClr val="accent1"/>
+          </a:fillRef>
+          <a:effectRef idx="0">
+            <a:schemeClr val="accent1"/>
+          </a:effectRef>
+          <a:fontRef idx="minor">
+            <a:schemeClr val="lt1"/>
+          </a:fontRef>
+        </p:style>
+        <p:txBody>
+          <a:bodyPr rtlCol="0" anchor="ctr"/>
+          <a:lstStyle/>
+          <a:p>
+            <a:pPr algn="ctr"/>
+            <a:endParaRPr lang="en-US"/>
+          </a:p>
+        </p:txBody>
+      </p:sp>
+      <p:sp>
+        <p:nvSpPr>
+          <p:cNvPr id="5" name="Rectangle 4">
+            <a:extLst>
+              <a:ext uri="{FF2B5EF4-FFF2-40B4-BE49-F238E27FC236}">
+                <a16:creationId xmlns:a16="http://schemas.microsoft.com/office/drawing/2014/main" id="{4DF9F872-4F29-ECFA-2143-8F2FD0D7E1E4}"/>
+              </a:ext>
+            </a:extLst>
+          </p:cNvPr>
+          <p:cNvSpPr/>
+          <p:nvPr/>
+        </p:nvSpPr>
+        <p:spPr>
+          <a:xfrm>
+            <a:off x="0" y="0"/>
+            <a:ext cx="12192000" cy="1136342"/>
+          </a:xfrm>
+          <a:prstGeom prst="rect">
+            <a:avLst/>
+          </a:prstGeom>
+          <a:solidFill>
+            <a:srgbClr val="CCCCFF"/>
+          </a:solidFill>
+          <a:ln>
+            <a:solidFill>
+              <a:srgbClr val="CCCCFF"/>
+            </a:solidFill>
+          </a:ln>
+        </p:spPr>
+        <p:style>
+          <a:lnRef idx="2">
+            <a:schemeClr val="accent1">
+              <a:shade val="15000"/>
+            </a:schemeClr>
+          </a:lnRef>
+          <a:fillRef idx="1">
+            <a:schemeClr val="accent1"/>
+          </a:fillRef>
+          <a:effectRef idx="0">
+            <a:schemeClr val="accent1"/>
+          </a:effectRef>
+          <a:fontRef idx="minor">
+            <a:schemeClr val="lt1"/>
+          </a:fontRef>
+        </p:style>
+        <p:txBody>
+          <a:bodyPr rtlCol="0" anchor="ctr"/>
+          <a:lstStyle/>
+          <a:p>
+            <a:pPr algn="ctr"/>
+            <a:endParaRPr lang="en-US" dirty="0">
+              <a:noFill/>
+            </a:endParaRPr>
+          </a:p>
+        </p:txBody>
+      </p:sp>
+      <p:pic>
+        <p:nvPicPr>
+          <p:cNvPr id="6" name="Picture 5" descr="A black and white logo&#10;&#10;Description automatically generated">
+            <a:extLst>
+              <a:ext uri="{FF2B5EF4-FFF2-40B4-BE49-F238E27FC236}">
+                <a16:creationId xmlns:a16="http://schemas.microsoft.com/office/drawing/2014/main" id="{B23CDD2A-DA4C-9449-B164-D554A2175C73}"/>
+              </a:ext>
+            </a:extLst>
+          </p:cNvPr>
+          <p:cNvPicPr>
+            <a:picLocks noChangeAspect="1"/>
+          </p:cNvPicPr>
+          <p:nvPr/>
+        </p:nvPicPr>
+        <p:blipFill>
+          <a:blip r:embed="rId2">
+            <a:extLst>
+              <a:ext uri="{28A0092B-C50C-407E-A947-70E740481C1C}">
+                <a14:useLocalDpi xmlns:a14="http://schemas.microsoft.com/office/drawing/2010/main" val="0"/>
+              </a:ext>
+            </a:extLst>
+          </a:blip>
+          <a:stretch>
+            <a:fillRect/>
+          </a:stretch>
+        </p:blipFill>
+        <p:spPr>
+          <a:xfrm>
+            <a:off x="11051882" y="119333"/>
+            <a:ext cx="1093483" cy="1017009"/>
+          </a:xfrm>
+          <a:prstGeom prst="rect">
+            <a:avLst/>
+          </a:prstGeom>
+        </p:spPr>
+      </p:pic>
+      <p:sp>
+        <p:nvSpPr>
+          <p:cNvPr id="7" name="Flowchart: Data 2">
+            <a:extLst>
+              <a:ext uri="{FF2B5EF4-FFF2-40B4-BE49-F238E27FC236}">
+                <a16:creationId xmlns:a16="http://schemas.microsoft.com/office/drawing/2014/main" id="{5A772906-6EEA-E127-3A70-4121417DE43E}"/>
+              </a:ext>
+            </a:extLst>
+          </p:cNvPr>
+          <p:cNvSpPr/>
+          <p:nvPr/>
+        </p:nvSpPr>
+        <p:spPr>
+          <a:xfrm>
+            <a:off x="10848138" y="6264097"/>
+            <a:ext cx="1343862" cy="608120"/>
+          </a:xfrm>
+          <a:custGeom>
+            <a:avLst/>
+            <a:gdLst>
+              <a:gd name="connsiteX0" fmla="*/ 0 w 10000"/>
+              <a:gd name="connsiteY0" fmla="*/ 10000 h 10000"/>
+              <a:gd name="connsiteX1" fmla="*/ 2000 w 10000"/>
+              <a:gd name="connsiteY1" fmla="*/ 0 h 10000"/>
+              <a:gd name="connsiteX2" fmla="*/ 10000 w 10000"/>
+              <a:gd name="connsiteY2" fmla="*/ 0 h 10000"/>
+              <a:gd name="connsiteX3" fmla="*/ 8000 w 10000"/>
+              <a:gd name="connsiteY3" fmla="*/ 10000 h 10000"/>
+              <a:gd name="connsiteX4" fmla="*/ 0 w 10000"/>
+              <a:gd name="connsiteY4" fmla="*/ 10000 h 10000"/>
+              <a:gd name="connsiteX0" fmla="*/ 0 w 8000"/>
+              <a:gd name="connsiteY0" fmla="*/ 10000 h 10000"/>
+              <a:gd name="connsiteX1" fmla="*/ 2000 w 8000"/>
+              <a:gd name="connsiteY1" fmla="*/ 0 h 10000"/>
+              <a:gd name="connsiteX2" fmla="*/ 4142 w 8000"/>
+              <a:gd name="connsiteY2" fmla="*/ 153 h 10000"/>
+              <a:gd name="connsiteX3" fmla="*/ 8000 w 8000"/>
+              <a:gd name="connsiteY3" fmla="*/ 10000 h 10000"/>
+              <a:gd name="connsiteX4" fmla="*/ 0 w 8000"/>
+              <a:gd name="connsiteY4" fmla="*/ 10000 h 10000"/>
+              <a:gd name="connsiteX0" fmla="*/ 0 w 5414"/>
+              <a:gd name="connsiteY0" fmla="*/ 10000 h 10000"/>
+              <a:gd name="connsiteX1" fmla="*/ 2500 w 5414"/>
+              <a:gd name="connsiteY1" fmla="*/ 0 h 10000"/>
+              <a:gd name="connsiteX2" fmla="*/ 5178 w 5414"/>
+              <a:gd name="connsiteY2" fmla="*/ 153 h 10000"/>
+              <a:gd name="connsiteX3" fmla="*/ 5414 w 5414"/>
+              <a:gd name="connsiteY3" fmla="*/ 10000 h 10000"/>
+              <a:gd name="connsiteX4" fmla="*/ 0 w 5414"/>
+              <a:gd name="connsiteY4" fmla="*/ 10000 h 10000"/>
+              <a:gd name="connsiteX0" fmla="*/ 0 w 9609"/>
+              <a:gd name="connsiteY0" fmla="*/ 10000 h 10000"/>
+              <a:gd name="connsiteX1" fmla="*/ 4618 w 9609"/>
+              <a:gd name="connsiteY1" fmla="*/ 0 h 10000"/>
+              <a:gd name="connsiteX2" fmla="*/ 9564 w 9609"/>
+              <a:gd name="connsiteY2" fmla="*/ 153 h 10000"/>
+              <a:gd name="connsiteX3" fmla="*/ 9590 w 9609"/>
+              <a:gd name="connsiteY3" fmla="*/ 10000 h 10000"/>
+              <a:gd name="connsiteX4" fmla="*/ 0 w 9609"/>
+              <a:gd name="connsiteY4" fmla="*/ 10000 h 10000"/>
+              <a:gd name="connsiteX0" fmla="*/ 0 w 10193"/>
+              <a:gd name="connsiteY0" fmla="*/ 10000 h 10153"/>
+              <a:gd name="connsiteX1" fmla="*/ 4806 w 10193"/>
+              <a:gd name="connsiteY1" fmla="*/ 0 h 10153"/>
+              <a:gd name="connsiteX2" fmla="*/ 9953 w 10193"/>
+              <a:gd name="connsiteY2" fmla="*/ 153 h 10153"/>
+              <a:gd name="connsiteX3" fmla="*/ 10193 w 10193"/>
+              <a:gd name="connsiteY3" fmla="*/ 10153 h 10153"/>
+              <a:gd name="connsiteX4" fmla="*/ 0 w 10193"/>
+              <a:gd name="connsiteY4" fmla="*/ 10000 h 10153"/>
+              <a:gd name="connsiteX0" fmla="*/ 0 w 10213"/>
+              <a:gd name="connsiteY0" fmla="*/ 10000 h 10153"/>
+              <a:gd name="connsiteX1" fmla="*/ 4806 w 10213"/>
+              <a:gd name="connsiteY1" fmla="*/ 0 h 10153"/>
+              <a:gd name="connsiteX2" fmla="*/ 10166 w 10213"/>
+              <a:gd name="connsiteY2" fmla="*/ 153 h 10153"/>
+              <a:gd name="connsiteX3" fmla="*/ 10193 w 10213"/>
+              <a:gd name="connsiteY3" fmla="*/ 10153 h 10153"/>
+              <a:gd name="connsiteX4" fmla="*/ 0 w 10213"/>
+              <a:gd name="connsiteY4" fmla="*/ 10000 h 10153"/>
+              <a:gd name="connsiteX0" fmla="*/ 0 w 10341"/>
+              <a:gd name="connsiteY0" fmla="*/ 10000 h 10153"/>
+              <a:gd name="connsiteX1" fmla="*/ 4806 w 10341"/>
+              <a:gd name="connsiteY1" fmla="*/ 0 h 10153"/>
+              <a:gd name="connsiteX2" fmla="*/ 10308 w 10341"/>
+              <a:gd name="connsiteY2" fmla="*/ 0 h 10153"/>
+              <a:gd name="connsiteX3" fmla="*/ 10193 w 10341"/>
+              <a:gd name="connsiteY3" fmla="*/ 10153 h 10153"/>
+              <a:gd name="connsiteX4" fmla="*/ 0 w 10341"/>
+              <a:gd name="connsiteY4" fmla="*/ 10000 h 10153"/>
+              <a:gd name="connsiteX0" fmla="*/ 0 w 10406"/>
+              <a:gd name="connsiteY0" fmla="*/ 10000 h 10306"/>
+              <a:gd name="connsiteX1" fmla="*/ 4806 w 10406"/>
+              <a:gd name="connsiteY1" fmla="*/ 0 h 10306"/>
+              <a:gd name="connsiteX2" fmla="*/ 10308 w 10406"/>
+              <a:gd name="connsiteY2" fmla="*/ 0 h 10306"/>
+              <a:gd name="connsiteX3" fmla="*/ 10406 w 10406"/>
+              <a:gd name="connsiteY3" fmla="*/ 10306 h 10306"/>
+              <a:gd name="connsiteX4" fmla="*/ 0 w 10406"/>
+              <a:gd name="connsiteY4" fmla="*/ 10000 h 10306"/>
+              <a:gd name="connsiteX0" fmla="*/ 0 w 10761"/>
+              <a:gd name="connsiteY0" fmla="*/ 10458 h 10458"/>
+              <a:gd name="connsiteX1" fmla="*/ 5161 w 10761"/>
+              <a:gd name="connsiteY1" fmla="*/ 0 h 10458"/>
+              <a:gd name="connsiteX2" fmla="*/ 10663 w 10761"/>
+              <a:gd name="connsiteY2" fmla="*/ 0 h 10458"/>
+              <a:gd name="connsiteX3" fmla="*/ 10761 w 10761"/>
+              <a:gd name="connsiteY3" fmla="*/ 10306 h 10458"/>
+              <a:gd name="connsiteX4" fmla="*/ 0 w 10761"/>
+              <a:gd name="connsiteY4" fmla="*/ 10458 h 10458"/>
+            </a:gdLst>
+            <a:ahLst/>
+            <a:cxnLst>
+              <a:cxn ang="0">
+                <a:pos x="connsiteX0" y="connsiteY0"/>
+              </a:cxn>
+              <a:cxn ang="0">
+                <a:pos x="connsiteX1" y="connsiteY1"/>
+              </a:cxn>
+              <a:cxn ang="0">
+                <a:pos x="connsiteX2" y="connsiteY2"/>
+              </a:cxn>
+              <a:cxn ang="0">
+                <a:pos x="connsiteX3" y="connsiteY3"/>
+              </a:cxn>
+              <a:cxn ang="0">
+                <a:pos x="connsiteX4" y="connsiteY4"/>
+              </a:cxn>
+            </a:cxnLst>
+            <a:rect l="l" t="t" r="r" b="b"/>
+            <a:pathLst>
+              <a:path w="10761" h="10458">
+                <a:moveTo>
+                  <a:pt x="0" y="10458"/>
+                </a:moveTo>
+                <a:lnTo>
+                  <a:pt x="5161" y="0"/>
+                </a:lnTo>
+                <a:lnTo>
+                  <a:pt x="10663" y="0"/>
+                </a:lnTo>
+                <a:cubicBezTo>
+                  <a:pt x="10815" y="3282"/>
+                  <a:pt x="10609" y="7024"/>
+                  <a:pt x="10761" y="10306"/>
+                </a:cubicBezTo>
+                <a:lnTo>
+                  <a:pt x="0" y="10458"/>
+                </a:lnTo>
+                <a:close/>
+              </a:path>
+            </a:pathLst>
+          </a:custGeom>
+          <a:solidFill>
+            <a:schemeClr val="bg1"/>
+          </a:solidFill>
+          <a:ln w="19050">
+            <a:solidFill>
+              <a:schemeClr val="tx1"/>
+            </a:solidFill>
+          </a:ln>
+        </p:spPr>
+        <p:style>
+          <a:lnRef idx="2">
+            <a:schemeClr val="accent1">
+              <a:shade val="15000"/>
+            </a:schemeClr>
+          </a:lnRef>
+          <a:fillRef idx="1">
+            <a:schemeClr val="accent1"/>
+          </a:fillRef>
+          <a:effectRef idx="0">
+            <a:schemeClr val="accent1"/>
+          </a:effectRef>
+          <a:fontRef idx="minor">
+            <a:schemeClr val="lt1"/>
+          </a:fontRef>
+        </p:style>
+        <p:txBody>
+          <a:bodyPr rtlCol="0" anchor="ctr"/>
+          <a:lstStyle/>
+          <a:p>
+            <a:pPr algn="ctr"/>
+            <a:endParaRPr lang="en-US"/>
+          </a:p>
+        </p:txBody>
+      </p:sp>
+      <p:sp>
+        <p:nvSpPr>
+          <p:cNvPr id="8" name="TextBox 7">
+            <a:extLst>
+              <a:ext uri="{FF2B5EF4-FFF2-40B4-BE49-F238E27FC236}">
+                <a16:creationId xmlns:a16="http://schemas.microsoft.com/office/drawing/2014/main" id="{0F2C8D38-3EB2-0161-B239-170CE55845FF}"/>
+              </a:ext>
+            </a:extLst>
+          </p:cNvPr>
+          <p:cNvSpPr txBox="1"/>
+          <p:nvPr/>
+        </p:nvSpPr>
+        <p:spPr>
+          <a:xfrm>
+            <a:off x="11520069" y="6287442"/>
+            <a:ext cx="557254" cy="584775"/>
+          </a:xfrm>
+          <a:prstGeom prst="rect">
+            <a:avLst/>
+          </a:prstGeom>
+          <a:noFill/>
+        </p:spPr>
+        <p:txBody>
+          <a:bodyPr wrap="square" rtlCol="0">
+            <a:spAutoFit/>
+          </a:bodyPr>
+          <a:lstStyle/>
+          <a:p>
+            <a:r>
+              <a:rPr lang="en-US" sz="3200" dirty="0">
+                <a:latin typeface="TH SarabunPSK" panose="020B0500040200020003" pitchFamily="34" charset="-34"/>
+                <a:cs typeface="TH SarabunPSK" panose="020B0500040200020003" pitchFamily="34" charset="-34"/>
+              </a:rPr>
+              <a:t>9</a:t>
+            </a:r>
+          </a:p>
+        </p:txBody>
+      </p:sp>
+      <p:sp>
+        <p:nvSpPr>
           <p:cNvPr id="2" name="Title 1">
             <a:extLst>
               <a:ext uri="{FF2B5EF4-FFF2-40B4-BE49-F238E27FC236}">
@@ -3960,17 +4485,28 @@
             <p:ph type="title"/>
           </p:nvPr>
         </p:nvSpPr>
-        <p:spPr/>
+        <p:spPr>
+          <a:xfrm>
+            <a:off x="838200" y="0"/>
+            <a:ext cx="10515600" cy="1325563"/>
+          </a:xfrm>
+        </p:spPr>
         <p:txBody>
           <a:bodyPr/>
           <a:lstStyle/>
           <a:p>
             <a:r>
-              <a:rPr lang="en-US" dirty="0" err="1"/>
+              <a:rPr lang="en-US" dirty="0" err="1">
+                <a:latin typeface="TH SarabunPSK" panose="020B0500040200020003" pitchFamily="34" charset="-34"/>
+                <a:cs typeface="TH SarabunPSK" panose="020B0500040200020003" pitchFamily="34" charset="-34"/>
+              </a:rPr>
               <a:t>pca.explained_variance_ratio</a:t>
             </a:r>
             <a:r>
-              <a:rPr lang="en-US" dirty="0"/>
+              <a:rPr lang="en-US" dirty="0">
+                <a:latin typeface="TH SarabunPSK" panose="020B0500040200020003" pitchFamily="34" charset="-34"/>
+                <a:cs typeface="TH SarabunPSK" panose="020B0500040200020003" pitchFamily="34" charset="-34"/>
+              </a:rPr>
               <a:t>_</a:t>
             </a:r>
           </a:p>
@@ -3998,13 +4534,16 @@
           <a:lstStyle/>
           <a:p>
             <a:r>
-              <a:rPr lang="th-TH" dirty="0"/>
+              <a:rPr lang="th-TH" sz="2400" dirty="0">
+                <a:latin typeface="TH SarabunPSK" panose="020B0500040200020003" pitchFamily="34" charset="-34"/>
+                <a:cs typeface="TH SarabunPSK" panose="020B0500040200020003" pitchFamily="34" charset="-34"/>
+              </a:rPr>
               <a:t>ใช้ดูประสิทธิภาพของการกระจายข้อมูล ตามจำนวนแกน เช่น </a:t>
             </a:r>
           </a:p>
           <a:p>
             <a:r>
-              <a:rPr lang="en-US" sz="2400" b="0" i="0" dirty="0">
+              <a:rPr lang="en-US" sz="1800" b="0" i="0" dirty="0">
                 <a:solidFill>
                   <a:srgbClr val="545454"/>
                 </a:solidFill>
@@ -4013,7 +4552,7 @@
               </a:rPr>
               <a:t>array([0.92461621, 0.05301557, 0.01718514, 0.00518309])</a:t>
             </a:r>
-            <a:endParaRPr lang="th-TH" sz="2400" b="0" i="0" dirty="0">
+            <a:endParaRPr lang="th-TH" sz="1800" b="0" i="0" dirty="0">
               <a:solidFill>
                 <a:srgbClr val="545454"/>
               </a:solidFill>
@@ -4031,6 +4570,16 @@
           </a:p>
           <a:p>
             <a:r>
+              <a:rPr lang="en-US" sz="1800" b="0" i="0" dirty="0">
+                <a:solidFill>
+                  <a:srgbClr val="545454"/>
+                </a:solidFill>
+                <a:effectLst/>
+                <a:latin typeface="Courier New" panose="02070309020205020404" pitchFamily="49" charset="0"/>
+              </a:rPr>
+              <a:t>0.92461621</a:t>
+            </a:r>
+            <a:r>
               <a:rPr lang="en-US" sz="2400" b="0" i="0" dirty="0">
                 <a:solidFill>
                   <a:srgbClr val="545454"/>
@@ -4038,7 +4587,7 @@
                 <a:effectLst/>
                 <a:latin typeface="Courier New" panose="02070309020205020404" pitchFamily="49" charset="0"/>
               </a:rPr>
-              <a:t>0.92461621 </a:t>
+              <a:t> </a:t>
             </a:r>
             <a:r>
               <a:rPr lang="th-TH" sz="2400" b="0" i="0" dirty="0">
@@ -4046,7 +4595,8 @@
                   <a:srgbClr val="545454"/>
                 </a:solidFill>
                 <a:effectLst/>
-                <a:latin typeface="Courier New" panose="02070309020205020404" pitchFamily="49" charset="0"/>
+                <a:latin typeface="TH SarabunPSK" panose="020B0500040200020003" pitchFamily="34" charset="-34"/>
+                <a:cs typeface="TH SarabunPSK" panose="020B0500040200020003" pitchFamily="34" charset="-34"/>
               </a:rPr>
               <a:t>คือ ใช้แกน </a:t>
             </a:r>
@@ -4056,7 +4606,8 @@
                   <a:srgbClr val="545454"/>
                 </a:solidFill>
                 <a:effectLst/>
-                <a:latin typeface="Courier New" panose="02070309020205020404" pitchFamily="49" charset="0"/>
+                <a:latin typeface="TH SarabunPSK" panose="020B0500040200020003" pitchFamily="34" charset="-34"/>
+                <a:cs typeface="TH SarabunPSK" panose="020B0500040200020003" pitchFamily="34" charset="-34"/>
               </a:rPr>
               <a:t>1</a:t>
             </a:r>
@@ -4066,12 +4617,13 @@
                   <a:srgbClr val="545454"/>
                 </a:solidFill>
                 <a:effectLst/>
-                <a:latin typeface="Courier New" panose="02070309020205020404" pitchFamily="49" charset="0"/>
+                <a:latin typeface="TH SarabunPSK" panose="020B0500040200020003" pitchFamily="34" charset="-34"/>
+                <a:cs typeface="TH SarabunPSK" panose="020B0500040200020003" pitchFamily="34" charset="-34"/>
               </a:rPr>
               <a:t> แกนสามารถอธิบายการกระจายข้อมูลได้ </a:t>
             </a:r>
             <a:r>
-              <a:rPr lang="en-US" sz="2400" b="0" i="0" dirty="0">
+              <a:rPr lang="en-US" sz="1800" b="0" i="0" dirty="0">
                 <a:solidFill>
                   <a:srgbClr val="545454"/>
                 </a:solidFill>
@@ -4080,10 +4632,17 @@
               </a:rPr>
               <a:t>92.4%</a:t>
             </a:r>
-          </a:p>
-          <a:p>
-            <a:r>
-              <a:rPr lang="en-US" sz="2400" b="0" i="0" dirty="0">
+            <a:endParaRPr lang="en-US" sz="2400" b="0" i="0" dirty="0">
+              <a:solidFill>
+                <a:srgbClr val="545454"/>
+              </a:solidFill>
+              <a:effectLst/>
+              <a:latin typeface="Courier New" panose="02070309020205020404" pitchFamily="49" charset="0"/>
+            </a:endParaRPr>
+          </a:p>
+          <a:p>
+            <a:r>
+              <a:rPr lang="en-US" sz="1800" b="0" i="0" dirty="0">
                 <a:solidFill>
                   <a:srgbClr val="545454"/>
                 </a:solidFill>
@@ -4107,7 +4666,8 @@
                   <a:srgbClr val="545454"/>
                 </a:solidFill>
                 <a:effectLst/>
-                <a:latin typeface="Courier New" panose="02070309020205020404" pitchFamily="49" charset="0"/>
+                <a:latin typeface="TH SarabunPSK" panose="020B0500040200020003" pitchFamily="34" charset="-34"/>
+                <a:cs typeface="TH SarabunPSK" panose="020B0500040200020003" pitchFamily="34" charset="-34"/>
               </a:rPr>
               <a:t>คือ ใช้แกน </a:t>
             </a:r>
@@ -4116,7 +4676,8 @@
                 <a:solidFill>
                   <a:srgbClr val="545454"/>
                 </a:solidFill>
-                <a:latin typeface="Courier New" panose="02070309020205020404" pitchFamily="49" charset="0"/>
+                <a:latin typeface="TH SarabunPSK" panose="020B0500040200020003" pitchFamily="34" charset="-34"/>
+                <a:cs typeface="TH SarabunPSK" panose="020B0500040200020003" pitchFamily="34" charset="-34"/>
               </a:rPr>
               <a:t>2</a:t>
             </a:r>
@@ -4126,12 +4687,13 @@
                   <a:srgbClr val="545454"/>
                 </a:solidFill>
                 <a:effectLst/>
-                <a:latin typeface="Courier New" panose="02070309020205020404" pitchFamily="49" charset="0"/>
+                <a:latin typeface="TH SarabunPSK" panose="020B0500040200020003" pitchFamily="34" charset="-34"/>
+                <a:cs typeface="TH SarabunPSK" panose="020B0500040200020003" pitchFamily="34" charset="-34"/>
               </a:rPr>
               <a:t> แกนสามารถอธิบายการกระจายข้อมูลได้ </a:t>
             </a:r>
             <a:r>
-              <a:rPr lang="en-US" sz="2400" b="0" i="0" dirty="0">
+              <a:rPr lang="en-US" sz="1800" b="0" i="0" dirty="0">
                 <a:solidFill>
                   <a:srgbClr val="545454"/>
                 </a:solidFill>
@@ -4140,6 +4702,14 @@
               </a:rPr>
               <a:t>92.4+5.3 = 97.7%</a:t>
             </a:r>
+          </a:p>
+          <a:p>
+            <a:endParaRPr lang="th-TH" sz="1800" dirty="0">
+              <a:solidFill>
+                <a:srgbClr val="545454"/>
+              </a:solidFill>
+              <a:latin typeface="Courier New" panose="02070309020205020404" pitchFamily="49" charset="0"/>
+            </a:endParaRPr>
           </a:p>
           <a:p>
             <a:endParaRPr lang="th-TH" sz="2400" dirty="0">
@@ -4150,14 +4720,6 @@
             </a:endParaRPr>
           </a:p>
           <a:p>
-            <a:endParaRPr lang="th-TH" sz="2400" dirty="0">
-              <a:solidFill>
-                <a:srgbClr val="545454"/>
-              </a:solidFill>
-              <a:latin typeface="Courier New" panose="02070309020205020404" pitchFamily="49" charset="0"/>
-            </a:endParaRPr>
-          </a:p>
-          <a:p>
             <a:endParaRPr lang="en-US" sz="2400" dirty="0"/>
           </a:p>
         </p:txBody>
@@ -4165,7 +4727,7 @@
     </p:spTree>
     <p:extLst>
       <p:ext uri="{BB962C8B-B14F-4D97-AF65-F5344CB8AC3E}">
-        <p14:creationId xmlns:p14="http://schemas.microsoft.com/office/powerpoint/2010/main" val="2774352017"/>
+        <p14:creationId xmlns:p14="http://schemas.microsoft.com/office/powerpoint/2010/main" val="3000068297"/>
       </p:ext>
     </p:extLst>
   </p:cSld>
@@ -4194,6 +4756,377 @@
       </p:grpSpPr>
       <p:sp>
         <p:nvSpPr>
+          <p:cNvPr id="4" name="Rectangle 3">
+            <a:extLst>
+              <a:ext uri="{FF2B5EF4-FFF2-40B4-BE49-F238E27FC236}">
+                <a16:creationId xmlns:a16="http://schemas.microsoft.com/office/drawing/2014/main" id="{806E3A78-DA06-9816-E08D-816D7DD18449}"/>
+              </a:ext>
+            </a:extLst>
+          </p:cNvPr>
+          <p:cNvSpPr/>
+          <p:nvPr/>
+        </p:nvSpPr>
+        <p:spPr>
+          <a:xfrm>
+            <a:off x="0" y="5840991"/>
+            <a:ext cx="12192000" cy="1017009"/>
+          </a:xfrm>
+          <a:prstGeom prst="rect">
+            <a:avLst/>
+          </a:prstGeom>
+          <a:solidFill>
+            <a:srgbClr val="CCCCFF"/>
+          </a:solidFill>
+          <a:ln>
+            <a:solidFill>
+              <a:srgbClr val="CCCCFF"/>
+            </a:solidFill>
+          </a:ln>
+        </p:spPr>
+        <p:style>
+          <a:lnRef idx="2">
+            <a:schemeClr val="accent1">
+              <a:shade val="15000"/>
+            </a:schemeClr>
+          </a:lnRef>
+          <a:fillRef idx="1">
+            <a:schemeClr val="accent1"/>
+          </a:fillRef>
+          <a:effectRef idx="0">
+            <a:schemeClr val="accent1"/>
+          </a:effectRef>
+          <a:fontRef idx="minor">
+            <a:schemeClr val="lt1"/>
+          </a:fontRef>
+        </p:style>
+        <p:txBody>
+          <a:bodyPr rtlCol="0" anchor="ctr"/>
+          <a:lstStyle/>
+          <a:p>
+            <a:pPr algn="ctr"/>
+            <a:endParaRPr lang="en-US"/>
+          </a:p>
+        </p:txBody>
+      </p:sp>
+      <p:sp>
+        <p:nvSpPr>
+          <p:cNvPr id="5" name="Rectangle 4">
+            <a:extLst>
+              <a:ext uri="{FF2B5EF4-FFF2-40B4-BE49-F238E27FC236}">
+                <a16:creationId xmlns:a16="http://schemas.microsoft.com/office/drawing/2014/main" id="{8D54A056-1083-D9AD-3630-293B61426EBE}"/>
+              </a:ext>
+            </a:extLst>
+          </p:cNvPr>
+          <p:cNvSpPr/>
+          <p:nvPr/>
+        </p:nvSpPr>
+        <p:spPr>
+          <a:xfrm>
+            <a:off x="0" y="0"/>
+            <a:ext cx="12192000" cy="1136342"/>
+          </a:xfrm>
+          <a:prstGeom prst="rect">
+            <a:avLst/>
+          </a:prstGeom>
+          <a:solidFill>
+            <a:srgbClr val="CCCCFF"/>
+          </a:solidFill>
+          <a:ln>
+            <a:solidFill>
+              <a:srgbClr val="CCCCFF"/>
+            </a:solidFill>
+          </a:ln>
+        </p:spPr>
+        <p:style>
+          <a:lnRef idx="2">
+            <a:schemeClr val="accent1">
+              <a:shade val="15000"/>
+            </a:schemeClr>
+          </a:lnRef>
+          <a:fillRef idx="1">
+            <a:schemeClr val="accent1"/>
+          </a:fillRef>
+          <a:effectRef idx="0">
+            <a:schemeClr val="accent1"/>
+          </a:effectRef>
+          <a:fontRef idx="minor">
+            <a:schemeClr val="lt1"/>
+          </a:fontRef>
+        </p:style>
+        <p:txBody>
+          <a:bodyPr rtlCol="0" anchor="ctr"/>
+          <a:lstStyle/>
+          <a:p>
+            <a:pPr algn="ctr"/>
+            <a:endParaRPr lang="en-US" dirty="0">
+              <a:noFill/>
+            </a:endParaRPr>
+          </a:p>
+        </p:txBody>
+      </p:sp>
+      <p:pic>
+        <p:nvPicPr>
+          <p:cNvPr id="6" name="Picture 5" descr="A black and white logo&#10;&#10;Description automatically generated">
+            <a:extLst>
+              <a:ext uri="{FF2B5EF4-FFF2-40B4-BE49-F238E27FC236}">
+                <a16:creationId xmlns:a16="http://schemas.microsoft.com/office/drawing/2014/main" id="{E8ED6335-8807-357D-8C7F-17AEEB2E82B0}"/>
+              </a:ext>
+            </a:extLst>
+          </p:cNvPr>
+          <p:cNvPicPr>
+            <a:picLocks noChangeAspect="1"/>
+          </p:cNvPicPr>
+          <p:nvPr/>
+        </p:nvPicPr>
+        <p:blipFill>
+          <a:blip r:embed="rId2">
+            <a:extLst>
+              <a:ext uri="{28A0092B-C50C-407E-A947-70E740481C1C}">
+                <a14:useLocalDpi xmlns:a14="http://schemas.microsoft.com/office/drawing/2010/main" val="0"/>
+              </a:ext>
+            </a:extLst>
+          </a:blip>
+          <a:stretch>
+            <a:fillRect/>
+          </a:stretch>
+        </p:blipFill>
+        <p:spPr>
+          <a:xfrm>
+            <a:off x="11051882" y="119333"/>
+            <a:ext cx="1093483" cy="1017009"/>
+          </a:xfrm>
+          <a:prstGeom prst="rect">
+            <a:avLst/>
+          </a:prstGeom>
+        </p:spPr>
+      </p:pic>
+      <p:sp>
+        <p:nvSpPr>
+          <p:cNvPr id="7" name="Flowchart: Data 2">
+            <a:extLst>
+              <a:ext uri="{FF2B5EF4-FFF2-40B4-BE49-F238E27FC236}">
+                <a16:creationId xmlns:a16="http://schemas.microsoft.com/office/drawing/2014/main" id="{A5BA598A-0B80-05AD-F45A-088DA72841BE}"/>
+              </a:ext>
+            </a:extLst>
+          </p:cNvPr>
+          <p:cNvSpPr/>
+          <p:nvPr/>
+        </p:nvSpPr>
+        <p:spPr>
+          <a:xfrm>
+            <a:off x="10848138" y="6264097"/>
+            <a:ext cx="1343862" cy="608120"/>
+          </a:xfrm>
+          <a:custGeom>
+            <a:avLst/>
+            <a:gdLst>
+              <a:gd name="connsiteX0" fmla="*/ 0 w 10000"/>
+              <a:gd name="connsiteY0" fmla="*/ 10000 h 10000"/>
+              <a:gd name="connsiteX1" fmla="*/ 2000 w 10000"/>
+              <a:gd name="connsiteY1" fmla="*/ 0 h 10000"/>
+              <a:gd name="connsiteX2" fmla="*/ 10000 w 10000"/>
+              <a:gd name="connsiteY2" fmla="*/ 0 h 10000"/>
+              <a:gd name="connsiteX3" fmla="*/ 8000 w 10000"/>
+              <a:gd name="connsiteY3" fmla="*/ 10000 h 10000"/>
+              <a:gd name="connsiteX4" fmla="*/ 0 w 10000"/>
+              <a:gd name="connsiteY4" fmla="*/ 10000 h 10000"/>
+              <a:gd name="connsiteX0" fmla="*/ 0 w 8000"/>
+              <a:gd name="connsiteY0" fmla="*/ 10000 h 10000"/>
+              <a:gd name="connsiteX1" fmla="*/ 2000 w 8000"/>
+              <a:gd name="connsiteY1" fmla="*/ 0 h 10000"/>
+              <a:gd name="connsiteX2" fmla="*/ 4142 w 8000"/>
+              <a:gd name="connsiteY2" fmla="*/ 153 h 10000"/>
+              <a:gd name="connsiteX3" fmla="*/ 8000 w 8000"/>
+              <a:gd name="connsiteY3" fmla="*/ 10000 h 10000"/>
+              <a:gd name="connsiteX4" fmla="*/ 0 w 8000"/>
+              <a:gd name="connsiteY4" fmla="*/ 10000 h 10000"/>
+              <a:gd name="connsiteX0" fmla="*/ 0 w 5414"/>
+              <a:gd name="connsiteY0" fmla="*/ 10000 h 10000"/>
+              <a:gd name="connsiteX1" fmla="*/ 2500 w 5414"/>
+              <a:gd name="connsiteY1" fmla="*/ 0 h 10000"/>
+              <a:gd name="connsiteX2" fmla="*/ 5178 w 5414"/>
+              <a:gd name="connsiteY2" fmla="*/ 153 h 10000"/>
+              <a:gd name="connsiteX3" fmla="*/ 5414 w 5414"/>
+              <a:gd name="connsiteY3" fmla="*/ 10000 h 10000"/>
+              <a:gd name="connsiteX4" fmla="*/ 0 w 5414"/>
+              <a:gd name="connsiteY4" fmla="*/ 10000 h 10000"/>
+              <a:gd name="connsiteX0" fmla="*/ 0 w 9609"/>
+              <a:gd name="connsiteY0" fmla="*/ 10000 h 10000"/>
+              <a:gd name="connsiteX1" fmla="*/ 4618 w 9609"/>
+              <a:gd name="connsiteY1" fmla="*/ 0 h 10000"/>
+              <a:gd name="connsiteX2" fmla="*/ 9564 w 9609"/>
+              <a:gd name="connsiteY2" fmla="*/ 153 h 10000"/>
+              <a:gd name="connsiteX3" fmla="*/ 9590 w 9609"/>
+              <a:gd name="connsiteY3" fmla="*/ 10000 h 10000"/>
+              <a:gd name="connsiteX4" fmla="*/ 0 w 9609"/>
+              <a:gd name="connsiteY4" fmla="*/ 10000 h 10000"/>
+              <a:gd name="connsiteX0" fmla="*/ 0 w 10193"/>
+              <a:gd name="connsiteY0" fmla="*/ 10000 h 10153"/>
+              <a:gd name="connsiteX1" fmla="*/ 4806 w 10193"/>
+              <a:gd name="connsiteY1" fmla="*/ 0 h 10153"/>
+              <a:gd name="connsiteX2" fmla="*/ 9953 w 10193"/>
+              <a:gd name="connsiteY2" fmla="*/ 153 h 10153"/>
+              <a:gd name="connsiteX3" fmla="*/ 10193 w 10193"/>
+              <a:gd name="connsiteY3" fmla="*/ 10153 h 10153"/>
+              <a:gd name="connsiteX4" fmla="*/ 0 w 10193"/>
+              <a:gd name="connsiteY4" fmla="*/ 10000 h 10153"/>
+              <a:gd name="connsiteX0" fmla="*/ 0 w 10213"/>
+              <a:gd name="connsiteY0" fmla="*/ 10000 h 10153"/>
+              <a:gd name="connsiteX1" fmla="*/ 4806 w 10213"/>
+              <a:gd name="connsiteY1" fmla="*/ 0 h 10153"/>
+              <a:gd name="connsiteX2" fmla="*/ 10166 w 10213"/>
+              <a:gd name="connsiteY2" fmla="*/ 153 h 10153"/>
+              <a:gd name="connsiteX3" fmla="*/ 10193 w 10213"/>
+              <a:gd name="connsiteY3" fmla="*/ 10153 h 10153"/>
+              <a:gd name="connsiteX4" fmla="*/ 0 w 10213"/>
+              <a:gd name="connsiteY4" fmla="*/ 10000 h 10153"/>
+              <a:gd name="connsiteX0" fmla="*/ 0 w 10341"/>
+              <a:gd name="connsiteY0" fmla="*/ 10000 h 10153"/>
+              <a:gd name="connsiteX1" fmla="*/ 4806 w 10341"/>
+              <a:gd name="connsiteY1" fmla="*/ 0 h 10153"/>
+              <a:gd name="connsiteX2" fmla="*/ 10308 w 10341"/>
+              <a:gd name="connsiteY2" fmla="*/ 0 h 10153"/>
+              <a:gd name="connsiteX3" fmla="*/ 10193 w 10341"/>
+              <a:gd name="connsiteY3" fmla="*/ 10153 h 10153"/>
+              <a:gd name="connsiteX4" fmla="*/ 0 w 10341"/>
+              <a:gd name="connsiteY4" fmla="*/ 10000 h 10153"/>
+              <a:gd name="connsiteX0" fmla="*/ 0 w 10406"/>
+              <a:gd name="connsiteY0" fmla="*/ 10000 h 10306"/>
+              <a:gd name="connsiteX1" fmla="*/ 4806 w 10406"/>
+              <a:gd name="connsiteY1" fmla="*/ 0 h 10306"/>
+              <a:gd name="connsiteX2" fmla="*/ 10308 w 10406"/>
+              <a:gd name="connsiteY2" fmla="*/ 0 h 10306"/>
+              <a:gd name="connsiteX3" fmla="*/ 10406 w 10406"/>
+              <a:gd name="connsiteY3" fmla="*/ 10306 h 10306"/>
+              <a:gd name="connsiteX4" fmla="*/ 0 w 10406"/>
+              <a:gd name="connsiteY4" fmla="*/ 10000 h 10306"/>
+              <a:gd name="connsiteX0" fmla="*/ 0 w 10761"/>
+              <a:gd name="connsiteY0" fmla="*/ 10458 h 10458"/>
+              <a:gd name="connsiteX1" fmla="*/ 5161 w 10761"/>
+              <a:gd name="connsiteY1" fmla="*/ 0 h 10458"/>
+              <a:gd name="connsiteX2" fmla="*/ 10663 w 10761"/>
+              <a:gd name="connsiteY2" fmla="*/ 0 h 10458"/>
+              <a:gd name="connsiteX3" fmla="*/ 10761 w 10761"/>
+              <a:gd name="connsiteY3" fmla="*/ 10306 h 10458"/>
+              <a:gd name="connsiteX4" fmla="*/ 0 w 10761"/>
+              <a:gd name="connsiteY4" fmla="*/ 10458 h 10458"/>
+            </a:gdLst>
+            <a:ahLst/>
+            <a:cxnLst>
+              <a:cxn ang="0">
+                <a:pos x="connsiteX0" y="connsiteY0"/>
+              </a:cxn>
+              <a:cxn ang="0">
+                <a:pos x="connsiteX1" y="connsiteY1"/>
+              </a:cxn>
+              <a:cxn ang="0">
+                <a:pos x="connsiteX2" y="connsiteY2"/>
+              </a:cxn>
+              <a:cxn ang="0">
+                <a:pos x="connsiteX3" y="connsiteY3"/>
+              </a:cxn>
+              <a:cxn ang="0">
+                <a:pos x="connsiteX4" y="connsiteY4"/>
+              </a:cxn>
+            </a:cxnLst>
+            <a:rect l="l" t="t" r="r" b="b"/>
+            <a:pathLst>
+              <a:path w="10761" h="10458">
+                <a:moveTo>
+                  <a:pt x="0" y="10458"/>
+                </a:moveTo>
+                <a:lnTo>
+                  <a:pt x="5161" y="0"/>
+                </a:lnTo>
+                <a:lnTo>
+                  <a:pt x="10663" y="0"/>
+                </a:lnTo>
+                <a:cubicBezTo>
+                  <a:pt x="10815" y="3282"/>
+                  <a:pt x="10609" y="7024"/>
+                  <a:pt x="10761" y="10306"/>
+                </a:cubicBezTo>
+                <a:lnTo>
+                  <a:pt x="0" y="10458"/>
+                </a:lnTo>
+                <a:close/>
+              </a:path>
+            </a:pathLst>
+          </a:custGeom>
+          <a:solidFill>
+            <a:schemeClr val="bg1"/>
+          </a:solidFill>
+          <a:ln w="19050">
+            <a:solidFill>
+              <a:schemeClr val="tx1"/>
+            </a:solidFill>
+          </a:ln>
+        </p:spPr>
+        <p:style>
+          <a:lnRef idx="2">
+            <a:schemeClr val="accent1">
+              <a:shade val="15000"/>
+            </a:schemeClr>
+          </a:lnRef>
+          <a:fillRef idx="1">
+            <a:schemeClr val="accent1"/>
+          </a:fillRef>
+          <a:effectRef idx="0">
+            <a:schemeClr val="accent1"/>
+          </a:effectRef>
+          <a:fontRef idx="minor">
+            <a:schemeClr val="lt1"/>
+          </a:fontRef>
+        </p:style>
+        <p:txBody>
+          <a:bodyPr rtlCol="0" anchor="ctr"/>
+          <a:lstStyle/>
+          <a:p>
+            <a:pPr algn="ctr"/>
+            <a:endParaRPr lang="en-US"/>
+          </a:p>
+        </p:txBody>
+      </p:sp>
+      <p:sp>
+        <p:nvSpPr>
+          <p:cNvPr id="8" name="TextBox 7">
+            <a:extLst>
+              <a:ext uri="{FF2B5EF4-FFF2-40B4-BE49-F238E27FC236}">
+                <a16:creationId xmlns:a16="http://schemas.microsoft.com/office/drawing/2014/main" id="{6ED8C8C9-0A3A-E9EA-99DC-67B497F9D0AF}"/>
+              </a:ext>
+            </a:extLst>
+          </p:cNvPr>
+          <p:cNvSpPr txBox="1"/>
+          <p:nvPr/>
+        </p:nvSpPr>
+        <p:spPr>
+          <a:xfrm>
+            <a:off x="11520069" y="6287442"/>
+            <a:ext cx="557254" cy="584775"/>
+          </a:xfrm>
+          <a:prstGeom prst="rect">
+            <a:avLst/>
+          </a:prstGeom>
+          <a:noFill/>
+        </p:spPr>
+        <p:txBody>
+          <a:bodyPr wrap="square" rtlCol="0">
+            <a:spAutoFit/>
+          </a:bodyPr>
+          <a:lstStyle/>
+          <a:p>
+            <a:r>
+              <a:rPr lang="en-US" sz="3200" dirty="0">
+                <a:latin typeface="TH SarabunPSK" panose="020B0500040200020003" pitchFamily="34" charset="-34"/>
+                <a:cs typeface="TH SarabunPSK" panose="020B0500040200020003" pitchFamily="34" charset="-34"/>
+              </a:rPr>
+              <a:t>10</a:t>
+            </a:r>
+          </a:p>
+        </p:txBody>
+      </p:sp>
+      <p:sp>
+        <p:nvSpPr>
           <p:cNvPr id="2" name="Title 1">
             <a:extLst>
               <a:ext uri="{FF2B5EF4-FFF2-40B4-BE49-F238E27FC236}">
@@ -4208,13 +5141,21 @@
             <p:ph type="title"/>
           </p:nvPr>
         </p:nvSpPr>
-        <p:spPr/>
+        <p:spPr>
+          <a:xfrm>
+            <a:off x="838200" y="0"/>
+            <a:ext cx="10515600" cy="1325563"/>
+          </a:xfrm>
+        </p:spPr>
         <p:txBody>
           <a:bodyPr/>
           <a:lstStyle/>
           <a:p>
             <a:r>
-              <a:rPr lang="en-US" dirty="0"/>
+              <a:rPr lang="en-US" dirty="0">
+                <a:latin typeface="TH SarabunPSK" panose="020B0500040200020003" pitchFamily="34" charset="-34"/>
+                <a:cs typeface="TH SarabunPSK" panose="020B0500040200020003" pitchFamily="34" charset="-34"/>
+              </a:rPr>
               <a:t>plot PCA data</a:t>
             </a:r>
           </a:p>
@@ -4242,21 +5183,30 @@
           <a:lstStyle/>
           <a:p>
             <a:r>
-              <a:rPr lang="th-TH" dirty="0"/>
+              <a:rPr lang="th-TH" sz="2400" dirty="0">
+                <a:latin typeface="TH SarabunPSK" panose="020B0500040200020003" pitchFamily="34" charset="-34"/>
+                <a:cs typeface="TH SarabunPSK" panose="020B0500040200020003" pitchFamily="34" charset="-34"/>
+              </a:rPr>
               <a:t>นำตารางข้อมูล </a:t>
             </a:r>
             <a:r>
-              <a:rPr lang="en-US" dirty="0"/>
+              <a:rPr lang="en-US" sz="2400" dirty="0">
+                <a:latin typeface="TH SarabunPSK" panose="020B0500040200020003" pitchFamily="34" charset="-34"/>
+                <a:cs typeface="TH SarabunPSK" panose="020B0500040200020003" pitchFamily="34" charset="-34"/>
+              </a:rPr>
               <a:t>PCA </a:t>
             </a:r>
             <a:r>
-              <a:rPr lang="th-TH" dirty="0"/>
+              <a:rPr lang="th-TH" sz="2400" dirty="0">
+                <a:latin typeface="TH SarabunPSK" panose="020B0500040200020003" pitchFamily="34" charset="-34"/>
+                <a:cs typeface="TH SarabunPSK" panose="020B0500040200020003" pitchFamily="34" charset="-34"/>
+              </a:rPr>
               <a:t>มาสร้างกราฟที่สามารถอธิบายการกระจายตัวของข้อมูลได้ดีที่สุด</a:t>
             </a:r>
           </a:p>
           <a:p>
             <a:r>
-              <a:rPr lang="en-US" sz="2400" b="0" i="0" dirty="0">
+              <a:rPr lang="en-US" sz="1800" b="0" i="0" dirty="0">
                 <a:solidFill>
                   <a:srgbClr val="7928A1"/>
                 </a:solidFill>
@@ -4266,7 +5216,7 @@
               <a:t>from</a:t>
             </a:r>
             <a:r>
-              <a:rPr lang="en-US" sz="2400" b="0" i="0" dirty="0">
+              <a:rPr lang="en-US" sz="1800" b="0" i="0" dirty="0">
                 <a:solidFill>
                   <a:srgbClr val="545454"/>
                 </a:solidFill>
@@ -4276,7 +5226,7 @@
               <a:t> matplotlib </a:t>
             </a:r>
             <a:r>
-              <a:rPr lang="en-US" sz="2400" b="0" i="0" dirty="0">
+              <a:rPr lang="en-US" sz="1800" b="0" i="0" dirty="0">
                 <a:solidFill>
                   <a:srgbClr val="7928A1"/>
                 </a:solidFill>
@@ -4286,7 +5236,7 @@
               <a:t>import</a:t>
             </a:r>
             <a:r>
-              <a:rPr lang="en-US" sz="2400" b="0" i="0" dirty="0">
+              <a:rPr lang="en-US" sz="1800" b="0" i="0" dirty="0">
                 <a:solidFill>
                   <a:srgbClr val="545454"/>
                 </a:solidFill>
@@ -4296,7 +5246,7 @@
               <a:t> </a:t>
             </a:r>
             <a:r>
-              <a:rPr lang="en-US" sz="2400" b="0" i="0" dirty="0" err="1">
+              <a:rPr lang="en-US" sz="1800" b="0" i="0" dirty="0" err="1">
                 <a:solidFill>
                   <a:srgbClr val="545454"/>
                 </a:solidFill>
@@ -4306,7 +5256,7 @@
               <a:t>pyplot</a:t>
             </a:r>
             <a:r>
-              <a:rPr lang="en-US" sz="2400" b="0" i="0" dirty="0">
+              <a:rPr lang="en-US" sz="1800" b="0" i="0" dirty="0">
                 <a:solidFill>
                   <a:srgbClr val="545454"/>
                 </a:solidFill>
@@ -4316,7 +5266,7 @@
               <a:t> </a:t>
             </a:r>
             <a:r>
-              <a:rPr lang="en-US" sz="2400" b="0" i="0" dirty="0">
+              <a:rPr lang="en-US" sz="1800" b="0" i="0" dirty="0">
                 <a:solidFill>
                   <a:srgbClr val="7928A1"/>
                 </a:solidFill>
@@ -4326,7 +5276,7 @@
               <a:t>as</a:t>
             </a:r>
             <a:r>
-              <a:rPr lang="en-US" sz="2400" b="0" i="0" dirty="0">
+              <a:rPr lang="en-US" sz="1800" b="0" i="0" dirty="0">
                 <a:solidFill>
                   <a:srgbClr val="545454"/>
                 </a:solidFill>
@@ -4336,7 +5286,7 @@
               <a:t> </a:t>
             </a:r>
             <a:r>
-              <a:rPr lang="en-US" sz="2400" b="0" i="0" dirty="0" err="1">
+              <a:rPr lang="en-US" sz="1800" b="0" i="0" dirty="0" err="1">
                 <a:solidFill>
                   <a:srgbClr val="545454"/>
                 </a:solidFill>
@@ -4345,7 +5295,7 @@
               </a:rPr>
               <a:t>plt</a:t>
             </a:r>
-            <a:endParaRPr lang="th-TH" sz="2400" b="0" i="0" dirty="0">
+            <a:endParaRPr lang="th-TH" sz="1800" b="0" i="0" dirty="0">
               <a:solidFill>
                 <a:srgbClr val="545454"/>
               </a:solidFill>
@@ -4355,7 +5305,7 @@
           </a:p>
           <a:p>
             <a:r>
-              <a:rPr lang="en-US" sz="2400" b="0" i="0" dirty="0">
+              <a:rPr lang="en-US" sz="1800" b="0" i="0" dirty="0">
                 <a:solidFill>
                   <a:srgbClr val="545454"/>
                 </a:solidFill>
@@ -4365,7 +5315,7 @@
               <a:t>example_df2 = </a:t>
             </a:r>
             <a:r>
-              <a:rPr lang="en-US" sz="2400" b="0" i="0" dirty="0" err="1">
+              <a:rPr lang="en-US" sz="1800" b="0" i="0" dirty="0" err="1">
                 <a:solidFill>
                   <a:srgbClr val="545454"/>
                 </a:solidFill>
@@ -4375,7 +5325,7 @@
               <a:t>example_df.replace</a:t>
             </a:r>
             <a:r>
-              <a:rPr lang="en-US" sz="2400" b="0" i="0" dirty="0">
+              <a:rPr lang="en-US" sz="1800" b="0" i="0" dirty="0">
                 <a:solidFill>
                   <a:srgbClr val="545454"/>
                 </a:solidFill>
@@ -4385,7 +5335,7 @@
               <a:t>({</a:t>
             </a:r>
             <a:r>
-              <a:rPr lang="en-US" sz="2400" b="0" i="0" dirty="0">
+              <a:rPr lang="en-US" sz="1800" b="0" i="0" dirty="0">
                 <a:solidFill>
                   <a:srgbClr val="008000"/>
                 </a:solidFill>
@@ -4395,7 +5345,7 @@
               <a:t>'</a:t>
             </a:r>
             <a:r>
-              <a:rPr lang="en-US" sz="2400" b="0" i="0" dirty="0" err="1">
+              <a:rPr lang="en-US" sz="1800" b="0" i="0" dirty="0" err="1">
                 <a:solidFill>
                   <a:srgbClr val="008000"/>
                 </a:solidFill>
@@ -4405,7 +5355,7 @@
               <a:t>Iris-s</a:t>
             </a:r>
             <a:r>
-              <a:rPr lang="en-US" sz="2400" b="0" i="0" dirty="0">
+              <a:rPr lang="en-US" sz="1800" b="0" i="0" dirty="0">
                 <a:solidFill>
                   <a:srgbClr val="008000"/>
                 </a:solidFill>
@@ -4415,7 +5365,7 @@
               <a:t>etosa'</a:t>
             </a:r>
             <a:r>
-              <a:rPr lang="en-US" sz="2400" b="0" i="0" dirty="0">
+              <a:rPr lang="en-US" sz="1800" b="0" i="0" dirty="0">
                 <a:solidFill>
                   <a:srgbClr val="545454"/>
                 </a:solidFill>
@@ -4425,7 +5375,7 @@
               <a:t>:</a:t>
             </a:r>
             <a:r>
-              <a:rPr lang="en-US" sz="2400" b="0" i="0" dirty="0">
+              <a:rPr lang="en-US" sz="1800" b="0" i="0" dirty="0">
                 <a:solidFill>
                   <a:srgbClr val="008000"/>
                 </a:solidFill>
@@ -4435,7 +5385,7 @@
               <a:t>'r'</a:t>
             </a:r>
             <a:r>
-              <a:rPr lang="en-US" sz="2400" b="0" i="0" dirty="0">
+              <a:rPr lang="en-US" sz="1800" b="0" i="0" dirty="0">
                 <a:solidFill>
                   <a:srgbClr val="545454"/>
                 </a:solidFill>
@@ -4445,7 +5395,7 @@
               <a:t>, </a:t>
             </a:r>
             <a:r>
-              <a:rPr lang="en-US" sz="2400" b="0" i="0" dirty="0">
+              <a:rPr lang="en-US" sz="1800" b="0" i="0" dirty="0">
                 <a:solidFill>
                   <a:srgbClr val="008000"/>
                 </a:solidFill>
@@ -4455,7 +5405,7 @@
               <a:t>'Iris-versicolor'</a:t>
             </a:r>
             <a:r>
-              <a:rPr lang="en-US" sz="2400" b="0" i="0" dirty="0">
+              <a:rPr lang="en-US" sz="1800" b="0" i="0" dirty="0">
                 <a:solidFill>
                   <a:srgbClr val="545454"/>
                 </a:solidFill>
@@ -4465,7 +5415,7 @@
               <a:t>:</a:t>
             </a:r>
             <a:r>
-              <a:rPr lang="en-US" sz="2400" b="0" i="0" dirty="0">
+              <a:rPr lang="en-US" sz="1800" b="0" i="0" dirty="0">
                 <a:solidFill>
                   <a:srgbClr val="008000"/>
                 </a:solidFill>
@@ -4475,7 +5425,7 @@
               <a:t>'g'</a:t>
             </a:r>
             <a:r>
-              <a:rPr lang="en-US" sz="2400" b="0" i="0" dirty="0">
+              <a:rPr lang="en-US" sz="1800" b="0" i="0" dirty="0">
                 <a:solidFill>
                   <a:srgbClr val="545454"/>
                 </a:solidFill>
@@ -4485,7 +5435,7 @@
               <a:t>, </a:t>
             </a:r>
             <a:r>
-              <a:rPr lang="en-US" sz="2400" b="0" i="0" dirty="0">
+              <a:rPr lang="en-US" sz="1800" b="0" i="0" dirty="0">
                 <a:solidFill>
                   <a:srgbClr val="008000"/>
                 </a:solidFill>
@@ -4495,7 +5445,7 @@
               <a:t>'Iris-virginica'</a:t>
             </a:r>
             <a:r>
-              <a:rPr lang="en-US" sz="2400" b="0" i="0" dirty="0">
+              <a:rPr lang="en-US" sz="1800" b="0" i="0" dirty="0">
                 <a:solidFill>
                   <a:srgbClr val="545454"/>
                 </a:solidFill>
@@ -4505,7 +5455,7 @@
               <a:t>:</a:t>
             </a:r>
             <a:r>
-              <a:rPr lang="en-US" sz="2400" b="0" i="0" dirty="0">
+              <a:rPr lang="en-US" sz="1800" b="0" i="0" dirty="0">
                 <a:solidFill>
                   <a:srgbClr val="008000"/>
                 </a:solidFill>
@@ -4515,7 +5465,7 @@
               <a:t>'b’</a:t>
             </a:r>
             <a:r>
-              <a:rPr lang="en-US" sz="2400" b="0" i="0" dirty="0">
+              <a:rPr lang="en-US" sz="1800" b="0" i="0" dirty="0">
                 <a:solidFill>
                   <a:srgbClr val="545454"/>
                 </a:solidFill>
@@ -4524,7 +5474,7 @@
               </a:rPr>
               <a:t>})</a:t>
             </a:r>
-            <a:endParaRPr lang="th-TH" sz="2400" dirty="0">
+            <a:endParaRPr lang="th-TH" sz="1800" dirty="0">
               <a:solidFill>
                 <a:srgbClr val="545454"/>
               </a:solidFill>
@@ -4533,7 +5483,7 @@
           </a:p>
           <a:p>
             <a:r>
-              <a:rPr lang="en-US" sz="2400" b="0" i="0" dirty="0" err="1">
+              <a:rPr lang="en-US" sz="1800" b="0" i="0" dirty="0" err="1">
                 <a:solidFill>
                   <a:srgbClr val="545454"/>
                 </a:solidFill>
@@ -4543,7 +5493,7 @@
               <a:t>plt.scatter</a:t>
             </a:r>
             <a:r>
-              <a:rPr lang="en-US" sz="2400" b="0" i="0" dirty="0">
+              <a:rPr lang="en-US" sz="1800" b="0" i="0" dirty="0">
                 <a:solidFill>
                   <a:srgbClr val="545454"/>
                 </a:solidFill>
@@ -4553,7 +5503,7 @@
               <a:t>(</a:t>
             </a:r>
             <a:r>
-              <a:rPr lang="en-US" sz="2400" b="0" i="0" dirty="0" err="1">
+              <a:rPr lang="en-US" sz="1800" b="0" i="0" dirty="0" err="1">
                 <a:solidFill>
                   <a:srgbClr val="545454"/>
                 </a:solidFill>
@@ -4563,7 +5513,7 @@
               <a:t>PCAdf</a:t>
             </a:r>
             <a:r>
-              <a:rPr lang="en-US" sz="2400" b="0" i="0" dirty="0">
+              <a:rPr lang="en-US" sz="1800" b="0" i="0" dirty="0">
                 <a:solidFill>
                   <a:srgbClr val="545454"/>
                 </a:solidFill>
@@ -4573,7 +5523,7 @@
               <a:t>[</a:t>
             </a:r>
             <a:r>
-              <a:rPr lang="en-US" sz="2400" b="0" i="0" dirty="0">
+              <a:rPr lang="en-US" sz="1800" b="0" i="0" dirty="0">
                 <a:solidFill>
                   <a:srgbClr val="008000"/>
                 </a:solidFill>
@@ -4583,7 +5533,7 @@
               <a:t>'PCA1'</a:t>
             </a:r>
             <a:r>
-              <a:rPr lang="en-US" sz="2400" b="0" i="0" dirty="0">
+              <a:rPr lang="en-US" sz="1800" b="0" i="0" dirty="0">
                 <a:solidFill>
                   <a:srgbClr val="545454"/>
                 </a:solidFill>
@@ -4593,7 +5543,7 @@
               <a:t>],</a:t>
             </a:r>
             <a:r>
-              <a:rPr lang="en-US" sz="2400" b="0" i="0" dirty="0" err="1">
+              <a:rPr lang="en-US" sz="1800" b="0" i="0" dirty="0" err="1">
                 <a:solidFill>
                   <a:srgbClr val="545454"/>
                 </a:solidFill>
@@ -4603,7 +5553,7 @@
               <a:t>PCAdf</a:t>
             </a:r>
             <a:r>
-              <a:rPr lang="en-US" sz="2400" b="0" i="0" dirty="0">
+              <a:rPr lang="en-US" sz="1800" b="0" i="0" dirty="0">
                 <a:solidFill>
                   <a:srgbClr val="545454"/>
                 </a:solidFill>
@@ -4613,7 +5563,7 @@
               <a:t>[</a:t>
             </a:r>
             <a:r>
-              <a:rPr lang="en-US" sz="2400" b="0" i="0" dirty="0">
+              <a:rPr lang="en-US" sz="1800" b="0" i="0" dirty="0">
                 <a:solidFill>
                   <a:srgbClr val="008000"/>
                 </a:solidFill>
@@ -4623,7 +5573,7 @@
               <a:t>'PCA2'</a:t>
             </a:r>
             <a:r>
-              <a:rPr lang="en-US" sz="2400" b="0" i="0" dirty="0">
+              <a:rPr lang="en-US" sz="1800" b="0" i="0" dirty="0">
                 <a:solidFill>
                   <a:srgbClr val="545454"/>
                 </a:solidFill>
@@ -4633,7 +5583,7 @@
               <a:t>],c=example_df2[</a:t>
             </a:r>
             <a:r>
-              <a:rPr lang="en-US" sz="2400" b="0" i="0" dirty="0">
+              <a:rPr lang="en-US" sz="1800" b="0" i="0" dirty="0">
                 <a:solidFill>
                   <a:srgbClr val="008000"/>
                 </a:solidFill>
@@ -4643,7 +5593,7 @@
               <a:t>'Name’</a:t>
             </a:r>
             <a:r>
-              <a:rPr lang="en-US" sz="2400" b="0" i="0" dirty="0">
+              <a:rPr lang="en-US" sz="1800" b="0" i="0" dirty="0">
                 <a:solidFill>
                   <a:srgbClr val="545454"/>
                 </a:solidFill>
@@ -4653,13 +5603,13 @@
               <a:t>])</a:t>
             </a:r>
             <a:r>
-              <a:rPr lang="th-TH" sz="2400" dirty="0"/>
+              <a:rPr lang="th-TH" sz="1800" dirty="0"/>
               <a:t> </a:t>
             </a:r>
           </a:p>
           <a:p>
             <a:r>
-              <a:rPr lang="en-US" sz="2400" b="0" i="0" dirty="0" err="1">
+              <a:rPr lang="en-US" sz="1800" b="0" i="0" dirty="0" err="1">
                 <a:solidFill>
                   <a:srgbClr val="545454"/>
                 </a:solidFill>
@@ -4669,7 +5619,7 @@
               <a:t>plt.scatter</a:t>
             </a:r>
             <a:r>
-              <a:rPr lang="en-US" sz="2400" b="0" i="0" dirty="0">
+              <a:rPr lang="en-US" sz="1800" b="0" i="0" dirty="0">
                 <a:solidFill>
                   <a:srgbClr val="545454"/>
                 </a:solidFill>
@@ -4679,7 +5629,7 @@
               <a:t>(example_df2[</a:t>
             </a:r>
             <a:r>
-              <a:rPr lang="en-US" sz="2400" b="0" i="0" dirty="0">
+              <a:rPr lang="en-US" sz="1800" b="0" i="0" dirty="0">
                 <a:solidFill>
                   <a:srgbClr val="008000"/>
                 </a:solidFill>
@@ -4689,7 +5639,7 @@
               <a:t>'</a:t>
             </a:r>
             <a:r>
-              <a:rPr lang="en-US" sz="2400" b="0" i="0" dirty="0" err="1">
+              <a:rPr lang="en-US" sz="1800" b="0" i="0" dirty="0" err="1">
                 <a:solidFill>
                   <a:srgbClr val="008000"/>
                 </a:solidFill>
@@ -4699,7 +5649,7 @@
               <a:t>SepalWidth</a:t>
             </a:r>
             <a:r>
-              <a:rPr lang="en-US" sz="2400" b="0" i="0" dirty="0">
+              <a:rPr lang="en-US" sz="1800" b="0" i="0" dirty="0">
                 <a:solidFill>
                   <a:srgbClr val="008000"/>
                 </a:solidFill>
@@ -4709,7 +5659,7 @@
               <a:t>'</a:t>
             </a:r>
             <a:r>
-              <a:rPr lang="en-US" sz="2400" b="0" i="0" dirty="0">
+              <a:rPr lang="en-US" sz="1800" b="0" i="0" dirty="0">
                 <a:solidFill>
                   <a:srgbClr val="545454"/>
                 </a:solidFill>
@@ -4719,7 +5669,7 @@
               <a:t>],example_df2[</a:t>
             </a:r>
             <a:r>
-              <a:rPr lang="en-US" sz="2400" b="0" i="0" dirty="0">
+              <a:rPr lang="en-US" sz="1800" b="0" i="0" dirty="0">
                 <a:solidFill>
                   <a:srgbClr val="008000"/>
                 </a:solidFill>
@@ -4729,7 +5679,7 @@
               <a:t>'</a:t>
             </a:r>
             <a:r>
-              <a:rPr lang="en-US" sz="2400" b="0" i="0" dirty="0" err="1">
+              <a:rPr lang="en-US" sz="1800" b="0" i="0" dirty="0" err="1">
                 <a:solidFill>
                   <a:srgbClr val="008000"/>
                 </a:solidFill>
@@ -4739,7 +5689,7 @@
               <a:t>PetalWidth</a:t>
             </a:r>
             <a:r>
-              <a:rPr lang="en-US" sz="2400" b="0" i="0" dirty="0">
+              <a:rPr lang="en-US" sz="1800" b="0" i="0" dirty="0">
                 <a:solidFill>
                   <a:srgbClr val="008000"/>
                 </a:solidFill>
@@ -4749,7 +5699,7 @@
               <a:t>'</a:t>
             </a:r>
             <a:r>
-              <a:rPr lang="en-US" sz="2400" b="0" i="0" dirty="0">
+              <a:rPr lang="en-US" sz="1800" b="0" i="0" dirty="0">
                 <a:solidFill>
                   <a:srgbClr val="545454"/>
                 </a:solidFill>
@@ -4759,7 +5709,7 @@
               <a:t>],c=example_df2[</a:t>
             </a:r>
             <a:r>
-              <a:rPr lang="en-US" sz="2400" b="0" i="0" dirty="0">
+              <a:rPr lang="en-US" sz="1800" b="0" i="0" dirty="0">
                 <a:solidFill>
                   <a:srgbClr val="008000"/>
                 </a:solidFill>
@@ -4769,7 +5719,7 @@
               <a:t>'Name'</a:t>
             </a:r>
             <a:r>
-              <a:rPr lang="en-US" sz="2400" b="0" i="0" dirty="0">
+              <a:rPr lang="en-US" sz="1800" b="0" i="0" dirty="0">
                 <a:solidFill>
                   <a:srgbClr val="545454"/>
                 </a:solidFill>
@@ -4778,14 +5728,14 @@
               </a:rPr>
               <a:t>])</a:t>
             </a:r>
-            <a:endParaRPr lang="en-US" sz="2400" dirty="0"/>
+            <a:endParaRPr lang="en-US" sz="1800" dirty="0"/>
           </a:p>
         </p:txBody>
       </p:sp>
     </p:spTree>
     <p:extLst>
       <p:ext uri="{BB962C8B-B14F-4D97-AF65-F5344CB8AC3E}">
-        <p14:creationId xmlns:p14="http://schemas.microsoft.com/office/powerpoint/2010/main" val="1947084553"/>
+        <p14:creationId xmlns:p14="http://schemas.microsoft.com/office/powerpoint/2010/main" val="204927141"/>
       </p:ext>
     </p:extLst>
   </p:cSld>
@@ -4814,6 +5764,377 @@
       </p:grpSpPr>
       <p:sp>
         <p:nvSpPr>
+          <p:cNvPr id="3" name="Rectangle 2">
+            <a:extLst>
+              <a:ext uri="{FF2B5EF4-FFF2-40B4-BE49-F238E27FC236}">
+                <a16:creationId xmlns:a16="http://schemas.microsoft.com/office/drawing/2014/main" id="{7768C3EC-6777-554A-DAA3-2893C40A7F62}"/>
+              </a:ext>
+            </a:extLst>
+          </p:cNvPr>
+          <p:cNvSpPr/>
+          <p:nvPr/>
+        </p:nvSpPr>
+        <p:spPr>
+          <a:xfrm>
+            <a:off x="0" y="5840991"/>
+            <a:ext cx="12192000" cy="1017009"/>
+          </a:xfrm>
+          <a:prstGeom prst="rect">
+            <a:avLst/>
+          </a:prstGeom>
+          <a:solidFill>
+            <a:srgbClr val="CCCCFF"/>
+          </a:solidFill>
+          <a:ln>
+            <a:solidFill>
+              <a:srgbClr val="CCCCFF"/>
+            </a:solidFill>
+          </a:ln>
+        </p:spPr>
+        <p:style>
+          <a:lnRef idx="2">
+            <a:schemeClr val="accent1">
+              <a:shade val="15000"/>
+            </a:schemeClr>
+          </a:lnRef>
+          <a:fillRef idx="1">
+            <a:schemeClr val="accent1"/>
+          </a:fillRef>
+          <a:effectRef idx="0">
+            <a:schemeClr val="accent1"/>
+          </a:effectRef>
+          <a:fontRef idx="minor">
+            <a:schemeClr val="lt1"/>
+          </a:fontRef>
+        </p:style>
+        <p:txBody>
+          <a:bodyPr rtlCol="0" anchor="ctr"/>
+          <a:lstStyle/>
+          <a:p>
+            <a:pPr algn="ctr"/>
+            <a:endParaRPr lang="en-US"/>
+          </a:p>
+        </p:txBody>
+      </p:sp>
+      <p:sp>
+        <p:nvSpPr>
+          <p:cNvPr id="4" name="Rectangle 3">
+            <a:extLst>
+              <a:ext uri="{FF2B5EF4-FFF2-40B4-BE49-F238E27FC236}">
+                <a16:creationId xmlns:a16="http://schemas.microsoft.com/office/drawing/2014/main" id="{2FFE944E-17B1-7F17-89DF-D25011774C8C}"/>
+              </a:ext>
+            </a:extLst>
+          </p:cNvPr>
+          <p:cNvSpPr/>
+          <p:nvPr/>
+        </p:nvSpPr>
+        <p:spPr>
+          <a:xfrm>
+            <a:off x="0" y="0"/>
+            <a:ext cx="12192000" cy="1136342"/>
+          </a:xfrm>
+          <a:prstGeom prst="rect">
+            <a:avLst/>
+          </a:prstGeom>
+          <a:solidFill>
+            <a:srgbClr val="CCCCFF"/>
+          </a:solidFill>
+          <a:ln>
+            <a:solidFill>
+              <a:srgbClr val="CCCCFF"/>
+            </a:solidFill>
+          </a:ln>
+        </p:spPr>
+        <p:style>
+          <a:lnRef idx="2">
+            <a:schemeClr val="accent1">
+              <a:shade val="15000"/>
+            </a:schemeClr>
+          </a:lnRef>
+          <a:fillRef idx="1">
+            <a:schemeClr val="accent1"/>
+          </a:fillRef>
+          <a:effectRef idx="0">
+            <a:schemeClr val="accent1"/>
+          </a:effectRef>
+          <a:fontRef idx="minor">
+            <a:schemeClr val="lt1"/>
+          </a:fontRef>
+        </p:style>
+        <p:txBody>
+          <a:bodyPr rtlCol="0" anchor="ctr"/>
+          <a:lstStyle/>
+          <a:p>
+            <a:pPr algn="ctr"/>
+            <a:endParaRPr lang="en-US" dirty="0">
+              <a:noFill/>
+            </a:endParaRPr>
+          </a:p>
+        </p:txBody>
+      </p:sp>
+      <p:pic>
+        <p:nvPicPr>
+          <p:cNvPr id="6" name="Picture 5" descr="A black and white logo&#10;&#10;Description automatically generated">
+            <a:extLst>
+              <a:ext uri="{FF2B5EF4-FFF2-40B4-BE49-F238E27FC236}">
+                <a16:creationId xmlns:a16="http://schemas.microsoft.com/office/drawing/2014/main" id="{A337406B-3B37-75D8-D7B1-809625D6F452}"/>
+              </a:ext>
+            </a:extLst>
+          </p:cNvPr>
+          <p:cNvPicPr>
+            <a:picLocks noChangeAspect="1"/>
+          </p:cNvPicPr>
+          <p:nvPr/>
+        </p:nvPicPr>
+        <p:blipFill>
+          <a:blip r:embed="rId2">
+            <a:extLst>
+              <a:ext uri="{28A0092B-C50C-407E-A947-70E740481C1C}">
+                <a14:useLocalDpi xmlns:a14="http://schemas.microsoft.com/office/drawing/2010/main" val="0"/>
+              </a:ext>
+            </a:extLst>
+          </a:blip>
+          <a:stretch>
+            <a:fillRect/>
+          </a:stretch>
+        </p:blipFill>
+        <p:spPr>
+          <a:xfrm>
+            <a:off x="11051882" y="119333"/>
+            <a:ext cx="1093483" cy="1017009"/>
+          </a:xfrm>
+          <a:prstGeom prst="rect">
+            <a:avLst/>
+          </a:prstGeom>
+        </p:spPr>
+      </p:pic>
+      <p:sp>
+        <p:nvSpPr>
+          <p:cNvPr id="7" name="Flowchart: Data 2">
+            <a:extLst>
+              <a:ext uri="{FF2B5EF4-FFF2-40B4-BE49-F238E27FC236}">
+                <a16:creationId xmlns:a16="http://schemas.microsoft.com/office/drawing/2014/main" id="{442F52E8-FEBB-CFD5-C57C-B234323636BB}"/>
+              </a:ext>
+            </a:extLst>
+          </p:cNvPr>
+          <p:cNvSpPr/>
+          <p:nvPr/>
+        </p:nvSpPr>
+        <p:spPr>
+          <a:xfrm>
+            <a:off x="10848138" y="6264097"/>
+            <a:ext cx="1343862" cy="608120"/>
+          </a:xfrm>
+          <a:custGeom>
+            <a:avLst/>
+            <a:gdLst>
+              <a:gd name="connsiteX0" fmla="*/ 0 w 10000"/>
+              <a:gd name="connsiteY0" fmla="*/ 10000 h 10000"/>
+              <a:gd name="connsiteX1" fmla="*/ 2000 w 10000"/>
+              <a:gd name="connsiteY1" fmla="*/ 0 h 10000"/>
+              <a:gd name="connsiteX2" fmla="*/ 10000 w 10000"/>
+              <a:gd name="connsiteY2" fmla="*/ 0 h 10000"/>
+              <a:gd name="connsiteX3" fmla="*/ 8000 w 10000"/>
+              <a:gd name="connsiteY3" fmla="*/ 10000 h 10000"/>
+              <a:gd name="connsiteX4" fmla="*/ 0 w 10000"/>
+              <a:gd name="connsiteY4" fmla="*/ 10000 h 10000"/>
+              <a:gd name="connsiteX0" fmla="*/ 0 w 8000"/>
+              <a:gd name="connsiteY0" fmla="*/ 10000 h 10000"/>
+              <a:gd name="connsiteX1" fmla="*/ 2000 w 8000"/>
+              <a:gd name="connsiteY1" fmla="*/ 0 h 10000"/>
+              <a:gd name="connsiteX2" fmla="*/ 4142 w 8000"/>
+              <a:gd name="connsiteY2" fmla="*/ 153 h 10000"/>
+              <a:gd name="connsiteX3" fmla="*/ 8000 w 8000"/>
+              <a:gd name="connsiteY3" fmla="*/ 10000 h 10000"/>
+              <a:gd name="connsiteX4" fmla="*/ 0 w 8000"/>
+              <a:gd name="connsiteY4" fmla="*/ 10000 h 10000"/>
+              <a:gd name="connsiteX0" fmla="*/ 0 w 5414"/>
+              <a:gd name="connsiteY0" fmla="*/ 10000 h 10000"/>
+              <a:gd name="connsiteX1" fmla="*/ 2500 w 5414"/>
+              <a:gd name="connsiteY1" fmla="*/ 0 h 10000"/>
+              <a:gd name="connsiteX2" fmla="*/ 5178 w 5414"/>
+              <a:gd name="connsiteY2" fmla="*/ 153 h 10000"/>
+              <a:gd name="connsiteX3" fmla="*/ 5414 w 5414"/>
+              <a:gd name="connsiteY3" fmla="*/ 10000 h 10000"/>
+              <a:gd name="connsiteX4" fmla="*/ 0 w 5414"/>
+              <a:gd name="connsiteY4" fmla="*/ 10000 h 10000"/>
+              <a:gd name="connsiteX0" fmla="*/ 0 w 9609"/>
+              <a:gd name="connsiteY0" fmla="*/ 10000 h 10000"/>
+              <a:gd name="connsiteX1" fmla="*/ 4618 w 9609"/>
+              <a:gd name="connsiteY1" fmla="*/ 0 h 10000"/>
+              <a:gd name="connsiteX2" fmla="*/ 9564 w 9609"/>
+              <a:gd name="connsiteY2" fmla="*/ 153 h 10000"/>
+              <a:gd name="connsiteX3" fmla="*/ 9590 w 9609"/>
+              <a:gd name="connsiteY3" fmla="*/ 10000 h 10000"/>
+              <a:gd name="connsiteX4" fmla="*/ 0 w 9609"/>
+              <a:gd name="connsiteY4" fmla="*/ 10000 h 10000"/>
+              <a:gd name="connsiteX0" fmla="*/ 0 w 10193"/>
+              <a:gd name="connsiteY0" fmla="*/ 10000 h 10153"/>
+              <a:gd name="connsiteX1" fmla="*/ 4806 w 10193"/>
+              <a:gd name="connsiteY1" fmla="*/ 0 h 10153"/>
+              <a:gd name="connsiteX2" fmla="*/ 9953 w 10193"/>
+              <a:gd name="connsiteY2" fmla="*/ 153 h 10153"/>
+              <a:gd name="connsiteX3" fmla="*/ 10193 w 10193"/>
+              <a:gd name="connsiteY3" fmla="*/ 10153 h 10153"/>
+              <a:gd name="connsiteX4" fmla="*/ 0 w 10193"/>
+              <a:gd name="connsiteY4" fmla="*/ 10000 h 10153"/>
+              <a:gd name="connsiteX0" fmla="*/ 0 w 10213"/>
+              <a:gd name="connsiteY0" fmla="*/ 10000 h 10153"/>
+              <a:gd name="connsiteX1" fmla="*/ 4806 w 10213"/>
+              <a:gd name="connsiteY1" fmla="*/ 0 h 10153"/>
+              <a:gd name="connsiteX2" fmla="*/ 10166 w 10213"/>
+              <a:gd name="connsiteY2" fmla="*/ 153 h 10153"/>
+              <a:gd name="connsiteX3" fmla="*/ 10193 w 10213"/>
+              <a:gd name="connsiteY3" fmla="*/ 10153 h 10153"/>
+              <a:gd name="connsiteX4" fmla="*/ 0 w 10213"/>
+              <a:gd name="connsiteY4" fmla="*/ 10000 h 10153"/>
+              <a:gd name="connsiteX0" fmla="*/ 0 w 10341"/>
+              <a:gd name="connsiteY0" fmla="*/ 10000 h 10153"/>
+              <a:gd name="connsiteX1" fmla="*/ 4806 w 10341"/>
+              <a:gd name="connsiteY1" fmla="*/ 0 h 10153"/>
+              <a:gd name="connsiteX2" fmla="*/ 10308 w 10341"/>
+              <a:gd name="connsiteY2" fmla="*/ 0 h 10153"/>
+              <a:gd name="connsiteX3" fmla="*/ 10193 w 10341"/>
+              <a:gd name="connsiteY3" fmla="*/ 10153 h 10153"/>
+              <a:gd name="connsiteX4" fmla="*/ 0 w 10341"/>
+              <a:gd name="connsiteY4" fmla="*/ 10000 h 10153"/>
+              <a:gd name="connsiteX0" fmla="*/ 0 w 10406"/>
+              <a:gd name="connsiteY0" fmla="*/ 10000 h 10306"/>
+              <a:gd name="connsiteX1" fmla="*/ 4806 w 10406"/>
+              <a:gd name="connsiteY1" fmla="*/ 0 h 10306"/>
+              <a:gd name="connsiteX2" fmla="*/ 10308 w 10406"/>
+              <a:gd name="connsiteY2" fmla="*/ 0 h 10306"/>
+              <a:gd name="connsiteX3" fmla="*/ 10406 w 10406"/>
+              <a:gd name="connsiteY3" fmla="*/ 10306 h 10306"/>
+              <a:gd name="connsiteX4" fmla="*/ 0 w 10406"/>
+              <a:gd name="connsiteY4" fmla="*/ 10000 h 10306"/>
+              <a:gd name="connsiteX0" fmla="*/ 0 w 10761"/>
+              <a:gd name="connsiteY0" fmla="*/ 10458 h 10458"/>
+              <a:gd name="connsiteX1" fmla="*/ 5161 w 10761"/>
+              <a:gd name="connsiteY1" fmla="*/ 0 h 10458"/>
+              <a:gd name="connsiteX2" fmla="*/ 10663 w 10761"/>
+              <a:gd name="connsiteY2" fmla="*/ 0 h 10458"/>
+              <a:gd name="connsiteX3" fmla="*/ 10761 w 10761"/>
+              <a:gd name="connsiteY3" fmla="*/ 10306 h 10458"/>
+              <a:gd name="connsiteX4" fmla="*/ 0 w 10761"/>
+              <a:gd name="connsiteY4" fmla="*/ 10458 h 10458"/>
+            </a:gdLst>
+            <a:ahLst/>
+            <a:cxnLst>
+              <a:cxn ang="0">
+                <a:pos x="connsiteX0" y="connsiteY0"/>
+              </a:cxn>
+              <a:cxn ang="0">
+                <a:pos x="connsiteX1" y="connsiteY1"/>
+              </a:cxn>
+              <a:cxn ang="0">
+                <a:pos x="connsiteX2" y="connsiteY2"/>
+              </a:cxn>
+              <a:cxn ang="0">
+                <a:pos x="connsiteX3" y="connsiteY3"/>
+              </a:cxn>
+              <a:cxn ang="0">
+                <a:pos x="connsiteX4" y="connsiteY4"/>
+              </a:cxn>
+            </a:cxnLst>
+            <a:rect l="l" t="t" r="r" b="b"/>
+            <a:pathLst>
+              <a:path w="10761" h="10458">
+                <a:moveTo>
+                  <a:pt x="0" y="10458"/>
+                </a:moveTo>
+                <a:lnTo>
+                  <a:pt x="5161" y="0"/>
+                </a:lnTo>
+                <a:lnTo>
+                  <a:pt x="10663" y="0"/>
+                </a:lnTo>
+                <a:cubicBezTo>
+                  <a:pt x="10815" y="3282"/>
+                  <a:pt x="10609" y="7024"/>
+                  <a:pt x="10761" y="10306"/>
+                </a:cubicBezTo>
+                <a:lnTo>
+                  <a:pt x="0" y="10458"/>
+                </a:lnTo>
+                <a:close/>
+              </a:path>
+            </a:pathLst>
+          </a:custGeom>
+          <a:solidFill>
+            <a:schemeClr val="bg1"/>
+          </a:solidFill>
+          <a:ln w="19050">
+            <a:solidFill>
+              <a:schemeClr val="tx1"/>
+            </a:solidFill>
+          </a:ln>
+        </p:spPr>
+        <p:style>
+          <a:lnRef idx="2">
+            <a:schemeClr val="accent1">
+              <a:shade val="15000"/>
+            </a:schemeClr>
+          </a:lnRef>
+          <a:fillRef idx="1">
+            <a:schemeClr val="accent1"/>
+          </a:fillRef>
+          <a:effectRef idx="0">
+            <a:schemeClr val="accent1"/>
+          </a:effectRef>
+          <a:fontRef idx="minor">
+            <a:schemeClr val="lt1"/>
+          </a:fontRef>
+        </p:style>
+        <p:txBody>
+          <a:bodyPr rtlCol="0" anchor="ctr"/>
+          <a:lstStyle/>
+          <a:p>
+            <a:pPr algn="ctr"/>
+            <a:endParaRPr lang="en-US"/>
+          </a:p>
+        </p:txBody>
+      </p:sp>
+      <p:sp>
+        <p:nvSpPr>
+          <p:cNvPr id="8" name="TextBox 7">
+            <a:extLst>
+              <a:ext uri="{FF2B5EF4-FFF2-40B4-BE49-F238E27FC236}">
+                <a16:creationId xmlns:a16="http://schemas.microsoft.com/office/drawing/2014/main" id="{AC497AAB-CB61-2C7A-86D2-2D9A6DFFCB10}"/>
+              </a:ext>
+            </a:extLst>
+          </p:cNvPr>
+          <p:cNvSpPr txBox="1"/>
+          <p:nvPr/>
+        </p:nvSpPr>
+        <p:spPr>
+          <a:xfrm>
+            <a:off x="11520069" y="6287442"/>
+            <a:ext cx="557254" cy="584775"/>
+          </a:xfrm>
+          <a:prstGeom prst="rect">
+            <a:avLst/>
+          </a:prstGeom>
+          <a:noFill/>
+        </p:spPr>
+        <p:txBody>
+          <a:bodyPr wrap="square" rtlCol="0">
+            <a:spAutoFit/>
+          </a:bodyPr>
+          <a:lstStyle/>
+          <a:p>
+            <a:r>
+              <a:rPr lang="en-US" sz="3200" dirty="0">
+                <a:latin typeface="TH SarabunPSK" panose="020B0500040200020003" pitchFamily="34" charset="-34"/>
+                <a:cs typeface="TH SarabunPSK" panose="020B0500040200020003" pitchFamily="34" charset="-34"/>
+              </a:rPr>
+              <a:t>11</a:t>
+            </a:r>
+          </a:p>
+        </p:txBody>
+      </p:sp>
+      <p:sp>
+        <p:nvSpPr>
           <p:cNvPr id="2" name="Title 1">
             <a:extLst>
               <a:ext uri="{FF2B5EF4-FFF2-40B4-BE49-F238E27FC236}">
@@ -4828,33 +6149,56 @@
             <p:ph type="title"/>
           </p:nvPr>
         </p:nvSpPr>
-        <p:spPr/>
+        <p:spPr>
+          <a:xfrm>
+            <a:off x="838200" y="0"/>
+            <a:ext cx="10515600" cy="1325563"/>
+          </a:xfrm>
+        </p:spPr>
         <p:txBody>
           <a:bodyPr/>
           <a:lstStyle/>
           <a:p>
             <a:r>
-              <a:rPr lang="th-TH" dirty="0"/>
+              <a:rPr lang="th-TH" dirty="0">
+                <a:latin typeface="TH SarabunPSK" panose="020B0500040200020003" pitchFamily="34" charset="-34"/>
+                <a:cs typeface="TH SarabunPSK" panose="020B0500040200020003" pitchFamily="34" charset="-34"/>
+              </a:rPr>
               <a:t>ผลลัพธ์จะได้ </a:t>
             </a:r>
             <a:r>
-              <a:rPr lang="en-US" dirty="0"/>
+              <a:rPr lang="en-US" dirty="0">
+                <a:latin typeface="TH SarabunPSK" panose="020B0500040200020003" pitchFamily="34" charset="-34"/>
+                <a:cs typeface="TH SarabunPSK" panose="020B0500040200020003" pitchFamily="34" charset="-34"/>
+              </a:rPr>
               <a:t>scatter</a:t>
             </a:r>
             <a:r>
-              <a:rPr lang="th-TH" dirty="0"/>
+              <a:rPr lang="th-TH" dirty="0">
+                <a:latin typeface="TH SarabunPSK" panose="020B0500040200020003" pitchFamily="34" charset="-34"/>
+                <a:cs typeface="TH SarabunPSK" panose="020B0500040200020003" pitchFamily="34" charset="-34"/>
+              </a:rPr>
               <a:t> </a:t>
             </a:r>
             <a:r>
-              <a:rPr lang="en-US" dirty="0"/>
+              <a:rPr lang="en-US" dirty="0">
+                <a:latin typeface="TH SarabunPSK" panose="020B0500040200020003" pitchFamily="34" charset="-34"/>
+                <a:cs typeface="TH SarabunPSK" panose="020B0500040200020003" pitchFamily="34" charset="-34"/>
+              </a:rPr>
               <a:t> plot  </a:t>
             </a:r>
             <a:r>
-              <a:rPr lang="th-TH" dirty="0"/>
+              <a:rPr lang="th-TH" dirty="0">
+                <a:latin typeface="TH SarabunPSK" panose="020B0500040200020003" pitchFamily="34" charset="-34"/>
+                <a:cs typeface="TH SarabunPSK" panose="020B0500040200020003" pitchFamily="34" charset="-34"/>
+              </a:rPr>
               <a:t>ของข้อมูล </a:t>
             </a:r>
             <a:r>
-              <a:rPr lang="en-US" dirty="0"/>
+              <a:rPr lang="en-US" dirty="0">
+                <a:latin typeface="TH SarabunPSK" panose="020B0500040200020003" pitchFamily="34" charset="-34"/>
+                <a:cs typeface="TH SarabunPSK" panose="020B0500040200020003" pitchFamily="34" charset="-34"/>
+              </a:rPr>
               <a:t>PCA </a:t>
             </a:r>
           </a:p>
@@ -4875,14 +6219,14 @@
           <p:nvPr/>
         </p:nvPicPr>
         <p:blipFill>
-          <a:blip r:embed="rId2"/>
+          <a:blip r:embed="rId3"/>
           <a:stretch>
             <a:fillRect/>
           </a:stretch>
         </p:blipFill>
         <p:spPr>
           <a:xfrm>
-            <a:off x="3147753" y="1825625"/>
+            <a:off x="3147753" y="1486304"/>
             <a:ext cx="5896494" cy="3885392"/>
           </a:xfrm>
           <a:prstGeom prst="rect">
@@ -4893,7 +6237,7 @@
     </p:spTree>
     <p:extLst>
       <p:ext uri="{BB962C8B-B14F-4D97-AF65-F5344CB8AC3E}">
-        <p14:creationId xmlns:p14="http://schemas.microsoft.com/office/powerpoint/2010/main" val="3746232287"/>
+        <p14:creationId xmlns:p14="http://schemas.microsoft.com/office/powerpoint/2010/main" val="1753644801"/>
       </p:ext>
     </p:extLst>
   </p:cSld>
@@ -4922,6 +6266,377 @@
       </p:grpSpPr>
       <p:sp>
         <p:nvSpPr>
+          <p:cNvPr id="3" name="Rectangle 2">
+            <a:extLst>
+              <a:ext uri="{FF2B5EF4-FFF2-40B4-BE49-F238E27FC236}">
+                <a16:creationId xmlns:a16="http://schemas.microsoft.com/office/drawing/2014/main" id="{66B69C25-BC59-60A6-2605-7C87B7168A0E}"/>
+              </a:ext>
+            </a:extLst>
+          </p:cNvPr>
+          <p:cNvSpPr/>
+          <p:nvPr/>
+        </p:nvSpPr>
+        <p:spPr>
+          <a:xfrm>
+            <a:off x="0" y="5840991"/>
+            <a:ext cx="12192000" cy="1017009"/>
+          </a:xfrm>
+          <a:prstGeom prst="rect">
+            <a:avLst/>
+          </a:prstGeom>
+          <a:solidFill>
+            <a:srgbClr val="CCCCFF"/>
+          </a:solidFill>
+          <a:ln>
+            <a:solidFill>
+              <a:srgbClr val="CCCCFF"/>
+            </a:solidFill>
+          </a:ln>
+        </p:spPr>
+        <p:style>
+          <a:lnRef idx="2">
+            <a:schemeClr val="accent1">
+              <a:shade val="15000"/>
+            </a:schemeClr>
+          </a:lnRef>
+          <a:fillRef idx="1">
+            <a:schemeClr val="accent1"/>
+          </a:fillRef>
+          <a:effectRef idx="0">
+            <a:schemeClr val="accent1"/>
+          </a:effectRef>
+          <a:fontRef idx="minor">
+            <a:schemeClr val="lt1"/>
+          </a:fontRef>
+        </p:style>
+        <p:txBody>
+          <a:bodyPr rtlCol="0" anchor="ctr"/>
+          <a:lstStyle/>
+          <a:p>
+            <a:pPr algn="ctr"/>
+            <a:endParaRPr lang="en-US"/>
+          </a:p>
+        </p:txBody>
+      </p:sp>
+      <p:sp>
+        <p:nvSpPr>
+          <p:cNvPr id="4" name="Rectangle 3">
+            <a:extLst>
+              <a:ext uri="{FF2B5EF4-FFF2-40B4-BE49-F238E27FC236}">
+                <a16:creationId xmlns:a16="http://schemas.microsoft.com/office/drawing/2014/main" id="{C43634F4-43CE-458E-C9FC-8581CD4B5FBC}"/>
+              </a:ext>
+            </a:extLst>
+          </p:cNvPr>
+          <p:cNvSpPr/>
+          <p:nvPr/>
+        </p:nvSpPr>
+        <p:spPr>
+          <a:xfrm>
+            <a:off x="0" y="0"/>
+            <a:ext cx="12192000" cy="1136342"/>
+          </a:xfrm>
+          <a:prstGeom prst="rect">
+            <a:avLst/>
+          </a:prstGeom>
+          <a:solidFill>
+            <a:srgbClr val="CCCCFF"/>
+          </a:solidFill>
+          <a:ln>
+            <a:solidFill>
+              <a:srgbClr val="CCCCFF"/>
+            </a:solidFill>
+          </a:ln>
+        </p:spPr>
+        <p:style>
+          <a:lnRef idx="2">
+            <a:schemeClr val="accent1">
+              <a:shade val="15000"/>
+            </a:schemeClr>
+          </a:lnRef>
+          <a:fillRef idx="1">
+            <a:schemeClr val="accent1"/>
+          </a:fillRef>
+          <a:effectRef idx="0">
+            <a:schemeClr val="accent1"/>
+          </a:effectRef>
+          <a:fontRef idx="minor">
+            <a:schemeClr val="lt1"/>
+          </a:fontRef>
+        </p:style>
+        <p:txBody>
+          <a:bodyPr rtlCol="0" anchor="ctr"/>
+          <a:lstStyle/>
+          <a:p>
+            <a:pPr algn="ctr"/>
+            <a:endParaRPr lang="en-US" dirty="0">
+              <a:noFill/>
+            </a:endParaRPr>
+          </a:p>
+        </p:txBody>
+      </p:sp>
+      <p:pic>
+        <p:nvPicPr>
+          <p:cNvPr id="6" name="Picture 5" descr="A black and white logo&#10;&#10;Description automatically generated">
+            <a:extLst>
+              <a:ext uri="{FF2B5EF4-FFF2-40B4-BE49-F238E27FC236}">
+                <a16:creationId xmlns:a16="http://schemas.microsoft.com/office/drawing/2014/main" id="{067F10F4-BB40-D979-8FF8-D42BB52753CC}"/>
+              </a:ext>
+            </a:extLst>
+          </p:cNvPr>
+          <p:cNvPicPr>
+            <a:picLocks noChangeAspect="1"/>
+          </p:cNvPicPr>
+          <p:nvPr/>
+        </p:nvPicPr>
+        <p:blipFill>
+          <a:blip r:embed="rId2">
+            <a:extLst>
+              <a:ext uri="{28A0092B-C50C-407E-A947-70E740481C1C}">
+                <a14:useLocalDpi xmlns:a14="http://schemas.microsoft.com/office/drawing/2010/main" val="0"/>
+              </a:ext>
+            </a:extLst>
+          </a:blip>
+          <a:stretch>
+            <a:fillRect/>
+          </a:stretch>
+        </p:blipFill>
+        <p:spPr>
+          <a:xfrm>
+            <a:off x="11051882" y="119333"/>
+            <a:ext cx="1093483" cy="1017009"/>
+          </a:xfrm>
+          <a:prstGeom prst="rect">
+            <a:avLst/>
+          </a:prstGeom>
+        </p:spPr>
+      </p:pic>
+      <p:sp>
+        <p:nvSpPr>
+          <p:cNvPr id="8" name="Flowchart: Data 2">
+            <a:extLst>
+              <a:ext uri="{FF2B5EF4-FFF2-40B4-BE49-F238E27FC236}">
+                <a16:creationId xmlns:a16="http://schemas.microsoft.com/office/drawing/2014/main" id="{F79B2D04-2835-19C2-521D-53ECC0E39015}"/>
+              </a:ext>
+            </a:extLst>
+          </p:cNvPr>
+          <p:cNvSpPr/>
+          <p:nvPr/>
+        </p:nvSpPr>
+        <p:spPr>
+          <a:xfrm>
+            <a:off x="10848138" y="6264097"/>
+            <a:ext cx="1343862" cy="608120"/>
+          </a:xfrm>
+          <a:custGeom>
+            <a:avLst/>
+            <a:gdLst>
+              <a:gd name="connsiteX0" fmla="*/ 0 w 10000"/>
+              <a:gd name="connsiteY0" fmla="*/ 10000 h 10000"/>
+              <a:gd name="connsiteX1" fmla="*/ 2000 w 10000"/>
+              <a:gd name="connsiteY1" fmla="*/ 0 h 10000"/>
+              <a:gd name="connsiteX2" fmla="*/ 10000 w 10000"/>
+              <a:gd name="connsiteY2" fmla="*/ 0 h 10000"/>
+              <a:gd name="connsiteX3" fmla="*/ 8000 w 10000"/>
+              <a:gd name="connsiteY3" fmla="*/ 10000 h 10000"/>
+              <a:gd name="connsiteX4" fmla="*/ 0 w 10000"/>
+              <a:gd name="connsiteY4" fmla="*/ 10000 h 10000"/>
+              <a:gd name="connsiteX0" fmla="*/ 0 w 8000"/>
+              <a:gd name="connsiteY0" fmla="*/ 10000 h 10000"/>
+              <a:gd name="connsiteX1" fmla="*/ 2000 w 8000"/>
+              <a:gd name="connsiteY1" fmla="*/ 0 h 10000"/>
+              <a:gd name="connsiteX2" fmla="*/ 4142 w 8000"/>
+              <a:gd name="connsiteY2" fmla="*/ 153 h 10000"/>
+              <a:gd name="connsiteX3" fmla="*/ 8000 w 8000"/>
+              <a:gd name="connsiteY3" fmla="*/ 10000 h 10000"/>
+              <a:gd name="connsiteX4" fmla="*/ 0 w 8000"/>
+              <a:gd name="connsiteY4" fmla="*/ 10000 h 10000"/>
+              <a:gd name="connsiteX0" fmla="*/ 0 w 5414"/>
+              <a:gd name="connsiteY0" fmla="*/ 10000 h 10000"/>
+              <a:gd name="connsiteX1" fmla="*/ 2500 w 5414"/>
+              <a:gd name="connsiteY1" fmla="*/ 0 h 10000"/>
+              <a:gd name="connsiteX2" fmla="*/ 5178 w 5414"/>
+              <a:gd name="connsiteY2" fmla="*/ 153 h 10000"/>
+              <a:gd name="connsiteX3" fmla="*/ 5414 w 5414"/>
+              <a:gd name="connsiteY3" fmla="*/ 10000 h 10000"/>
+              <a:gd name="connsiteX4" fmla="*/ 0 w 5414"/>
+              <a:gd name="connsiteY4" fmla="*/ 10000 h 10000"/>
+              <a:gd name="connsiteX0" fmla="*/ 0 w 9609"/>
+              <a:gd name="connsiteY0" fmla="*/ 10000 h 10000"/>
+              <a:gd name="connsiteX1" fmla="*/ 4618 w 9609"/>
+              <a:gd name="connsiteY1" fmla="*/ 0 h 10000"/>
+              <a:gd name="connsiteX2" fmla="*/ 9564 w 9609"/>
+              <a:gd name="connsiteY2" fmla="*/ 153 h 10000"/>
+              <a:gd name="connsiteX3" fmla="*/ 9590 w 9609"/>
+              <a:gd name="connsiteY3" fmla="*/ 10000 h 10000"/>
+              <a:gd name="connsiteX4" fmla="*/ 0 w 9609"/>
+              <a:gd name="connsiteY4" fmla="*/ 10000 h 10000"/>
+              <a:gd name="connsiteX0" fmla="*/ 0 w 10193"/>
+              <a:gd name="connsiteY0" fmla="*/ 10000 h 10153"/>
+              <a:gd name="connsiteX1" fmla="*/ 4806 w 10193"/>
+              <a:gd name="connsiteY1" fmla="*/ 0 h 10153"/>
+              <a:gd name="connsiteX2" fmla="*/ 9953 w 10193"/>
+              <a:gd name="connsiteY2" fmla="*/ 153 h 10153"/>
+              <a:gd name="connsiteX3" fmla="*/ 10193 w 10193"/>
+              <a:gd name="connsiteY3" fmla="*/ 10153 h 10153"/>
+              <a:gd name="connsiteX4" fmla="*/ 0 w 10193"/>
+              <a:gd name="connsiteY4" fmla="*/ 10000 h 10153"/>
+              <a:gd name="connsiteX0" fmla="*/ 0 w 10213"/>
+              <a:gd name="connsiteY0" fmla="*/ 10000 h 10153"/>
+              <a:gd name="connsiteX1" fmla="*/ 4806 w 10213"/>
+              <a:gd name="connsiteY1" fmla="*/ 0 h 10153"/>
+              <a:gd name="connsiteX2" fmla="*/ 10166 w 10213"/>
+              <a:gd name="connsiteY2" fmla="*/ 153 h 10153"/>
+              <a:gd name="connsiteX3" fmla="*/ 10193 w 10213"/>
+              <a:gd name="connsiteY3" fmla="*/ 10153 h 10153"/>
+              <a:gd name="connsiteX4" fmla="*/ 0 w 10213"/>
+              <a:gd name="connsiteY4" fmla="*/ 10000 h 10153"/>
+              <a:gd name="connsiteX0" fmla="*/ 0 w 10341"/>
+              <a:gd name="connsiteY0" fmla="*/ 10000 h 10153"/>
+              <a:gd name="connsiteX1" fmla="*/ 4806 w 10341"/>
+              <a:gd name="connsiteY1" fmla="*/ 0 h 10153"/>
+              <a:gd name="connsiteX2" fmla="*/ 10308 w 10341"/>
+              <a:gd name="connsiteY2" fmla="*/ 0 h 10153"/>
+              <a:gd name="connsiteX3" fmla="*/ 10193 w 10341"/>
+              <a:gd name="connsiteY3" fmla="*/ 10153 h 10153"/>
+              <a:gd name="connsiteX4" fmla="*/ 0 w 10341"/>
+              <a:gd name="connsiteY4" fmla="*/ 10000 h 10153"/>
+              <a:gd name="connsiteX0" fmla="*/ 0 w 10406"/>
+              <a:gd name="connsiteY0" fmla="*/ 10000 h 10306"/>
+              <a:gd name="connsiteX1" fmla="*/ 4806 w 10406"/>
+              <a:gd name="connsiteY1" fmla="*/ 0 h 10306"/>
+              <a:gd name="connsiteX2" fmla="*/ 10308 w 10406"/>
+              <a:gd name="connsiteY2" fmla="*/ 0 h 10306"/>
+              <a:gd name="connsiteX3" fmla="*/ 10406 w 10406"/>
+              <a:gd name="connsiteY3" fmla="*/ 10306 h 10306"/>
+              <a:gd name="connsiteX4" fmla="*/ 0 w 10406"/>
+              <a:gd name="connsiteY4" fmla="*/ 10000 h 10306"/>
+              <a:gd name="connsiteX0" fmla="*/ 0 w 10761"/>
+              <a:gd name="connsiteY0" fmla="*/ 10458 h 10458"/>
+              <a:gd name="connsiteX1" fmla="*/ 5161 w 10761"/>
+              <a:gd name="connsiteY1" fmla="*/ 0 h 10458"/>
+              <a:gd name="connsiteX2" fmla="*/ 10663 w 10761"/>
+              <a:gd name="connsiteY2" fmla="*/ 0 h 10458"/>
+              <a:gd name="connsiteX3" fmla="*/ 10761 w 10761"/>
+              <a:gd name="connsiteY3" fmla="*/ 10306 h 10458"/>
+              <a:gd name="connsiteX4" fmla="*/ 0 w 10761"/>
+              <a:gd name="connsiteY4" fmla="*/ 10458 h 10458"/>
+            </a:gdLst>
+            <a:ahLst/>
+            <a:cxnLst>
+              <a:cxn ang="0">
+                <a:pos x="connsiteX0" y="connsiteY0"/>
+              </a:cxn>
+              <a:cxn ang="0">
+                <a:pos x="connsiteX1" y="connsiteY1"/>
+              </a:cxn>
+              <a:cxn ang="0">
+                <a:pos x="connsiteX2" y="connsiteY2"/>
+              </a:cxn>
+              <a:cxn ang="0">
+                <a:pos x="connsiteX3" y="connsiteY3"/>
+              </a:cxn>
+              <a:cxn ang="0">
+                <a:pos x="connsiteX4" y="connsiteY4"/>
+              </a:cxn>
+            </a:cxnLst>
+            <a:rect l="l" t="t" r="r" b="b"/>
+            <a:pathLst>
+              <a:path w="10761" h="10458">
+                <a:moveTo>
+                  <a:pt x="0" y="10458"/>
+                </a:moveTo>
+                <a:lnTo>
+                  <a:pt x="5161" y="0"/>
+                </a:lnTo>
+                <a:lnTo>
+                  <a:pt x="10663" y="0"/>
+                </a:lnTo>
+                <a:cubicBezTo>
+                  <a:pt x="10815" y="3282"/>
+                  <a:pt x="10609" y="7024"/>
+                  <a:pt x="10761" y="10306"/>
+                </a:cubicBezTo>
+                <a:lnTo>
+                  <a:pt x="0" y="10458"/>
+                </a:lnTo>
+                <a:close/>
+              </a:path>
+            </a:pathLst>
+          </a:custGeom>
+          <a:solidFill>
+            <a:schemeClr val="bg1"/>
+          </a:solidFill>
+          <a:ln w="19050">
+            <a:solidFill>
+              <a:schemeClr val="tx1"/>
+            </a:solidFill>
+          </a:ln>
+        </p:spPr>
+        <p:style>
+          <a:lnRef idx="2">
+            <a:schemeClr val="accent1">
+              <a:shade val="15000"/>
+            </a:schemeClr>
+          </a:lnRef>
+          <a:fillRef idx="1">
+            <a:schemeClr val="accent1"/>
+          </a:fillRef>
+          <a:effectRef idx="0">
+            <a:schemeClr val="accent1"/>
+          </a:effectRef>
+          <a:fontRef idx="minor">
+            <a:schemeClr val="lt1"/>
+          </a:fontRef>
+        </p:style>
+        <p:txBody>
+          <a:bodyPr rtlCol="0" anchor="ctr"/>
+          <a:lstStyle/>
+          <a:p>
+            <a:pPr algn="ctr"/>
+            <a:endParaRPr lang="en-US"/>
+          </a:p>
+        </p:txBody>
+      </p:sp>
+      <p:sp>
+        <p:nvSpPr>
+          <p:cNvPr id="11" name="TextBox 10">
+            <a:extLst>
+              <a:ext uri="{FF2B5EF4-FFF2-40B4-BE49-F238E27FC236}">
+                <a16:creationId xmlns:a16="http://schemas.microsoft.com/office/drawing/2014/main" id="{DB28DB72-CF50-D664-8209-9FB51CA34824}"/>
+              </a:ext>
+            </a:extLst>
+          </p:cNvPr>
+          <p:cNvSpPr txBox="1"/>
+          <p:nvPr/>
+        </p:nvSpPr>
+        <p:spPr>
+          <a:xfrm>
+            <a:off x="11520069" y="6287442"/>
+            <a:ext cx="557254" cy="584775"/>
+          </a:xfrm>
+          <a:prstGeom prst="rect">
+            <a:avLst/>
+          </a:prstGeom>
+          <a:noFill/>
+        </p:spPr>
+        <p:txBody>
+          <a:bodyPr wrap="square" rtlCol="0">
+            <a:spAutoFit/>
+          </a:bodyPr>
+          <a:lstStyle/>
+          <a:p>
+            <a:r>
+              <a:rPr lang="en-US" sz="3200" dirty="0">
+                <a:latin typeface="TH SarabunPSK" panose="020B0500040200020003" pitchFamily="34" charset="-34"/>
+                <a:cs typeface="TH SarabunPSK" panose="020B0500040200020003" pitchFamily="34" charset="-34"/>
+              </a:rPr>
+              <a:t>12</a:t>
+            </a:r>
+          </a:p>
+        </p:txBody>
+      </p:sp>
+      <p:sp>
+        <p:nvSpPr>
           <p:cNvPr id="2" name="Title 1">
             <a:extLst>
               <a:ext uri="{FF2B5EF4-FFF2-40B4-BE49-F238E27FC236}">
@@ -4936,24 +6651,41 @@
             <p:ph type="title"/>
           </p:nvPr>
         </p:nvSpPr>
-        <p:spPr/>
+        <p:spPr>
+          <a:xfrm>
+            <a:off x="838200" y="0"/>
+            <a:ext cx="10515600" cy="1325563"/>
+          </a:xfrm>
+        </p:spPr>
         <p:txBody>
           <a:bodyPr/>
           <a:lstStyle/>
           <a:p>
             <a:r>
-              <a:rPr lang="th-TH" dirty="0"/>
+              <a:rPr lang="th-TH" dirty="0">
+                <a:latin typeface="TH SarabunPSK" panose="020B0500040200020003" pitchFamily="34" charset="-34"/>
+                <a:cs typeface="TH SarabunPSK" panose="020B0500040200020003" pitchFamily="34" charset="-34"/>
+              </a:rPr>
               <a:t>เปรียบเทียบข้อมูลที่ทำ </a:t>
             </a:r>
             <a:r>
-              <a:rPr lang="en-US" dirty="0"/>
+              <a:rPr lang="en-US" dirty="0">
+                <a:latin typeface="TH SarabunPSK" panose="020B0500040200020003" pitchFamily="34" charset="-34"/>
+                <a:cs typeface="TH SarabunPSK" panose="020B0500040200020003" pitchFamily="34" charset="-34"/>
+              </a:rPr>
               <a:t>PCA </a:t>
             </a:r>
             <a:r>
-              <a:rPr lang="th-TH" dirty="0"/>
-              <a:t>กับข้อมูลก่อนทำ</a:t>
-            </a:r>
-            <a:endParaRPr lang="en-US" dirty="0"/>
+              <a:rPr lang="th-TH" dirty="0">
+                <a:latin typeface="TH SarabunPSK" panose="020B0500040200020003" pitchFamily="34" charset="-34"/>
+                <a:cs typeface="TH SarabunPSK" panose="020B0500040200020003" pitchFamily="34" charset="-34"/>
+              </a:rPr>
+              <a:t>แล้วกับข้อมูลก่อนทำ</a:t>
+            </a:r>
+            <a:endParaRPr lang="en-US" dirty="0">
+              <a:latin typeface="TH SarabunPSK" panose="020B0500040200020003" pitchFamily="34" charset="-34"/>
+              <a:cs typeface="TH SarabunPSK" panose="020B0500040200020003" pitchFamily="34" charset="-34"/>
+            </a:endParaRPr>
           </a:p>
         </p:txBody>
       </p:sp>
@@ -4972,7 +6704,7 @@
           <p:nvPr/>
         </p:nvPicPr>
         <p:blipFill>
-          <a:blip r:embed="rId2"/>
+          <a:blip r:embed="rId3"/>
           <a:stretch>
             <a:fillRect/>
           </a:stretch>
@@ -5002,7 +6734,7 @@
           <p:nvPr/>
         </p:nvPicPr>
         <p:blipFill>
-          <a:blip r:embed="rId3"/>
+          <a:blip r:embed="rId4"/>
           <a:stretch>
             <a:fillRect/>
           </a:stretch>
@@ -5031,8 +6763,8 @@
         </p:nvSpPr>
         <p:spPr>
           <a:xfrm>
-            <a:off x="1677916" y="5119712"/>
-            <a:ext cx="2965306" cy="523220"/>
+            <a:off x="1688589" y="5074803"/>
+            <a:ext cx="3409473" cy="461665"/>
           </a:xfrm>
           <a:prstGeom prst="rect">
             <a:avLst/>
@@ -5046,13 +6778,30 @@
           <a:lstStyle/>
           <a:p>
             <a:r>
-              <a:rPr lang="th-TH" sz="2800" dirty="0"/>
+              <a:rPr lang="th-TH" sz="2400" dirty="0">
+                <a:latin typeface="TH SarabunPSK" panose="020B0500040200020003" pitchFamily="34" charset="-34"/>
+                <a:cs typeface="TH SarabunPSK" panose="020B0500040200020003" pitchFamily="34" charset="-34"/>
+              </a:rPr>
               <a:t>กราฟของข้อมูลที่ทำ </a:t>
             </a:r>
             <a:r>
-              <a:rPr lang="en-US" sz="2800" dirty="0"/>
+              <a:rPr lang="en-US" sz="2400" dirty="0">
+                <a:latin typeface="TH SarabunPSK" panose="020B0500040200020003" pitchFamily="34" charset="-34"/>
+                <a:cs typeface="TH SarabunPSK" panose="020B0500040200020003" pitchFamily="34" charset="-34"/>
+              </a:rPr>
               <a:t>PCA</a:t>
             </a:r>
+            <a:r>
+              <a:rPr lang="th-TH" sz="2400" dirty="0">
+                <a:latin typeface="TH SarabunPSK" panose="020B0500040200020003" pitchFamily="34" charset="-34"/>
+                <a:cs typeface="TH SarabunPSK" panose="020B0500040200020003" pitchFamily="34" charset="-34"/>
+              </a:rPr>
+              <a:t> แล้ว</a:t>
+            </a:r>
+            <a:endParaRPr lang="en-US" sz="2400" dirty="0">
+              <a:latin typeface="TH SarabunPSK" panose="020B0500040200020003" pitchFamily="34" charset="-34"/>
+              <a:cs typeface="TH SarabunPSK" panose="020B0500040200020003" pitchFamily="34" charset="-34"/>
+            </a:endParaRPr>
           </a:p>
         </p:txBody>
       </p:sp>
@@ -5070,8 +6819,8 @@
         </p:nvSpPr>
         <p:spPr>
           <a:xfrm>
-            <a:off x="7249523" y="5119712"/>
-            <a:ext cx="2481046" cy="523220"/>
+            <a:off x="7591688" y="5094864"/>
+            <a:ext cx="2481046" cy="461665"/>
           </a:xfrm>
           <a:prstGeom prst="rect">
             <a:avLst/>
@@ -5085,17 +6834,23 @@
           <a:lstStyle/>
           <a:p>
             <a:r>
-              <a:rPr lang="th-TH" sz="2800" dirty="0"/>
+              <a:rPr lang="th-TH" sz="2400" dirty="0">
+                <a:latin typeface="TH SarabunPSK" panose="020B0500040200020003" pitchFamily="34" charset="-34"/>
+                <a:cs typeface="TH SarabunPSK" panose="020B0500040200020003" pitchFamily="34" charset="-34"/>
+              </a:rPr>
               <a:t>กราฟของข้อมูลก่อนทำ </a:t>
             </a:r>
-            <a:endParaRPr lang="en-US" sz="2800" dirty="0"/>
+            <a:endParaRPr lang="en-US" sz="2400" dirty="0">
+              <a:latin typeface="TH SarabunPSK" panose="020B0500040200020003" pitchFamily="34" charset="-34"/>
+              <a:cs typeface="TH SarabunPSK" panose="020B0500040200020003" pitchFamily="34" charset="-34"/>
+            </a:endParaRPr>
           </a:p>
         </p:txBody>
       </p:sp>
     </p:spTree>
     <p:extLst>
       <p:ext uri="{BB962C8B-B14F-4D97-AF65-F5344CB8AC3E}">
-        <p14:creationId xmlns:p14="http://schemas.microsoft.com/office/powerpoint/2010/main" val="672068986"/>
+        <p14:creationId xmlns:p14="http://schemas.microsoft.com/office/powerpoint/2010/main" val="2616435906"/>
       </p:ext>
     </p:extLst>
   </p:cSld>
@@ -5124,6 +6879,377 @@
       </p:grpSpPr>
       <p:sp>
         <p:nvSpPr>
+          <p:cNvPr id="3" name="Rectangle 2">
+            <a:extLst>
+              <a:ext uri="{FF2B5EF4-FFF2-40B4-BE49-F238E27FC236}">
+                <a16:creationId xmlns:a16="http://schemas.microsoft.com/office/drawing/2014/main" id="{1FCB82E5-E627-1DE8-7459-022E7D13B33C}"/>
+              </a:ext>
+            </a:extLst>
+          </p:cNvPr>
+          <p:cNvSpPr/>
+          <p:nvPr/>
+        </p:nvSpPr>
+        <p:spPr>
+          <a:xfrm>
+            <a:off x="0" y="5840991"/>
+            <a:ext cx="12192000" cy="1017009"/>
+          </a:xfrm>
+          <a:prstGeom prst="rect">
+            <a:avLst/>
+          </a:prstGeom>
+          <a:solidFill>
+            <a:srgbClr val="CCCCFF"/>
+          </a:solidFill>
+          <a:ln>
+            <a:solidFill>
+              <a:srgbClr val="CCCCFF"/>
+            </a:solidFill>
+          </a:ln>
+        </p:spPr>
+        <p:style>
+          <a:lnRef idx="2">
+            <a:schemeClr val="accent1">
+              <a:shade val="15000"/>
+            </a:schemeClr>
+          </a:lnRef>
+          <a:fillRef idx="1">
+            <a:schemeClr val="accent1"/>
+          </a:fillRef>
+          <a:effectRef idx="0">
+            <a:schemeClr val="accent1"/>
+          </a:effectRef>
+          <a:fontRef idx="minor">
+            <a:schemeClr val="lt1"/>
+          </a:fontRef>
+        </p:style>
+        <p:txBody>
+          <a:bodyPr rtlCol="0" anchor="ctr"/>
+          <a:lstStyle/>
+          <a:p>
+            <a:pPr algn="ctr"/>
+            <a:endParaRPr lang="en-US"/>
+          </a:p>
+        </p:txBody>
+      </p:sp>
+      <p:sp>
+        <p:nvSpPr>
+          <p:cNvPr id="4" name="Rectangle 3">
+            <a:extLst>
+              <a:ext uri="{FF2B5EF4-FFF2-40B4-BE49-F238E27FC236}">
+                <a16:creationId xmlns:a16="http://schemas.microsoft.com/office/drawing/2014/main" id="{9C35EAAF-5475-DEB0-070B-A8B0A39B8E03}"/>
+              </a:ext>
+            </a:extLst>
+          </p:cNvPr>
+          <p:cNvSpPr/>
+          <p:nvPr/>
+        </p:nvSpPr>
+        <p:spPr>
+          <a:xfrm>
+            <a:off x="0" y="0"/>
+            <a:ext cx="12192000" cy="1136342"/>
+          </a:xfrm>
+          <a:prstGeom prst="rect">
+            <a:avLst/>
+          </a:prstGeom>
+          <a:solidFill>
+            <a:srgbClr val="CCCCFF"/>
+          </a:solidFill>
+          <a:ln>
+            <a:solidFill>
+              <a:srgbClr val="CCCCFF"/>
+            </a:solidFill>
+          </a:ln>
+        </p:spPr>
+        <p:style>
+          <a:lnRef idx="2">
+            <a:schemeClr val="accent1">
+              <a:shade val="15000"/>
+            </a:schemeClr>
+          </a:lnRef>
+          <a:fillRef idx="1">
+            <a:schemeClr val="accent1"/>
+          </a:fillRef>
+          <a:effectRef idx="0">
+            <a:schemeClr val="accent1"/>
+          </a:effectRef>
+          <a:fontRef idx="minor">
+            <a:schemeClr val="lt1"/>
+          </a:fontRef>
+        </p:style>
+        <p:txBody>
+          <a:bodyPr rtlCol="0" anchor="ctr"/>
+          <a:lstStyle/>
+          <a:p>
+            <a:pPr algn="ctr"/>
+            <a:endParaRPr lang="en-US" dirty="0">
+              <a:noFill/>
+            </a:endParaRPr>
+          </a:p>
+        </p:txBody>
+      </p:sp>
+      <p:pic>
+        <p:nvPicPr>
+          <p:cNvPr id="5" name="Picture 4" descr="A black and white logo&#10;&#10;Description automatically generated">
+            <a:extLst>
+              <a:ext uri="{FF2B5EF4-FFF2-40B4-BE49-F238E27FC236}">
+                <a16:creationId xmlns:a16="http://schemas.microsoft.com/office/drawing/2014/main" id="{B2FDA044-8A91-9106-F197-8A1FA789E0B4}"/>
+              </a:ext>
+            </a:extLst>
+          </p:cNvPr>
+          <p:cNvPicPr>
+            <a:picLocks noChangeAspect="1"/>
+          </p:cNvPicPr>
+          <p:nvPr/>
+        </p:nvPicPr>
+        <p:blipFill>
+          <a:blip r:embed="rId2">
+            <a:extLst>
+              <a:ext uri="{28A0092B-C50C-407E-A947-70E740481C1C}">
+                <a14:useLocalDpi xmlns:a14="http://schemas.microsoft.com/office/drawing/2010/main" val="0"/>
+              </a:ext>
+            </a:extLst>
+          </a:blip>
+          <a:stretch>
+            <a:fillRect/>
+          </a:stretch>
+        </p:blipFill>
+        <p:spPr>
+          <a:xfrm>
+            <a:off x="11051882" y="119333"/>
+            <a:ext cx="1093483" cy="1017009"/>
+          </a:xfrm>
+          <a:prstGeom prst="rect">
+            <a:avLst/>
+          </a:prstGeom>
+        </p:spPr>
+      </p:pic>
+      <p:sp>
+        <p:nvSpPr>
+          <p:cNvPr id="6" name="Flowchart: Data 2">
+            <a:extLst>
+              <a:ext uri="{FF2B5EF4-FFF2-40B4-BE49-F238E27FC236}">
+                <a16:creationId xmlns:a16="http://schemas.microsoft.com/office/drawing/2014/main" id="{B967C4DF-ABA1-E177-96CE-492602F582CC}"/>
+              </a:ext>
+            </a:extLst>
+          </p:cNvPr>
+          <p:cNvSpPr/>
+          <p:nvPr/>
+        </p:nvSpPr>
+        <p:spPr>
+          <a:xfrm>
+            <a:off x="10848138" y="6264097"/>
+            <a:ext cx="1343862" cy="608120"/>
+          </a:xfrm>
+          <a:custGeom>
+            <a:avLst/>
+            <a:gdLst>
+              <a:gd name="connsiteX0" fmla="*/ 0 w 10000"/>
+              <a:gd name="connsiteY0" fmla="*/ 10000 h 10000"/>
+              <a:gd name="connsiteX1" fmla="*/ 2000 w 10000"/>
+              <a:gd name="connsiteY1" fmla="*/ 0 h 10000"/>
+              <a:gd name="connsiteX2" fmla="*/ 10000 w 10000"/>
+              <a:gd name="connsiteY2" fmla="*/ 0 h 10000"/>
+              <a:gd name="connsiteX3" fmla="*/ 8000 w 10000"/>
+              <a:gd name="connsiteY3" fmla="*/ 10000 h 10000"/>
+              <a:gd name="connsiteX4" fmla="*/ 0 w 10000"/>
+              <a:gd name="connsiteY4" fmla="*/ 10000 h 10000"/>
+              <a:gd name="connsiteX0" fmla="*/ 0 w 8000"/>
+              <a:gd name="connsiteY0" fmla="*/ 10000 h 10000"/>
+              <a:gd name="connsiteX1" fmla="*/ 2000 w 8000"/>
+              <a:gd name="connsiteY1" fmla="*/ 0 h 10000"/>
+              <a:gd name="connsiteX2" fmla="*/ 4142 w 8000"/>
+              <a:gd name="connsiteY2" fmla="*/ 153 h 10000"/>
+              <a:gd name="connsiteX3" fmla="*/ 8000 w 8000"/>
+              <a:gd name="connsiteY3" fmla="*/ 10000 h 10000"/>
+              <a:gd name="connsiteX4" fmla="*/ 0 w 8000"/>
+              <a:gd name="connsiteY4" fmla="*/ 10000 h 10000"/>
+              <a:gd name="connsiteX0" fmla="*/ 0 w 5414"/>
+              <a:gd name="connsiteY0" fmla="*/ 10000 h 10000"/>
+              <a:gd name="connsiteX1" fmla="*/ 2500 w 5414"/>
+              <a:gd name="connsiteY1" fmla="*/ 0 h 10000"/>
+              <a:gd name="connsiteX2" fmla="*/ 5178 w 5414"/>
+              <a:gd name="connsiteY2" fmla="*/ 153 h 10000"/>
+              <a:gd name="connsiteX3" fmla="*/ 5414 w 5414"/>
+              <a:gd name="connsiteY3" fmla="*/ 10000 h 10000"/>
+              <a:gd name="connsiteX4" fmla="*/ 0 w 5414"/>
+              <a:gd name="connsiteY4" fmla="*/ 10000 h 10000"/>
+              <a:gd name="connsiteX0" fmla="*/ 0 w 9609"/>
+              <a:gd name="connsiteY0" fmla="*/ 10000 h 10000"/>
+              <a:gd name="connsiteX1" fmla="*/ 4618 w 9609"/>
+              <a:gd name="connsiteY1" fmla="*/ 0 h 10000"/>
+              <a:gd name="connsiteX2" fmla="*/ 9564 w 9609"/>
+              <a:gd name="connsiteY2" fmla="*/ 153 h 10000"/>
+              <a:gd name="connsiteX3" fmla="*/ 9590 w 9609"/>
+              <a:gd name="connsiteY3" fmla="*/ 10000 h 10000"/>
+              <a:gd name="connsiteX4" fmla="*/ 0 w 9609"/>
+              <a:gd name="connsiteY4" fmla="*/ 10000 h 10000"/>
+              <a:gd name="connsiteX0" fmla="*/ 0 w 10193"/>
+              <a:gd name="connsiteY0" fmla="*/ 10000 h 10153"/>
+              <a:gd name="connsiteX1" fmla="*/ 4806 w 10193"/>
+              <a:gd name="connsiteY1" fmla="*/ 0 h 10153"/>
+              <a:gd name="connsiteX2" fmla="*/ 9953 w 10193"/>
+              <a:gd name="connsiteY2" fmla="*/ 153 h 10153"/>
+              <a:gd name="connsiteX3" fmla="*/ 10193 w 10193"/>
+              <a:gd name="connsiteY3" fmla="*/ 10153 h 10153"/>
+              <a:gd name="connsiteX4" fmla="*/ 0 w 10193"/>
+              <a:gd name="connsiteY4" fmla="*/ 10000 h 10153"/>
+              <a:gd name="connsiteX0" fmla="*/ 0 w 10213"/>
+              <a:gd name="connsiteY0" fmla="*/ 10000 h 10153"/>
+              <a:gd name="connsiteX1" fmla="*/ 4806 w 10213"/>
+              <a:gd name="connsiteY1" fmla="*/ 0 h 10153"/>
+              <a:gd name="connsiteX2" fmla="*/ 10166 w 10213"/>
+              <a:gd name="connsiteY2" fmla="*/ 153 h 10153"/>
+              <a:gd name="connsiteX3" fmla="*/ 10193 w 10213"/>
+              <a:gd name="connsiteY3" fmla="*/ 10153 h 10153"/>
+              <a:gd name="connsiteX4" fmla="*/ 0 w 10213"/>
+              <a:gd name="connsiteY4" fmla="*/ 10000 h 10153"/>
+              <a:gd name="connsiteX0" fmla="*/ 0 w 10341"/>
+              <a:gd name="connsiteY0" fmla="*/ 10000 h 10153"/>
+              <a:gd name="connsiteX1" fmla="*/ 4806 w 10341"/>
+              <a:gd name="connsiteY1" fmla="*/ 0 h 10153"/>
+              <a:gd name="connsiteX2" fmla="*/ 10308 w 10341"/>
+              <a:gd name="connsiteY2" fmla="*/ 0 h 10153"/>
+              <a:gd name="connsiteX3" fmla="*/ 10193 w 10341"/>
+              <a:gd name="connsiteY3" fmla="*/ 10153 h 10153"/>
+              <a:gd name="connsiteX4" fmla="*/ 0 w 10341"/>
+              <a:gd name="connsiteY4" fmla="*/ 10000 h 10153"/>
+              <a:gd name="connsiteX0" fmla="*/ 0 w 10406"/>
+              <a:gd name="connsiteY0" fmla="*/ 10000 h 10306"/>
+              <a:gd name="connsiteX1" fmla="*/ 4806 w 10406"/>
+              <a:gd name="connsiteY1" fmla="*/ 0 h 10306"/>
+              <a:gd name="connsiteX2" fmla="*/ 10308 w 10406"/>
+              <a:gd name="connsiteY2" fmla="*/ 0 h 10306"/>
+              <a:gd name="connsiteX3" fmla="*/ 10406 w 10406"/>
+              <a:gd name="connsiteY3" fmla="*/ 10306 h 10306"/>
+              <a:gd name="connsiteX4" fmla="*/ 0 w 10406"/>
+              <a:gd name="connsiteY4" fmla="*/ 10000 h 10306"/>
+              <a:gd name="connsiteX0" fmla="*/ 0 w 10761"/>
+              <a:gd name="connsiteY0" fmla="*/ 10458 h 10458"/>
+              <a:gd name="connsiteX1" fmla="*/ 5161 w 10761"/>
+              <a:gd name="connsiteY1" fmla="*/ 0 h 10458"/>
+              <a:gd name="connsiteX2" fmla="*/ 10663 w 10761"/>
+              <a:gd name="connsiteY2" fmla="*/ 0 h 10458"/>
+              <a:gd name="connsiteX3" fmla="*/ 10761 w 10761"/>
+              <a:gd name="connsiteY3" fmla="*/ 10306 h 10458"/>
+              <a:gd name="connsiteX4" fmla="*/ 0 w 10761"/>
+              <a:gd name="connsiteY4" fmla="*/ 10458 h 10458"/>
+            </a:gdLst>
+            <a:ahLst/>
+            <a:cxnLst>
+              <a:cxn ang="0">
+                <a:pos x="connsiteX0" y="connsiteY0"/>
+              </a:cxn>
+              <a:cxn ang="0">
+                <a:pos x="connsiteX1" y="connsiteY1"/>
+              </a:cxn>
+              <a:cxn ang="0">
+                <a:pos x="connsiteX2" y="connsiteY2"/>
+              </a:cxn>
+              <a:cxn ang="0">
+                <a:pos x="connsiteX3" y="connsiteY3"/>
+              </a:cxn>
+              <a:cxn ang="0">
+                <a:pos x="connsiteX4" y="connsiteY4"/>
+              </a:cxn>
+            </a:cxnLst>
+            <a:rect l="l" t="t" r="r" b="b"/>
+            <a:pathLst>
+              <a:path w="10761" h="10458">
+                <a:moveTo>
+                  <a:pt x="0" y="10458"/>
+                </a:moveTo>
+                <a:lnTo>
+                  <a:pt x="5161" y="0"/>
+                </a:lnTo>
+                <a:lnTo>
+                  <a:pt x="10663" y="0"/>
+                </a:lnTo>
+                <a:cubicBezTo>
+                  <a:pt x="10815" y="3282"/>
+                  <a:pt x="10609" y="7024"/>
+                  <a:pt x="10761" y="10306"/>
+                </a:cubicBezTo>
+                <a:lnTo>
+                  <a:pt x="0" y="10458"/>
+                </a:lnTo>
+                <a:close/>
+              </a:path>
+            </a:pathLst>
+          </a:custGeom>
+          <a:solidFill>
+            <a:schemeClr val="bg1"/>
+          </a:solidFill>
+          <a:ln w="19050">
+            <a:solidFill>
+              <a:schemeClr val="tx1"/>
+            </a:solidFill>
+          </a:ln>
+        </p:spPr>
+        <p:style>
+          <a:lnRef idx="2">
+            <a:schemeClr val="accent1">
+              <a:shade val="15000"/>
+            </a:schemeClr>
+          </a:lnRef>
+          <a:fillRef idx="1">
+            <a:schemeClr val="accent1"/>
+          </a:fillRef>
+          <a:effectRef idx="0">
+            <a:schemeClr val="accent1"/>
+          </a:effectRef>
+          <a:fontRef idx="minor">
+            <a:schemeClr val="lt1"/>
+          </a:fontRef>
+        </p:style>
+        <p:txBody>
+          <a:bodyPr rtlCol="0" anchor="ctr"/>
+          <a:lstStyle/>
+          <a:p>
+            <a:pPr algn="ctr"/>
+            <a:endParaRPr lang="en-US"/>
+          </a:p>
+        </p:txBody>
+      </p:sp>
+      <p:sp>
+        <p:nvSpPr>
+          <p:cNvPr id="8" name="TextBox 7">
+            <a:extLst>
+              <a:ext uri="{FF2B5EF4-FFF2-40B4-BE49-F238E27FC236}">
+                <a16:creationId xmlns:a16="http://schemas.microsoft.com/office/drawing/2014/main" id="{9D902426-38C5-E155-AF53-D5E1F828BA33}"/>
+              </a:ext>
+            </a:extLst>
+          </p:cNvPr>
+          <p:cNvSpPr txBox="1"/>
+          <p:nvPr/>
+        </p:nvSpPr>
+        <p:spPr>
+          <a:xfrm>
+            <a:off x="11520069" y="6287442"/>
+            <a:ext cx="557254" cy="584775"/>
+          </a:xfrm>
+          <a:prstGeom prst="rect">
+            <a:avLst/>
+          </a:prstGeom>
+          <a:noFill/>
+        </p:spPr>
+        <p:txBody>
+          <a:bodyPr wrap="square" rtlCol="0">
+            <a:spAutoFit/>
+          </a:bodyPr>
+          <a:lstStyle/>
+          <a:p>
+            <a:r>
+              <a:rPr lang="en-US" sz="3200" dirty="0">
+                <a:latin typeface="TH SarabunPSK" panose="020B0500040200020003" pitchFamily="34" charset="-34"/>
+                <a:cs typeface="TH SarabunPSK" panose="020B0500040200020003" pitchFamily="34" charset="-34"/>
+              </a:rPr>
+              <a:t>1</a:t>
+            </a:r>
+          </a:p>
+        </p:txBody>
+      </p:sp>
+      <p:sp>
+        <p:nvSpPr>
           <p:cNvPr id="2" name="Title 1">
             <a:extLst>
               <a:ext uri="{FF2B5EF4-FFF2-40B4-BE49-F238E27FC236}">
@@ -5144,13 +7270,22 @@
           <a:lstStyle/>
           <a:p>
             <a:r>
-              <a:rPr lang="en-US" dirty="0"/>
+              <a:rPr lang="en-US" dirty="0">
+                <a:latin typeface="TH SarabunPSK" panose="020B0500040200020003" pitchFamily="34" charset="-34"/>
+                <a:cs typeface="TH SarabunPSK" panose="020B0500040200020003" pitchFamily="34" charset="-34"/>
+              </a:rPr>
               <a:t>Projection</a:t>
             </a:r>
             <a:br>
-              <a:rPr lang="en-US" dirty="0"/>
+              <a:rPr lang="en-US" dirty="0">
+                <a:latin typeface="TH SarabunPSK" panose="020B0500040200020003" pitchFamily="34" charset="-34"/>
+                <a:cs typeface="TH SarabunPSK" panose="020B0500040200020003" pitchFamily="34" charset="-34"/>
+              </a:rPr>
             </a:br>
-            <a:endParaRPr lang="en-US" dirty="0"/>
+            <a:endParaRPr lang="en-US" dirty="0">
+              <a:latin typeface="TH SarabunPSK" panose="020B0500040200020003" pitchFamily="34" charset="-34"/>
+              <a:cs typeface="TH SarabunPSK" panose="020B0500040200020003" pitchFamily="34" charset="-34"/>
+            </a:endParaRPr>
           </a:p>
         </p:txBody>
       </p:sp>
@@ -5177,17 +7312,25 @@
           </a:xfrm>
         </p:spPr>
         <p:txBody>
-          <a:bodyPr/>
-          <a:lstStyle/>
-          <a:p>
-            <a:r>
-              <a:rPr lang="th-TH" dirty="0"/>
+          <a:bodyPr>
+            <a:normAutofit/>
+          </a:bodyPr>
+          <a:lstStyle/>
+          <a:p>
+            <a:r>
+              <a:rPr lang="th-TH" sz="2400" dirty="0">
+                <a:latin typeface="TH SarabunPSK" panose="020B0500040200020003" pitchFamily="34" charset="-34"/>
+                <a:cs typeface="TH SarabunPSK" panose="020B0500040200020003" pitchFamily="34" charset="-34"/>
+              </a:rPr>
               <a:t>การฉายแสงใส่จุดข้อมูลให้เงาของจุดไปตกที่แกนที่กำหนด</a:t>
             </a:r>
           </a:p>
           <a:p>
             <a:r>
-              <a:rPr lang="th-TH" dirty="0"/>
+              <a:rPr lang="th-TH" sz="2400" dirty="0">
+                <a:latin typeface="TH SarabunPSK" panose="020B0500040200020003" pitchFamily="34" charset="-34"/>
+                <a:cs typeface="TH SarabunPSK" panose="020B0500040200020003" pitchFamily="34" charset="-34"/>
+              </a:rPr>
               <a:t>ลูกศรภายในกราฟคือเส้นทางของแสง จุดสีน้ำเงินคือข้อมูล</a:t>
             </a:r>
           </a:p>
@@ -5208,7 +7351,7 @@
           <p:nvPr/>
         </p:nvPicPr>
         <p:blipFill>
-          <a:blip r:embed="rId2"/>
+          <a:blip r:embed="rId3"/>
           <a:stretch>
             <a:fillRect/>
           </a:stretch>
@@ -5226,7 +7369,7 @@
     </p:spTree>
     <p:extLst>
       <p:ext uri="{BB962C8B-B14F-4D97-AF65-F5344CB8AC3E}">
-        <p14:creationId xmlns:p14="http://schemas.microsoft.com/office/powerpoint/2010/main" val="1379774089"/>
+        <p14:creationId xmlns:p14="http://schemas.microsoft.com/office/powerpoint/2010/main" val="3041509611"/>
       </p:ext>
     </p:extLst>
   </p:cSld>
@@ -5255,99 +7398,120 @@
       </p:grpSpPr>
       <p:sp>
         <p:nvSpPr>
-          <p:cNvPr id="2" name="Title 1">
-            <a:extLst>
-              <a:ext uri="{FF2B5EF4-FFF2-40B4-BE49-F238E27FC236}">
-                <a16:creationId xmlns:a16="http://schemas.microsoft.com/office/drawing/2014/main" id="{662673A6-0CA7-DEC7-CBB6-730F741A7E09}"/>
-              </a:ext>
-            </a:extLst>
-          </p:cNvPr>
-          <p:cNvSpPr>
-            <a:spLocks noGrp="1"/>
-          </p:cNvSpPr>
-          <p:nvPr>
-            <p:ph type="title"/>
-          </p:nvPr>
-        </p:nvSpPr>
-        <p:spPr/>
-        <p:txBody>
-          <a:bodyPr/>
-          <a:lstStyle/>
-          <a:p>
-            <a:r>
-              <a:rPr lang="en-US" dirty="0"/>
-              <a:t>PCA (Principal component Analysis)</a:t>
-            </a:r>
-          </a:p>
-        </p:txBody>
-      </p:sp>
-      <p:sp>
-        <p:nvSpPr>
-          <p:cNvPr id="3" name="Content Placeholder 2">
-            <a:extLst>
-              <a:ext uri="{FF2B5EF4-FFF2-40B4-BE49-F238E27FC236}">
-                <a16:creationId xmlns:a16="http://schemas.microsoft.com/office/drawing/2014/main" id="{259B9A1D-F049-FD19-75DE-30B1E573956E}"/>
-              </a:ext>
-            </a:extLst>
-          </p:cNvPr>
-          <p:cNvSpPr>
-            <a:spLocks noGrp="1"/>
-          </p:cNvSpPr>
-          <p:nvPr>
-            <p:ph idx="1"/>
-          </p:nvPr>
+          <p:cNvPr id="4" name="Rectangle 3">
+            <a:extLst>
+              <a:ext uri="{FF2B5EF4-FFF2-40B4-BE49-F238E27FC236}">
+                <a16:creationId xmlns:a16="http://schemas.microsoft.com/office/drawing/2014/main" id="{240A2245-58F2-469D-ECC5-6C3F581E8DDE}"/>
+              </a:ext>
+            </a:extLst>
+          </p:cNvPr>
+          <p:cNvSpPr/>
+          <p:nvPr/>
         </p:nvSpPr>
         <p:spPr>
           <a:xfrm>
-            <a:off x="838200" y="5368637"/>
-            <a:ext cx="10515600" cy="1306036"/>
+            <a:off x="0" y="5840991"/>
+            <a:ext cx="12192000" cy="1017009"/>
           </a:xfrm>
+          <a:prstGeom prst="rect">
+            <a:avLst/>
+          </a:prstGeom>
+          <a:solidFill>
+            <a:srgbClr val="CCCCFF"/>
+          </a:solidFill>
+          <a:ln>
+            <a:solidFill>
+              <a:srgbClr val="CCCCFF"/>
+            </a:solidFill>
+          </a:ln>
         </p:spPr>
-        <p:txBody>
-          <a:bodyPr>
-            <a:normAutofit/>
-          </a:bodyPr>
-          <a:lstStyle/>
-          <a:p>
-            <a:r>
-              <a:rPr lang="en-US" dirty="0"/>
-              <a:t>PCA </a:t>
-            </a:r>
-            <a:r>
-              <a:rPr lang="th-TH" dirty="0"/>
-              <a:t>คือ การหาแกนใหม่ที่สามารถอธิบายการกระจายตัวของข้อมูลได้ดีที่สุด </a:t>
-            </a:r>
-            <a:r>
-              <a:rPr lang="th-TH" b="0" i="0" dirty="0">
-                <a:effectLst/>
-                <a:latin typeface="system-ui"/>
-              </a:rPr>
-              <a:t>เมื่อมี ตัวแปร ที่จะนำมาแสดงการกระจายของข้อมูลมากกว่า 2 ตัวแปร สามารถใช้ </a:t>
-            </a:r>
-            <a:r>
-              <a:rPr lang="en-US" b="0" i="0" dirty="0">
-                <a:effectLst/>
-                <a:latin typeface="system-ui"/>
-              </a:rPr>
-              <a:t>PCA (Principle Component Analysis) </a:t>
-            </a:r>
-            <a:r>
-              <a:rPr lang="th-TH" b="0" i="0" dirty="0">
-                <a:effectLst/>
-                <a:latin typeface="system-ui"/>
-              </a:rPr>
-              <a:t>เพื่อลดจำนวนตัวแปรลงมาได้โดยรักษาลักษณะการกระจายของข้อมูลได้มากที่สุด</a:t>
-            </a:r>
-            <a:endParaRPr lang="th-TH" dirty="0"/>
+        <p:style>
+          <a:lnRef idx="2">
+            <a:schemeClr val="accent1">
+              <a:shade val="15000"/>
+            </a:schemeClr>
+          </a:lnRef>
+          <a:fillRef idx="1">
+            <a:schemeClr val="accent1"/>
+          </a:fillRef>
+          <a:effectRef idx="0">
+            <a:schemeClr val="accent1"/>
+          </a:effectRef>
+          <a:fontRef idx="minor">
+            <a:schemeClr val="lt1"/>
+          </a:fontRef>
+        </p:style>
+        <p:txBody>
+          <a:bodyPr rtlCol="0" anchor="ctr"/>
+          <a:lstStyle/>
+          <a:p>
+            <a:pPr algn="ctr"/>
+            <a:endParaRPr lang="en-US"/>
+          </a:p>
+        </p:txBody>
+      </p:sp>
+      <p:sp>
+        <p:nvSpPr>
+          <p:cNvPr id="5" name="Rectangle 4">
+            <a:extLst>
+              <a:ext uri="{FF2B5EF4-FFF2-40B4-BE49-F238E27FC236}">
+                <a16:creationId xmlns:a16="http://schemas.microsoft.com/office/drawing/2014/main" id="{63967009-1121-12BA-BE69-38634CB0E536}"/>
+              </a:ext>
+            </a:extLst>
+          </p:cNvPr>
+          <p:cNvSpPr/>
+          <p:nvPr/>
+        </p:nvSpPr>
+        <p:spPr>
+          <a:xfrm>
+            <a:off x="0" y="0"/>
+            <a:ext cx="12192000" cy="1136342"/>
+          </a:xfrm>
+          <a:prstGeom prst="rect">
+            <a:avLst/>
+          </a:prstGeom>
+          <a:solidFill>
+            <a:srgbClr val="CCCCFF"/>
+          </a:solidFill>
+          <a:ln>
+            <a:solidFill>
+              <a:srgbClr val="CCCCFF"/>
+            </a:solidFill>
+          </a:ln>
+        </p:spPr>
+        <p:style>
+          <a:lnRef idx="2">
+            <a:schemeClr val="accent1">
+              <a:shade val="15000"/>
+            </a:schemeClr>
+          </a:lnRef>
+          <a:fillRef idx="1">
+            <a:schemeClr val="accent1"/>
+          </a:fillRef>
+          <a:effectRef idx="0">
+            <a:schemeClr val="accent1"/>
+          </a:effectRef>
+          <a:fontRef idx="minor">
+            <a:schemeClr val="lt1"/>
+          </a:fontRef>
+        </p:style>
+        <p:txBody>
+          <a:bodyPr rtlCol="0" anchor="ctr"/>
+          <a:lstStyle/>
+          <a:p>
+            <a:pPr algn="ctr"/>
+            <a:endParaRPr lang="en-US" dirty="0">
+              <a:noFill/>
+            </a:endParaRPr>
           </a:p>
         </p:txBody>
       </p:sp>
       <p:pic>
         <p:nvPicPr>
-          <p:cNvPr id="6" name="Picture 5" descr="A graph with red and blue dots&#10;&#10;Description automatically generated">
-            <a:extLst>
-              <a:ext uri="{FF2B5EF4-FFF2-40B4-BE49-F238E27FC236}">
-                <a16:creationId xmlns:a16="http://schemas.microsoft.com/office/drawing/2014/main" id="{EE212867-124A-6CF2-60CE-A53016EEA746}"/>
+          <p:cNvPr id="7" name="Picture 6" descr="A black and white logo&#10;&#10;Description automatically generated">
+            <a:extLst>
+              <a:ext uri="{FF2B5EF4-FFF2-40B4-BE49-F238E27FC236}">
+                <a16:creationId xmlns:a16="http://schemas.microsoft.com/office/drawing/2014/main" id="{1B30531A-CF39-E1F1-E48C-AAC9354A6AF5}"/>
               </a:ext>
             </a:extLst>
           </p:cNvPr>
@@ -5370,8 +7534,378 @@
         </p:blipFill>
         <p:spPr>
           <a:xfrm>
-            <a:off x="1246909" y="1489364"/>
-            <a:ext cx="9698182" cy="3879272"/>
+            <a:off x="11051882" y="119333"/>
+            <a:ext cx="1093483" cy="1017009"/>
+          </a:xfrm>
+          <a:prstGeom prst="rect">
+            <a:avLst/>
+          </a:prstGeom>
+        </p:spPr>
+      </p:pic>
+      <p:sp>
+        <p:nvSpPr>
+          <p:cNvPr id="8" name="Flowchart: Data 2">
+            <a:extLst>
+              <a:ext uri="{FF2B5EF4-FFF2-40B4-BE49-F238E27FC236}">
+                <a16:creationId xmlns:a16="http://schemas.microsoft.com/office/drawing/2014/main" id="{23B4E767-17ED-5DC8-8BAB-79B80D57945D}"/>
+              </a:ext>
+            </a:extLst>
+          </p:cNvPr>
+          <p:cNvSpPr/>
+          <p:nvPr/>
+        </p:nvSpPr>
+        <p:spPr>
+          <a:xfrm>
+            <a:off x="10848138" y="6264097"/>
+            <a:ext cx="1343862" cy="608120"/>
+          </a:xfrm>
+          <a:custGeom>
+            <a:avLst/>
+            <a:gdLst>
+              <a:gd name="connsiteX0" fmla="*/ 0 w 10000"/>
+              <a:gd name="connsiteY0" fmla="*/ 10000 h 10000"/>
+              <a:gd name="connsiteX1" fmla="*/ 2000 w 10000"/>
+              <a:gd name="connsiteY1" fmla="*/ 0 h 10000"/>
+              <a:gd name="connsiteX2" fmla="*/ 10000 w 10000"/>
+              <a:gd name="connsiteY2" fmla="*/ 0 h 10000"/>
+              <a:gd name="connsiteX3" fmla="*/ 8000 w 10000"/>
+              <a:gd name="connsiteY3" fmla="*/ 10000 h 10000"/>
+              <a:gd name="connsiteX4" fmla="*/ 0 w 10000"/>
+              <a:gd name="connsiteY4" fmla="*/ 10000 h 10000"/>
+              <a:gd name="connsiteX0" fmla="*/ 0 w 8000"/>
+              <a:gd name="connsiteY0" fmla="*/ 10000 h 10000"/>
+              <a:gd name="connsiteX1" fmla="*/ 2000 w 8000"/>
+              <a:gd name="connsiteY1" fmla="*/ 0 h 10000"/>
+              <a:gd name="connsiteX2" fmla="*/ 4142 w 8000"/>
+              <a:gd name="connsiteY2" fmla="*/ 153 h 10000"/>
+              <a:gd name="connsiteX3" fmla="*/ 8000 w 8000"/>
+              <a:gd name="connsiteY3" fmla="*/ 10000 h 10000"/>
+              <a:gd name="connsiteX4" fmla="*/ 0 w 8000"/>
+              <a:gd name="connsiteY4" fmla="*/ 10000 h 10000"/>
+              <a:gd name="connsiteX0" fmla="*/ 0 w 5414"/>
+              <a:gd name="connsiteY0" fmla="*/ 10000 h 10000"/>
+              <a:gd name="connsiteX1" fmla="*/ 2500 w 5414"/>
+              <a:gd name="connsiteY1" fmla="*/ 0 h 10000"/>
+              <a:gd name="connsiteX2" fmla="*/ 5178 w 5414"/>
+              <a:gd name="connsiteY2" fmla="*/ 153 h 10000"/>
+              <a:gd name="connsiteX3" fmla="*/ 5414 w 5414"/>
+              <a:gd name="connsiteY3" fmla="*/ 10000 h 10000"/>
+              <a:gd name="connsiteX4" fmla="*/ 0 w 5414"/>
+              <a:gd name="connsiteY4" fmla="*/ 10000 h 10000"/>
+              <a:gd name="connsiteX0" fmla="*/ 0 w 9609"/>
+              <a:gd name="connsiteY0" fmla="*/ 10000 h 10000"/>
+              <a:gd name="connsiteX1" fmla="*/ 4618 w 9609"/>
+              <a:gd name="connsiteY1" fmla="*/ 0 h 10000"/>
+              <a:gd name="connsiteX2" fmla="*/ 9564 w 9609"/>
+              <a:gd name="connsiteY2" fmla="*/ 153 h 10000"/>
+              <a:gd name="connsiteX3" fmla="*/ 9590 w 9609"/>
+              <a:gd name="connsiteY3" fmla="*/ 10000 h 10000"/>
+              <a:gd name="connsiteX4" fmla="*/ 0 w 9609"/>
+              <a:gd name="connsiteY4" fmla="*/ 10000 h 10000"/>
+              <a:gd name="connsiteX0" fmla="*/ 0 w 10193"/>
+              <a:gd name="connsiteY0" fmla="*/ 10000 h 10153"/>
+              <a:gd name="connsiteX1" fmla="*/ 4806 w 10193"/>
+              <a:gd name="connsiteY1" fmla="*/ 0 h 10153"/>
+              <a:gd name="connsiteX2" fmla="*/ 9953 w 10193"/>
+              <a:gd name="connsiteY2" fmla="*/ 153 h 10153"/>
+              <a:gd name="connsiteX3" fmla="*/ 10193 w 10193"/>
+              <a:gd name="connsiteY3" fmla="*/ 10153 h 10153"/>
+              <a:gd name="connsiteX4" fmla="*/ 0 w 10193"/>
+              <a:gd name="connsiteY4" fmla="*/ 10000 h 10153"/>
+              <a:gd name="connsiteX0" fmla="*/ 0 w 10213"/>
+              <a:gd name="connsiteY0" fmla="*/ 10000 h 10153"/>
+              <a:gd name="connsiteX1" fmla="*/ 4806 w 10213"/>
+              <a:gd name="connsiteY1" fmla="*/ 0 h 10153"/>
+              <a:gd name="connsiteX2" fmla="*/ 10166 w 10213"/>
+              <a:gd name="connsiteY2" fmla="*/ 153 h 10153"/>
+              <a:gd name="connsiteX3" fmla="*/ 10193 w 10213"/>
+              <a:gd name="connsiteY3" fmla="*/ 10153 h 10153"/>
+              <a:gd name="connsiteX4" fmla="*/ 0 w 10213"/>
+              <a:gd name="connsiteY4" fmla="*/ 10000 h 10153"/>
+              <a:gd name="connsiteX0" fmla="*/ 0 w 10341"/>
+              <a:gd name="connsiteY0" fmla="*/ 10000 h 10153"/>
+              <a:gd name="connsiteX1" fmla="*/ 4806 w 10341"/>
+              <a:gd name="connsiteY1" fmla="*/ 0 h 10153"/>
+              <a:gd name="connsiteX2" fmla="*/ 10308 w 10341"/>
+              <a:gd name="connsiteY2" fmla="*/ 0 h 10153"/>
+              <a:gd name="connsiteX3" fmla="*/ 10193 w 10341"/>
+              <a:gd name="connsiteY3" fmla="*/ 10153 h 10153"/>
+              <a:gd name="connsiteX4" fmla="*/ 0 w 10341"/>
+              <a:gd name="connsiteY4" fmla="*/ 10000 h 10153"/>
+              <a:gd name="connsiteX0" fmla="*/ 0 w 10406"/>
+              <a:gd name="connsiteY0" fmla="*/ 10000 h 10306"/>
+              <a:gd name="connsiteX1" fmla="*/ 4806 w 10406"/>
+              <a:gd name="connsiteY1" fmla="*/ 0 h 10306"/>
+              <a:gd name="connsiteX2" fmla="*/ 10308 w 10406"/>
+              <a:gd name="connsiteY2" fmla="*/ 0 h 10306"/>
+              <a:gd name="connsiteX3" fmla="*/ 10406 w 10406"/>
+              <a:gd name="connsiteY3" fmla="*/ 10306 h 10306"/>
+              <a:gd name="connsiteX4" fmla="*/ 0 w 10406"/>
+              <a:gd name="connsiteY4" fmla="*/ 10000 h 10306"/>
+              <a:gd name="connsiteX0" fmla="*/ 0 w 10761"/>
+              <a:gd name="connsiteY0" fmla="*/ 10458 h 10458"/>
+              <a:gd name="connsiteX1" fmla="*/ 5161 w 10761"/>
+              <a:gd name="connsiteY1" fmla="*/ 0 h 10458"/>
+              <a:gd name="connsiteX2" fmla="*/ 10663 w 10761"/>
+              <a:gd name="connsiteY2" fmla="*/ 0 h 10458"/>
+              <a:gd name="connsiteX3" fmla="*/ 10761 w 10761"/>
+              <a:gd name="connsiteY3" fmla="*/ 10306 h 10458"/>
+              <a:gd name="connsiteX4" fmla="*/ 0 w 10761"/>
+              <a:gd name="connsiteY4" fmla="*/ 10458 h 10458"/>
+            </a:gdLst>
+            <a:ahLst/>
+            <a:cxnLst>
+              <a:cxn ang="0">
+                <a:pos x="connsiteX0" y="connsiteY0"/>
+              </a:cxn>
+              <a:cxn ang="0">
+                <a:pos x="connsiteX1" y="connsiteY1"/>
+              </a:cxn>
+              <a:cxn ang="0">
+                <a:pos x="connsiteX2" y="connsiteY2"/>
+              </a:cxn>
+              <a:cxn ang="0">
+                <a:pos x="connsiteX3" y="connsiteY3"/>
+              </a:cxn>
+              <a:cxn ang="0">
+                <a:pos x="connsiteX4" y="connsiteY4"/>
+              </a:cxn>
+            </a:cxnLst>
+            <a:rect l="l" t="t" r="r" b="b"/>
+            <a:pathLst>
+              <a:path w="10761" h="10458">
+                <a:moveTo>
+                  <a:pt x="0" y="10458"/>
+                </a:moveTo>
+                <a:lnTo>
+                  <a:pt x="5161" y="0"/>
+                </a:lnTo>
+                <a:lnTo>
+                  <a:pt x="10663" y="0"/>
+                </a:lnTo>
+                <a:cubicBezTo>
+                  <a:pt x="10815" y="3282"/>
+                  <a:pt x="10609" y="7024"/>
+                  <a:pt x="10761" y="10306"/>
+                </a:cubicBezTo>
+                <a:lnTo>
+                  <a:pt x="0" y="10458"/>
+                </a:lnTo>
+                <a:close/>
+              </a:path>
+            </a:pathLst>
+          </a:custGeom>
+          <a:solidFill>
+            <a:schemeClr val="bg1"/>
+          </a:solidFill>
+          <a:ln w="19050">
+            <a:solidFill>
+              <a:schemeClr val="tx1"/>
+            </a:solidFill>
+          </a:ln>
+        </p:spPr>
+        <p:style>
+          <a:lnRef idx="2">
+            <a:schemeClr val="accent1">
+              <a:shade val="15000"/>
+            </a:schemeClr>
+          </a:lnRef>
+          <a:fillRef idx="1">
+            <a:schemeClr val="accent1"/>
+          </a:fillRef>
+          <a:effectRef idx="0">
+            <a:schemeClr val="accent1"/>
+          </a:effectRef>
+          <a:fontRef idx="minor">
+            <a:schemeClr val="lt1"/>
+          </a:fontRef>
+        </p:style>
+        <p:txBody>
+          <a:bodyPr rtlCol="0" anchor="ctr"/>
+          <a:lstStyle/>
+          <a:p>
+            <a:pPr algn="ctr"/>
+            <a:endParaRPr lang="en-US"/>
+          </a:p>
+        </p:txBody>
+      </p:sp>
+      <p:sp>
+        <p:nvSpPr>
+          <p:cNvPr id="9" name="TextBox 8">
+            <a:extLst>
+              <a:ext uri="{FF2B5EF4-FFF2-40B4-BE49-F238E27FC236}">
+                <a16:creationId xmlns:a16="http://schemas.microsoft.com/office/drawing/2014/main" id="{BC1C3125-C324-B538-CCED-0BFD16E49373}"/>
+              </a:ext>
+            </a:extLst>
+          </p:cNvPr>
+          <p:cNvSpPr txBox="1"/>
+          <p:nvPr/>
+        </p:nvSpPr>
+        <p:spPr>
+          <a:xfrm>
+            <a:off x="11520069" y="6287442"/>
+            <a:ext cx="557254" cy="584775"/>
+          </a:xfrm>
+          <a:prstGeom prst="rect">
+            <a:avLst/>
+          </a:prstGeom>
+          <a:noFill/>
+        </p:spPr>
+        <p:txBody>
+          <a:bodyPr wrap="square" rtlCol="0">
+            <a:spAutoFit/>
+          </a:bodyPr>
+          <a:lstStyle/>
+          <a:p>
+            <a:r>
+              <a:rPr lang="en-US" sz="3200" dirty="0">
+                <a:latin typeface="TH SarabunPSK" panose="020B0500040200020003" pitchFamily="34" charset="-34"/>
+                <a:cs typeface="TH SarabunPSK" panose="020B0500040200020003" pitchFamily="34" charset="-34"/>
+              </a:rPr>
+              <a:t>2</a:t>
+            </a:r>
+          </a:p>
+        </p:txBody>
+      </p:sp>
+      <p:sp>
+        <p:nvSpPr>
+          <p:cNvPr id="2" name="Title 1">
+            <a:extLst>
+              <a:ext uri="{FF2B5EF4-FFF2-40B4-BE49-F238E27FC236}">
+                <a16:creationId xmlns:a16="http://schemas.microsoft.com/office/drawing/2014/main" id="{662673A6-0CA7-DEC7-CBB6-730F741A7E09}"/>
+              </a:ext>
+            </a:extLst>
+          </p:cNvPr>
+          <p:cNvSpPr>
+            <a:spLocks noGrp="1"/>
+          </p:cNvSpPr>
+          <p:nvPr>
+            <p:ph type="title"/>
+          </p:nvPr>
+        </p:nvSpPr>
+        <p:spPr>
+          <a:xfrm>
+            <a:off x="838200" y="0"/>
+            <a:ext cx="10515600" cy="1325563"/>
+          </a:xfrm>
+        </p:spPr>
+        <p:txBody>
+          <a:bodyPr/>
+          <a:lstStyle/>
+          <a:p>
+            <a:r>
+              <a:rPr lang="en-US" dirty="0">
+                <a:latin typeface="TH SarabunPSK" panose="020B0500040200020003" pitchFamily="34" charset="-34"/>
+                <a:cs typeface="TH SarabunPSK" panose="020B0500040200020003" pitchFamily="34" charset="-34"/>
+              </a:rPr>
+              <a:t>PCA (Principal component Analysis)</a:t>
+            </a:r>
+          </a:p>
+        </p:txBody>
+      </p:sp>
+      <p:sp>
+        <p:nvSpPr>
+          <p:cNvPr id="3" name="Content Placeholder 2">
+            <a:extLst>
+              <a:ext uri="{FF2B5EF4-FFF2-40B4-BE49-F238E27FC236}">
+                <a16:creationId xmlns:a16="http://schemas.microsoft.com/office/drawing/2014/main" id="{259B9A1D-F049-FD19-75DE-30B1E573956E}"/>
+              </a:ext>
+            </a:extLst>
+          </p:cNvPr>
+          <p:cNvSpPr>
+            <a:spLocks noGrp="1"/>
+          </p:cNvSpPr>
+          <p:nvPr>
+            <p:ph idx="1"/>
+          </p:nvPr>
+        </p:nvSpPr>
+        <p:spPr>
+          <a:xfrm>
+            <a:off x="838200" y="4354110"/>
+            <a:ext cx="10515600" cy="1306036"/>
+          </a:xfrm>
+        </p:spPr>
+        <p:txBody>
+          <a:bodyPr>
+            <a:normAutofit/>
+          </a:bodyPr>
+          <a:lstStyle/>
+          <a:p>
+            <a:r>
+              <a:rPr lang="en-US" sz="2400" dirty="0">
+                <a:latin typeface="TH SarabunPSK" panose="020B0500040200020003" pitchFamily="34" charset="-34"/>
+                <a:cs typeface="TH SarabunPSK" panose="020B0500040200020003" pitchFamily="34" charset="-34"/>
+              </a:rPr>
+              <a:t>PCA </a:t>
+            </a:r>
+            <a:r>
+              <a:rPr lang="th-TH" sz="2400" dirty="0">
+                <a:latin typeface="TH SarabunPSK" panose="020B0500040200020003" pitchFamily="34" charset="-34"/>
+                <a:cs typeface="TH SarabunPSK" panose="020B0500040200020003" pitchFamily="34" charset="-34"/>
+              </a:rPr>
+              <a:t>คือ การหาแกนใหม่ที่สามารถอธิบายการกระจายตัวของข้อมูลได้ดีที่สุด </a:t>
+            </a:r>
+            <a:r>
+              <a:rPr lang="th-TH" sz="2400" b="0" i="0" dirty="0">
+                <a:effectLst/>
+                <a:latin typeface="TH SarabunPSK" panose="020B0500040200020003" pitchFamily="34" charset="-34"/>
+                <a:cs typeface="TH SarabunPSK" panose="020B0500040200020003" pitchFamily="34" charset="-34"/>
+              </a:rPr>
+              <a:t>เมื่อมี ตัวแปร ที่จะนำมาแสดงการกระจายของข้อมูลมากกว่า 2 ตัวแปร สามารถใช้ </a:t>
+            </a:r>
+            <a:r>
+              <a:rPr lang="en-US" sz="2400" b="0" i="0" dirty="0">
+                <a:effectLst/>
+                <a:latin typeface="TH SarabunPSK" panose="020B0500040200020003" pitchFamily="34" charset="-34"/>
+                <a:cs typeface="TH SarabunPSK" panose="020B0500040200020003" pitchFamily="34" charset="-34"/>
+              </a:rPr>
+              <a:t>PCA (Principle Component Analysis) </a:t>
+            </a:r>
+            <a:r>
+              <a:rPr lang="th-TH" sz="2400" b="0" i="0" dirty="0">
+                <a:effectLst/>
+                <a:latin typeface="TH SarabunPSK" panose="020B0500040200020003" pitchFamily="34" charset="-34"/>
+                <a:cs typeface="TH SarabunPSK" panose="020B0500040200020003" pitchFamily="34" charset="-34"/>
+              </a:rPr>
+              <a:t>เพื่อลดจำนวนตัวแปรลงมาได้โดยรักษาลักษณะการกระจายของข้อมูลได้มากที่สุด</a:t>
+            </a:r>
+            <a:endParaRPr lang="th-TH" sz="2400" dirty="0">
+              <a:latin typeface="TH SarabunPSK" panose="020B0500040200020003" pitchFamily="34" charset="-34"/>
+              <a:cs typeface="TH SarabunPSK" panose="020B0500040200020003" pitchFamily="34" charset="-34"/>
+            </a:endParaRPr>
+          </a:p>
+        </p:txBody>
+      </p:sp>
+      <p:pic>
+        <p:nvPicPr>
+          <p:cNvPr id="6" name="Picture 5" descr="A graph with red and blue dots&#10;&#10;Description automatically generated">
+            <a:extLst>
+              <a:ext uri="{FF2B5EF4-FFF2-40B4-BE49-F238E27FC236}">
+                <a16:creationId xmlns:a16="http://schemas.microsoft.com/office/drawing/2014/main" id="{EE212867-124A-6CF2-60CE-A53016EEA746}"/>
+              </a:ext>
+            </a:extLst>
+          </p:cNvPr>
+          <p:cNvPicPr>
+            <a:picLocks noChangeAspect="1"/>
+          </p:cNvPicPr>
+          <p:nvPr/>
+        </p:nvPicPr>
+        <p:blipFill>
+          <a:blip r:embed="rId4">
+            <a:extLst>
+              <a:ext uri="{28A0092B-C50C-407E-A947-70E740481C1C}">
+                <a14:useLocalDpi xmlns:a14="http://schemas.microsoft.com/office/drawing/2010/main" val="0"/>
+              </a:ext>
+            </a:extLst>
+          </a:blip>
+          <a:stretch>
+            <a:fillRect/>
+          </a:stretch>
+        </p:blipFill>
+        <p:spPr>
+          <a:xfrm>
+            <a:off x="2635610" y="1325563"/>
+            <a:ext cx="6920779" cy="2768311"/>
           </a:xfrm>
           <a:prstGeom prst="rect">
             <a:avLst/>
@@ -5381,7 +7915,7 @@
     </p:spTree>
     <p:extLst>
       <p:ext uri="{BB962C8B-B14F-4D97-AF65-F5344CB8AC3E}">
-        <p14:creationId xmlns:p14="http://schemas.microsoft.com/office/powerpoint/2010/main" val="3707991958"/>
+        <p14:creationId xmlns:p14="http://schemas.microsoft.com/office/powerpoint/2010/main" val="686005756"/>
       </p:ext>
     </p:extLst>
   </p:cSld>
@@ -5410,6 +7944,377 @@
       </p:grpSpPr>
       <p:sp>
         <p:nvSpPr>
+          <p:cNvPr id="4" name="Rectangle 3">
+            <a:extLst>
+              <a:ext uri="{FF2B5EF4-FFF2-40B4-BE49-F238E27FC236}">
+                <a16:creationId xmlns:a16="http://schemas.microsoft.com/office/drawing/2014/main" id="{CEE76123-475C-45C4-F83C-0C4131BF59B6}"/>
+              </a:ext>
+            </a:extLst>
+          </p:cNvPr>
+          <p:cNvSpPr/>
+          <p:nvPr/>
+        </p:nvSpPr>
+        <p:spPr>
+          <a:xfrm>
+            <a:off x="0" y="5840991"/>
+            <a:ext cx="12192000" cy="1017009"/>
+          </a:xfrm>
+          <a:prstGeom prst="rect">
+            <a:avLst/>
+          </a:prstGeom>
+          <a:solidFill>
+            <a:srgbClr val="CCCCFF"/>
+          </a:solidFill>
+          <a:ln>
+            <a:solidFill>
+              <a:srgbClr val="CCCCFF"/>
+            </a:solidFill>
+          </a:ln>
+        </p:spPr>
+        <p:style>
+          <a:lnRef idx="2">
+            <a:schemeClr val="accent1">
+              <a:shade val="15000"/>
+            </a:schemeClr>
+          </a:lnRef>
+          <a:fillRef idx="1">
+            <a:schemeClr val="accent1"/>
+          </a:fillRef>
+          <a:effectRef idx="0">
+            <a:schemeClr val="accent1"/>
+          </a:effectRef>
+          <a:fontRef idx="minor">
+            <a:schemeClr val="lt1"/>
+          </a:fontRef>
+        </p:style>
+        <p:txBody>
+          <a:bodyPr rtlCol="0" anchor="ctr"/>
+          <a:lstStyle/>
+          <a:p>
+            <a:pPr algn="ctr"/>
+            <a:endParaRPr lang="en-US"/>
+          </a:p>
+        </p:txBody>
+      </p:sp>
+      <p:sp>
+        <p:nvSpPr>
+          <p:cNvPr id="5" name="Rectangle 4">
+            <a:extLst>
+              <a:ext uri="{FF2B5EF4-FFF2-40B4-BE49-F238E27FC236}">
+                <a16:creationId xmlns:a16="http://schemas.microsoft.com/office/drawing/2014/main" id="{DE5B7B95-AFE5-D797-8586-A435F15691BA}"/>
+              </a:ext>
+            </a:extLst>
+          </p:cNvPr>
+          <p:cNvSpPr/>
+          <p:nvPr/>
+        </p:nvSpPr>
+        <p:spPr>
+          <a:xfrm>
+            <a:off x="0" y="0"/>
+            <a:ext cx="12192000" cy="1136342"/>
+          </a:xfrm>
+          <a:prstGeom prst="rect">
+            <a:avLst/>
+          </a:prstGeom>
+          <a:solidFill>
+            <a:srgbClr val="CCCCFF"/>
+          </a:solidFill>
+          <a:ln>
+            <a:solidFill>
+              <a:srgbClr val="CCCCFF"/>
+            </a:solidFill>
+          </a:ln>
+        </p:spPr>
+        <p:style>
+          <a:lnRef idx="2">
+            <a:schemeClr val="accent1">
+              <a:shade val="15000"/>
+            </a:schemeClr>
+          </a:lnRef>
+          <a:fillRef idx="1">
+            <a:schemeClr val="accent1"/>
+          </a:fillRef>
+          <a:effectRef idx="0">
+            <a:schemeClr val="accent1"/>
+          </a:effectRef>
+          <a:fontRef idx="minor">
+            <a:schemeClr val="lt1"/>
+          </a:fontRef>
+        </p:style>
+        <p:txBody>
+          <a:bodyPr rtlCol="0" anchor="ctr"/>
+          <a:lstStyle/>
+          <a:p>
+            <a:pPr algn="ctr"/>
+            <a:endParaRPr lang="en-US" dirty="0">
+              <a:noFill/>
+            </a:endParaRPr>
+          </a:p>
+        </p:txBody>
+      </p:sp>
+      <p:pic>
+        <p:nvPicPr>
+          <p:cNvPr id="6" name="Picture 5" descr="A black and white logo&#10;&#10;Description automatically generated">
+            <a:extLst>
+              <a:ext uri="{FF2B5EF4-FFF2-40B4-BE49-F238E27FC236}">
+                <a16:creationId xmlns:a16="http://schemas.microsoft.com/office/drawing/2014/main" id="{0ECC4853-CDCF-1933-B80F-C3FFD7758F4F}"/>
+              </a:ext>
+            </a:extLst>
+          </p:cNvPr>
+          <p:cNvPicPr>
+            <a:picLocks noChangeAspect="1"/>
+          </p:cNvPicPr>
+          <p:nvPr/>
+        </p:nvPicPr>
+        <p:blipFill>
+          <a:blip r:embed="rId2">
+            <a:extLst>
+              <a:ext uri="{28A0092B-C50C-407E-A947-70E740481C1C}">
+                <a14:useLocalDpi xmlns:a14="http://schemas.microsoft.com/office/drawing/2010/main" val="0"/>
+              </a:ext>
+            </a:extLst>
+          </a:blip>
+          <a:stretch>
+            <a:fillRect/>
+          </a:stretch>
+        </p:blipFill>
+        <p:spPr>
+          <a:xfrm>
+            <a:off x="11051882" y="119333"/>
+            <a:ext cx="1093483" cy="1017009"/>
+          </a:xfrm>
+          <a:prstGeom prst="rect">
+            <a:avLst/>
+          </a:prstGeom>
+        </p:spPr>
+      </p:pic>
+      <p:sp>
+        <p:nvSpPr>
+          <p:cNvPr id="7" name="Flowchart: Data 2">
+            <a:extLst>
+              <a:ext uri="{FF2B5EF4-FFF2-40B4-BE49-F238E27FC236}">
+                <a16:creationId xmlns:a16="http://schemas.microsoft.com/office/drawing/2014/main" id="{950EB9A0-4E5A-19B2-BABE-A3B5B8E4569C}"/>
+              </a:ext>
+            </a:extLst>
+          </p:cNvPr>
+          <p:cNvSpPr/>
+          <p:nvPr/>
+        </p:nvSpPr>
+        <p:spPr>
+          <a:xfrm>
+            <a:off x="10848138" y="6264097"/>
+            <a:ext cx="1343862" cy="608120"/>
+          </a:xfrm>
+          <a:custGeom>
+            <a:avLst/>
+            <a:gdLst>
+              <a:gd name="connsiteX0" fmla="*/ 0 w 10000"/>
+              <a:gd name="connsiteY0" fmla="*/ 10000 h 10000"/>
+              <a:gd name="connsiteX1" fmla="*/ 2000 w 10000"/>
+              <a:gd name="connsiteY1" fmla="*/ 0 h 10000"/>
+              <a:gd name="connsiteX2" fmla="*/ 10000 w 10000"/>
+              <a:gd name="connsiteY2" fmla="*/ 0 h 10000"/>
+              <a:gd name="connsiteX3" fmla="*/ 8000 w 10000"/>
+              <a:gd name="connsiteY3" fmla="*/ 10000 h 10000"/>
+              <a:gd name="connsiteX4" fmla="*/ 0 w 10000"/>
+              <a:gd name="connsiteY4" fmla="*/ 10000 h 10000"/>
+              <a:gd name="connsiteX0" fmla="*/ 0 w 8000"/>
+              <a:gd name="connsiteY0" fmla="*/ 10000 h 10000"/>
+              <a:gd name="connsiteX1" fmla="*/ 2000 w 8000"/>
+              <a:gd name="connsiteY1" fmla="*/ 0 h 10000"/>
+              <a:gd name="connsiteX2" fmla="*/ 4142 w 8000"/>
+              <a:gd name="connsiteY2" fmla="*/ 153 h 10000"/>
+              <a:gd name="connsiteX3" fmla="*/ 8000 w 8000"/>
+              <a:gd name="connsiteY3" fmla="*/ 10000 h 10000"/>
+              <a:gd name="connsiteX4" fmla="*/ 0 w 8000"/>
+              <a:gd name="connsiteY4" fmla="*/ 10000 h 10000"/>
+              <a:gd name="connsiteX0" fmla="*/ 0 w 5414"/>
+              <a:gd name="connsiteY0" fmla="*/ 10000 h 10000"/>
+              <a:gd name="connsiteX1" fmla="*/ 2500 w 5414"/>
+              <a:gd name="connsiteY1" fmla="*/ 0 h 10000"/>
+              <a:gd name="connsiteX2" fmla="*/ 5178 w 5414"/>
+              <a:gd name="connsiteY2" fmla="*/ 153 h 10000"/>
+              <a:gd name="connsiteX3" fmla="*/ 5414 w 5414"/>
+              <a:gd name="connsiteY3" fmla="*/ 10000 h 10000"/>
+              <a:gd name="connsiteX4" fmla="*/ 0 w 5414"/>
+              <a:gd name="connsiteY4" fmla="*/ 10000 h 10000"/>
+              <a:gd name="connsiteX0" fmla="*/ 0 w 9609"/>
+              <a:gd name="connsiteY0" fmla="*/ 10000 h 10000"/>
+              <a:gd name="connsiteX1" fmla="*/ 4618 w 9609"/>
+              <a:gd name="connsiteY1" fmla="*/ 0 h 10000"/>
+              <a:gd name="connsiteX2" fmla="*/ 9564 w 9609"/>
+              <a:gd name="connsiteY2" fmla="*/ 153 h 10000"/>
+              <a:gd name="connsiteX3" fmla="*/ 9590 w 9609"/>
+              <a:gd name="connsiteY3" fmla="*/ 10000 h 10000"/>
+              <a:gd name="connsiteX4" fmla="*/ 0 w 9609"/>
+              <a:gd name="connsiteY4" fmla="*/ 10000 h 10000"/>
+              <a:gd name="connsiteX0" fmla="*/ 0 w 10193"/>
+              <a:gd name="connsiteY0" fmla="*/ 10000 h 10153"/>
+              <a:gd name="connsiteX1" fmla="*/ 4806 w 10193"/>
+              <a:gd name="connsiteY1" fmla="*/ 0 h 10153"/>
+              <a:gd name="connsiteX2" fmla="*/ 9953 w 10193"/>
+              <a:gd name="connsiteY2" fmla="*/ 153 h 10153"/>
+              <a:gd name="connsiteX3" fmla="*/ 10193 w 10193"/>
+              <a:gd name="connsiteY3" fmla="*/ 10153 h 10153"/>
+              <a:gd name="connsiteX4" fmla="*/ 0 w 10193"/>
+              <a:gd name="connsiteY4" fmla="*/ 10000 h 10153"/>
+              <a:gd name="connsiteX0" fmla="*/ 0 w 10213"/>
+              <a:gd name="connsiteY0" fmla="*/ 10000 h 10153"/>
+              <a:gd name="connsiteX1" fmla="*/ 4806 w 10213"/>
+              <a:gd name="connsiteY1" fmla="*/ 0 h 10153"/>
+              <a:gd name="connsiteX2" fmla="*/ 10166 w 10213"/>
+              <a:gd name="connsiteY2" fmla="*/ 153 h 10153"/>
+              <a:gd name="connsiteX3" fmla="*/ 10193 w 10213"/>
+              <a:gd name="connsiteY3" fmla="*/ 10153 h 10153"/>
+              <a:gd name="connsiteX4" fmla="*/ 0 w 10213"/>
+              <a:gd name="connsiteY4" fmla="*/ 10000 h 10153"/>
+              <a:gd name="connsiteX0" fmla="*/ 0 w 10341"/>
+              <a:gd name="connsiteY0" fmla="*/ 10000 h 10153"/>
+              <a:gd name="connsiteX1" fmla="*/ 4806 w 10341"/>
+              <a:gd name="connsiteY1" fmla="*/ 0 h 10153"/>
+              <a:gd name="connsiteX2" fmla="*/ 10308 w 10341"/>
+              <a:gd name="connsiteY2" fmla="*/ 0 h 10153"/>
+              <a:gd name="connsiteX3" fmla="*/ 10193 w 10341"/>
+              <a:gd name="connsiteY3" fmla="*/ 10153 h 10153"/>
+              <a:gd name="connsiteX4" fmla="*/ 0 w 10341"/>
+              <a:gd name="connsiteY4" fmla="*/ 10000 h 10153"/>
+              <a:gd name="connsiteX0" fmla="*/ 0 w 10406"/>
+              <a:gd name="connsiteY0" fmla="*/ 10000 h 10306"/>
+              <a:gd name="connsiteX1" fmla="*/ 4806 w 10406"/>
+              <a:gd name="connsiteY1" fmla="*/ 0 h 10306"/>
+              <a:gd name="connsiteX2" fmla="*/ 10308 w 10406"/>
+              <a:gd name="connsiteY2" fmla="*/ 0 h 10306"/>
+              <a:gd name="connsiteX3" fmla="*/ 10406 w 10406"/>
+              <a:gd name="connsiteY3" fmla="*/ 10306 h 10306"/>
+              <a:gd name="connsiteX4" fmla="*/ 0 w 10406"/>
+              <a:gd name="connsiteY4" fmla="*/ 10000 h 10306"/>
+              <a:gd name="connsiteX0" fmla="*/ 0 w 10761"/>
+              <a:gd name="connsiteY0" fmla="*/ 10458 h 10458"/>
+              <a:gd name="connsiteX1" fmla="*/ 5161 w 10761"/>
+              <a:gd name="connsiteY1" fmla="*/ 0 h 10458"/>
+              <a:gd name="connsiteX2" fmla="*/ 10663 w 10761"/>
+              <a:gd name="connsiteY2" fmla="*/ 0 h 10458"/>
+              <a:gd name="connsiteX3" fmla="*/ 10761 w 10761"/>
+              <a:gd name="connsiteY3" fmla="*/ 10306 h 10458"/>
+              <a:gd name="connsiteX4" fmla="*/ 0 w 10761"/>
+              <a:gd name="connsiteY4" fmla="*/ 10458 h 10458"/>
+            </a:gdLst>
+            <a:ahLst/>
+            <a:cxnLst>
+              <a:cxn ang="0">
+                <a:pos x="connsiteX0" y="connsiteY0"/>
+              </a:cxn>
+              <a:cxn ang="0">
+                <a:pos x="connsiteX1" y="connsiteY1"/>
+              </a:cxn>
+              <a:cxn ang="0">
+                <a:pos x="connsiteX2" y="connsiteY2"/>
+              </a:cxn>
+              <a:cxn ang="0">
+                <a:pos x="connsiteX3" y="connsiteY3"/>
+              </a:cxn>
+              <a:cxn ang="0">
+                <a:pos x="connsiteX4" y="connsiteY4"/>
+              </a:cxn>
+            </a:cxnLst>
+            <a:rect l="l" t="t" r="r" b="b"/>
+            <a:pathLst>
+              <a:path w="10761" h="10458">
+                <a:moveTo>
+                  <a:pt x="0" y="10458"/>
+                </a:moveTo>
+                <a:lnTo>
+                  <a:pt x="5161" y="0"/>
+                </a:lnTo>
+                <a:lnTo>
+                  <a:pt x="10663" y="0"/>
+                </a:lnTo>
+                <a:cubicBezTo>
+                  <a:pt x="10815" y="3282"/>
+                  <a:pt x="10609" y="7024"/>
+                  <a:pt x="10761" y="10306"/>
+                </a:cubicBezTo>
+                <a:lnTo>
+                  <a:pt x="0" y="10458"/>
+                </a:lnTo>
+                <a:close/>
+              </a:path>
+            </a:pathLst>
+          </a:custGeom>
+          <a:solidFill>
+            <a:schemeClr val="bg1"/>
+          </a:solidFill>
+          <a:ln w="19050">
+            <a:solidFill>
+              <a:schemeClr val="tx1"/>
+            </a:solidFill>
+          </a:ln>
+        </p:spPr>
+        <p:style>
+          <a:lnRef idx="2">
+            <a:schemeClr val="accent1">
+              <a:shade val="15000"/>
+            </a:schemeClr>
+          </a:lnRef>
+          <a:fillRef idx="1">
+            <a:schemeClr val="accent1"/>
+          </a:fillRef>
+          <a:effectRef idx="0">
+            <a:schemeClr val="accent1"/>
+          </a:effectRef>
+          <a:fontRef idx="minor">
+            <a:schemeClr val="lt1"/>
+          </a:fontRef>
+        </p:style>
+        <p:txBody>
+          <a:bodyPr rtlCol="0" anchor="ctr"/>
+          <a:lstStyle/>
+          <a:p>
+            <a:pPr algn="ctr"/>
+            <a:endParaRPr lang="en-US"/>
+          </a:p>
+        </p:txBody>
+      </p:sp>
+      <p:sp>
+        <p:nvSpPr>
+          <p:cNvPr id="8" name="TextBox 7">
+            <a:extLst>
+              <a:ext uri="{FF2B5EF4-FFF2-40B4-BE49-F238E27FC236}">
+                <a16:creationId xmlns:a16="http://schemas.microsoft.com/office/drawing/2014/main" id="{84047A8D-4F2E-425A-91A6-0CBD26DFC6B1}"/>
+              </a:ext>
+            </a:extLst>
+          </p:cNvPr>
+          <p:cNvSpPr txBox="1"/>
+          <p:nvPr/>
+        </p:nvSpPr>
+        <p:spPr>
+          <a:xfrm>
+            <a:off x="11520069" y="6287442"/>
+            <a:ext cx="557254" cy="584775"/>
+          </a:xfrm>
+          <a:prstGeom prst="rect">
+            <a:avLst/>
+          </a:prstGeom>
+          <a:noFill/>
+        </p:spPr>
+        <p:txBody>
+          <a:bodyPr wrap="square" rtlCol="0">
+            <a:spAutoFit/>
+          </a:bodyPr>
+          <a:lstStyle/>
+          <a:p>
+            <a:r>
+              <a:rPr lang="en-US" sz="3200" dirty="0">
+                <a:latin typeface="TH SarabunPSK" panose="020B0500040200020003" pitchFamily="34" charset="-34"/>
+                <a:cs typeface="TH SarabunPSK" panose="020B0500040200020003" pitchFamily="34" charset="-34"/>
+              </a:rPr>
+              <a:t>3</a:t>
+            </a:r>
+          </a:p>
+        </p:txBody>
+      </p:sp>
+      <p:sp>
+        <p:nvSpPr>
           <p:cNvPr id="2" name="Title 1">
             <a:extLst>
               <a:ext uri="{FF2B5EF4-FFF2-40B4-BE49-F238E27FC236}">
@@ -5424,27 +8329,42 @@
             <p:ph type="title"/>
           </p:nvPr>
         </p:nvSpPr>
-        <p:spPr/>
+        <p:spPr>
+          <a:xfrm>
+            <a:off x="838200" y="0"/>
+            <a:ext cx="10515600" cy="1325563"/>
+          </a:xfrm>
+        </p:spPr>
         <p:txBody>
           <a:bodyPr/>
           <a:lstStyle/>
           <a:p>
             <a:r>
-              <a:rPr lang="en-US" dirty="0" err="1"/>
+              <a:rPr lang="en-US" dirty="0" err="1">
+                <a:latin typeface="TH SarabunPSK" panose="020B0500040200020003" pitchFamily="34" charset="-34"/>
+                <a:cs typeface="TH SarabunPSK" panose="020B0500040200020003" pitchFamily="34" charset="-34"/>
+              </a:rPr>
               <a:t>sklearn</a:t>
             </a:r>
             <a:r>
-              <a:rPr lang="en-US" dirty="0"/>
+              <a:rPr lang="en-US" dirty="0">
+                <a:latin typeface="TH SarabunPSK" panose="020B0500040200020003" pitchFamily="34" charset="-34"/>
+                <a:cs typeface="TH SarabunPSK" panose="020B0500040200020003" pitchFamily="34" charset="-34"/>
+              </a:rPr>
               <a:t> </a:t>
             </a:r>
             <a:r>
               <a:rPr lang="en-US" b="0" i="0" dirty="0">
                 <a:effectLst/>
-                <a:latin typeface="system-ui"/>
+                <a:latin typeface="TH SarabunPSK" panose="020B0500040200020003" pitchFamily="34" charset="-34"/>
+                <a:cs typeface="TH SarabunPSK" panose="020B0500040200020003" pitchFamily="34" charset="-34"/>
               </a:rPr>
               <a:t> -&gt; scikit-learn</a:t>
             </a:r>
-            <a:endParaRPr lang="en-US" dirty="0"/>
+            <a:endParaRPr lang="en-US" dirty="0">
+              <a:latin typeface="TH SarabunPSK" panose="020B0500040200020003" pitchFamily="34" charset="-34"/>
+              <a:cs typeface="TH SarabunPSK" panose="020B0500040200020003" pitchFamily="34" charset="-34"/>
+            </a:endParaRPr>
           </a:p>
         </p:txBody>
       </p:sp>
@@ -5470,104 +8390,123 @@
           <a:lstStyle/>
           <a:p>
             <a:r>
-              <a:rPr lang="en-US" sz="2000" b="0" i="0" dirty="0">
-                <a:effectLst/>
-                <a:latin typeface="system-ui"/>
-                <a:hlinkClick r:id="rId2"/>
+              <a:rPr lang="en-US" sz="2400" b="0" i="0" dirty="0">
+                <a:effectLst/>
+                <a:latin typeface="TH SarabunPSK" panose="020B0500040200020003" pitchFamily="34" charset="-34"/>
+                <a:cs typeface="TH SarabunPSK" panose="020B0500040200020003" pitchFamily="34" charset="-34"/>
+                <a:hlinkClick r:id="rId3"/>
               </a:rPr>
               <a:t>https://scikit-learn.org/stable/modules/generated/sklearn.decomposition.PCA.html</a:t>
             </a:r>
-            <a:endParaRPr lang="en-US" b="0" i="0" dirty="0">
+            <a:endParaRPr lang="en-US" sz="2400" b="0" i="0" dirty="0">
               <a:effectLst/>
-              <a:latin typeface="system-ui"/>
+              <a:latin typeface="TH SarabunPSK" panose="020B0500040200020003" pitchFamily="34" charset="-34"/>
+              <a:cs typeface="TH SarabunPSK" panose="020B0500040200020003" pitchFamily="34" charset="-34"/>
             </a:endParaRPr>
           </a:p>
           <a:p>
             <a:r>
-              <a:rPr lang="th-TH" b="0" i="0" dirty="0">
-                <a:effectLst/>
-                <a:latin typeface="system-ui"/>
+              <a:rPr lang="th-TH" sz="2400" b="0" i="0" dirty="0">
+                <a:effectLst/>
+                <a:latin typeface="TH SarabunPSK" panose="020B0500040200020003" pitchFamily="34" charset="-34"/>
+                <a:cs typeface="TH SarabunPSK" panose="020B0500040200020003" pitchFamily="34" charset="-34"/>
               </a:rPr>
               <a:t>เป็น </a:t>
             </a:r>
             <a:r>
-              <a:rPr lang="en-US" b="0" i="0" dirty="0">
-                <a:effectLst/>
-                <a:latin typeface="system-ui"/>
+              <a:rPr lang="en-US" sz="2400" b="0" i="0" dirty="0">
+                <a:effectLst/>
+                <a:latin typeface="TH SarabunPSK" panose="020B0500040200020003" pitchFamily="34" charset="-34"/>
+                <a:cs typeface="TH SarabunPSK" panose="020B0500040200020003" pitchFamily="34" charset="-34"/>
               </a:rPr>
               <a:t>package </a:t>
             </a:r>
             <a:r>
-              <a:rPr lang="th-TH" b="0" i="0" dirty="0">
-                <a:effectLst/>
-                <a:latin typeface="system-ui"/>
+              <a:rPr lang="th-TH" sz="2400" b="0" i="0" dirty="0">
+                <a:effectLst/>
+                <a:latin typeface="TH SarabunPSK" panose="020B0500040200020003" pitchFamily="34" charset="-34"/>
+                <a:cs typeface="TH SarabunPSK" panose="020B0500040200020003" pitchFamily="34" charset="-34"/>
               </a:rPr>
               <a:t>ที่รวบรวม </a:t>
             </a:r>
             <a:r>
-              <a:rPr lang="en-US" b="0" i="0" dirty="0">
-                <a:effectLst/>
-                <a:latin typeface="system-ui"/>
+              <a:rPr lang="en-US" sz="2400" b="0" i="0" dirty="0">
+                <a:effectLst/>
+                <a:latin typeface="TH SarabunPSK" panose="020B0500040200020003" pitchFamily="34" charset="-34"/>
+                <a:cs typeface="TH SarabunPSK" panose="020B0500040200020003" pitchFamily="34" charset="-34"/>
               </a:rPr>
               <a:t>function </a:t>
             </a:r>
             <a:r>
-              <a:rPr lang="th-TH" b="0" i="0" dirty="0">
-                <a:effectLst/>
-                <a:latin typeface="system-ui"/>
+              <a:rPr lang="th-TH" sz="2400" b="0" i="0" dirty="0">
+                <a:effectLst/>
+                <a:latin typeface="TH SarabunPSK" panose="020B0500040200020003" pitchFamily="34" charset="-34"/>
+                <a:cs typeface="TH SarabunPSK" panose="020B0500040200020003" pitchFamily="34" charset="-34"/>
               </a:rPr>
               <a:t>การทำ </a:t>
             </a:r>
             <a:r>
-              <a:rPr lang="en-US" b="0" i="0" dirty="0">
-                <a:effectLst/>
-                <a:latin typeface="system-ui"/>
+              <a:rPr lang="en-US" sz="2400" b="0" i="0" dirty="0">
+                <a:effectLst/>
+                <a:latin typeface="TH SarabunPSK" panose="020B0500040200020003" pitchFamily="34" charset="-34"/>
+                <a:cs typeface="TH SarabunPSK" panose="020B0500040200020003" pitchFamily="34" charset="-34"/>
               </a:rPr>
               <a:t>Data Science - Machine Learning - Data Mining </a:t>
             </a:r>
             <a:r>
-              <a:rPr lang="th-TH" b="0" i="0" dirty="0">
-                <a:effectLst/>
-                <a:latin typeface="system-ui"/>
+              <a:rPr lang="th-TH" sz="2400" b="0" i="0" dirty="0">
+                <a:effectLst/>
+                <a:latin typeface="TH SarabunPSK" panose="020B0500040200020003" pitchFamily="34" charset="-34"/>
+                <a:cs typeface="TH SarabunPSK" panose="020B0500040200020003" pitchFamily="34" charset="-34"/>
               </a:rPr>
               <a:t>เอาไว้ใช้งานแบบไม่ต้องเขียนเอง</a:t>
             </a:r>
-            <a:endParaRPr lang="en-US" b="0" i="0" dirty="0">
+            <a:endParaRPr lang="en-US" sz="2400" b="0" i="0" dirty="0">
               <a:effectLst/>
-              <a:latin typeface="system-ui"/>
+              <a:latin typeface="TH SarabunPSK" panose="020B0500040200020003" pitchFamily="34" charset="-34"/>
+              <a:cs typeface="TH SarabunPSK" panose="020B0500040200020003" pitchFamily="34" charset="-34"/>
             </a:endParaRPr>
           </a:p>
           <a:p>
             <a:r>
-              <a:rPr lang="th-TH" dirty="0">
-                <a:latin typeface="system-ui"/>
+              <a:rPr lang="th-TH" sz="2400" dirty="0">
+                <a:latin typeface="TH SarabunPSK" panose="020B0500040200020003" pitchFamily="34" charset="-34"/>
+                <a:cs typeface="TH SarabunPSK" panose="020B0500040200020003" pitchFamily="34" charset="-34"/>
               </a:rPr>
               <a:t>การใช้งาน </a:t>
             </a:r>
             <a:r>
-              <a:rPr lang="en-US" dirty="0">
-                <a:latin typeface="system-ui"/>
+              <a:rPr lang="en-US" sz="2400" dirty="0">
+                <a:latin typeface="TH SarabunPSK" panose="020B0500040200020003" pitchFamily="34" charset="-34"/>
+                <a:cs typeface="TH SarabunPSK" panose="020B0500040200020003" pitchFamily="34" charset="-34"/>
               </a:rPr>
               <a:t>import PCA </a:t>
             </a:r>
             <a:r>
-              <a:rPr lang="th-TH" dirty="0">
-                <a:latin typeface="system-ui"/>
+              <a:rPr lang="th-TH" sz="2400" dirty="0">
+                <a:latin typeface="TH SarabunPSK" panose="020B0500040200020003" pitchFamily="34" charset="-34"/>
+                <a:cs typeface="TH SarabunPSK" panose="020B0500040200020003" pitchFamily="34" charset="-34"/>
               </a:rPr>
               <a:t>ของ </a:t>
             </a:r>
             <a:r>
-              <a:rPr lang="en-US" dirty="0" err="1"/>
+              <a:rPr lang="en-US" sz="2400" dirty="0" err="1">
+                <a:latin typeface="TH SarabunPSK" panose="020B0500040200020003" pitchFamily="34" charset="-34"/>
+                <a:cs typeface="TH SarabunPSK" panose="020B0500040200020003" pitchFamily="34" charset="-34"/>
+              </a:rPr>
               <a:t>sklearn</a:t>
             </a:r>
             <a:r>
-              <a:rPr lang="th-TH" dirty="0"/>
+              <a:rPr lang="th-TH" sz="2400" dirty="0">
+                <a:latin typeface="TH SarabunPSK" panose="020B0500040200020003" pitchFamily="34" charset="-34"/>
+                <a:cs typeface="TH SarabunPSK" panose="020B0500040200020003" pitchFamily="34" charset="-34"/>
+              </a:rPr>
               <a:t> </a:t>
             </a:r>
           </a:p>
           <a:p>
             <a:r>
-              <a:rPr lang="en-US" b="0" i="0" dirty="0">
+              <a:rPr lang="en-US" sz="1800" b="0" i="0" dirty="0">
                 <a:solidFill>
                   <a:srgbClr val="7928A1"/>
                 </a:solidFill>
@@ -5577,7 +8516,7 @@
               <a:t>from</a:t>
             </a:r>
             <a:r>
-              <a:rPr lang="en-US" b="0" i="0" dirty="0">
+              <a:rPr lang="en-US" sz="1800" b="0" i="0" dirty="0">
                 <a:solidFill>
                   <a:srgbClr val="545454"/>
                 </a:solidFill>
@@ -5587,7 +8526,7 @@
               <a:t> </a:t>
             </a:r>
             <a:r>
-              <a:rPr lang="en-US" b="0" i="0" dirty="0" err="1">
+              <a:rPr lang="en-US" sz="1800" b="0" i="0" dirty="0" err="1">
                 <a:solidFill>
                   <a:srgbClr val="545454"/>
                 </a:solidFill>
@@ -5597,7 +8536,7 @@
               <a:t>sklearn.decomposition</a:t>
             </a:r>
             <a:r>
-              <a:rPr lang="en-US" b="0" i="0" dirty="0">
+              <a:rPr lang="en-US" sz="1800" b="0" i="0" dirty="0">
                 <a:solidFill>
                   <a:srgbClr val="545454"/>
                 </a:solidFill>
@@ -5607,7 +8546,7 @@
               <a:t> </a:t>
             </a:r>
             <a:r>
-              <a:rPr lang="en-US" b="0" i="0" dirty="0">
+              <a:rPr lang="en-US" sz="1800" b="0" i="0" dirty="0">
                 <a:solidFill>
                   <a:srgbClr val="7928A1"/>
                 </a:solidFill>
@@ -5617,7 +8556,7 @@
               <a:t>import</a:t>
             </a:r>
             <a:r>
-              <a:rPr lang="en-US" b="0" i="0" dirty="0">
+              <a:rPr lang="en-US" sz="1800" b="0" i="0" dirty="0">
                 <a:solidFill>
                   <a:srgbClr val="545454"/>
                 </a:solidFill>
@@ -5626,7 +8565,7 @@
               </a:rPr>
               <a:t> PCA</a:t>
             </a:r>
-            <a:endParaRPr lang="en-US" dirty="0">
+            <a:endParaRPr lang="en-US" sz="1800" dirty="0">
               <a:latin typeface="system-ui"/>
             </a:endParaRPr>
           </a:p>
@@ -5635,7 +8574,7 @@
     </p:spTree>
     <p:extLst>
       <p:ext uri="{BB962C8B-B14F-4D97-AF65-F5344CB8AC3E}">
-        <p14:creationId xmlns:p14="http://schemas.microsoft.com/office/powerpoint/2010/main" val="2609315980"/>
+        <p14:creationId xmlns:p14="http://schemas.microsoft.com/office/powerpoint/2010/main" val="1526733041"/>
       </p:ext>
     </p:extLst>
   </p:cSld>
@@ -5664,6 +8603,377 @@
       </p:grpSpPr>
       <p:sp>
         <p:nvSpPr>
+          <p:cNvPr id="4" name="Rectangle 3">
+            <a:extLst>
+              <a:ext uri="{FF2B5EF4-FFF2-40B4-BE49-F238E27FC236}">
+                <a16:creationId xmlns:a16="http://schemas.microsoft.com/office/drawing/2014/main" id="{0BE5603C-5EF8-B878-C3A4-70ECCF4B11C6}"/>
+              </a:ext>
+            </a:extLst>
+          </p:cNvPr>
+          <p:cNvSpPr/>
+          <p:nvPr/>
+        </p:nvSpPr>
+        <p:spPr>
+          <a:xfrm>
+            <a:off x="0" y="5840991"/>
+            <a:ext cx="12192000" cy="1017009"/>
+          </a:xfrm>
+          <a:prstGeom prst="rect">
+            <a:avLst/>
+          </a:prstGeom>
+          <a:solidFill>
+            <a:srgbClr val="CCCCFF"/>
+          </a:solidFill>
+          <a:ln>
+            <a:solidFill>
+              <a:srgbClr val="CCCCFF"/>
+            </a:solidFill>
+          </a:ln>
+        </p:spPr>
+        <p:style>
+          <a:lnRef idx="2">
+            <a:schemeClr val="accent1">
+              <a:shade val="15000"/>
+            </a:schemeClr>
+          </a:lnRef>
+          <a:fillRef idx="1">
+            <a:schemeClr val="accent1"/>
+          </a:fillRef>
+          <a:effectRef idx="0">
+            <a:schemeClr val="accent1"/>
+          </a:effectRef>
+          <a:fontRef idx="minor">
+            <a:schemeClr val="lt1"/>
+          </a:fontRef>
+        </p:style>
+        <p:txBody>
+          <a:bodyPr rtlCol="0" anchor="ctr"/>
+          <a:lstStyle/>
+          <a:p>
+            <a:pPr algn="ctr"/>
+            <a:endParaRPr lang="en-US"/>
+          </a:p>
+        </p:txBody>
+      </p:sp>
+      <p:sp>
+        <p:nvSpPr>
+          <p:cNvPr id="5" name="Rectangle 4">
+            <a:extLst>
+              <a:ext uri="{FF2B5EF4-FFF2-40B4-BE49-F238E27FC236}">
+                <a16:creationId xmlns:a16="http://schemas.microsoft.com/office/drawing/2014/main" id="{0B65D218-C7EA-7186-D7ED-2F50A81FD7C3}"/>
+              </a:ext>
+            </a:extLst>
+          </p:cNvPr>
+          <p:cNvSpPr/>
+          <p:nvPr/>
+        </p:nvSpPr>
+        <p:spPr>
+          <a:xfrm>
+            <a:off x="0" y="0"/>
+            <a:ext cx="12192000" cy="1136342"/>
+          </a:xfrm>
+          <a:prstGeom prst="rect">
+            <a:avLst/>
+          </a:prstGeom>
+          <a:solidFill>
+            <a:srgbClr val="CCCCFF"/>
+          </a:solidFill>
+          <a:ln>
+            <a:solidFill>
+              <a:srgbClr val="CCCCFF"/>
+            </a:solidFill>
+          </a:ln>
+        </p:spPr>
+        <p:style>
+          <a:lnRef idx="2">
+            <a:schemeClr val="accent1">
+              <a:shade val="15000"/>
+            </a:schemeClr>
+          </a:lnRef>
+          <a:fillRef idx="1">
+            <a:schemeClr val="accent1"/>
+          </a:fillRef>
+          <a:effectRef idx="0">
+            <a:schemeClr val="accent1"/>
+          </a:effectRef>
+          <a:fontRef idx="minor">
+            <a:schemeClr val="lt1"/>
+          </a:fontRef>
+        </p:style>
+        <p:txBody>
+          <a:bodyPr rtlCol="0" anchor="ctr"/>
+          <a:lstStyle/>
+          <a:p>
+            <a:pPr algn="ctr"/>
+            <a:endParaRPr lang="en-US" dirty="0">
+              <a:noFill/>
+            </a:endParaRPr>
+          </a:p>
+        </p:txBody>
+      </p:sp>
+      <p:pic>
+        <p:nvPicPr>
+          <p:cNvPr id="6" name="Picture 5" descr="A black and white logo&#10;&#10;Description automatically generated">
+            <a:extLst>
+              <a:ext uri="{FF2B5EF4-FFF2-40B4-BE49-F238E27FC236}">
+                <a16:creationId xmlns:a16="http://schemas.microsoft.com/office/drawing/2014/main" id="{D7C91260-D05C-6ED4-DFC3-37C234D070EC}"/>
+              </a:ext>
+            </a:extLst>
+          </p:cNvPr>
+          <p:cNvPicPr>
+            <a:picLocks noChangeAspect="1"/>
+          </p:cNvPicPr>
+          <p:nvPr/>
+        </p:nvPicPr>
+        <p:blipFill>
+          <a:blip r:embed="rId2">
+            <a:extLst>
+              <a:ext uri="{28A0092B-C50C-407E-A947-70E740481C1C}">
+                <a14:useLocalDpi xmlns:a14="http://schemas.microsoft.com/office/drawing/2010/main" val="0"/>
+              </a:ext>
+            </a:extLst>
+          </a:blip>
+          <a:stretch>
+            <a:fillRect/>
+          </a:stretch>
+        </p:blipFill>
+        <p:spPr>
+          <a:xfrm>
+            <a:off x="11051882" y="119333"/>
+            <a:ext cx="1093483" cy="1017009"/>
+          </a:xfrm>
+          <a:prstGeom prst="rect">
+            <a:avLst/>
+          </a:prstGeom>
+        </p:spPr>
+      </p:pic>
+      <p:sp>
+        <p:nvSpPr>
+          <p:cNvPr id="7" name="Flowchart: Data 2">
+            <a:extLst>
+              <a:ext uri="{FF2B5EF4-FFF2-40B4-BE49-F238E27FC236}">
+                <a16:creationId xmlns:a16="http://schemas.microsoft.com/office/drawing/2014/main" id="{03388F27-6180-0EE1-28D7-6BD70257AE2A}"/>
+              </a:ext>
+            </a:extLst>
+          </p:cNvPr>
+          <p:cNvSpPr/>
+          <p:nvPr/>
+        </p:nvSpPr>
+        <p:spPr>
+          <a:xfrm>
+            <a:off x="10848138" y="6264097"/>
+            <a:ext cx="1343862" cy="608120"/>
+          </a:xfrm>
+          <a:custGeom>
+            <a:avLst/>
+            <a:gdLst>
+              <a:gd name="connsiteX0" fmla="*/ 0 w 10000"/>
+              <a:gd name="connsiteY0" fmla="*/ 10000 h 10000"/>
+              <a:gd name="connsiteX1" fmla="*/ 2000 w 10000"/>
+              <a:gd name="connsiteY1" fmla="*/ 0 h 10000"/>
+              <a:gd name="connsiteX2" fmla="*/ 10000 w 10000"/>
+              <a:gd name="connsiteY2" fmla="*/ 0 h 10000"/>
+              <a:gd name="connsiteX3" fmla="*/ 8000 w 10000"/>
+              <a:gd name="connsiteY3" fmla="*/ 10000 h 10000"/>
+              <a:gd name="connsiteX4" fmla="*/ 0 w 10000"/>
+              <a:gd name="connsiteY4" fmla="*/ 10000 h 10000"/>
+              <a:gd name="connsiteX0" fmla="*/ 0 w 8000"/>
+              <a:gd name="connsiteY0" fmla="*/ 10000 h 10000"/>
+              <a:gd name="connsiteX1" fmla="*/ 2000 w 8000"/>
+              <a:gd name="connsiteY1" fmla="*/ 0 h 10000"/>
+              <a:gd name="connsiteX2" fmla="*/ 4142 w 8000"/>
+              <a:gd name="connsiteY2" fmla="*/ 153 h 10000"/>
+              <a:gd name="connsiteX3" fmla="*/ 8000 w 8000"/>
+              <a:gd name="connsiteY3" fmla="*/ 10000 h 10000"/>
+              <a:gd name="connsiteX4" fmla="*/ 0 w 8000"/>
+              <a:gd name="connsiteY4" fmla="*/ 10000 h 10000"/>
+              <a:gd name="connsiteX0" fmla="*/ 0 w 5414"/>
+              <a:gd name="connsiteY0" fmla="*/ 10000 h 10000"/>
+              <a:gd name="connsiteX1" fmla="*/ 2500 w 5414"/>
+              <a:gd name="connsiteY1" fmla="*/ 0 h 10000"/>
+              <a:gd name="connsiteX2" fmla="*/ 5178 w 5414"/>
+              <a:gd name="connsiteY2" fmla="*/ 153 h 10000"/>
+              <a:gd name="connsiteX3" fmla="*/ 5414 w 5414"/>
+              <a:gd name="connsiteY3" fmla="*/ 10000 h 10000"/>
+              <a:gd name="connsiteX4" fmla="*/ 0 w 5414"/>
+              <a:gd name="connsiteY4" fmla="*/ 10000 h 10000"/>
+              <a:gd name="connsiteX0" fmla="*/ 0 w 9609"/>
+              <a:gd name="connsiteY0" fmla="*/ 10000 h 10000"/>
+              <a:gd name="connsiteX1" fmla="*/ 4618 w 9609"/>
+              <a:gd name="connsiteY1" fmla="*/ 0 h 10000"/>
+              <a:gd name="connsiteX2" fmla="*/ 9564 w 9609"/>
+              <a:gd name="connsiteY2" fmla="*/ 153 h 10000"/>
+              <a:gd name="connsiteX3" fmla="*/ 9590 w 9609"/>
+              <a:gd name="connsiteY3" fmla="*/ 10000 h 10000"/>
+              <a:gd name="connsiteX4" fmla="*/ 0 w 9609"/>
+              <a:gd name="connsiteY4" fmla="*/ 10000 h 10000"/>
+              <a:gd name="connsiteX0" fmla="*/ 0 w 10193"/>
+              <a:gd name="connsiteY0" fmla="*/ 10000 h 10153"/>
+              <a:gd name="connsiteX1" fmla="*/ 4806 w 10193"/>
+              <a:gd name="connsiteY1" fmla="*/ 0 h 10153"/>
+              <a:gd name="connsiteX2" fmla="*/ 9953 w 10193"/>
+              <a:gd name="connsiteY2" fmla="*/ 153 h 10153"/>
+              <a:gd name="connsiteX3" fmla="*/ 10193 w 10193"/>
+              <a:gd name="connsiteY3" fmla="*/ 10153 h 10153"/>
+              <a:gd name="connsiteX4" fmla="*/ 0 w 10193"/>
+              <a:gd name="connsiteY4" fmla="*/ 10000 h 10153"/>
+              <a:gd name="connsiteX0" fmla="*/ 0 w 10213"/>
+              <a:gd name="connsiteY0" fmla="*/ 10000 h 10153"/>
+              <a:gd name="connsiteX1" fmla="*/ 4806 w 10213"/>
+              <a:gd name="connsiteY1" fmla="*/ 0 h 10153"/>
+              <a:gd name="connsiteX2" fmla="*/ 10166 w 10213"/>
+              <a:gd name="connsiteY2" fmla="*/ 153 h 10153"/>
+              <a:gd name="connsiteX3" fmla="*/ 10193 w 10213"/>
+              <a:gd name="connsiteY3" fmla="*/ 10153 h 10153"/>
+              <a:gd name="connsiteX4" fmla="*/ 0 w 10213"/>
+              <a:gd name="connsiteY4" fmla="*/ 10000 h 10153"/>
+              <a:gd name="connsiteX0" fmla="*/ 0 w 10341"/>
+              <a:gd name="connsiteY0" fmla="*/ 10000 h 10153"/>
+              <a:gd name="connsiteX1" fmla="*/ 4806 w 10341"/>
+              <a:gd name="connsiteY1" fmla="*/ 0 h 10153"/>
+              <a:gd name="connsiteX2" fmla="*/ 10308 w 10341"/>
+              <a:gd name="connsiteY2" fmla="*/ 0 h 10153"/>
+              <a:gd name="connsiteX3" fmla="*/ 10193 w 10341"/>
+              <a:gd name="connsiteY3" fmla="*/ 10153 h 10153"/>
+              <a:gd name="connsiteX4" fmla="*/ 0 w 10341"/>
+              <a:gd name="connsiteY4" fmla="*/ 10000 h 10153"/>
+              <a:gd name="connsiteX0" fmla="*/ 0 w 10406"/>
+              <a:gd name="connsiteY0" fmla="*/ 10000 h 10306"/>
+              <a:gd name="connsiteX1" fmla="*/ 4806 w 10406"/>
+              <a:gd name="connsiteY1" fmla="*/ 0 h 10306"/>
+              <a:gd name="connsiteX2" fmla="*/ 10308 w 10406"/>
+              <a:gd name="connsiteY2" fmla="*/ 0 h 10306"/>
+              <a:gd name="connsiteX3" fmla="*/ 10406 w 10406"/>
+              <a:gd name="connsiteY3" fmla="*/ 10306 h 10306"/>
+              <a:gd name="connsiteX4" fmla="*/ 0 w 10406"/>
+              <a:gd name="connsiteY4" fmla="*/ 10000 h 10306"/>
+              <a:gd name="connsiteX0" fmla="*/ 0 w 10761"/>
+              <a:gd name="connsiteY0" fmla="*/ 10458 h 10458"/>
+              <a:gd name="connsiteX1" fmla="*/ 5161 w 10761"/>
+              <a:gd name="connsiteY1" fmla="*/ 0 h 10458"/>
+              <a:gd name="connsiteX2" fmla="*/ 10663 w 10761"/>
+              <a:gd name="connsiteY2" fmla="*/ 0 h 10458"/>
+              <a:gd name="connsiteX3" fmla="*/ 10761 w 10761"/>
+              <a:gd name="connsiteY3" fmla="*/ 10306 h 10458"/>
+              <a:gd name="connsiteX4" fmla="*/ 0 w 10761"/>
+              <a:gd name="connsiteY4" fmla="*/ 10458 h 10458"/>
+            </a:gdLst>
+            <a:ahLst/>
+            <a:cxnLst>
+              <a:cxn ang="0">
+                <a:pos x="connsiteX0" y="connsiteY0"/>
+              </a:cxn>
+              <a:cxn ang="0">
+                <a:pos x="connsiteX1" y="connsiteY1"/>
+              </a:cxn>
+              <a:cxn ang="0">
+                <a:pos x="connsiteX2" y="connsiteY2"/>
+              </a:cxn>
+              <a:cxn ang="0">
+                <a:pos x="connsiteX3" y="connsiteY3"/>
+              </a:cxn>
+              <a:cxn ang="0">
+                <a:pos x="connsiteX4" y="connsiteY4"/>
+              </a:cxn>
+            </a:cxnLst>
+            <a:rect l="l" t="t" r="r" b="b"/>
+            <a:pathLst>
+              <a:path w="10761" h="10458">
+                <a:moveTo>
+                  <a:pt x="0" y="10458"/>
+                </a:moveTo>
+                <a:lnTo>
+                  <a:pt x="5161" y="0"/>
+                </a:lnTo>
+                <a:lnTo>
+                  <a:pt x="10663" y="0"/>
+                </a:lnTo>
+                <a:cubicBezTo>
+                  <a:pt x="10815" y="3282"/>
+                  <a:pt x="10609" y="7024"/>
+                  <a:pt x="10761" y="10306"/>
+                </a:cubicBezTo>
+                <a:lnTo>
+                  <a:pt x="0" y="10458"/>
+                </a:lnTo>
+                <a:close/>
+              </a:path>
+            </a:pathLst>
+          </a:custGeom>
+          <a:solidFill>
+            <a:schemeClr val="bg1"/>
+          </a:solidFill>
+          <a:ln w="19050">
+            <a:solidFill>
+              <a:schemeClr val="tx1"/>
+            </a:solidFill>
+          </a:ln>
+        </p:spPr>
+        <p:style>
+          <a:lnRef idx="2">
+            <a:schemeClr val="accent1">
+              <a:shade val="15000"/>
+            </a:schemeClr>
+          </a:lnRef>
+          <a:fillRef idx="1">
+            <a:schemeClr val="accent1"/>
+          </a:fillRef>
+          <a:effectRef idx="0">
+            <a:schemeClr val="accent1"/>
+          </a:effectRef>
+          <a:fontRef idx="minor">
+            <a:schemeClr val="lt1"/>
+          </a:fontRef>
+        </p:style>
+        <p:txBody>
+          <a:bodyPr rtlCol="0" anchor="ctr"/>
+          <a:lstStyle/>
+          <a:p>
+            <a:pPr algn="ctr"/>
+            <a:endParaRPr lang="en-US"/>
+          </a:p>
+        </p:txBody>
+      </p:sp>
+      <p:sp>
+        <p:nvSpPr>
+          <p:cNvPr id="8" name="TextBox 7">
+            <a:extLst>
+              <a:ext uri="{FF2B5EF4-FFF2-40B4-BE49-F238E27FC236}">
+                <a16:creationId xmlns:a16="http://schemas.microsoft.com/office/drawing/2014/main" id="{EC10EE28-6F97-20DA-E771-61D309841E0E}"/>
+              </a:ext>
+            </a:extLst>
+          </p:cNvPr>
+          <p:cNvSpPr txBox="1"/>
+          <p:nvPr/>
+        </p:nvSpPr>
+        <p:spPr>
+          <a:xfrm>
+            <a:off x="11520069" y="6287442"/>
+            <a:ext cx="557254" cy="584775"/>
+          </a:xfrm>
+          <a:prstGeom prst="rect">
+            <a:avLst/>
+          </a:prstGeom>
+          <a:noFill/>
+        </p:spPr>
+        <p:txBody>
+          <a:bodyPr wrap="square" rtlCol="0">
+            <a:spAutoFit/>
+          </a:bodyPr>
+          <a:lstStyle/>
+          <a:p>
+            <a:r>
+              <a:rPr lang="en-US" sz="3200" dirty="0">
+                <a:latin typeface="TH SarabunPSK" panose="020B0500040200020003" pitchFamily="34" charset="-34"/>
+                <a:cs typeface="TH SarabunPSK" panose="020B0500040200020003" pitchFamily="34" charset="-34"/>
+              </a:rPr>
+              <a:t>4</a:t>
+            </a:r>
+          </a:p>
+        </p:txBody>
+      </p:sp>
+      <p:sp>
+        <p:nvSpPr>
           <p:cNvPr id="2" name="Title 1">
             <a:extLst>
               <a:ext uri="{FF2B5EF4-FFF2-40B4-BE49-F238E27FC236}">
@@ -5678,32 +8988,55 @@
             <p:ph type="title"/>
           </p:nvPr>
         </p:nvSpPr>
-        <p:spPr/>
+        <p:spPr>
+          <a:xfrm>
+            <a:off x="838200" y="-34945"/>
+            <a:ext cx="10515600" cy="1325563"/>
+          </a:xfrm>
+        </p:spPr>
         <p:txBody>
           <a:bodyPr/>
           <a:lstStyle/>
           <a:p>
             <a:r>
-              <a:rPr lang="th-TH" dirty="0"/>
+              <a:rPr lang="th-TH" dirty="0">
+                <a:latin typeface="TH SarabunPSK" panose="020B0500040200020003" pitchFamily="34" charset="-34"/>
+                <a:cs typeface="TH SarabunPSK" panose="020B0500040200020003" pitchFamily="34" charset="-34"/>
+              </a:rPr>
               <a:t>การใช้ </a:t>
             </a:r>
             <a:r>
-              <a:rPr lang="en-US" dirty="0"/>
+              <a:rPr lang="en-US" dirty="0">
+                <a:latin typeface="TH SarabunPSK" panose="020B0500040200020003" pitchFamily="34" charset="-34"/>
+                <a:cs typeface="TH SarabunPSK" panose="020B0500040200020003" pitchFamily="34" charset="-34"/>
+              </a:rPr>
               <a:t>PCA </a:t>
             </a:r>
             <a:r>
-              <a:rPr lang="th-TH" dirty="0"/>
+              <a:rPr lang="th-TH" dirty="0">
+                <a:latin typeface="TH SarabunPSK" panose="020B0500040200020003" pitchFamily="34" charset="-34"/>
+                <a:cs typeface="TH SarabunPSK" panose="020B0500040200020003" pitchFamily="34" charset="-34"/>
+              </a:rPr>
               <a:t>มี</a:t>
             </a:r>
             <a:r>
-              <a:rPr lang="en-US" dirty="0"/>
+              <a:rPr lang="en-US" dirty="0">
+                <a:latin typeface="TH SarabunPSK" panose="020B0500040200020003" pitchFamily="34" charset="-34"/>
+                <a:cs typeface="TH SarabunPSK" panose="020B0500040200020003" pitchFamily="34" charset="-34"/>
+              </a:rPr>
               <a:t> 3 </a:t>
             </a:r>
             <a:r>
-              <a:rPr lang="th-TH" dirty="0"/>
+              <a:rPr lang="th-TH" dirty="0">
+                <a:latin typeface="TH SarabunPSK" panose="020B0500040200020003" pitchFamily="34" charset="-34"/>
+                <a:cs typeface="TH SarabunPSK" panose="020B0500040200020003" pitchFamily="34" charset="-34"/>
+              </a:rPr>
               <a:t>ขั้นตอน</a:t>
             </a:r>
-            <a:endParaRPr lang="en-US" dirty="0"/>
+            <a:endParaRPr lang="en-US" dirty="0">
+              <a:latin typeface="TH SarabunPSK" panose="020B0500040200020003" pitchFamily="34" charset="-34"/>
+              <a:cs typeface="TH SarabunPSK" panose="020B0500040200020003" pitchFamily="34" charset="-34"/>
+            </a:endParaRPr>
           </a:p>
         </p:txBody>
       </p:sp>
@@ -5731,13 +9064,16 @@
           <a:lstStyle/>
           <a:p>
             <a:r>
-              <a:rPr lang="en-US" dirty="0"/>
+              <a:rPr lang="en-US" sz="2400" dirty="0">
+                <a:latin typeface="TH SarabunPSK" panose="020B0500040200020003" pitchFamily="34" charset="-34"/>
+                <a:cs typeface="TH SarabunPSK" panose="020B0500040200020003" pitchFamily="34" charset="-34"/>
+              </a:rPr>
               <a:t>1. Import</a:t>
             </a:r>
           </a:p>
           <a:p>
             <a:r>
-              <a:rPr lang="en-US" sz="2400" b="0" i="0" dirty="0">
+              <a:rPr lang="en-US" sz="1800" b="0" i="0" dirty="0">
                 <a:solidFill>
                   <a:srgbClr val="7928A1"/>
                 </a:solidFill>
@@ -5747,7 +9083,7 @@
               <a:t>from</a:t>
             </a:r>
             <a:r>
-              <a:rPr lang="en-US" sz="2400" b="0" i="0" dirty="0">
+              <a:rPr lang="en-US" sz="1800" b="0" i="0" dirty="0">
                 <a:solidFill>
                   <a:srgbClr val="545454"/>
                 </a:solidFill>
@@ -5757,7 +9093,7 @@
               <a:t> </a:t>
             </a:r>
             <a:r>
-              <a:rPr lang="en-US" sz="2400" b="0" i="0" dirty="0" err="1">
+              <a:rPr lang="en-US" sz="1800" b="0" i="0" dirty="0" err="1">
                 <a:solidFill>
                   <a:srgbClr val="545454"/>
                 </a:solidFill>
@@ -5767,7 +9103,7 @@
               <a:t>sklearn.decomposition</a:t>
             </a:r>
             <a:r>
-              <a:rPr lang="en-US" sz="2400" b="0" i="0" dirty="0">
+              <a:rPr lang="en-US" sz="1800" b="0" i="0" dirty="0">
                 <a:solidFill>
                   <a:srgbClr val="545454"/>
                 </a:solidFill>
@@ -5777,7 +9113,7 @@
               <a:t> </a:t>
             </a:r>
             <a:r>
-              <a:rPr lang="en-US" sz="2400" b="0" i="0" dirty="0">
+              <a:rPr lang="en-US" sz="1800" b="0" i="0" dirty="0">
                 <a:solidFill>
                   <a:srgbClr val="7928A1"/>
                 </a:solidFill>
@@ -5787,7 +9123,7 @@
               <a:t>import</a:t>
             </a:r>
             <a:r>
-              <a:rPr lang="en-US" sz="2400" b="0" i="0" dirty="0">
+              <a:rPr lang="en-US" sz="1800" b="0" i="0" dirty="0">
                 <a:solidFill>
                   <a:srgbClr val="545454"/>
                 </a:solidFill>
@@ -5796,7 +9132,7 @@
               </a:rPr>
               <a:t> PCA</a:t>
             </a:r>
-            <a:endParaRPr lang="en-US" sz="2400" dirty="0">
+            <a:endParaRPr lang="en-US" sz="1800" dirty="0">
               <a:latin typeface="system-ui"/>
             </a:endParaRPr>
           </a:p>
@@ -5808,13 +9144,16 @@
           </a:p>
           <a:p>
             <a:r>
-              <a:rPr lang="en-US" dirty="0"/>
+              <a:rPr lang="en-US" sz="2400" dirty="0">
+                <a:latin typeface="TH SarabunPSK" panose="020B0500040200020003" pitchFamily="34" charset="-34"/>
+                <a:cs typeface="TH SarabunPSK" panose="020B0500040200020003" pitchFamily="34" charset="-34"/>
+              </a:rPr>
               <a:t>2. Define</a:t>
             </a:r>
           </a:p>
           <a:p>
             <a:r>
-              <a:rPr lang="en-US" sz="2400" b="0" i="0" dirty="0" err="1">
+              <a:rPr lang="en-US" sz="1800" b="0" i="0" dirty="0" err="1">
                 <a:solidFill>
                   <a:srgbClr val="545454"/>
                 </a:solidFill>
@@ -5824,7 +9163,7 @@
               <a:t>pca</a:t>
             </a:r>
             <a:r>
-              <a:rPr lang="en-US" sz="2400" b="0" i="0" dirty="0">
+              <a:rPr lang="en-US" sz="1800" b="0" i="0" dirty="0">
                 <a:solidFill>
                   <a:srgbClr val="545454"/>
                 </a:solidFill>
@@ -5842,18 +9181,27 @@
           </a:p>
           <a:p>
             <a:r>
-              <a:rPr lang="en-US" dirty="0"/>
+              <a:rPr lang="en-US" sz="2400" dirty="0">
+                <a:latin typeface="TH SarabunPSK" panose="020B0500040200020003" pitchFamily="34" charset="-34"/>
+                <a:cs typeface="TH SarabunPSK" panose="020B0500040200020003" pitchFamily="34" charset="-34"/>
+              </a:rPr>
               <a:t>3. Fit – Transform</a:t>
             </a:r>
             <a:r>
-              <a:rPr lang="th-TH" dirty="0"/>
+              <a:rPr lang="th-TH" sz="2400" dirty="0">
+                <a:latin typeface="TH SarabunPSK" panose="020B0500040200020003" pitchFamily="34" charset="-34"/>
+                <a:cs typeface="TH SarabunPSK" panose="020B0500040200020003" pitchFamily="34" charset="-34"/>
+              </a:rPr>
               <a:t> คือ คำสั่งที่ใช้สำหรับหมุนแกนหาแกนใหม่ที่สามารถอธิบายการกระจายตัวของข้อมูลได้ดีที่สุด </a:t>
             </a:r>
-            <a:endParaRPr lang="en-US" dirty="0"/>
-          </a:p>
-          <a:p>
-            <a:r>
-              <a:rPr lang="en-US" sz="2400" b="0" i="0" dirty="0" err="1">
+            <a:endParaRPr lang="en-US" sz="2400" dirty="0">
+              <a:latin typeface="TH SarabunPSK" panose="020B0500040200020003" pitchFamily="34" charset="-34"/>
+              <a:cs typeface="TH SarabunPSK" panose="020B0500040200020003" pitchFamily="34" charset="-34"/>
+            </a:endParaRPr>
+          </a:p>
+          <a:p>
+            <a:r>
+              <a:rPr lang="en-US" sz="1800" b="0" i="0" dirty="0" err="1">
                 <a:solidFill>
                   <a:srgbClr val="545454"/>
                 </a:solidFill>
@@ -5863,7 +9211,7 @@
               <a:t>new_axis</a:t>
             </a:r>
             <a:r>
-              <a:rPr lang="en-US" sz="2400" b="0" i="0" dirty="0">
+              <a:rPr lang="en-US" sz="1800" b="0" i="0" dirty="0">
                 <a:solidFill>
                   <a:srgbClr val="545454"/>
                 </a:solidFill>
@@ -5873,7 +9221,7 @@
               <a:t> = </a:t>
             </a:r>
             <a:r>
-              <a:rPr lang="en-US" sz="2400" b="0" i="0" dirty="0" err="1">
+              <a:rPr lang="en-US" sz="1800" b="0" i="0" dirty="0" err="1">
                 <a:solidFill>
                   <a:srgbClr val="545454"/>
                 </a:solidFill>
@@ -5883,7 +9231,7 @@
               <a:t>pca.fit_transform</a:t>
             </a:r>
             <a:r>
-              <a:rPr lang="en-US" sz="2400" b="0" i="0" dirty="0">
+              <a:rPr lang="en-US" sz="1800" b="0" i="0" dirty="0">
                 <a:solidFill>
                   <a:srgbClr val="545454"/>
                 </a:solidFill>
@@ -5897,7 +9245,8 @@
                 <a:solidFill>
                   <a:srgbClr val="545454"/>
                 </a:solidFill>
-                <a:latin typeface="Courier New" panose="02070309020205020404" pitchFamily="49" charset="0"/>
+                <a:latin typeface="TH SarabunPSK" panose="020B0500040200020003" pitchFamily="34" charset="-34"/>
+                <a:cs typeface="TH SarabunPSK" panose="020B0500040200020003" pitchFamily="34" charset="-34"/>
               </a:rPr>
               <a:t>ตัวแปรที่ใช้เก็บข้อมูลที่ต้องการทำ</a:t>
             </a:r>
@@ -5906,12 +9255,13 @@
                 <a:solidFill>
                   <a:srgbClr val="545454"/>
                 </a:solidFill>
-                <a:latin typeface="Courier New" panose="02070309020205020404" pitchFamily="49" charset="0"/>
+                <a:latin typeface="TH SarabunPSK" panose="020B0500040200020003" pitchFamily="34" charset="-34"/>
+                <a:cs typeface="TH SarabunPSK" panose="020B0500040200020003" pitchFamily="34" charset="-34"/>
               </a:rPr>
               <a:t>PCA</a:t>
             </a:r>
             <a:r>
-              <a:rPr lang="en-US" sz="2400" b="0" i="0" dirty="0">
+              <a:rPr lang="en-US" sz="1800" b="0" i="0" dirty="0">
                 <a:solidFill>
                   <a:srgbClr val="545454"/>
                 </a:solidFill>
@@ -5920,14 +9270,14 @@
               </a:rPr>
               <a:t>’)</a:t>
             </a:r>
-            <a:endParaRPr lang="en-US" sz="2400" dirty="0"/>
+            <a:endParaRPr lang="en-US" sz="1800" dirty="0"/>
           </a:p>
         </p:txBody>
       </p:sp>
     </p:spTree>
     <p:extLst>
       <p:ext uri="{BB962C8B-B14F-4D97-AF65-F5344CB8AC3E}">
-        <p14:creationId xmlns:p14="http://schemas.microsoft.com/office/powerpoint/2010/main" val="2793789065"/>
+        <p14:creationId xmlns:p14="http://schemas.microsoft.com/office/powerpoint/2010/main" val="522934416"/>
       </p:ext>
     </p:extLst>
   </p:cSld>
@@ -5956,6 +9306,377 @@
       </p:grpSpPr>
       <p:sp>
         <p:nvSpPr>
+          <p:cNvPr id="4" name="Rectangle 3">
+            <a:extLst>
+              <a:ext uri="{FF2B5EF4-FFF2-40B4-BE49-F238E27FC236}">
+                <a16:creationId xmlns:a16="http://schemas.microsoft.com/office/drawing/2014/main" id="{AF7E09FD-54C9-9E13-14FA-2B7CB7E0F85E}"/>
+              </a:ext>
+            </a:extLst>
+          </p:cNvPr>
+          <p:cNvSpPr/>
+          <p:nvPr/>
+        </p:nvSpPr>
+        <p:spPr>
+          <a:xfrm>
+            <a:off x="0" y="5840991"/>
+            <a:ext cx="12192000" cy="1017009"/>
+          </a:xfrm>
+          <a:prstGeom prst="rect">
+            <a:avLst/>
+          </a:prstGeom>
+          <a:solidFill>
+            <a:srgbClr val="CCCCFF"/>
+          </a:solidFill>
+          <a:ln>
+            <a:solidFill>
+              <a:srgbClr val="CCCCFF"/>
+            </a:solidFill>
+          </a:ln>
+        </p:spPr>
+        <p:style>
+          <a:lnRef idx="2">
+            <a:schemeClr val="accent1">
+              <a:shade val="15000"/>
+            </a:schemeClr>
+          </a:lnRef>
+          <a:fillRef idx="1">
+            <a:schemeClr val="accent1"/>
+          </a:fillRef>
+          <a:effectRef idx="0">
+            <a:schemeClr val="accent1"/>
+          </a:effectRef>
+          <a:fontRef idx="minor">
+            <a:schemeClr val="lt1"/>
+          </a:fontRef>
+        </p:style>
+        <p:txBody>
+          <a:bodyPr rtlCol="0" anchor="ctr"/>
+          <a:lstStyle/>
+          <a:p>
+            <a:pPr algn="ctr"/>
+            <a:endParaRPr lang="en-US"/>
+          </a:p>
+        </p:txBody>
+      </p:sp>
+      <p:sp>
+        <p:nvSpPr>
+          <p:cNvPr id="6" name="Rectangle 5">
+            <a:extLst>
+              <a:ext uri="{FF2B5EF4-FFF2-40B4-BE49-F238E27FC236}">
+                <a16:creationId xmlns:a16="http://schemas.microsoft.com/office/drawing/2014/main" id="{340314F4-4236-264B-5629-4B7D6048038C}"/>
+              </a:ext>
+            </a:extLst>
+          </p:cNvPr>
+          <p:cNvSpPr/>
+          <p:nvPr/>
+        </p:nvSpPr>
+        <p:spPr>
+          <a:xfrm>
+            <a:off x="0" y="0"/>
+            <a:ext cx="12192000" cy="1136342"/>
+          </a:xfrm>
+          <a:prstGeom prst="rect">
+            <a:avLst/>
+          </a:prstGeom>
+          <a:solidFill>
+            <a:srgbClr val="CCCCFF"/>
+          </a:solidFill>
+          <a:ln>
+            <a:solidFill>
+              <a:srgbClr val="CCCCFF"/>
+            </a:solidFill>
+          </a:ln>
+        </p:spPr>
+        <p:style>
+          <a:lnRef idx="2">
+            <a:schemeClr val="accent1">
+              <a:shade val="15000"/>
+            </a:schemeClr>
+          </a:lnRef>
+          <a:fillRef idx="1">
+            <a:schemeClr val="accent1"/>
+          </a:fillRef>
+          <a:effectRef idx="0">
+            <a:schemeClr val="accent1"/>
+          </a:effectRef>
+          <a:fontRef idx="minor">
+            <a:schemeClr val="lt1"/>
+          </a:fontRef>
+        </p:style>
+        <p:txBody>
+          <a:bodyPr rtlCol="0" anchor="ctr"/>
+          <a:lstStyle/>
+          <a:p>
+            <a:pPr algn="ctr"/>
+            <a:endParaRPr lang="en-US" dirty="0">
+              <a:noFill/>
+            </a:endParaRPr>
+          </a:p>
+        </p:txBody>
+      </p:sp>
+      <p:pic>
+        <p:nvPicPr>
+          <p:cNvPr id="7" name="Picture 6" descr="A black and white logo&#10;&#10;Description automatically generated">
+            <a:extLst>
+              <a:ext uri="{FF2B5EF4-FFF2-40B4-BE49-F238E27FC236}">
+                <a16:creationId xmlns:a16="http://schemas.microsoft.com/office/drawing/2014/main" id="{6348F689-11F0-CCA2-F927-7D0667BB1886}"/>
+              </a:ext>
+            </a:extLst>
+          </p:cNvPr>
+          <p:cNvPicPr>
+            <a:picLocks noChangeAspect="1"/>
+          </p:cNvPicPr>
+          <p:nvPr/>
+        </p:nvPicPr>
+        <p:blipFill>
+          <a:blip r:embed="rId2">
+            <a:extLst>
+              <a:ext uri="{28A0092B-C50C-407E-A947-70E740481C1C}">
+                <a14:useLocalDpi xmlns:a14="http://schemas.microsoft.com/office/drawing/2010/main" val="0"/>
+              </a:ext>
+            </a:extLst>
+          </a:blip>
+          <a:stretch>
+            <a:fillRect/>
+          </a:stretch>
+        </p:blipFill>
+        <p:spPr>
+          <a:xfrm>
+            <a:off x="11051882" y="119333"/>
+            <a:ext cx="1093483" cy="1017009"/>
+          </a:xfrm>
+          <a:prstGeom prst="rect">
+            <a:avLst/>
+          </a:prstGeom>
+        </p:spPr>
+      </p:pic>
+      <p:sp>
+        <p:nvSpPr>
+          <p:cNvPr id="8" name="Flowchart: Data 2">
+            <a:extLst>
+              <a:ext uri="{FF2B5EF4-FFF2-40B4-BE49-F238E27FC236}">
+                <a16:creationId xmlns:a16="http://schemas.microsoft.com/office/drawing/2014/main" id="{23C630B9-1A98-E15E-3265-0A3FEEF8BBF5}"/>
+              </a:ext>
+            </a:extLst>
+          </p:cNvPr>
+          <p:cNvSpPr/>
+          <p:nvPr/>
+        </p:nvSpPr>
+        <p:spPr>
+          <a:xfrm>
+            <a:off x="10848138" y="6264097"/>
+            <a:ext cx="1343862" cy="608120"/>
+          </a:xfrm>
+          <a:custGeom>
+            <a:avLst/>
+            <a:gdLst>
+              <a:gd name="connsiteX0" fmla="*/ 0 w 10000"/>
+              <a:gd name="connsiteY0" fmla="*/ 10000 h 10000"/>
+              <a:gd name="connsiteX1" fmla="*/ 2000 w 10000"/>
+              <a:gd name="connsiteY1" fmla="*/ 0 h 10000"/>
+              <a:gd name="connsiteX2" fmla="*/ 10000 w 10000"/>
+              <a:gd name="connsiteY2" fmla="*/ 0 h 10000"/>
+              <a:gd name="connsiteX3" fmla="*/ 8000 w 10000"/>
+              <a:gd name="connsiteY3" fmla="*/ 10000 h 10000"/>
+              <a:gd name="connsiteX4" fmla="*/ 0 w 10000"/>
+              <a:gd name="connsiteY4" fmla="*/ 10000 h 10000"/>
+              <a:gd name="connsiteX0" fmla="*/ 0 w 8000"/>
+              <a:gd name="connsiteY0" fmla="*/ 10000 h 10000"/>
+              <a:gd name="connsiteX1" fmla="*/ 2000 w 8000"/>
+              <a:gd name="connsiteY1" fmla="*/ 0 h 10000"/>
+              <a:gd name="connsiteX2" fmla="*/ 4142 w 8000"/>
+              <a:gd name="connsiteY2" fmla="*/ 153 h 10000"/>
+              <a:gd name="connsiteX3" fmla="*/ 8000 w 8000"/>
+              <a:gd name="connsiteY3" fmla="*/ 10000 h 10000"/>
+              <a:gd name="connsiteX4" fmla="*/ 0 w 8000"/>
+              <a:gd name="connsiteY4" fmla="*/ 10000 h 10000"/>
+              <a:gd name="connsiteX0" fmla="*/ 0 w 5414"/>
+              <a:gd name="connsiteY0" fmla="*/ 10000 h 10000"/>
+              <a:gd name="connsiteX1" fmla="*/ 2500 w 5414"/>
+              <a:gd name="connsiteY1" fmla="*/ 0 h 10000"/>
+              <a:gd name="connsiteX2" fmla="*/ 5178 w 5414"/>
+              <a:gd name="connsiteY2" fmla="*/ 153 h 10000"/>
+              <a:gd name="connsiteX3" fmla="*/ 5414 w 5414"/>
+              <a:gd name="connsiteY3" fmla="*/ 10000 h 10000"/>
+              <a:gd name="connsiteX4" fmla="*/ 0 w 5414"/>
+              <a:gd name="connsiteY4" fmla="*/ 10000 h 10000"/>
+              <a:gd name="connsiteX0" fmla="*/ 0 w 9609"/>
+              <a:gd name="connsiteY0" fmla="*/ 10000 h 10000"/>
+              <a:gd name="connsiteX1" fmla="*/ 4618 w 9609"/>
+              <a:gd name="connsiteY1" fmla="*/ 0 h 10000"/>
+              <a:gd name="connsiteX2" fmla="*/ 9564 w 9609"/>
+              <a:gd name="connsiteY2" fmla="*/ 153 h 10000"/>
+              <a:gd name="connsiteX3" fmla="*/ 9590 w 9609"/>
+              <a:gd name="connsiteY3" fmla="*/ 10000 h 10000"/>
+              <a:gd name="connsiteX4" fmla="*/ 0 w 9609"/>
+              <a:gd name="connsiteY4" fmla="*/ 10000 h 10000"/>
+              <a:gd name="connsiteX0" fmla="*/ 0 w 10193"/>
+              <a:gd name="connsiteY0" fmla="*/ 10000 h 10153"/>
+              <a:gd name="connsiteX1" fmla="*/ 4806 w 10193"/>
+              <a:gd name="connsiteY1" fmla="*/ 0 h 10153"/>
+              <a:gd name="connsiteX2" fmla="*/ 9953 w 10193"/>
+              <a:gd name="connsiteY2" fmla="*/ 153 h 10153"/>
+              <a:gd name="connsiteX3" fmla="*/ 10193 w 10193"/>
+              <a:gd name="connsiteY3" fmla="*/ 10153 h 10153"/>
+              <a:gd name="connsiteX4" fmla="*/ 0 w 10193"/>
+              <a:gd name="connsiteY4" fmla="*/ 10000 h 10153"/>
+              <a:gd name="connsiteX0" fmla="*/ 0 w 10213"/>
+              <a:gd name="connsiteY0" fmla="*/ 10000 h 10153"/>
+              <a:gd name="connsiteX1" fmla="*/ 4806 w 10213"/>
+              <a:gd name="connsiteY1" fmla="*/ 0 h 10153"/>
+              <a:gd name="connsiteX2" fmla="*/ 10166 w 10213"/>
+              <a:gd name="connsiteY2" fmla="*/ 153 h 10153"/>
+              <a:gd name="connsiteX3" fmla="*/ 10193 w 10213"/>
+              <a:gd name="connsiteY3" fmla="*/ 10153 h 10153"/>
+              <a:gd name="connsiteX4" fmla="*/ 0 w 10213"/>
+              <a:gd name="connsiteY4" fmla="*/ 10000 h 10153"/>
+              <a:gd name="connsiteX0" fmla="*/ 0 w 10341"/>
+              <a:gd name="connsiteY0" fmla="*/ 10000 h 10153"/>
+              <a:gd name="connsiteX1" fmla="*/ 4806 w 10341"/>
+              <a:gd name="connsiteY1" fmla="*/ 0 h 10153"/>
+              <a:gd name="connsiteX2" fmla="*/ 10308 w 10341"/>
+              <a:gd name="connsiteY2" fmla="*/ 0 h 10153"/>
+              <a:gd name="connsiteX3" fmla="*/ 10193 w 10341"/>
+              <a:gd name="connsiteY3" fmla="*/ 10153 h 10153"/>
+              <a:gd name="connsiteX4" fmla="*/ 0 w 10341"/>
+              <a:gd name="connsiteY4" fmla="*/ 10000 h 10153"/>
+              <a:gd name="connsiteX0" fmla="*/ 0 w 10406"/>
+              <a:gd name="connsiteY0" fmla="*/ 10000 h 10306"/>
+              <a:gd name="connsiteX1" fmla="*/ 4806 w 10406"/>
+              <a:gd name="connsiteY1" fmla="*/ 0 h 10306"/>
+              <a:gd name="connsiteX2" fmla="*/ 10308 w 10406"/>
+              <a:gd name="connsiteY2" fmla="*/ 0 h 10306"/>
+              <a:gd name="connsiteX3" fmla="*/ 10406 w 10406"/>
+              <a:gd name="connsiteY3" fmla="*/ 10306 h 10306"/>
+              <a:gd name="connsiteX4" fmla="*/ 0 w 10406"/>
+              <a:gd name="connsiteY4" fmla="*/ 10000 h 10306"/>
+              <a:gd name="connsiteX0" fmla="*/ 0 w 10761"/>
+              <a:gd name="connsiteY0" fmla="*/ 10458 h 10458"/>
+              <a:gd name="connsiteX1" fmla="*/ 5161 w 10761"/>
+              <a:gd name="connsiteY1" fmla="*/ 0 h 10458"/>
+              <a:gd name="connsiteX2" fmla="*/ 10663 w 10761"/>
+              <a:gd name="connsiteY2" fmla="*/ 0 h 10458"/>
+              <a:gd name="connsiteX3" fmla="*/ 10761 w 10761"/>
+              <a:gd name="connsiteY3" fmla="*/ 10306 h 10458"/>
+              <a:gd name="connsiteX4" fmla="*/ 0 w 10761"/>
+              <a:gd name="connsiteY4" fmla="*/ 10458 h 10458"/>
+            </a:gdLst>
+            <a:ahLst/>
+            <a:cxnLst>
+              <a:cxn ang="0">
+                <a:pos x="connsiteX0" y="connsiteY0"/>
+              </a:cxn>
+              <a:cxn ang="0">
+                <a:pos x="connsiteX1" y="connsiteY1"/>
+              </a:cxn>
+              <a:cxn ang="0">
+                <a:pos x="connsiteX2" y="connsiteY2"/>
+              </a:cxn>
+              <a:cxn ang="0">
+                <a:pos x="connsiteX3" y="connsiteY3"/>
+              </a:cxn>
+              <a:cxn ang="0">
+                <a:pos x="connsiteX4" y="connsiteY4"/>
+              </a:cxn>
+            </a:cxnLst>
+            <a:rect l="l" t="t" r="r" b="b"/>
+            <a:pathLst>
+              <a:path w="10761" h="10458">
+                <a:moveTo>
+                  <a:pt x="0" y="10458"/>
+                </a:moveTo>
+                <a:lnTo>
+                  <a:pt x="5161" y="0"/>
+                </a:lnTo>
+                <a:lnTo>
+                  <a:pt x="10663" y="0"/>
+                </a:lnTo>
+                <a:cubicBezTo>
+                  <a:pt x="10815" y="3282"/>
+                  <a:pt x="10609" y="7024"/>
+                  <a:pt x="10761" y="10306"/>
+                </a:cubicBezTo>
+                <a:lnTo>
+                  <a:pt x="0" y="10458"/>
+                </a:lnTo>
+                <a:close/>
+              </a:path>
+            </a:pathLst>
+          </a:custGeom>
+          <a:solidFill>
+            <a:schemeClr val="bg1"/>
+          </a:solidFill>
+          <a:ln w="19050">
+            <a:solidFill>
+              <a:schemeClr val="tx1"/>
+            </a:solidFill>
+          </a:ln>
+        </p:spPr>
+        <p:style>
+          <a:lnRef idx="2">
+            <a:schemeClr val="accent1">
+              <a:shade val="15000"/>
+            </a:schemeClr>
+          </a:lnRef>
+          <a:fillRef idx="1">
+            <a:schemeClr val="accent1"/>
+          </a:fillRef>
+          <a:effectRef idx="0">
+            <a:schemeClr val="accent1"/>
+          </a:effectRef>
+          <a:fontRef idx="minor">
+            <a:schemeClr val="lt1"/>
+          </a:fontRef>
+        </p:style>
+        <p:txBody>
+          <a:bodyPr rtlCol="0" anchor="ctr"/>
+          <a:lstStyle/>
+          <a:p>
+            <a:pPr algn="ctr"/>
+            <a:endParaRPr lang="en-US"/>
+          </a:p>
+        </p:txBody>
+      </p:sp>
+      <p:sp>
+        <p:nvSpPr>
+          <p:cNvPr id="9" name="TextBox 8">
+            <a:extLst>
+              <a:ext uri="{FF2B5EF4-FFF2-40B4-BE49-F238E27FC236}">
+                <a16:creationId xmlns:a16="http://schemas.microsoft.com/office/drawing/2014/main" id="{3DE9A2E1-8D2B-13D8-B77B-3298CDB46CED}"/>
+              </a:ext>
+            </a:extLst>
+          </p:cNvPr>
+          <p:cNvSpPr txBox="1"/>
+          <p:nvPr/>
+        </p:nvSpPr>
+        <p:spPr>
+          <a:xfrm>
+            <a:off x="11520069" y="6287442"/>
+            <a:ext cx="557254" cy="584775"/>
+          </a:xfrm>
+          <a:prstGeom prst="rect">
+            <a:avLst/>
+          </a:prstGeom>
+          <a:noFill/>
+        </p:spPr>
+        <p:txBody>
+          <a:bodyPr wrap="square" rtlCol="0">
+            <a:spAutoFit/>
+          </a:bodyPr>
+          <a:lstStyle/>
+          <a:p>
+            <a:r>
+              <a:rPr lang="en-US" sz="3200" dirty="0">
+                <a:latin typeface="TH SarabunPSK" panose="020B0500040200020003" pitchFamily="34" charset="-34"/>
+                <a:cs typeface="TH SarabunPSK" panose="020B0500040200020003" pitchFamily="34" charset="-34"/>
+              </a:rPr>
+              <a:t>5</a:t>
+            </a:r>
+          </a:p>
+        </p:txBody>
+      </p:sp>
+      <p:sp>
+        <p:nvSpPr>
           <p:cNvPr id="2" name="Title 1">
             <a:extLst>
               <a:ext uri="{FF2B5EF4-FFF2-40B4-BE49-F238E27FC236}">
@@ -5970,17 +9691,28 @@
             <p:ph type="title"/>
           </p:nvPr>
         </p:nvSpPr>
-        <p:spPr/>
+        <p:spPr>
+          <a:xfrm>
+            <a:off x="838200" y="0"/>
+            <a:ext cx="10515600" cy="1325563"/>
+          </a:xfrm>
+        </p:spPr>
         <p:txBody>
           <a:bodyPr/>
           <a:lstStyle/>
           <a:p>
             <a:r>
-              <a:rPr lang="th-TH" dirty="0"/>
+              <a:rPr lang="th-TH" dirty="0">
+                <a:latin typeface="TH SarabunPSK" panose="020B0500040200020003" pitchFamily="34" charset="-34"/>
+                <a:cs typeface="TH SarabunPSK" panose="020B0500040200020003" pitchFamily="34" charset="-34"/>
+              </a:rPr>
               <a:t>เตรียมข้อมูลดอกไม้ </a:t>
             </a:r>
             <a:r>
-              <a:rPr lang="en-US" dirty="0"/>
+              <a:rPr lang="en-US" dirty="0">
+                <a:latin typeface="TH SarabunPSK" panose="020B0500040200020003" pitchFamily="34" charset="-34"/>
+                <a:cs typeface="TH SarabunPSK" panose="020B0500040200020003" pitchFamily="34" charset="-34"/>
+              </a:rPr>
               <a:t>iris</a:t>
             </a:r>
           </a:p>
@@ -6010,7 +9742,7 @@
           <a:lstStyle/>
           <a:p>
             <a:r>
-              <a:rPr lang="en-US" sz="2400" b="0" i="0" dirty="0">
+              <a:rPr lang="en-US" sz="1800" b="0" i="0" dirty="0">
                 <a:solidFill>
                   <a:srgbClr val="7928A1"/>
                 </a:solidFill>
@@ -6020,7 +9752,7 @@
               <a:t>import</a:t>
             </a:r>
             <a:r>
-              <a:rPr lang="en-US" sz="2400" b="0" i="0" dirty="0">
+              <a:rPr lang="en-US" sz="1800" b="0" i="0" dirty="0">
                 <a:solidFill>
                   <a:srgbClr val="545454"/>
                 </a:solidFill>
@@ -6030,7 +9762,7 @@
               <a:t> pandas </a:t>
             </a:r>
             <a:r>
-              <a:rPr lang="en-US" sz="2400" b="0" i="0" dirty="0">
+              <a:rPr lang="en-US" sz="1800" b="0" i="0" dirty="0">
                 <a:solidFill>
                   <a:srgbClr val="7928A1"/>
                 </a:solidFill>
@@ -6040,7 +9772,7 @@
               <a:t>as</a:t>
             </a:r>
             <a:r>
-              <a:rPr lang="en-US" sz="2400" b="0" i="0" dirty="0">
+              <a:rPr lang="en-US" sz="1800" b="0" i="0" dirty="0">
                 <a:solidFill>
                   <a:srgbClr val="545454"/>
                 </a:solidFill>
@@ -6052,7 +9784,7 @@
           </a:p>
           <a:p>
             <a:r>
-              <a:rPr lang="en-US" sz="2400" b="0" i="0" dirty="0" err="1">
+              <a:rPr lang="en-US" sz="1800" b="0" i="0" dirty="0" err="1">
                 <a:solidFill>
                   <a:srgbClr val="545454"/>
                 </a:solidFill>
@@ -6062,7 +9794,7 @@
               <a:t>example_df</a:t>
             </a:r>
             <a:r>
-              <a:rPr lang="en-US" sz="2400" b="0" i="0" dirty="0">
+              <a:rPr lang="en-US" sz="1800" b="0" i="0" dirty="0">
                 <a:solidFill>
                   <a:srgbClr val="545454"/>
                 </a:solidFill>
@@ -6072,7 +9804,7 @@
               <a:t> = </a:t>
             </a:r>
             <a:r>
-              <a:rPr lang="en-US" sz="2400" b="0" i="0" dirty="0" err="1">
+              <a:rPr lang="en-US" sz="1800" b="0" i="0" dirty="0" err="1">
                 <a:solidFill>
                   <a:srgbClr val="545454"/>
                 </a:solidFill>
@@ -6082,7 +9814,7 @@
               <a:t>pd.read_csv</a:t>
             </a:r>
             <a:r>
-              <a:rPr lang="en-US" sz="2400" b="0" i="0" dirty="0">
+              <a:rPr lang="en-US" sz="1800" b="0" i="0" dirty="0">
                 <a:solidFill>
                   <a:srgbClr val="545454"/>
                 </a:solidFill>
@@ -6092,7 +9824,7 @@
               <a:t>(</a:t>
             </a:r>
             <a:r>
-              <a:rPr lang="en-US" sz="2400" b="0" i="0" dirty="0">
+              <a:rPr lang="en-US" sz="1800" b="0" i="0" dirty="0">
                 <a:solidFill>
                   <a:srgbClr val="008000"/>
                 </a:solidFill>
@@ -6102,7 +9834,7 @@
               <a:t>'https://raw.github.com/pandas-dev/pandas/master/pandas/tests/io/data/csv/iris.csv’</a:t>
             </a:r>
             <a:r>
-              <a:rPr lang="en-US" sz="2400" b="0" i="0" dirty="0">
+              <a:rPr lang="en-US" sz="1800" b="0" i="0" dirty="0">
                 <a:solidFill>
                   <a:srgbClr val="545454"/>
                 </a:solidFill>
@@ -6114,7 +9846,7 @@
           </a:p>
           <a:p>
             <a:r>
-              <a:rPr lang="en-US" sz="2400" b="0" i="0" dirty="0" err="1">
+              <a:rPr lang="en-US" sz="1800" b="0" i="0" dirty="0" err="1">
                 <a:solidFill>
                   <a:srgbClr val="545454"/>
                 </a:solidFill>
@@ -6124,7 +9856,7 @@
               <a:t>thisdata</a:t>
             </a:r>
             <a:r>
-              <a:rPr lang="en-US" sz="2400" b="0" i="0" dirty="0">
+              <a:rPr lang="en-US" sz="1800" b="0" i="0" dirty="0">
                 <a:solidFill>
                   <a:srgbClr val="545454"/>
                 </a:solidFill>
@@ -6134,7 +9866,7 @@
               <a:t> = </a:t>
             </a:r>
             <a:r>
-              <a:rPr lang="en-US" sz="2400" b="0" i="0" dirty="0" err="1">
+              <a:rPr lang="en-US" sz="1800" b="0" i="0" dirty="0" err="1">
                 <a:solidFill>
                   <a:srgbClr val="545454"/>
                 </a:solidFill>
@@ -6144,7 +9876,7 @@
               <a:t>example_df.iloc</a:t>
             </a:r>
             <a:r>
-              <a:rPr lang="en-US" sz="2400" b="0" i="0" dirty="0">
+              <a:rPr lang="en-US" sz="1800" b="0" i="0" dirty="0">
                 <a:solidFill>
                   <a:srgbClr val="545454"/>
                 </a:solidFill>
@@ -6154,7 +9886,7 @@
               <a:t>[:,:-</a:t>
             </a:r>
             <a:r>
-              <a:rPr lang="en-US" sz="2400" b="0" i="0" dirty="0">
+              <a:rPr lang="en-US" sz="1800" b="0" i="0" dirty="0">
                 <a:solidFill>
                   <a:srgbClr val="AA5D00"/>
                 </a:solidFill>
@@ -6164,7 +9896,7 @@
               <a:t>1</a:t>
             </a:r>
             <a:r>
-              <a:rPr lang="en-US" sz="2400" b="0" i="0" dirty="0">
+              <a:rPr lang="en-US" sz="1800" b="0" i="0" dirty="0">
                 <a:solidFill>
                   <a:srgbClr val="545454"/>
                 </a:solidFill>
@@ -6176,7 +9908,7 @@
           </a:p>
           <a:p>
             <a:r>
-              <a:rPr lang="en-US" sz="2400" b="0" i="0" dirty="0" err="1">
+              <a:rPr lang="en-US" sz="1800" b="0" i="0" dirty="0" err="1">
                 <a:solidFill>
                   <a:srgbClr val="545454"/>
                 </a:solidFill>
@@ -6185,7 +9917,7 @@
               </a:rPr>
               <a:t>thisdata</a:t>
             </a:r>
-            <a:endParaRPr lang="en-US" sz="2400" dirty="0"/>
+            <a:endParaRPr lang="en-US" sz="1800" dirty="0"/>
           </a:p>
         </p:txBody>
       </p:sp>
@@ -6204,15 +9936,15 @@
           <p:nvPr/>
         </p:nvPicPr>
         <p:blipFill>
-          <a:blip r:embed="rId2"/>
+          <a:blip r:embed="rId3"/>
           <a:stretch>
             <a:fillRect/>
           </a:stretch>
         </p:blipFill>
         <p:spPr>
           <a:xfrm>
-            <a:off x="7520247" y="3429000"/>
-            <a:ext cx="3103418" cy="3255388"/>
+            <a:off x="8763600" y="2655588"/>
+            <a:ext cx="2835023" cy="2973850"/>
           </a:xfrm>
           <a:prstGeom prst="rect">
             <a:avLst/>
@@ -6222,7 +9954,7 @@
     </p:spTree>
     <p:extLst>
       <p:ext uri="{BB962C8B-B14F-4D97-AF65-F5344CB8AC3E}">
-        <p14:creationId xmlns:p14="http://schemas.microsoft.com/office/powerpoint/2010/main" val="1941677193"/>
+        <p14:creationId xmlns:p14="http://schemas.microsoft.com/office/powerpoint/2010/main" val="3677364219"/>
       </p:ext>
     </p:extLst>
   </p:cSld>
@@ -6251,6 +9983,377 @@
       </p:grpSpPr>
       <p:sp>
         <p:nvSpPr>
+          <p:cNvPr id="4" name="Rectangle 3">
+            <a:extLst>
+              <a:ext uri="{FF2B5EF4-FFF2-40B4-BE49-F238E27FC236}">
+                <a16:creationId xmlns:a16="http://schemas.microsoft.com/office/drawing/2014/main" id="{A4DB1E27-037C-E34E-EBCC-6E27FA5E5530}"/>
+              </a:ext>
+            </a:extLst>
+          </p:cNvPr>
+          <p:cNvSpPr/>
+          <p:nvPr/>
+        </p:nvSpPr>
+        <p:spPr>
+          <a:xfrm>
+            <a:off x="0" y="5840991"/>
+            <a:ext cx="12192000" cy="1017009"/>
+          </a:xfrm>
+          <a:prstGeom prst="rect">
+            <a:avLst/>
+          </a:prstGeom>
+          <a:solidFill>
+            <a:srgbClr val="CCCCFF"/>
+          </a:solidFill>
+          <a:ln>
+            <a:solidFill>
+              <a:srgbClr val="CCCCFF"/>
+            </a:solidFill>
+          </a:ln>
+        </p:spPr>
+        <p:style>
+          <a:lnRef idx="2">
+            <a:schemeClr val="accent1">
+              <a:shade val="15000"/>
+            </a:schemeClr>
+          </a:lnRef>
+          <a:fillRef idx="1">
+            <a:schemeClr val="accent1"/>
+          </a:fillRef>
+          <a:effectRef idx="0">
+            <a:schemeClr val="accent1"/>
+          </a:effectRef>
+          <a:fontRef idx="minor">
+            <a:schemeClr val="lt1"/>
+          </a:fontRef>
+        </p:style>
+        <p:txBody>
+          <a:bodyPr rtlCol="0" anchor="ctr"/>
+          <a:lstStyle/>
+          <a:p>
+            <a:pPr algn="ctr"/>
+            <a:endParaRPr lang="en-US"/>
+          </a:p>
+        </p:txBody>
+      </p:sp>
+      <p:sp>
+        <p:nvSpPr>
+          <p:cNvPr id="5" name="Rectangle 4">
+            <a:extLst>
+              <a:ext uri="{FF2B5EF4-FFF2-40B4-BE49-F238E27FC236}">
+                <a16:creationId xmlns:a16="http://schemas.microsoft.com/office/drawing/2014/main" id="{71C7F28E-8E5E-1460-E71D-A8ED8C9F23A7}"/>
+              </a:ext>
+            </a:extLst>
+          </p:cNvPr>
+          <p:cNvSpPr/>
+          <p:nvPr/>
+        </p:nvSpPr>
+        <p:spPr>
+          <a:xfrm>
+            <a:off x="0" y="0"/>
+            <a:ext cx="12192000" cy="1136342"/>
+          </a:xfrm>
+          <a:prstGeom prst="rect">
+            <a:avLst/>
+          </a:prstGeom>
+          <a:solidFill>
+            <a:srgbClr val="CCCCFF"/>
+          </a:solidFill>
+          <a:ln>
+            <a:solidFill>
+              <a:srgbClr val="CCCCFF"/>
+            </a:solidFill>
+          </a:ln>
+        </p:spPr>
+        <p:style>
+          <a:lnRef idx="2">
+            <a:schemeClr val="accent1">
+              <a:shade val="15000"/>
+            </a:schemeClr>
+          </a:lnRef>
+          <a:fillRef idx="1">
+            <a:schemeClr val="accent1"/>
+          </a:fillRef>
+          <a:effectRef idx="0">
+            <a:schemeClr val="accent1"/>
+          </a:effectRef>
+          <a:fontRef idx="minor">
+            <a:schemeClr val="lt1"/>
+          </a:fontRef>
+        </p:style>
+        <p:txBody>
+          <a:bodyPr rtlCol="0" anchor="ctr"/>
+          <a:lstStyle/>
+          <a:p>
+            <a:pPr algn="ctr"/>
+            <a:endParaRPr lang="en-US" dirty="0">
+              <a:noFill/>
+            </a:endParaRPr>
+          </a:p>
+        </p:txBody>
+      </p:sp>
+      <p:pic>
+        <p:nvPicPr>
+          <p:cNvPr id="6" name="Picture 5" descr="A black and white logo&#10;&#10;Description automatically generated">
+            <a:extLst>
+              <a:ext uri="{FF2B5EF4-FFF2-40B4-BE49-F238E27FC236}">
+                <a16:creationId xmlns:a16="http://schemas.microsoft.com/office/drawing/2014/main" id="{7966E0DA-5400-3997-334B-AB697BC62659}"/>
+              </a:ext>
+            </a:extLst>
+          </p:cNvPr>
+          <p:cNvPicPr>
+            <a:picLocks noChangeAspect="1"/>
+          </p:cNvPicPr>
+          <p:nvPr/>
+        </p:nvPicPr>
+        <p:blipFill>
+          <a:blip r:embed="rId2">
+            <a:extLst>
+              <a:ext uri="{28A0092B-C50C-407E-A947-70E740481C1C}">
+                <a14:useLocalDpi xmlns:a14="http://schemas.microsoft.com/office/drawing/2010/main" val="0"/>
+              </a:ext>
+            </a:extLst>
+          </a:blip>
+          <a:stretch>
+            <a:fillRect/>
+          </a:stretch>
+        </p:blipFill>
+        <p:spPr>
+          <a:xfrm>
+            <a:off x="11051882" y="119333"/>
+            <a:ext cx="1093483" cy="1017009"/>
+          </a:xfrm>
+          <a:prstGeom prst="rect">
+            <a:avLst/>
+          </a:prstGeom>
+        </p:spPr>
+      </p:pic>
+      <p:sp>
+        <p:nvSpPr>
+          <p:cNvPr id="7" name="Flowchart: Data 2">
+            <a:extLst>
+              <a:ext uri="{FF2B5EF4-FFF2-40B4-BE49-F238E27FC236}">
+                <a16:creationId xmlns:a16="http://schemas.microsoft.com/office/drawing/2014/main" id="{24AD28AA-00E0-03DF-CA52-98EED05B79BC}"/>
+              </a:ext>
+            </a:extLst>
+          </p:cNvPr>
+          <p:cNvSpPr/>
+          <p:nvPr/>
+        </p:nvSpPr>
+        <p:spPr>
+          <a:xfrm>
+            <a:off x="10848138" y="6264097"/>
+            <a:ext cx="1343862" cy="608120"/>
+          </a:xfrm>
+          <a:custGeom>
+            <a:avLst/>
+            <a:gdLst>
+              <a:gd name="connsiteX0" fmla="*/ 0 w 10000"/>
+              <a:gd name="connsiteY0" fmla="*/ 10000 h 10000"/>
+              <a:gd name="connsiteX1" fmla="*/ 2000 w 10000"/>
+              <a:gd name="connsiteY1" fmla="*/ 0 h 10000"/>
+              <a:gd name="connsiteX2" fmla="*/ 10000 w 10000"/>
+              <a:gd name="connsiteY2" fmla="*/ 0 h 10000"/>
+              <a:gd name="connsiteX3" fmla="*/ 8000 w 10000"/>
+              <a:gd name="connsiteY3" fmla="*/ 10000 h 10000"/>
+              <a:gd name="connsiteX4" fmla="*/ 0 w 10000"/>
+              <a:gd name="connsiteY4" fmla="*/ 10000 h 10000"/>
+              <a:gd name="connsiteX0" fmla="*/ 0 w 8000"/>
+              <a:gd name="connsiteY0" fmla="*/ 10000 h 10000"/>
+              <a:gd name="connsiteX1" fmla="*/ 2000 w 8000"/>
+              <a:gd name="connsiteY1" fmla="*/ 0 h 10000"/>
+              <a:gd name="connsiteX2" fmla="*/ 4142 w 8000"/>
+              <a:gd name="connsiteY2" fmla="*/ 153 h 10000"/>
+              <a:gd name="connsiteX3" fmla="*/ 8000 w 8000"/>
+              <a:gd name="connsiteY3" fmla="*/ 10000 h 10000"/>
+              <a:gd name="connsiteX4" fmla="*/ 0 w 8000"/>
+              <a:gd name="connsiteY4" fmla="*/ 10000 h 10000"/>
+              <a:gd name="connsiteX0" fmla="*/ 0 w 5414"/>
+              <a:gd name="connsiteY0" fmla="*/ 10000 h 10000"/>
+              <a:gd name="connsiteX1" fmla="*/ 2500 w 5414"/>
+              <a:gd name="connsiteY1" fmla="*/ 0 h 10000"/>
+              <a:gd name="connsiteX2" fmla="*/ 5178 w 5414"/>
+              <a:gd name="connsiteY2" fmla="*/ 153 h 10000"/>
+              <a:gd name="connsiteX3" fmla="*/ 5414 w 5414"/>
+              <a:gd name="connsiteY3" fmla="*/ 10000 h 10000"/>
+              <a:gd name="connsiteX4" fmla="*/ 0 w 5414"/>
+              <a:gd name="connsiteY4" fmla="*/ 10000 h 10000"/>
+              <a:gd name="connsiteX0" fmla="*/ 0 w 9609"/>
+              <a:gd name="connsiteY0" fmla="*/ 10000 h 10000"/>
+              <a:gd name="connsiteX1" fmla="*/ 4618 w 9609"/>
+              <a:gd name="connsiteY1" fmla="*/ 0 h 10000"/>
+              <a:gd name="connsiteX2" fmla="*/ 9564 w 9609"/>
+              <a:gd name="connsiteY2" fmla="*/ 153 h 10000"/>
+              <a:gd name="connsiteX3" fmla="*/ 9590 w 9609"/>
+              <a:gd name="connsiteY3" fmla="*/ 10000 h 10000"/>
+              <a:gd name="connsiteX4" fmla="*/ 0 w 9609"/>
+              <a:gd name="connsiteY4" fmla="*/ 10000 h 10000"/>
+              <a:gd name="connsiteX0" fmla="*/ 0 w 10193"/>
+              <a:gd name="connsiteY0" fmla="*/ 10000 h 10153"/>
+              <a:gd name="connsiteX1" fmla="*/ 4806 w 10193"/>
+              <a:gd name="connsiteY1" fmla="*/ 0 h 10153"/>
+              <a:gd name="connsiteX2" fmla="*/ 9953 w 10193"/>
+              <a:gd name="connsiteY2" fmla="*/ 153 h 10153"/>
+              <a:gd name="connsiteX3" fmla="*/ 10193 w 10193"/>
+              <a:gd name="connsiteY3" fmla="*/ 10153 h 10153"/>
+              <a:gd name="connsiteX4" fmla="*/ 0 w 10193"/>
+              <a:gd name="connsiteY4" fmla="*/ 10000 h 10153"/>
+              <a:gd name="connsiteX0" fmla="*/ 0 w 10213"/>
+              <a:gd name="connsiteY0" fmla="*/ 10000 h 10153"/>
+              <a:gd name="connsiteX1" fmla="*/ 4806 w 10213"/>
+              <a:gd name="connsiteY1" fmla="*/ 0 h 10153"/>
+              <a:gd name="connsiteX2" fmla="*/ 10166 w 10213"/>
+              <a:gd name="connsiteY2" fmla="*/ 153 h 10153"/>
+              <a:gd name="connsiteX3" fmla="*/ 10193 w 10213"/>
+              <a:gd name="connsiteY3" fmla="*/ 10153 h 10153"/>
+              <a:gd name="connsiteX4" fmla="*/ 0 w 10213"/>
+              <a:gd name="connsiteY4" fmla="*/ 10000 h 10153"/>
+              <a:gd name="connsiteX0" fmla="*/ 0 w 10341"/>
+              <a:gd name="connsiteY0" fmla="*/ 10000 h 10153"/>
+              <a:gd name="connsiteX1" fmla="*/ 4806 w 10341"/>
+              <a:gd name="connsiteY1" fmla="*/ 0 h 10153"/>
+              <a:gd name="connsiteX2" fmla="*/ 10308 w 10341"/>
+              <a:gd name="connsiteY2" fmla="*/ 0 h 10153"/>
+              <a:gd name="connsiteX3" fmla="*/ 10193 w 10341"/>
+              <a:gd name="connsiteY3" fmla="*/ 10153 h 10153"/>
+              <a:gd name="connsiteX4" fmla="*/ 0 w 10341"/>
+              <a:gd name="connsiteY4" fmla="*/ 10000 h 10153"/>
+              <a:gd name="connsiteX0" fmla="*/ 0 w 10406"/>
+              <a:gd name="connsiteY0" fmla="*/ 10000 h 10306"/>
+              <a:gd name="connsiteX1" fmla="*/ 4806 w 10406"/>
+              <a:gd name="connsiteY1" fmla="*/ 0 h 10306"/>
+              <a:gd name="connsiteX2" fmla="*/ 10308 w 10406"/>
+              <a:gd name="connsiteY2" fmla="*/ 0 h 10306"/>
+              <a:gd name="connsiteX3" fmla="*/ 10406 w 10406"/>
+              <a:gd name="connsiteY3" fmla="*/ 10306 h 10306"/>
+              <a:gd name="connsiteX4" fmla="*/ 0 w 10406"/>
+              <a:gd name="connsiteY4" fmla="*/ 10000 h 10306"/>
+              <a:gd name="connsiteX0" fmla="*/ 0 w 10761"/>
+              <a:gd name="connsiteY0" fmla="*/ 10458 h 10458"/>
+              <a:gd name="connsiteX1" fmla="*/ 5161 w 10761"/>
+              <a:gd name="connsiteY1" fmla="*/ 0 h 10458"/>
+              <a:gd name="connsiteX2" fmla="*/ 10663 w 10761"/>
+              <a:gd name="connsiteY2" fmla="*/ 0 h 10458"/>
+              <a:gd name="connsiteX3" fmla="*/ 10761 w 10761"/>
+              <a:gd name="connsiteY3" fmla="*/ 10306 h 10458"/>
+              <a:gd name="connsiteX4" fmla="*/ 0 w 10761"/>
+              <a:gd name="connsiteY4" fmla="*/ 10458 h 10458"/>
+            </a:gdLst>
+            <a:ahLst/>
+            <a:cxnLst>
+              <a:cxn ang="0">
+                <a:pos x="connsiteX0" y="connsiteY0"/>
+              </a:cxn>
+              <a:cxn ang="0">
+                <a:pos x="connsiteX1" y="connsiteY1"/>
+              </a:cxn>
+              <a:cxn ang="0">
+                <a:pos x="connsiteX2" y="connsiteY2"/>
+              </a:cxn>
+              <a:cxn ang="0">
+                <a:pos x="connsiteX3" y="connsiteY3"/>
+              </a:cxn>
+              <a:cxn ang="0">
+                <a:pos x="connsiteX4" y="connsiteY4"/>
+              </a:cxn>
+            </a:cxnLst>
+            <a:rect l="l" t="t" r="r" b="b"/>
+            <a:pathLst>
+              <a:path w="10761" h="10458">
+                <a:moveTo>
+                  <a:pt x="0" y="10458"/>
+                </a:moveTo>
+                <a:lnTo>
+                  <a:pt x="5161" y="0"/>
+                </a:lnTo>
+                <a:lnTo>
+                  <a:pt x="10663" y="0"/>
+                </a:lnTo>
+                <a:cubicBezTo>
+                  <a:pt x="10815" y="3282"/>
+                  <a:pt x="10609" y="7024"/>
+                  <a:pt x="10761" y="10306"/>
+                </a:cubicBezTo>
+                <a:lnTo>
+                  <a:pt x="0" y="10458"/>
+                </a:lnTo>
+                <a:close/>
+              </a:path>
+            </a:pathLst>
+          </a:custGeom>
+          <a:solidFill>
+            <a:schemeClr val="bg1"/>
+          </a:solidFill>
+          <a:ln w="19050">
+            <a:solidFill>
+              <a:schemeClr val="tx1"/>
+            </a:solidFill>
+          </a:ln>
+        </p:spPr>
+        <p:style>
+          <a:lnRef idx="2">
+            <a:schemeClr val="accent1">
+              <a:shade val="15000"/>
+            </a:schemeClr>
+          </a:lnRef>
+          <a:fillRef idx="1">
+            <a:schemeClr val="accent1"/>
+          </a:fillRef>
+          <a:effectRef idx="0">
+            <a:schemeClr val="accent1"/>
+          </a:effectRef>
+          <a:fontRef idx="minor">
+            <a:schemeClr val="lt1"/>
+          </a:fontRef>
+        </p:style>
+        <p:txBody>
+          <a:bodyPr rtlCol="0" anchor="ctr"/>
+          <a:lstStyle/>
+          <a:p>
+            <a:pPr algn="ctr"/>
+            <a:endParaRPr lang="en-US"/>
+          </a:p>
+        </p:txBody>
+      </p:sp>
+      <p:sp>
+        <p:nvSpPr>
+          <p:cNvPr id="8" name="TextBox 7">
+            <a:extLst>
+              <a:ext uri="{FF2B5EF4-FFF2-40B4-BE49-F238E27FC236}">
+                <a16:creationId xmlns:a16="http://schemas.microsoft.com/office/drawing/2014/main" id="{EA8F2FDF-E9D3-323C-4FCA-28C723BB0D53}"/>
+              </a:ext>
+            </a:extLst>
+          </p:cNvPr>
+          <p:cNvSpPr txBox="1"/>
+          <p:nvPr/>
+        </p:nvSpPr>
+        <p:spPr>
+          <a:xfrm>
+            <a:off x="11520069" y="6287442"/>
+            <a:ext cx="557254" cy="584775"/>
+          </a:xfrm>
+          <a:prstGeom prst="rect">
+            <a:avLst/>
+          </a:prstGeom>
+          <a:noFill/>
+        </p:spPr>
+        <p:txBody>
+          <a:bodyPr wrap="square" rtlCol="0">
+            <a:spAutoFit/>
+          </a:bodyPr>
+          <a:lstStyle/>
+          <a:p>
+            <a:r>
+              <a:rPr lang="en-US" sz="3200" dirty="0">
+                <a:latin typeface="TH SarabunPSK" panose="020B0500040200020003" pitchFamily="34" charset="-34"/>
+                <a:cs typeface="TH SarabunPSK" panose="020B0500040200020003" pitchFamily="34" charset="-34"/>
+              </a:rPr>
+              <a:t>6</a:t>
+            </a:r>
+          </a:p>
+        </p:txBody>
+      </p:sp>
+      <p:sp>
+        <p:nvSpPr>
           <p:cNvPr id="2" name="Title 1">
             <a:extLst>
               <a:ext uri="{FF2B5EF4-FFF2-40B4-BE49-F238E27FC236}">
@@ -6265,17 +10368,28 @@
             <p:ph type="title"/>
           </p:nvPr>
         </p:nvSpPr>
-        <p:spPr/>
+        <p:spPr>
+          <a:xfrm>
+            <a:off x="838200" y="18255"/>
+            <a:ext cx="10515600" cy="1325563"/>
+          </a:xfrm>
+        </p:spPr>
         <p:txBody>
           <a:bodyPr/>
           <a:lstStyle/>
           <a:p>
             <a:r>
-              <a:rPr lang="th-TH" dirty="0"/>
+              <a:rPr lang="th-TH" dirty="0">
+                <a:latin typeface="TH SarabunPSK" panose="020B0500040200020003" pitchFamily="34" charset="-34"/>
+                <a:cs typeface="TH SarabunPSK" panose="020B0500040200020003" pitchFamily="34" charset="-34"/>
+              </a:rPr>
               <a:t>เริ่มทำ </a:t>
             </a:r>
             <a:r>
-              <a:rPr lang="en-US" dirty="0"/>
+              <a:rPr lang="en-US" dirty="0">
+                <a:latin typeface="TH SarabunPSK" panose="020B0500040200020003" pitchFamily="34" charset="-34"/>
+                <a:cs typeface="TH SarabunPSK" panose="020B0500040200020003" pitchFamily="34" charset="-34"/>
+              </a:rPr>
               <a:t>PCA</a:t>
             </a:r>
           </a:p>
@@ -6303,7 +10417,7 @@
           <a:lstStyle/>
           <a:p>
             <a:r>
-              <a:rPr lang="en-US" b="0" i="0" dirty="0">
+              <a:rPr lang="en-US" sz="2000" b="0" i="0" dirty="0">
                 <a:solidFill>
                   <a:srgbClr val="7928A1"/>
                 </a:solidFill>
@@ -6313,7 +10427,7 @@
               <a:t>from</a:t>
             </a:r>
             <a:r>
-              <a:rPr lang="en-US" b="0" i="0" dirty="0">
+              <a:rPr lang="en-US" sz="2000" b="0" i="0" dirty="0">
                 <a:solidFill>
                   <a:srgbClr val="545454"/>
                 </a:solidFill>
@@ -6323,7 +10437,7 @@
               <a:t> </a:t>
             </a:r>
             <a:r>
-              <a:rPr lang="en-US" b="0" i="0" dirty="0" err="1">
+              <a:rPr lang="en-US" sz="2000" b="0" i="0" dirty="0" err="1">
                 <a:solidFill>
                   <a:srgbClr val="545454"/>
                 </a:solidFill>
@@ -6333,7 +10447,7 @@
               <a:t>sklearn.decomposition</a:t>
             </a:r>
             <a:r>
-              <a:rPr lang="en-US" b="0" i="0" dirty="0">
+              <a:rPr lang="en-US" sz="2000" b="0" i="0" dirty="0">
                 <a:solidFill>
                   <a:srgbClr val="545454"/>
                 </a:solidFill>
@@ -6343,7 +10457,7 @@
               <a:t> </a:t>
             </a:r>
             <a:r>
-              <a:rPr lang="en-US" b="0" i="0" dirty="0">
+              <a:rPr lang="en-US" sz="2000" b="0" i="0" dirty="0">
                 <a:solidFill>
                   <a:srgbClr val="7928A1"/>
                 </a:solidFill>
@@ -6353,7 +10467,7 @@
               <a:t>import</a:t>
             </a:r>
             <a:r>
-              <a:rPr lang="en-US" b="0" i="0" dirty="0">
+              <a:rPr lang="en-US" sz="2000" b="0" i="0" dirty="0">
                 <a:solidFill>
                   <a:srgbClr val="545454"/>
                 </a:solidFill>
@@ -6365,7 +10479,7 @@
           </a:p>
           <a:p>
             <a:r>
-              <a:rPr lang="en-US" b="0" i="0" dirty="0" err="1">
+              <a:rPr lang="en-US" sz="2000" b="0" i="0" dirty="0" err="1">
                 <a:solidFill>
                   <a:srgbClr val="545454"/>
                 </a:solidFill>
@@ -6375,7 +10489,7 @@
               <a:t>pca</a:t>
             </a:r>
             <a:r>
-              <a:rPr lang="en-US" b="0" i="0" dirty="0">
+              <a:rPr lang="en-US" sz="2000" b="0" i="0" dirty="0">
                 <a:solidFill>
                   <a:srgbClr val="545454"/>
                 </a:solidFill>
@@ -6384,7 +10498,7 @@
               </a:rPr>
               <a:t> = PCA()</a:t>
             </a:r>
-            <a:endParaRPr lang="en-US" dirty="0">
+            <a:endParaRPr lang="en-US" sz="2000" dirty="0">
               <a:solidFill>
                 <a:srgbClr val="545454"/>
               </a:solidFill>
@@ -6393,7 +10507,7 @@
           </a:p>
           <a:p>
             <a:r>
-              <a:rPr lang="en-US" b="0" i="0" dirty="0" err="1">
+              <a:rPr lang="en-US" sz="2000" b="0" i="0" dirty="0" err="1">
                 <a:solidFill>
                   <a:srgbClr val="545454"/>
                 </a:solidFill>
@@ -6403,7 +10517,7 @@
               <a:t>new_axis</a:t>
             </a:r>
             <a:r>
-              <a:rPr lang="en-US" b="0" i="0" dirty="0">
+              <a:rPr lang="en-US" sz="2000" b="0" i="0" dirty="0">
                 <a:solidFill>
                   <a:srgbClr val="545454"/>
                 </a:solidFill>
@@ -6413,7 +10527,7 @@
               <a:t> = </a:t>
             </a:r>
             <a:r>
-              <a:rPr lang="en-US" b="0" i="0" dirty="0" err="1">
+              <a:rPr lang="en-US" sz="2000" b="0" i="0" dirty="0" err="1">
                 <a:solidFill>
                   <a:srgbClr val="545454"/>
                 </a:solidFill>
@@ -6423,7 +10537,7 @@
               <a:t>pca.fit_transform</a:t>
             </a:r>
             <a:r>
-              <a:rPr lang="en-US" b="0" i="0" dirty="0">
+              <a:rPr lang="en-US" sz="2000" b="0" i="0" dirty="0">
                 <a:solidFill>
                   <a:srgbClr val="545454"/>
                 </a:solidFill>
@@ -6433,7 +10547,7 @@
               <a:t>(</a:t>
             </a:r>
             <a:r>
-              <a:rPr lang="en-US" b="0" i="0" dirty="0" err="1">
+              <a:rPr lang="en-US" sz="2000" b="0" i="0" dirty="0" err="1">
                 <a:solidFill>
                   <a:srgbClr val="545454"/>
                 </a:solidFill>
@@ -6443,7 +10557,7 @@
               <a:t>thisdata</a:t>
             </a:r>
             <a:r>
-              <a:rPr lang="en-US" b="0" i="0" dirty="0">
+              <a:rPr lang="en-US" sz="2000" b="0" i="0" dirty="0">
                 <a:solidFill>
                   <a:srgbClr val="545454"/>
                 </a:solidFill>
@@ -6455,7 +10569,7 @@
           </a:p>
           <a:p>
             <a:r>
-              <a:rPr lang="en-US" b="0" i="0" dirty="0" err="1">
+              <a:rPr lang="en-US" sz="2000" b="0" i="0" dirty="0" err="1">
                 <a:solidFill>
                   <a:srgbClr val="545454"/>
                 </a:solidFill>
@@ -6464,6 +10578,34 @@
               </a:rPr>
               <a:t>new_axis.shape</a:t>
             </a:r>
+            <a:endParaRPr lang="th-TH" sz="2000" b="0" i="0" dirty="0">
+              <a:solidFill>
+                <a:srgbClr val="545454"/>
+              </a:solidFill>
+              <a:effectLst/>
+              <a:latin typeface="Courier New" panose="02070309020205020404" pitchFamily="49" charset="0"/>
+            </a:endParaRPr>
+          </a:p>
+          <a:p>
+            <a:r>
+              <a:rPr lang="en-US" sz="2000" b="0" i="0" dirty="0" err="1">
+                <a:solidFill>
+                  <a:srgbClr val="545454"/>
+                </a:solidFill>
+                <a:effectLst/>
+                <a:latin typeface="Courier New" panose="02070309020205020404" pitchFamily="49" charset="0"/>
+              </a:rPr>
+              <a:t>new_axis</a:t>
+            </a:r>
+            <a:endParaRPr lang="th-TH" sz="2000" b="0" i="0" dirty="0">
+              <a:solidFill>
+                <a:srgbClr val="545454"/>
+              </a:solidFill>
+              <a:effectLst/>
+              <a:latin typeface="Courier New" panose="02070309020205020404" pitchFamily="49" charset="0"/>
+            </a:endParaRPr>
+          </a:p>
+          <a:p>
             <a:endParaRPr lang="th-TH" b="0" i="0" dirty="0">
               <a:solidFill>
                 <a:srgbClr val="545454"/>
@@ -6472,40 +10614,12 @@
               <a:latin typeface="Courier New" panose="02070309020205020404" pitchFamily="49" charset="0"/>
             </a:endParaRPr>
           </a:p>
-          <a:p>
-            <a:r>
-              <a:rPr lang="en-US" b="0" i="0" dirty="0" err="1">
-                <a:solidFill>
-                  <a:srgbClr val="545454"/>
-                </a:solidFill>
-                <a:effectLst/>
-                <a:latin typeface="Courier New" panose="02070309020205020404" pitchFamily="49" charset="0"/>
-              </a:rPr>
-              <a:t>new_axis</a:t>
-            </a:r>
-            <a:endParaRPr lang="th-TH" b="0" i="0" dirty="0">
-              <a:solidFill>
-                <a:srgbClr val="545454"/>
-              </a:solidFill>
-              <a:effectLst/>
-              <a:latin typeface="Courier New" panose="02070309020205020404" pitchFamily="49" charset="0"/>
-            </a:endParaRPr>
-          </a:p>
-          <a:p>
-            <a:endParaRPr lang="th-TH" b="0" i="0" dirty="0">
-              <a:solidFill>
-                <a:srgbClr val="545454"/>
-              </a:solidFill>
-              <a:effectLst/>
-              <a:latin typeface="Courier New" panose="02070309020205020404" pitchFamily="49" charset="0"/>
-            </a:endParaRPr>
-          </a:p>
         </p:txBody>
       </p:sp>
     </p:spTree>
     <p:extLst>
       <p:ext uri="{BB962C8B-B14F-4D97-AF65-F5344CB8AC3E}">
-        <p14:creationId xmlns:p14="http://schemas.microsoft.com/office/powerpoint/2010/main" val="3756943390"/>
+        <p14:creationId xmlns:p14="http://schemas.microsoft.com/office/powerpoint/2010/main" val="3788634084"/>
       </p:ext>
     </p:extLst>
   </p:cSld>
@@ -6534,6 +10648,377 @@
       </p:grpSpPr>
       <p:sp>
         <p:nvSpPr>
+          <p:cNvPr id="4" name="Rectangle 3">
+            <a:extLst>
+              <a:ext uri="{FF2B5EF4-FFF2-40B4-BE49-F238E27FC236}">
+                <a16:creationId xmlns:a16="http://schemas.microsoft.com/office/drawing/2014/main" id="{B87CF305-CAD1-90A0-6CEF-1FF39CCD727E}"/>
+              </a:ext>
+            </a:extLst>
+          </p:cNvPr>
+          <p:cNvSpPr/>
+          <p:nvPr/>
+        </p:nvSpPr>
+        <p:spPr>
+          <a:xfrm>
+            <a:off x="0" y="5840991"/>
+            <a:ext cx="12192000" cy="1017009"/>
+          </a:xfrm>
+          <a:prstGeom prst="rect">
+            <a:avLst/>
+          </a:prstGeom>
+          <a:solidFill>
+            <a:srgbClr val="CCCCFF"/>
+          </a:solidFill>
+          <a:ln>
+            <a:solidFill>
+              <a:srgbClr val="CCCCFF"/>
+            </a:solidFill>
+          </a:ln>
+        </p:spPr>
+        <p:style>
+          <a:lnRef idx="2">
+            <a:schemeClr val="accent1">
+              <a:shade val="15000"/>
+            </a:schemeClr>
+          </a:lnRef>
+          <a:fillRef idx="1">
+            <a:schemeClr val="accent1"/>
+          </a:fillRef>
+          <a:effectRef idx="0">
+            <a:schemeClr val="accent1"/>
+          </a:effectRef>
+          <a:fontRef idx="minor">
+            <a:schemeClr val="lt1"/>
+          </a:fontRef>
+        </p:style>
+        <p:txBody>
+          <a:bodyPr rtlCol="0" anchor="ctr"/>
+          <a:lstStyle/>
+          <a:p>
+            <a:pPr algn="ctr"/>
+            <a:endParaRPr lang="en-US"/>
+          </a:p>
+        </p:txBody>
+      </p:sp>
+      <p:sp>
+        <p:nvSpPr>
+          <p:cNvPr id="5" name="Rectangle 4">
+            <a:extLst>
+              <a:ext uri="{FF2B5EF4-FFF2-40B4-BE49-F238E27FC236}">
+                <a16:creationId xmlns:a16="http://schemas.microsoft.com/office/drawing/2014/main" id="{8C7D1316-85E5-C34F-AFA9-A3339674BF4A}"/>
+              </a:ext>
+            </a:extLst>
+          </p:cNvPr>
+          <p:cNvSpPr/>
+          <p:nvPr/>
+        </p:nvSpPr>
+        <p:spPr>
+          <a:xfrm>
+            <a:off x="0" y="0"/>
+            <a:ext cx="12192000" cy="1136342"/>
+          </a:xfrm>
+          <a:prstGeom prst="rect">
+            <a:avLst/>
+          </a:prstGeom>
+          <a:solidFill>
+            <a:srgbClr val="CCCCFF"/>
+          </a:solidFill>
+          <a:ln>
+            <a:solidFill>
+              <a:srgbClr val="CCCCFF"/>
+            </a:solidFill>
+          </a:ln>
+        </p:spPr>
+        <p:style>
+          <a:lnRef idx="2">
+            <a:schemeClr val="accent1">
+              <a:shade val="15000"/>
+            </a:schemeClr>
+          </a:lnRef>
+          <a:fillRef idx="1">
+            <a:schemeClr val="accent1"/>
+          </a:fillRef>
+          <a:effectRef idx="0">
+            <a:schemeClr val="accent1"/>
+          </a:effectRef>
+          <a:fontRef idx="minor">
+            <a:schemeClr val="lt1"/>
+          </a:fontRef>
+        </p:style>
+        <p:txBody>
+          <a:bodyPr rtlCol="0" anchor="ctr"/>
+          <a:lstStyle/>
+          <a:p>
+            <a:pPr algn="ctr"/>
+            <a:endParaRPr lang="en-US" dirty="0">
+              <a:noFill/>
+            </a:endParaRPr>
+          </a:p>
+        </p:txBody>
+      </p:sp>
+      <p:pic>
+        <p:nvPicPr>
+          <p:cNvPr id="6" name="Picture 5" descr="A black and white logo&#10;&#10;Description automatically generated">
+            <a:extLst>
+              <a:ext uri="{FF2B5EF4-FFF2-40B4-BE49-F238E27FC236}">
+                <a16:creationId xmlns:a16="http://schemas.microsoft.com/office/drawing/2014/main" id="{48CFF3FD-90F7-D027-B103-138FC80142F6}"/>
+              </a:ext>
+            </a:extLst>
+          </p:cNvPr>
+          <p:cNvPicPr>
+            <a:picLocks noChangeAspect="1"/>
+          </p:cNvPicPr>
+          <p:nvPr/>
+        </p:nvPicPr>
+        <p:blipFill>
+          <a:blip r:embed="rId2">
+            <a:extLst>
+              <a:ext uri="{28A0092B-C50C-407E-A947-70E740481C1C}">
+                <a14:useLocalDpi xmlns:a14="http://schemas.microsoft.com/office/drawing/2010/main" val="0"/>
+              </a:ext>
+            </a:extLst>
+          </a:blip>
+          <a:stretch>
+            <a:fillRect/>
+          </a:stretch>
+        </p:blipFill>
+        <p:spPr>
+          <a:xfrm>
+            <a:off x="11051882" y="119333"/>
+            <a:ext cx="1093483" cy="1017009"/>
+          </a:xfrm>
+          <a:prstGeom prst="rect">
+            <a:avLst/>
+          </a:prstGeom>
+        </p:spPr>
+      </p:pic>
+      <p:sp>
+        <p:nvSpPr>
+          <p:cNvPr id="7" name="Flowchart: Data 2">
+            <a:extLst>
+              <a:ext uri="{FF2B5EF4-FFF2-40B4-BE49-F238E27FC236}">
+                <a16:creationId xmlns:a16="http://schemas.microsoft.com/office/drawing/2014/main" id="{AA25FD7C-890D-A5A6-5C2A-879E5DF69C9A}"/>
+              </a:ext>
+            </a:extLst>
+          </p:cNvPr>
+          <p:cNvSpPr/>
+          <p:nvPr/>
+        </p:nvSpPr>
+        <p:spPr>
+          <a:xfrm>
+            <a:off x="10848138" y="6264097"/>
+            <a:ext cx="1343862" cy="608120"/>
+          </a:xfrm>
+          <a:custGeom>
+            <a:avLst/>
+            <a:gdLst>
+              <a:gd name="connsiteX0" fmla="*/ 0 w 10000"/>
+              <a:gd name="connsiteY0" fmla="*/ 10000 h 10000"/>
+              <a:gd name="connsiteX1" fmla="*/ 2000 w 10000"/>
+              <a:gd name="connsiteY1" fmla="*/ 0 h 10000"/>
+              <a:gd name="connsiteX2" fmla="*/ 10000 w 10000"/>
+              <a:gd name="connsiteY2" fmla="*/ 0 h 10000"/>
+              <a:gd name="connsiteX3" fmla="*/ 8000 w 10000"/>
+              <a:gd name="connsiteY3" fmla="*/ 10000 h 10000"/>
+              <a:gd name="connsiteX4" fmla="*/ 0 w 10000"/>
+              <a:gd name="connsiteY4" fmla="*/ 10000 h 10000"/>
+              <a:gd name="connsiteX0" fmla="*/ 0 w 8000"/>
+              <a:gd name="connsiteY0" fmla="*/ 10000 h 10000"/>
+              <a:gd name="connsiteX1" fmla="*/ 2000 w 8000"/>
+              <a:gd name="connsiteY1" fmla="*/ 0 h 10000"/>
+              <a:gd name="connsiteX2" fmla="*/ 4142 w 8000"/>
+              <a:gd name="connsiteY2" fmla="*/ 153 h 10000"/>
+              <a:gd name="connsiteX3" fmla="*/ 8000 w 8000"/>
+              <a:gd name="connsiteY3" fmla="*/ 10000 h 10000"/>
+              <a:gd name="connsiteX4" fmla="*/ 0 w 8000"/>
+              <a:gd name="connsiteY4" fmla="*/ 10000 h 10000"/>
+              <a:gd name="connsiteX0" fmla="*/ 0 w 5414"/>
+              <a:gd name="connsiteY0" fmla="*/ 10000 h 10000"/>
+              <a:gd name="connsiteX1" fmla="*/ 2500 w 5414"/>
+              <a:gd name="connsiteY1" fmla="*/ 0 h 10000"/>
+              <a:gd name="connsiteX2" fmla="*/ 5178 w 5414"/>
+              <a:gd name="connsiteY2" fmla="*/ 153 h 10000"/>
+              <a:gd name="connsiteX3" fmla="*/ 5414 w 5414"/>
+              <a:gd name="connsiteY3" fmla="*/ 10000 h 10000"/>
+              <a:gd name="connsiteX4" fmla="*/ 0 w 5414"/>
+              <a:gd name="connsiteY4" fmla="*/ 10000 h 10000"/>
+              <a:gd name="connsiteX0" fmla="*/ 0 w 9609"/>
+              <a:gd name="connsiteY0" fmla="*/ 10000 h 10000"/>
+              <a:gd name="connsiteX1" fmla="*/ 4618 w 9609"/>
+              <a:gd name="connsiteY1" fmla="*/ 0 h 10000"/>
+              <a:gd name="connsiteX2" fmla="*/ 9564 w 9609"/>
+              <a:gd name="connsiteY2" fmla="*/ 153 h 10000"/>
+              <a:gd name="connsiteX3" fmla="*/ 9590 w 9609"/>
+              <a:gd name="connsiteY3" fmla="*/ 10000 h 10000"/>
+              <a:gd name="connsiteX4" fmla="*/ 0 w 9609"/>
+              <a:gd name="connsiteY4" fmla="*/ 10000 h 10000"/>
+              <a:gd name="connsiteX0" fmla="*/ 0 w 10193"/>
+              <a:gd name="connsiteY0" fmla="*/ 10000 h 10153"/>
+              <a:gd name="connsiteX1" fmla="*/ 4806 w 10193"/>
+              <a:gd name="connsiteY1" fmla="*/ 0 h 10153"/>
+              <a:gd name="connsiteX2" fmla="*/ 9953 w 10193"/>
+              <a:gd name="connsiteY2" fmla="*/ 153 h 10153"/>
+              <a:gd name="connsiteX3" fmla="*/ 10193 w 10193"/>
+              <a:gd name="connsiteY3" fmla="*/ 10153 h 10153"/>
+              <a:gd name="connsiteX4" fmla="*/ 0 w 10193"/>
+              <a:gd name="connsiteY4" fmla="*/ 10000 h 10153"/>
+              <a:gd name="connsiteX0" fmla="*/ 0 w 10213"/>
+              <a:gd name="connsiteY0" fmla="*/ 10000 h 10153"/>
+              <a:gd name="connsiteX1" fmla="*/ 4806 w 10213"/>
+              <a:gd name="connsiteY1" fmla="*/ 0 h 10153"/>
+              <a:gd name="connsiteX2" fmla="*/ 10166 w 10213"/>
+              <a:gd name="connsiteY2" fmla="*/ 153 h 10153"/>
+              <a:gd name="connsiteX3" fmla="*/ 10193 w 10213"/>
+              <a:gd name="connsiteY3" fmla="*/ 10153 h 10153"/>
+              <a:gd name="connsiteX4" fmla="*/ 0 w 10213"/>
+              <a:gd name="connsiteY4" fmla="*/ 10000 h 10153"/>
+              <a:gd name="connsiteX0" fmla="*/ 0 w 10341"/>
+              <a:gd name="connsiteY0" fmla="*/ 10000 h 10153"/>
+              <a:gd name="connsiteX1" fmla="*/ 4806 w 10341"/>
+              <a:gd name="connsiteY1" fmla="*/ 0 h 10153"/>
+              <a:gd name="connsiteX2" fmla="*/ 10308 w 10341"/>
+              <a:gd name="connsiteY2" fmla="*/ 0 h 10153"/>
+              <a:gd name="connsiteX3" fmla="*/ 10193 w 10341"/>
+              <a:gd name="connsiteY3" fmla="*/ 10153 h 10153"/>
+              <a:gd name="connsiteX4" fmla="*/ 0 w 10341"/>
+              <a:gd name="connsiteY4" fmla="*/ 10000 h 10153"/>
+              <a:gd name="connsiteX0" fmla="*/ 0 w 10406"/>
+              <a:gd name="connsiteY0" fmla="*/ 10000 h 10306"/>
+              <a:gd name="connsiteX1" fmla="*/ 4806 w 10406"/>
+              <a:gd name="connsiteY1" fmla="*/ 0 h 10306"/>
+              <a:gd name="connsiteX2" fmla="*/ 10308 w 10406"/>
+              <a:gd name="connsiteY2" fmla="*/ 0 h 10306"/>
+              <a:gd name="connsiteX3" fmla="*/ 10406 w 10406"/>
+              <a:gd name="connsiteY3" fmla="*/ 10306 h 10306"/>
+              <a:gd name="connsiteX4" fmla="*/ 0 w 10406"/>
+              <a:gd name="connsiteY4" fmla="*/ 10000 h 10306"/>
+              <a:gd name="connsiteX0" fmla="*/ 0 w 10761"/>
+              <a:gd name="connsiteY0" fmla="*/ 10458 h 10458"/>
+              <a:gd name="connsiteX1" fmla="*/ 5161 w 10761"/>
+              <a:gd name="connsiteY1" fmla="*/ 0 h 10458"/>
+              <a:gd name="connsiteX2" fmla="*/ 10663 w 10761"/>
+              <a:gd name="connsiteY2" fmla="*/ 0 h 10458"/>
+              <a:gd name="connsiteX3" fmla="*/ 10761 w 10761"/>
+              <a:gd name="connsiteY3" fmla="*/ 10306 h 10458"/>
+              <a:gd name="connsiteX4" fmla="*/ 0 w 10761"/>
+              <a:gd name="connsiteY4" fmla="*/ 10458 h 10458"/>
+            </a:gdLst>
+            <a:ahLst/>
+            <a:cxnLst>
+              <a:cxn ang="0">
+                <a:pos x="connsiteX0" y="connsiteY0"/>
+              </a:cxn>
+              <a:cxn ang="0">
+                <a:pos x="connsiteX1" y="connsiteY1"/>
+              </a:cxn>
+              <a:cxn ang="0">
+                <a:pos x="connsiteX2" y="connsiteY2"/>
+              </a:cxn>
+              <a:cxn ang="0">
+                <a:pos x="connsiteX3" y="connsiteY3"/>
+              </a:cxn>
+              <a:cxn ang="0">
+                <a:pos x="connsiteX4" y="connsiteY4"/>
+              </a:cxn>
+            </a:cxnLst>
+            <a:rect l="l" t="t" r="r" b="b"/>
+            <a:pathLst>
+              <a:path w="10761" h="10458">
+                <a:moveTo>
+                  <a:pt x="0" y="10458"/>
+                </a:moveTo>
+                <a:lnTo>
+                  <a:pt x="5161" y="0"/>
+                </a:lnTo>
+                <a:lnTo>
+                  <a:pt x="10663" y="0"/>
+                </a:lnTo>
+                <a:cubicBezTo>
+                  <a:pt x="10815" y="3282"/>
+                  <a:pt x="10609" y="7024"/>
+                  <a:pt x="10761" y="10306"/>
+                </a:cubicBezTo>
+                <a:lnTo>
+                  <a:pt x="0" y="10458"/>
+                </a:lnTo>
+                <a:close/>
+              </a:path>
+            </a:pathLst>
+          </a:custGeom>
+          <a:solidFill>
+            <a:schemeClr val="bg1"/>
+          </a:solidFill>
+          <a:ln w="19050">
+            <a:solidFill>
+              <a:schemeClr val="tx1"/>
+            </a:solidFill>
+          </a:ln>
+        </p:spPr>
+        <p:style>
+          <a:lnRef idx="2">
+            <a:schemeClr val="accent1">
+              <a:shade val="15000"/>
+            </a:schemeClr>
+          </a:lnRef>
+          <a:fillRef idx="1">
+            <a:schemeClr val="accent1"/>
+          </a:fillRef>
+          <a:effectRef idx="0">
+            <a:schemeClr val="accent1"/>
+          </a:effectRef>
+          <a:fontRef idx="minor">
+            <a:schemeClr val="lt1"/>
+          </a:fontRef>
+        </p:style>
+        <p:txBody>
+          <a:bodyPr rtlCol="0" anchor="ctr"/>
+          <a:lstStyle/>
+          <a:p>
+            <a:pPr algn="ctr"/>
+            <a:endParaRPr lang="en-US"/>
+          </a:p>
+        </p:txBody>
+      </p:sp>
+      <p:sp>
+        <p:nvSpPr>
+          <p:cNvPr id="9" name="TextBox 8">
+            <a:extLst>
+              <a:ext uri="{FF2B5EF4-FFF2-40B4-BE49-F238E27FC236}">
+                <a16:creationId xmlns:a16="http://schemas.microsoft.com/office/drawing/2014/main" id="{B7984BED-C101-F5EB-FB9A-4EAAD7B65843}"/>
+              </a:ext>
+            </a:extLst>
+          </p:cNvPr>
+          <p:cNvSpPr txBox="1"/>
+          <p:nvPr/>
+        </p:nvSpPr>
+        <p:spPr>
+          <a:xfrm>
+            <a:off x="11520069" y="6287442"/>
+            <a:ext cx="557254" cy="584775"/>
+          </a:xfrm>
+          <a:prstGeom prst="rect">
+            <a:avLst/>
+          </a:prstGeom>
+          <a:noFill/>
+        </p:spPr>
+        <p:txBody>
+          <a:bodyPr wrap="square" rtlCol="0">
+            <a:spAutoFit/>
+          </a:bodyPr>
+          <a:lstStyle/>
+          <a:p>
+            <a:r>
+              <a:rPr lang="en-US" sz="3200" dirty="0">
+                <a:latin typeface="TH SarabunPSK" panose="020B0500040200020003" pitchFamily="34" charset="-34"/>
+                <a:cs typeface="TH SarabunPSK" panose="020B0500040200020003" pitchFamily="34" charset="-34"/>
+              </a:rPr>
+              <a:t>7</a:t>
+            </a:r>
+          </a:p>
+        </p:txBody>
+      </p:sp>
+      <p:sp>
+        <p:nvSpPr>
           <p:cNvPr id="2" name="Title 1">
             <a:extLst>
               <a:ext uri="{FF2B5EF4-FFF2-40B4-BE49-F238E27FC236}">
@@ -6548,17 +11033,28 @@
             <p:ph type="title"/>
           </p:nvPr>
         </p:nvSpPr>
-        <p:spPr/>
+        <p:spPr>
+          <a:xfrm>
+            <a:off x="838200" y="8731"/>
+            <a:ext cx="10515600" cy="1325563"/>
+          </a:xfrm>
+        </p:spPr>
         <p:txBody>
           <a:bodyPr/>
           <a:lstStyle/>
           <a:p>
             <a:r>
-              <a:rPr lang="th-TH" dirty="0"/>
+              <a:rPr lang="th-TH" dirty="0">
+                <a:latin typeface="TH SarabunPSK" panose="020B0500040200020003" pitchFamily="34" charset="-34"/>
+                <a:cs typeface="TH SarabunPSK" panose="020B0500040200020003" pitchFamily="34" charset="-34"/>
+              </a:rPr>
               <a:t>ผลลัพธ์การทำ </a:t>
             </a:r>
             <a:r>
-              <a:rPr lang="en-US" dirty="0"/>
+              <a:rPr lang="en-US" dirty="0">
+                <a:latin typeface="TH SarabunPSK" panose="020B0500040200020003" pitchFamily="34" charset="-34"/>
+                <a:cs typeface="TH SarabunPSK" panose="020B0500040200020003" pitchFamily="34" charset="-34"/>
+              </a:rPr>
               <a:t>PCA</a:t>
             </a:r>
           </a:p>
@@ -6580,31 +11076,48 @@
             <p:ph idx="1"/>
           </p:nvPr>
         </p:nvSpPr>
-        <p:spPr/>
+        <p:spPr>
+          <a:xfrm>
+            <a:off x="838200" y="1444896"/>
+            <a:ext cx="10515600" cy="4351338"/>
+          </a:xfrm>
+        </p:spPr>
         <p:txBody>
           <a:bodyPr/>
           <a:lstStyle/>
           <a:p>
             <a:r>
-              <a:rPr lang="th-TH" dirty="0"/>
+              <a:rPr lang="th-TH" sz="2400" dirty="0">
+                <a:latin typeface="TH SarabunPSK" panose="020B0500040200020003" pitchFamily="34" charset="-34"/>
+                <a:cs typeface="TH SarabunPSK" panose="020B0500040200020003" pitchFamily="34" charset="-34"/>
+              </a:rPr>
               <a:t>จะได้ข้อมูลที่ถูกหมุนแกนแล้ว จำนวนข้อมูลเท่าเดิมกับข้อมูลที่</a:t>
             </a:r>
             <a:r>
-              <a:rPr lang="en-US" dirty="0"/>
+              <a:rPr lang="en-US" sz="2400" dirty="0">
+                <a:latin typeface="TH SarabunPSK" panose="020B0500040200020003" pitchFamily="34" charset="-34"/>
+                <a:cs typeface="TH SarabunPSK" panose="020B0500040200020003" pitchFamily="34" charset="-34"/>
+              </a:rPr>
               <a:t> input </a:t>
             </a:r>
             <a:r>
-              <a:rPr lang="th-TH" dirty="0"/>
+              <a:rPr lang="th-TH" sz="2400" dirty="0">
+                <a:latin typeface="TH SarabunPSK" panose="020B0500040200020003" pitchFamily="34" charset="-34"/>
+                <a:cs typeface="TH SarabunPSK" panose="020B0500040200020003" pitchFamily="34" charset="-34"/>
+              </a:rPr>
               <a:t>ใช้ทำ </a:t>
             </a:r>
             <a:r>
-              <a:rPr lang="en-US" dirty="0"/>
+              <a:rPr lang="en-US" sz="2400" dirty="0">
+                <a:latin typeface="TH SarabunPSK" panose="020B0500040200020003" pitchFamily="34" charset="-34"/>
+                <a:cs typeface="TH SarabunPSK" panose="020B0500040200020003" pitchFamily="34" charset="-34"/>
+              </a:rPr>
               <a:t>PCA </a:t>
             </a:r>
           </a:p>
           <a:p>
             <a:r>
-              <a:rPr lang="en-US" b="0" i="0" dirty="0" err="1">
+              <a:rPr lang="en-US" sz="1800" b="0" i="0" dirty="0" err="1">
                 <a:solidFill>
                   <a:srgbClr val="545454"/>
                 </a:solidFill>
@@ -6614,7 +11127,7 @@
               <a:t>new_axis.shape</a:t>
             </a:r>
             <a:r>
-              <a:rPr lang="th-TH" b="0" i="0" dirty="0">
+              <a:rPr lang="th-TH" sz="1800" b="0" i="0" dirty="0">
                 <a:solidFill>
                   <a:srgbClr val="545454"/>
                 </a:solidFill>
@@ -6624,33 +11137,41 @@
               <a:t> </a:t>
             </a:r>
             <a:r>
-              <a:rPr lang="th-TH" dirty="0">
+              <a:rPr lang="th-TH" sz="2400" dirty="0">
                 <a:solidFill>
                   <a:srgbClr val="545454"/>
                 </a:solidFill>
-                <a:latin typeface="Courier New" panose="02070309020205020404" pitchFamily="49" charset="0"/>
+                <a:latin typeface="TH SarabunPSK" panose="020B0500040200020003" pitchFamily="34" charset="-34"/>
+                <a:cs typeface="TH SarabunPSK" panose="020B0500040200020003" pitchFamily="34" charset="-34"/>
               </a:rPr>
               <a:t>จะได้ผลลัพธ์ </a:t>
             </a:r>
             <a:r>
-              <a:rPr lang="en-US" dirty="0"/>
+              <a:rPr lang="en-US" sz="2400" dirty="0">
+                <a:latin typeface="TH SarabunPSK" panose="020B0500040200020003" pitchFamily="34" charset="-34"/>
+                <a:cs typeface="TH SarabunPSK" panose="020B0500040200020003" pitchFamily="34" charset="-34"/>
+              </a:rPr>
               <a:t>(150, 4)</a:t>
             </a:r>
-            <a:endParaRPr lang="th-TH" dirty="0"/>
-          </a:p>
-          <a:p>
-            <a:r>
-              <a:rPr lang="en-US" b="0" i="0" dirty="0" err="1">
+            <a:endParaRPr lang="th-TH" sz="2400" dirty="0">
+              <a:latin typeface="TH SarabunPSK" panose="020B0500040200020003" pitchFamily="34" charset="-34"/>
+              <a:cs typeface="TH SarabunPSK" panose="020B0500040200020003" pitchFamily="34" charset="-34"/>
+            </a:endParaRPr>
+          </a:p>
+          <a:p>
+            <a:r>
+              <a:rPr lang="en-US" sz="1800" b="0" i="0" dirty="0" err="1">
                 <a:solidFill>
                   <a:srgbClr val="545454"/>
                 </a:solidFill>
                 <a:effectLst/>
                 <a:latin typeface="Courier New" panose="02070309020205020404" pitchFamily="49" charset="0"/>
+                <a:cs typeface="Courier New" panose="02070309020205020404" pitchFamily="49" charset="0"/>
               </a:rPr>
               <a:t>new_axis</a:t>
             </a:r>
             <a:r>
-              <a:rPr lang="th-TH" b="0" i="0" dirty="0">
+              <a:rPr lang="th-TH" sz="1800" b="0" i="0" dirty="0">
                 <a:solidFill>
                   <a:srgbClr val="545454"/>
                 </a:solidFill>
@@ -6660,7 +11181,7 @@
               <a:t> </a:t>
             </a:r>
             <a:r>
-              <a:rPr lang="th-TH" dirty="0">
+              <a:rPr lang="th-TH" sz="2400" dirty="0">
                 <a:solidFill>
                   <a:srgbClr val="545454"/>
                 </a:solidFill>
@@ -6669,26 +11190,39 @@
               <a:t>จะได้ผลลัพธ์คือ</a:t>
             </a:r>
             <a:r>
-              <a:rPr lang="th-TH" dirty="0"/>
+              <a:rPr lang="th-TH" sz="2400" dirty="0">
+                <a:latin typeface="Courier New" panose="02070309020205020404" pitchFamily="49" charset="0"/>
+              </a:rPr>
               <a:t>ข้อมูลที่ถูกหมุนแกนแล้ว</a:t>
             </a:r>
             <a:r>
-              <a:rPr lang="en-US" dirty="0"/>
+              <a:rPr lang="en-US" sz="2400" dirty="0">
+                <a:latin typeface="Courier New" panose="02070309020205020404" pitchFamily="49" charset="0"/>
+                <a:cs typeface="Courier New" panose="02070309020205020404" pitchFamily="49" charset="0"/>
+              </a:rPr>
               <a:t> </a:t>
             </a:r>
             <a:r>
-              <a:rPr lang="th-TH" dirty="0"/>
+              <a:rPr lang="th-TH" sz="2400" dirty="0">
+                <a:latin typeface="Courier New" panose="02070309020205020404" pitchFamily="49" charset="0"/>
+              </a:rPr>
               <a:t>ในรูปแบบ </a:t>
             </a:r>
             <a:r>
-              <a:rPr lang="en-US" dirty="0" err="1"/>
+              <a:rPr lang="en-US" sz="2400" dirty="0" err="1">
+                <a:latin typeface="Courier New" panose="02070309020205020404" pitchFamily="49" charset="0"/>
+                <a:cs typeface="Courier New" panose="02070309020205020404" pitchFamily="49" charset="0"/>
+              </a:rPr>
               <a:t>numpy</a:t>
             </a:r>
             <a:r>
-              <a:rPr lang="en-US" dirty="0"/>
+              <a:rPr lang="en-US" sz="2400" dirty="0">
+                <a:latin typeface="Courier New" panose="02070309020205020404" pitchFamily="49" charset="0"/>
+                <a:cs typeface="Courier New" panose="02070309020205020404" pitchFamily="49" charset="0"/>
+              </a:rPr>
               <a:t> array</a:t>
             </a:r>
-            <a:endParaRPr lang="th-TH" b="0" i="0" dirty="0">
+            <a:endParaRPr lang="th-TH" sz="2400" b="0" i="0" dirty="0">
               <a:solidFill>
                 <a:srgbClr val="545454"/>
               </a:solidFill>
@@ -6716,15 +11250,15 @@
           <p:nvPr/>
         </p:nvPicPr>
         <p:blipFill>
-          <a:blip r:embed="rId2"/>
+          <a:blip r:embed="rId3"/>
           <a:stretch>
             <a:fillRect/>
           </a:stretch>
         </p:blipFill>
         <p:spPr>
           <a:xfrm>
-            <a:off x="976830" y="3429000"/>
-            <a:ext cx="5813977" cy="2747963"/>
+            <a:off x="1209675" y="2986787"/>
+            <a:ext cx="5133457" cy="2426317"/>
           </a:xfrm>
           <a:prstGeom prst="rect">
             <a:avLst/>
@@ -6734,7 +11268,7 @@
     </p:spTree>
     <p:extLst>
       <p:ext uri="{BB962C8B-B14F-4D97-AF65-F5344CB8AC3E}">
-        <p14:creationId xmlns:p14="http://schemas.microsoft.com/office/powerpoint/2010/main" val="1280482869"/>
+        <p14:creationId xmlns:p14="http://schemas.microsoft.com/office/powerpoint/2010/main" val="510593371"/>
       </p:ext>
     </p:extLst>
   </p:cSld>
@@ -6763,6 +11297,377 @@
       </p:grpSpPr>
       <p:sp>
         <p:nvSpPr>
+          <p:cNvPr id="4" name="Rectangle 3">
+            <a:extLst>
+              <a:ext uri="{FF2B5EF4-FFF2-40B4-BE49-F238E27FC236}">
+                <a16:creationId xmlns:a16="http://schemas.microsoft.com/office/drawing/2014/main" id="{43DB6CAB-8BAF-E938-AB6D-FD0771B0A527}"/>
+              </a:ext>
+            </a:extLst>
+          </p:cNvPr>
+          <p:cNvSpPr/>
+          <p:nvPr/>
+        </p:nvSpPr>
+        <p:spPr>
+          <a:xfrm>
+            <a:off x="0" y="5840991"/>
+            <a:ext cx="12192000" cy="1017009"/>
+          </a:xfrm>
+          <a:prstGeom prst="rect">
+            <a:avLst/>
+          </a:prstGeom>
+          <a:solidFill>
+            <a:srgbClr val="CCCCFF"/>
+          </a:solidFill>
+          <a:ln>
+            <a:solidFill>
+              <a:srgbClr val="CCCCFF"/>
+            </a:solidFill>
+          </a:ln>
+        </p:spPr>
+        <p:style>
+          <a:lnRef idx="2">
+            <a:schemeClr val="accent1">
+              <a:shade val="15000"/>
+            </a:schemeClr>
+          </a:lnRef>
+          <a:fillRef idx="1">
+            <a:schemeClr val="accent1"/>
+          </a:fillRef>
+          <a:effectRef idx="0">
+            <a:schemeClr val="accent1"/>
+          </a:effectRef>
+          <a:fontRef idx="minor">
+            <a:schemeClr val="lt1"/>
+          </a:fontRef>
+        </p:style>
+        <p:txBody>
+          <a:bodyPr rtlCol="0" anchor="ctr"/>
+          <a:lstStyle/>
+          <a:p>
+            <a:pPr algn="ctr"/>
+            <a:endParaRPr lang="en-US"/>
+          </a:p>
+        </p:txBody>
+      </p:sp>
+      <p:sp>
+        <p:nvSpPr>
+          <p:cNvPr id="6" name="Rectangle 5">
+            <a:extLst>
+              <a:ext uri="{FF2B5EF4-FFF2-40B4-BE49-F238E27FC236}">
+                <a16:creationId xmlns:a16="http://schemas.microsoft.com/office/drawing/2014/main" id="{86E87C14-A5DD-0A8E-5A03-4BB73520B948}"/>
+              </a:ext>
+            </a:extLst>
+          </p:cNvPr>
+          <p:cNvSpPr/>
+          <p:nvPr/>
+        </p:nvSpPr>
+        <p:spPr>
+          <a:xfrm>
+            <a:off x="0" y="0"/>
+            <a:ext cx="12192000" cy="1136342"/>
+          </a:xfrm>
+          <a:prstGeom prst="rect">
+            <a:avLst/>
+          </a:prstGeom>
+          <a:solidFill>
+            <a:srgbClr val="CCCCFF"/>
+          </a:solidFill>
+          <a:ln>
+            <a:solidFill>
+              <a:srgbClr val="CCCCFF"/>
+            </a:solidFill>
+          </a:ln>
+        </p:spPr>
+        <p:style>
+          <a:lnRef idx="2">
+            <a:schemeClr val="accent1">
+              <a:shade val="15000"/>
+            </a:schemeClr>
+          </a:lnRef>
+          <a:fillRef idx="1">
+            <a:schemeClr val="accent1"/>
+          </a:fillRef>
+          <a:effectRef idx="0">
+            <a:schemeClr val="accent1"/>
+          </a:effectRef>
+          <a:fontRef idx="minor">
+            <a:schemeClr val="lt1"/>
+          </a:fontRef>
+        </p:style>
+        <p:txBody>
+          <a:bodyPr rtlCol="0" anchor="ctr"/>
+          <a:lstStyle/>
+          <a:p>
+            <a:pPr algn="ctr"/>
+            <a:endParaRPr lang="en-US" dirty="0">
+              <a:noFill/>
+            </a:endParaRPr>
+          </a:p>
+        </p:txBody>
+      </p:sp>
+      <p:pic>
+        <p:nvPicPr>
+          <p:cNvPr id="7" name="Picture 6" descr="A black and white logo&#10;&#10;Description automatically generated">
+            <a:extLst>
+              <a:ext uri="{FF2B5EF4-FFF2-40B4-BE49-F238E27FC236}">
+                <a16:creationId xmlns:a16="http://schemas.microsoft.com/office/drawing/2014/main" id="{2816BFDB-D2CB-53C9-D9F3-919D53E0A9A6}"/>
+              </a:ext>
+            </a:extLst>
+          </p:cNvPr>
+          <p:cNvPicPr>
+            <a:picLocks noChangeAspect="1"/>
+          </p:cNvPicPr>
+          <p:nvPr/>
+        </p:nvPicPr>
+        <p:blipFill>
+          <a:blip r:embed="rId3">
+            <a:extLst>
+              <a:ext uri="{28A0092B-C50C-407E-A947-70E740481C1C}">
+                <a14:useLocalDpi xmlns:a14="http://schemas.microsoft.com/office/drawing/2010/main" val="0"/>
+              </a:ext>
+            </a:extLst>
+          </a:blip>
+          <a:stretch>
+            <a:fillRect/>
+          </a:stretch>
+        </p:blipFill>
+        <p:spPr>
+          <a:xfrm>
+            <a:off x="11051882" y="119333"/>
+            <a:ext cx="1093483" cy="1017009"/>
+          </a:xfrm>
+          <a:prstGeom prst="rect">
+            <a:avLst/>
+          </a:prstGeom>
+        </p:spPr>
+      </p:pic>
+      <p:sp>
+        <p:nvSpPr>
+          <p:cNvPr id="8" name="Flowchart: Data 2">
+            <a:extLst>
+              <a:ext uri="{FF2B5EF4-FFF2-40B4-BE49-F238E27FC236}">
+                <a16:creationId xmlns:a16="http://schemas.microsoft.com/office/drawing/2014/main" id="{C94FA154-4F21-5E94-581B-25402EB4CDAC}"/>
+              </a:ext>
+            </a:extLst>
+          </p:cNvPr>
+          <p:cNvSpPr/>
+          <p:nvPr/>
+        </p:nvSpPr>
+        <p:spPr>
+          <a:xfrm>
+            <a:off x="10848138" y="6264097"/>
+            <a:ext cx="1343862" cy="608120"/>
+          </a:xfrm>
+          <a:custGeom>
+            <a:avLst/>
+            <a:gdLst>
+              <a:gd name="connsiteX0" fmla="*/ 0 w 10000"/>
+              <a:gd name="connsiteY0" fmla="*/ 10000 h 10000"/>
+              <a:gd name="connsiteX1" fmla="*/ 2000 w 10000"/>
+              <a:gd name="connsiteY1" fmla="*/ 0 h 10000"/>
+              <a:gd name="connsiteX2" fmla="*/ 10000 w 10000"/>
+              <a:gd name="connsiteY2" fmla="*/ 0 h 10000"/>
+              <a:gd name="connsiteX3" fmla="*/ 8000 w 10000"/>
+              <a:gd name="connsiteY3" fmla="*/ 10000 h 10000"/>
+              <a:gd name="connsiteX4" fmla="*/ 0 w 10000"/>
+              <a:gd name="connsiteY4" fmla="*/ 10000 h 10000"/>
+              <a:gd name="connsiteX0" fmla="*/ 0 w 8000"/>
+              <a:gd name="connsiteY0" fmla="*/ 10000 h 10000"/>
+              <a:gd name="connsiteX1" fmla="*/ 2000 w 8000"/>
+              <a:gd name="connsiteY1" fmla="*/ 0 h 10000"/>
+              <a:gd name="connsiteX2" fmla="*/ 4142 w 8000"/>
+              <a:gd name="connsiteY2" fmla="*/ 153 h 10000"/>
+              <a:gd name="connsiteX3" fmla="*/ 8000 w 8000"/>
+              <a:gd name="connsiteY3" fmla="*/ 10000 h 10000"/>
+              <a:gd name="connsiteX4" fmla="*/ 0 w 8000"/>
+              <a:gd name="connsiteY4" fmla="*/ 10000 h 10000"/>
+              <a:gd name="connsiteX0" fmla="*/ 0 w 5414"/>
+              <a:gd name="connsiteY0" fmla="*/ 10000 h 10000"/>
+              <a:gd name="connsiteX1" fmla="*/ 2500 w 5414"/>
+              <a:gd name="connsiteY1" fmla="*/ 0 h 10000"/>
+              <a:gd name="connsiteX2" fmla="*/ 5178 w 5414"/>
+              <a:gd name="connsiteY2" fmla="*/ 153 h 10000"/>
+              <a:gd name="connsiteX3" fmla="*/ 5414 w 5414"/>
+              <a:gd name="connsiteY3" fmla="*/ 10000 h 10000"/>
+              <a:gd name="connsiteX4" fmla="*/ 0 w 5414"/>
+              <a:gd name="connsiteY4" fmla="*/ 10000 h 10000"/>
+              <a:gd name="connsiteX0" fmla="*/ 0 w 9609"/>
+              <a:gd name="connsiteY0" fmla="*/ 10000 h 10000"/>
+              <a:gd name="connsiteX1" fmla="*/ 4618 w 9609"/>
+              <a:gd name="connsiteY1" fmla="*/ 0 h 10000"/>
+              <a:gd name="connsiteX2" fmla="*/ 9564 w 9609"/>
+              <a:gd name="connsiteY2" fmla="*/ 153 h 10000"/>
+              <a:gd name="connsiteX3" fmla="*/ 9590 w 9609"/>
+              <a:gd name="connsiteY3" fmla="*/ 10000 h 10000"/>
+              <a:gd name="connsiteX4" fmla="*/ 0 w 9609"/>
+              <a:gd name="connsiteY4" fmla="*/ 10000 h 10000"/>
+              <a:gd name="connsiteX0" fmla="*/ 0 w 10193"/>
+              <a:gd name="connsiteY0" fmla="*/ 10000 h 10153"/>
+              <a:gd name="connsiteX1" fmla="*/ 4806 w 10193"/>
+              <a:gd name="connsiteY1" fmla="*/ 0 h 10153"/>
+              <a:gd name="connsiteX2" fmla="*/ 9953 w 10193"/>
+              <a:gd name="connsiteY2" fmla="*/ 153 h 10153"/>
+              <a:gd name="connsiteX3" fmla="*/ 10193 w 10193"/>
+              <a:gd name="connsiteY3" fmla="*/ 10153 h 10153"/>
+              <a:gd name="connsiteX4" fmla="*/ 0 w 10193"/>
+              <a:gd name="connsiteY4" fmla="*/ 10000 h 10153"/>
+              <a:gd name="connsiteX0" fmla="*/ 0 w 10213"/>
+              <a:gd name="connsiteY0" fmla="*/ 10000 h 10153"/>
+              <a:gd name="connsiteX1" fmla="*/ 4806 w 10213"/>
+              <a:gd name="connsiteY1" fmla="*/ 0 h 10153"/>
+              <a:gd name="connsiteX2" fmla="*/ 10166 w 10213"/>
+              <a:gd name="connsiteY2" fmla="*/ 153 h 10153"/>
+              <a:gd name="connsiteX3" fmla="*/ 10193 w 10213"/>
+              <a:gd name="connsiteY3" fmla="*/ 10153 h 10153"/>
+              <a:gd name="connsiteX4" fmla="*/ 0 w 10213"/>
+              <a:gd name="connsiteY4" fmla="*/ 10000 h 10153"/>
+              <a:gd name="connsiteX0" fmla="*/ 0 w 10341"/>
+              <a:gd name="connsiteY0" fmla="*/ 10000 h 10153"/>
+              <a:gd name="connsiteX1" fmla="*/ 4806 w 10341"/>
+              <a:gd name="connsiteY1" fmla="*/ 0 h 10153"/>
+              <a:gd name="connsiteX2" fmla="*/ 10308 w 10341"/>
+              <a:gd name="connsiteY2" fmla="*/ 0 h 10153"/>
+              <a:gd name="connsiteX3" fmla="*/ 10193 w 10341"/>
+              <a:gd name="connsiteY3" fmla="*/ 10153 h 10153"/>
+              <a:gd name="connsiteX4" fmla="*/ 0 w 10341"/>
+              <a:gd name="connsiteY4" fmla="*/ 10000 h 10153"/>
+              <a:gd name="connsiteX0" fmla="*/ 0 w 10406"/>
+              <a:gd name="connsiteY0" fmla="*/ 10000 h 10306"/>
+              <a:gd name="connsiteX1" fmla="*/ 4806 w 10406"/>
+              <a:gd name="connsiteY1" fmla="*/ 0 h 10306"/>
+              <a:gd name="connsiteX2" fmla="*/ 10308 w 10406"/>
+              <a:gd name="connsiteY2" fmla="*/ 0 h 10306"/>
+              <a:gd name="connsiteX3" fmla="*/ 10406 w 10406"/>
+              <a:gd name="connsiteY3" fmla="*/ 10306 h 10306"/>
+              <a:gd name="connsiteX4" fmla="*/ 0 w 10406"/>
+              <a:gd name="connsiteY4" fmla="*/ 10000 h 10306"/>
+              <a:gd name="connsiteX0" fmla="*/ 0 w 10761"/>
+              <a:gd name="connsiteY0" fmla="*/ 10458 h 10458"/>
+              <a:gd name="connsiteX1" fmla="*/ 5161 w 10761"/>
+              <a:gd name="connsiteY1" fmla="*/ 0 h 10458"/>
+              <a:gd name="connsiteX2" fmla="*/ 10663 w 10761"/>
+              <a:gd name="connsiteY2" fmla="*/ 0 h 10458"/>
+              <a:gd name="connsiteX3" fmla="*/ 10761 w 10761"/>
+              <a:gd name="connsiteY3" fmla="*/ 10306 h 10458"/>
+              <a:gd name="connsiteX4" fmla="*/ 0 w 10761"/>
+              <a:gd name="connsiteY4" fmla="*/ 10458 h 10458"/>
+            </a:gdLst>
+            <a:ahLst/>
+            <a:cxnLst>
+              <a:cxn ang="0">
+                <a:pos x="connsiteX0" y="connsiteY0"/>
+              </a:cxn>
+              <a:cxn ang="0">
+                <a:pos x="connsiteX1" y="connsiteY1"/>
+              </a:cxn>
+              <a:cxn ang="0">
+                <a:pos x="connsiteX2" y="connsiteY2"/>
+              </a:cxn>
+              <a:cxn ang="0">
+                <a:pos x="connsiteX3" y="connsiteY3"/>
+              </a:cxn>
+              <a:cxn ang="0">
+                <a:pos x="connsiteX4" y="connsiteY4"/>
+              </a:cxn>
+            </a:cxnLst>
+            <a:rect l="l" t="t" r="r" b="b"/>
+            <a:pathLst>
+              <a:path w="10761" h="10458">
+                <a:moveTo>
+                  <a:pt x="0" y="10458"/>
+                </a:moveTo>
+                <a:lnTo>
+                  <a:pt x="5161" y="0"/>
+                </a:lnTo>
+                <a:lnTo>
+                  <a:pt x="10663" y="0"/>
+                </a:lnTo>
+                <a:cubicBezTo>
+                  <a:pt x="10815" y="3282"/>
+                  <a:pt x="10609" y="7024"/>
+                  <a:pt x="10761" y="10306"/>
+                </a:cubicBezTo>
+                <a:lnTo>
+                  <a:pt x="0" y="10458"/>
+                </a:lnTo>
+                <a:close/>
+              </a:path>
+            </a:pathLst>
+          </a:custGeom>
+          <a:solidFill>
+            <a:schemeClr val="bg1"/>
+          </a:solidFill>
+          <a:ln w="19050">
+            <a:solidFill>
+              <a:schemeClr val="tx1"/>
+            </a:solidFill>
+          </a:ln>
+        </p:spPr>
+        <p:style>
+          <a:lnRef idx="2">
+            <a:schemeClr val="accent1">
+              <a:shade val="15000"/>
+            </a:schemeClr>
+          </a:lnRef>
+          <a:fillRef idx="1">
+            <a:schemeClr val="accent1"/>
+          </a:fillRef>
+          <a:effectRef idx="0">
+            <a:schemeClr val="accent1"/>
+          </a:effectRef>
+          <a:fontRef idx="minor">
+            <a:schemeClr val="lt1"/>
+          </a:fontRef>
+        </p:style>
+        <p:txBody>
+          <a:bodyPr rtlCol="0" anchor="ctr"/>
+          <a:lstStyle/>
+          <a:p>
+            <a:pPr algn="ctr"/>
+            <a:endParaRPr lang="en-US"/>
+          </a:p>
+        </p:txBody>
+      </p:sp>
+      <p:sp>
+        <p:nvSpPr>
+          <p:cNvPr id="9" name="TextBox 8">
+            <a:extLst>
+              <a:ext uri="{FF2B5EF4-FFF2-40B4-BE49-F238E27FC236}">
+                <a16:creationId xmlns:a16="http://schemas.microsoft.com/office/drawing/2014/main" id="{2BE90718-E076-E1E0-A2E8-5B1CA1E70411}"/>
+              </a:ext>
+            </a:extLst>
+          </p:cNvPr>
+          <p:cNvSpPr txBox="1"/>
+          <p:nvPr/>
+        </p:nvSpPr>
+        <p:spPr>
+          <a:xfrm>
+            <a:off x="11520069" y="6287442"/>
+            <a:ext cx="557254" cy="584775"/>
+          </a:xfrm>
+          <a:prstGeom prst="rect">
+            <a:avLst/>
+          </a:prstGeom>
+          <a:noFill/>
+        </p:spPr>
+        <p:txBody>
+          <a:bodyPr wrap="square" rtlCol="0">
+            <a:spAutoFit/>
+          </a:bodyPr>
+          <a:lstStyle/>
+          <a:p>
+            <a:r>
+              <a:rPr lang="en-US" sz="3200" dirty="0">
+                <a:latin typeface="TH SarabunPSK" panose="020B0500040200020003" pitchFamily="34" charset="-34"/>
+                <a:cs typeface="TH SarabunPSK" panose="020B0500040200020003" pitchFamily="34" charset="-34"/>
+              </a:rPr>
+              <a:t>8</a:t>
+            </a:r>
+          </a:p>
+        </p:txBody>
+      </p:sp>
+      <p:sp>
+        <p:nvSpPr>
           <p:cNvPr id="2" name="Title 1">
             <a:extLst>
               <a:ext uri="{FF2B5EF4-FFF2-40B4-BE49-F238E27FC236}">
@@ -6777,24 +11682,41 @@
             <p:ph type="title"/>
           </p:nvPr>
         </p:nvSpPr>
-        <p:spPr/>
+        <p:spPr>
+          <a:xfrm>
+            <a:off x="838200" y="-1337"/>
+            <a:ext cx="10515600" cy="1325563"/>
+          </a:xfrm>
+        </p:spPr>
         <p:txBody>
           <a:bodyPr/>
           <a:lstStyle/>
           <a:p>
             <a:r>
-              <a:rPr lang="th-TH" dirty="0"/>
+              <a:rPr lang="th-TH" dirty="0">
+                <a:latin typeface="TH SarabunPSK" panose="020B0500040200020003" pitchFamily="34" charset="-34"/>
+                <a:cs typeface="TH SarabunPSK" panose="020B0500040200020003" pitchFamily="34" charset="-34"/>
+              </a:rPr>
               <a:t>แปลงข้อมูล </a:t>
             </a:r>
             <a:r>
-              <a:rPr lang="en-US" dirty="0"/>
+              <a:rPr lang="en-US" dirty="0">
+                <a:latin typeface="TH SarabunPSK" panose="020B0500040200020003" pitchFamily="34" charset="-34"/>
+                <a:cs typeface="TH SarabunPSK" panose="020B0500040200020003" pitchFamily="34" charset="-34"/>
+              </a:rPr>
               <a:t>PCA </a:t>
             </a:r>
             <a:r>
-              <a:rPr lang="th-TH" dirty="0"/>
+              <a:rPr lang="th-TH" dirty="0">
+                <a:latin typeface="TH SarabunPSK" panose="020B0500040200020003" pitchFamily="34" charset="-34"/>
+                <a:cs typeface="TH SarabunPSK" panose="020B0500040200020003" pitchFamily="34" charset="-34"/>
+              </a:rPr>
               <a:t>ให้อยู่ในรูปแบบข้อมูลตาราง</a:t>
             </a:r>
-            <a:endParaRPr lang="en-US" dirty="0"/>
+            <a:endParaRPr lang="en-US" dirty="0">
+              <a:latin typeface="TH SarabunPSK" panose="020B0500040200020003" pitchFamily="34" charset="-34"/>
+              <a:cs typeface="TH SarabunPSK" panose="020B0500040200020003" pitchFamily="34" charset="-34"/>
+            </a:endParaRPr>
           </a:p>
         </p:txBody>
       </p:sp>
@@ -6820,43 +11742,73 @@
           <a:lstStyle/>
           <a:p>
             <a:r>
-              <a:rPr lang="th-TH" dirty="0"/>
+              <a:rPr lang="th-TH" sz="2400" dirty="0">
+                <a:latin typeface="TH SarabunPSK" panose="020B0500040200020003" pitchFamily="34" charset="-34"/>
+                <a:cs typeface="TH SarabunPSK" panose="020B0500040200020003" pitchFamily="34" charset="-34"/>
+              </a:rPr>
               <a:t>โดยจะใช้คำสั่ง </a:t>
             </a:r>
             <a:r>
-              <a:rPr lang="en-US" dirty="0" err="1"/>
+              <a:rPr lang="en-US" sz="2400" dirty="0" err="1">
+                <a:latin typeface="TH SarabunPSK" panose="020B0500040200020003" pitchFamily="34" charset="-34"/>
+                <a:cs typeface="TH SarabunPSK" panose="020B0500040200020003" pitchFamily="34" charset="-34"/>
+              </a:rPr>
               <a:t>pa.DataFrame</a:t>
             </a:r>
             <a:r>
-              <a:rPr lang="en-US" dirty="0"/>
+              <a:rPr lang="en-US" sz="2400" dirty="0">
+                <a:latin typeface="TH SarabunPSK" panose="020B0500040200020003" pitchFamily="34" charset="-34"/>
+                <a:cs typeface="TH SarabunPSK" panose="020B0500040200020003" pitchFamily="34" charset="-34"/>
+              </a:rPr>
               <a:t>(‘</a:t>
             </a:r>
             <a:r>
-              <a:rPr lang="th-TH" dirty="0"/>
+              <a:rPr lang="th-TH" sz="2400" dirty="0">
+                <a:latin typeface="TH SarabunPSK" panose="020B0500040200020003" pitchFamily="34" charset="-34"/>
+                <a:cs typeface="TH SarabunPSK" panose="020B0500040200020003" pitchFamily="34" charset="-34"/>
+              </a:rPr>
               <a:t>ตัวแปรที่ใช้เก็บข้อมูล</a:t>
             </a:r>
             <a:r>
-              <a:rPr lang="en-US" dirty="0"/>
+              <a:rPr lang="en-US" sz="2400" dirty="0">
+                <a:latin typeface="TH SarabunPSK" panose="020B0500040200020003" pitchFamily="34" charset="-34"/>
+                <a:cs typeface="TH SarabunPSK" panose="020B0500040200020003" pitchFamily="34" charset="-34"/>
+              </a:rPr>
               <a:t> array PCA ’, columns=[‘</a:t>
             </a:r>
             <a:r>
-              <a:rPr lang="th-TH" dirty="0"/>
+              <a:rPr lang="th-TH" sz="2400" dirty="0">
+                <a:latin typeface="TH SarabunPSK" panose="020B0500040200020003" pitchFamily="34" charset="-34"/>
+                <a:cs typeface="TH SarabunPSK" panose="020B0500040200020003" pitchFamily="34" charset="-34"/>
+              </a:rPr>
               <a:t>ชื่อคอลัมน์ที่ต้องการ </a:t>
             </a:r>
             <a:r>
-              <a:rPr lang="en-US" dirty="0"/>
+              <a:rPr lang="en-US" sz="2400" dirty="0">
+                <a:latin typeface="TH SarabunPSK" panose="020B0500040200020003" pitchFamily="34" charset="-34"/>
+                <a:cs typeface="TH SarabunPSK" panose="020B0500040200020003" pitchFamily="34" charset="-34"/>
+              </a:rPr>
               <a:t>4 </a:t>
             </a:r>
             <a:r>
-              <a:rPr lang="th-TH" dirty="0"/>
+              <a:rPr lang="th-TH" sz="2400" dirty="0">
+                <a:latin typeface="TH SarabunPSK" panose="020B0500040200020003" pitchFamily="34" charset="-34"/>
+                <a:cs typeface="TH SarabunPSK" panose="020B0500040200020003" pitchFamily="34" charset="-34"/>
+              </a:rPr>
               <a:t>คอลัมน์</a:t>
             </a:r>
             <a:r>
-              <a:rPr lang="en-US" dirty="0"/>
+              <a:rPr lang="en-US" sz="2400" dirty="0">
+                <a:latin typeface="TH SarabunPSK" panose="020B0500040200020003" pitchFamily="34" charset="-34"/>
+                <a:cs typeface="TH SarabunPSK" panose="020B0500040200020003" pitchFamily="34" charset="-34"/>
+              </a:rPr>
               <a:t>’])</a:t>
             </a:r>
             <a:r>
-              <a:rPr lang="th-TH" dirty="0"/>
+              <a:rPr lang="th-TH" sz="2400" dirty="0">
+                <a:latin typeface="TH SarabunPSK" panose="020B0500040200020003" pitchFamily="34" charset="-34"/>
+                <a:cs typeface="TH SarabunPSK" panose="020B0500040200020003" pitchFamily="34" charset="-34"/>
+              </a:rPr>
               <a:t> เช่น </a:t>
             </a:r>
           </a:p>
@@ -7039,15 +11991,15 @@
           <p:nvPr/>
         </p:nvPicPr>
         <p:blipFill>
-          <a:blip r:embed="rId3"/>
+          <a:blip r:embed="rId4"/>
           <a:stretch>
             <a:fillRect/>
           </a:stretch>
         </p:blipFill>
         <p:spPr>
           <a:xfrm>
-            <a:off x="4760422" y="3429000"/>
-            <a:ext cx="2671156" cy="3249362"/>
+            <a:off x="4950331" y="2802966"/>
+            <a:ext cx="2291337" cy="2787326"/>
           </a:xfrm>
           <a:prstGeom prst="rect">
             <a:avLst/>
@@ -7057,7 +12009,7 @@
     </p:spTree>
     <p:extLst>
       <p:ext uri="{BB962C8B-B14F-4D97-AF65-F5344CB8AC3E}">
-        <p14:creationId xmlns:p14="http://schemas.microsoft.com/office/powerpoint/2010/main" val="2841379055"/>
+        <p14:creationId xmlns:p14="http://schemas.microsoft.com/office/powerpoint/2010/main" val="3985217874"/>
       </p:ext>
     </p:extLst>
   </p:cSld>
